--- a/apresentacao.pptx
+++ b/apresentacao.pptx
@@ -4,11 +4,15 @@
   <p:sldMasterIdLst>
     <p:sldMasterId id="2147483648" r:id="rId1"/>
   </p:sldMasterIdLst>
+  <p:notesMasterIdLst>
+    <p:notesMasterId r:id="rId7"/>
+  </p:notesMasterIdLst>
   <p:sldIdLst>
     <p:sldId id="256" r:id="rId2"/>
     <p:sldId id="257" r:id="rId3"/>
     <p:sldId id="258" r:id="rId4"/>
     <p:sldId id="259" r:id="rId5"/>
+    <p:sldId id="260" r:id="rId6"/>
   </p:sldIdLst>
   <p:sldSz cx="9144000" cy="6858000" type="screen4x3"/>
   <p:notesSz cx="6858000" cy="9144000"/>
@@ -108,6 +112,440 @@
     </a:lvl9pPr>
   </p:defaultTextStyle>
 </p:presentation>
+</file>
+
+<file path=ppt/notesMasters/notesMaster1.xml><?xml version="1.0" encoding="utf-8"?>
+<p:notesMaster xmlns:a="http://schemas.openxmlformats.org/drawingml/2006/main" xmlns:r="http://schemas.openxmlformats.org/officeDocument/2006/relationships" xmlns:p="http://schemas.openxmlformats.org/presentationml/2006/main">
+  <p:cSld>
+    <p:bg>
+      <p:bgRef idx="1001">
+        <a:schemeClr val="bg1"/>
+      </p:bgRef>
+    </p:bg>
+    <p:spTree>
+      <p:nvGrpSpPr>
+        <p:cNvPr id="1" name=""/>
+        <p:cNvGrpSpPr/>
+        <p:nvPr/>
+      </p:nvGrpSpPr>
+      <p:grpSpPr>
+        <a:xfrm>
+          <a:off x="0" y="0"/>
+          <a:ext cx="0" cy="0"/>
+          <a:chOff x="0" y="0"/>
+          <a:chExt cx="0" cy="0"/>
+        </a:xfrm>
+      </p:grpSpPr>
+      <p:sp>
+        <p:nvSpPr>
+          <p:cNvPr id="2" name="Espaço Reservado para Cabeçalho 1"/>
+          <p:cNvSpPr>
+            <a:spLocks noGrp="1"/>
+          </p:cNvSpPr>
+          <p:nvPr>
+            <p:ph type="hdr" sz="quarter"/>
+          </p:nvPr>
+        </p:nvSpPr>
+        <p:spPr>
+          <a:xfrm>
+            <a:off x="0" y="0"/>
+            <a:ext cx="2971800" cy="457200"/>
+          </a:xfrm>
+          <a:prstGeom prst="rect">
+            <a:avLst/>
+          </a:prstGeom>
+        </p:spPr>
+        <p:txBody>
+          <a:bodyPr vert="horz" lIns="91440" tIns="45720" rIns="91440" bIns="45720" rtlCol="0"/>
+          <a:lstStyle>
+            <a:lvl1pPr algn="l">
+              <a:defRPr sz="1200"/>
+            </a:lvl1pPr>
+          </a:lstStyle>
+          <a:p>
+            <a:endParaRPr lang="pt-BR"/>
+          </a:p>
+        </p:txBody>
+      </p:sp>
+      <p:sp>
+        <p:nvSpPr>
+          <p:cNvPr id="3" name="Espaço Reservado para Data 2"/>
+          <p:cNvSpPr>
+            <a:spLocks noGrp="1"/>
+          </p:cNvSpPr>
+          <p:nvPr>
+            <p:ph type="dt" idx="1"/>
+          </p:nvPr>
+        </p:nvSpPr>
+        <p:spPr>
+          <a:xfrm>
+            <a:off x="3884613" y="0"/>
+            <a:ext cx="2971800" cy="457200"/>
+          </a:xfrm>
+          <a:prstGeom prst="rect">
+            <a:avLst/>
+          </a:prstGeom>
+        </p:spPr>
+        <p:txBody>
+          <a:bodyPr vert="horz" lIns="91440" tIns="45720" rIns="91440" bIns="45720" rtlCol="0"/>
+          <a:lstStyle>
+            <a:lvl1pPr algn="r">
+              <a:defRPr sz="1200"/>
+            </a:lvl1pPr>
+          </a:lstStyle>
+          <a:p>
+            <a:fld id="{DDCD5DCB-A009-4148-877C-CDF72DE77229}" type="datetimeFigureOut">
+              <a:rPr lang="pt-BR" smtClean="0"/>
+              <a:t>18/06/2016</a:t>
+            </a:fld>
+            <a:endParaRPr lang="pt-BR"/>
+          </a:p>
+        </p:txBody>
+      </p:sp>
+      <p:sp>
+        <p:nvSpPr>
+          <p:cNvPr id="4" name="Espaço Reservado para Imagem de Slide 3"/>
+          <p:cNvSpPr>
+            <a:spLocks noGrp="1" noRot="1" noChangeAspect="1"/>
+          </p:cNvSpPr>
+          <p:nvPr>
+            <p:ph type="sldImg" idx="2"/>
+          </p:nvPr>
+        </p:nvSpPr>
+        <p:spPr>
+          <a:xfrm>
+            <a:off x="1143000" y="685800"/>
+            <a:ext cx="4572000" cy="3429000"/>
+          </a:xfrm>
+          <a:prstGeom prst="rect">
+            <a:avLst/>
+          </a:prstGeom>
+          <a:noFill/>
+          <a:ln w="12700">
+            <a:solidFill>
+              <a:prstClr val="black"/>
+            </a:solidFill>
+          </a:ln>
+        </p:spPr>
+        <p:txBody>
+          <a:bodyPr vert="horz" lIns="91440" tIns="45720" rIns="91440" bIns="45720" rtlCol="0" anchor="ctr"/>
+          <a:lstStyle/>
+          <a:p>
+            <a:endParaRPr lang="pt-BR"/>
+          </a:p>
+        </p:txBody>
+      </p:sp>
+      <p:sp>
+        <p:nvSpPr>
+          <p:cNvPr id="5" name="Espaço Reservado para Anotações 4"/>
+          <p:cNvSpPr>
+            <a:spLocks noGrp="1"/>
+          </p:cNvSpPr>
+          <p:nvPr>
+            <p:ph type="body" sz="quarter" idx="3"/>
+          </p:nvPr>
+        </p:nvSpPr>
+        <p:spPr>
+          <a:xfrm>
+            <a:off x="685800" y="4343400"/>
+            <a:ext cx="5486400" cy="4114800"/>
+          </a:xfrm>
+          <a:prstGeom prst="rect">
+            <a:avLst/>
+          </a:prstGeom>
+        </p:spPr>
+        <p:txBody>
+          <a:bodyPr vert="horz" lIns="91440" tIns="45720" rIns="91440" bIns="45720" rtlCol="0"/>
+          <a:lstStyle/>
+          <a:p>
+            <a:pPr lvl="0"/>
+            <a:r>
+              <a:rPr lang="pt-BR" smtClean="0"/>
+              <a:t>Clique para editar o texto mestre</a:t>
+            </a:r>
+          </a:p>
+          <a:p>
+            <a:pPr lvl="1"/>
+            <a:r>
+              <a:rPr lang="pt-BR" smtClean="0"/>
+              <a:t>Segundo nível</a:t>
+            </a:r>
+          </a:p>
+          <a:p>
+            <a:pPr lvl="2"/>
+            <a:r>
+              <a:rPr lang="pt-BR" smtClean="0"/>
+              <a:t>Terceiro nível</a:t>
+            </a:r>
+          </a:p>
+          <a:p>
+            <a:pPr lvl="3"/>
+            <a:r>
+              <a:rPr lang="pt-BR" smtClean="0"/>
+              <a:t>Quarto nível</a:t>
+            </a:r>
+          </a:p>
+          <a:p>
+            <a:pPr lvl="4"/>
+            <a:r>
+              <a:rPr lang="pt-BR" smtClean="0"/>
+              <a:t>Quinto nível</a:t>
+            </a:r>
+            <a:endParaRPr lang="pt-BR"/>
+          </a:p>
+        </p:txBody>
+      </p:sp>
+      <p:sp>
+        <p:nvSpPr>
+          <p:cNvPr id="6" name="Espaço Reservado para Rodapé 5"/>
+          <p:cNvSpPr>
+            <a:spLocks noGrp="1"/>
+          </p:cNvSpPr>
+          <p:nvPr>
+            <p:ph type="ftr" sz="quarter" idx="4"/>
+          </p:nvPr>
+        </p:nvSpPr>
+        <p:spPr>
+          <a:xfrm>
+            <a:off x="0" y="8685213"/>
+            <a:ext cx="2971800" cy="457200"/>
+          </a:xfrm>
+          <a:prstGeom prst="rect">
+            <a:avLst/>
+          </a:prstGeom>
+        </p:spPr>
+        <p:txBody>
+          <a:bodyPr vert="horz" lIns="91440" tIns="45720" rIns="91440" bIns="45720" rtlCol="0" anchor="b"/>
+          <a:lstStyle>
+            <a:lvl1pPr algn="l">
+              <a:defRPr sz="1200"/>
+            </a:lvl1pPr>
+          </a:lstStyle>
+          <a:p>
+            <a:endParaRPr lang="pt-BR"/>
+          </a:p>
+        </p:txBody>
+      </p:sp>
+      <p:sp>
+        <p:nvSpPr>
+          <p:cNvPr id="7" name="Espaço Reservado para Número de Slide 6"/>
+          <p:cNvSpPr>
+            <a:spLocks noGrp="1"/>
+          </p:cNvSpPr>
+          <p:nvPr>
+            <p:ph type="sldNum" sz="quarter" idx="5"/>
+          </p:nvPr>
+        </p:nvSpPr>
+        <p:spPr>
+          <a:xfrm>
+            <a:off x="3884613" y="8685213"/>
+            <a:ext cx="2971800" cy="457200"/>
+          </a:xfrm>
+          <a:prstGeom prst="rect">
+            <a:avLst/>
+          </a:prstGeom>
+        </p:spPr>
+        <p:txBody>
+          <a:bodyPr vert="horz" lIns="91440" tIns="45720" rIns="91440" bIns="45720" rtlCol="0" anchor="b"/>
+          <a:lstStyle>
+            <a:lvl1pPr algn="r">
+              <a:defRPr sz="1200"/>
+            </a:lvl1pPr>
+          </a:lstStyle>
+          <a:p>
+            <a:fld id="{068D343B-478A-471E-AE44-BB7FD21719B8}" type="slidenum">
+              <a:rPr lang="pt-BR" smtClean="0"/>
+              <a:t>‹nº›</a:t>
+            </a:fld>
+            <a:endParaRPr lang="pt-BR"/>
+          </a:p>
+        </p:txBody>
+      </p:sp>
+    </p:spTree>
+    <p:extLst>
+      <p:ext uri="{BB962C8B-B14F-4D97-AF65-F5344CB8AC3E}">
+        <p14:creationId xmlns:p14="http://schemas.microsoft.com/office/powerpoint/2010/main" val="3187762684"/>
+      </p:ext>
+    </p:extLst>
+  </p:cSld>
+  <p:clrMap bg1="lt1" tx1="dk1" bg2="lt2" tx2="dk2" accent1="accent1" accent2="accent2" accent3="accent3" accent4="accent4" accent5="accent5" accent6="accent6" hlink="hlink" folHlink="folHlink"/>
+  <p:notesStyle>
+    <a:lvl1pPr marL="0" algn="l" defTabSz="914400" rtl="0" eaLnBrk="1" latinLnBrk="0" hangingPunct="1">
+      <a:defRPr sz="1200" kern="1200">
+        <a:solidFill>
+          <a:schemeClr val="tx1"/>
+        </a:solidFill>
+        <a:latin typeface="+mn-lt"/>
+        <a:ea typeface="+mn-ea"/>
+        <a:cs typeface="+mn-cs"/>
+      </a:defRPr>
+    </a:lvl1pPr>
+    <a:lvl2pPr marL="457200" algn="l" defTabSz="914400" rtl="0" eaLnBrk="1" latinLnBrk="0" hangingPunct="1">
+      <a:defRPr sz="1200" kern="1200">
+        <a:solidFill>
+          <a:schemeClr val="tx1"/>
+        </a:solidFill>
+        <a:latin typeface="+mn-lt"/>
+        <a:ea typeface="+mn-ea"/>
+        <a:cs typeface="+mn-cs"/>
+      </a:defRPr>
+    </a:lvl2pPr>
+    <a:lvl3pPr marL="914400" algn="l" defTabSz="914400" rtl="0" eaLnBrk="1" latinLnBrk="0" hangingPunct="1">
+      <a:defRPr sz="1200" kern="1200">
+        <a:solidFill>
+          <a:schemeClr val="tx1"/>
+        </a:solidFill>
+        <a:latin typeface="+mn-lt"/>
+        <a:ea typeface="+mn-ea"/>
+        <a:cs typeface="+mn-cs"/>
+      </a:defRPr>
+    </a:lvl3pPr>
+    <a:lvl4pPr marL="1371600" algn="l" defTabSz="914400" rtl="0" eaLnBrk="1" latinLnBrk="0" hangingPunct="1">
+      <a:defRPr sz="1200" kern="1200">
+        <a:solidFill>
+          <a:schemeClr val="tx1"/>
+        </a:solidFill>
+        <a:latin typeface="+mn-lt"/>
+        <a:ea typeface="+mn-ea"/>
+        <a:cs typeface="+mn-cs"/>
+      </a:defRPr>
+    </a:lvl4pPr>
+    <a:lvl5pPr marL="1828800" algn="l" defTabSz="914400" rtl="0" eaLnBrk="1" latinLnBrk="0" hangingPunct="1">
+      <a:defRPr sz="1200" kern="1200">
+        <a:solidFill>
+          <a:schemeClr val="tx1"/>
+        </a:solidFill>
+        <a:latin typeface="+mn-lt"/>
+        <a:ea typeface="+mn-ea"/>
+        <a:cs typeface="+mn-cs"/>
+      </a:defRPr>
+    </a:lvl5pPr>
+    <a:lvl6pPr marL="2286000" algn="l" defTabSz="914400" rtl="0" eaLnBrk="1" latinLnBrk="0" hangingPunct="1">
+      <a:defRPr sz="1200" kern="1200">
+        <a:solidFill>
+          <a:schemeClr val="tx1"/>
+        </a:solidFill>
+        <a:latin typeface="+mn-lt"/>
+        <a:ea typeface="+mn-ea"/>
+        <a:cs typeface="+mn-cs"/>
+      </a:defRPr>
+    </a:lvl6pPr>
+    <a:lvl7pPr marL="2743200" algn="l" defTabSz="914400" rtl="0" eaLnBrk="1" latinLnBrk="0" hangingPunct="1">
+      <a:defRPr sz="1200" kern="1200">
+        <a:solidFill>
+          <a:schemeClr val="tx1"/>
+        </a:solidFill>
+        <a:latin typeface="+mn-lt"/>
+        <a:ea typeface="+mn-ea"/>
+        <a:cs typeface="+mn-cs"/>
+      </a:defRPr>
+    </a:lvl7pPr>
+    <a:lvl8pPr marL="3200400" algn="l" defTabSz="914400" rtl="0" eaLnBrk="1" latinLnBrk="0" hangingPunct="1">
+      <a:defRPr sz="1200" kern="1200">
+        <a:solidFill>
+          <a:schemeClr val="tx1"/>
+        </a:solidFill>
+        <a:latin typeface="+mn-lt"/>
+        <a:ea typeface="+mn-ea"/>
+        <a:cs typeface="+mn-cs"/>
+      </a:defRPr>
+    </a:lvl8pPr>
+    <a:lvl9pPr marL="3657600" algn="l" defTabSz="914400" rtl="0" eaLnBrk="1" latinLnBrk="0" hangingPunct="1">
+      <a:defRPr sz="1200" kern="1200">
+        <a:solidFill>
+          <a:schemeClr val="tx1"/>
+        </a:solidFill>
+        <a:latin typeface="+mn-lt"/>
+        <a:ea typeface="+mn-ea"/>
+        <a:cs typeface="+mn-cs"/>
+      </a:defRPr>
+    </a:lvl9pPr>
+  </p:notesStyle>
+</p:notesMaster>
+</file>
+
+<file path=ppt/notesSlides/notesSlide1.xml><?xml version="1.0" encoding="utf-8"?>
+<p:notes xmlns:a="http://schemas.openxmlformats.org/drawingml/2006/main" xmlns:r="http://schemas.openxmlformats.org/officeDocument/2006/relationships" xmlns:p="http://schemas.openxmlformats.org/presentationml/2006/main">
+  <p:cSld>
+    <p:spTree>
+      <p:nvGrpSpPr>
+        <p:cNvPr id="1" name=""/>
+        <p:cNvGrpSpPr/>
+        <p:nvPr/>
+      </p:nvGrpSpPr>
+      <p:grpSpPr>
+        <a:xfrm>
+          <a:off x="0" y="0"/>
+          <a:ext cx="0" cy="0"/>
+          <a:chOff x="0" y="0"/>
+          <a:chExt cx="0" cy="0"/>
+        </a:xfrm>
+      </p:grpSpPr>
+      <p:sp>
+        <p:nvSpPr>
+          <p:cNvPr id="2" name="Espaço Reservado para Imagem de Slide 1"/>
+          <p:cNvSpPr>
+            <a:spLocks noGrp="1" noRot="1" noChangeAspect="1"/>
+          </p:cNvSpPr>
+          <p:nvPr>
+            <p:ph type="sldImg"/>
+          </p:nvPr>
+        </p:nvSpPr>
+        <p:spPr/>
+      </p:sp>
+      <p:sp>
+        <p:nvSpPr>
+          <p:cNvPr id="3" name="Espaço Reservado para Anotações 2"/>
+          <p:cNvSpPr>
+            <a:spLocks noGrp="1"/>
+          </p:cNvSpPr>
+          <p:nvPr>
+            <p:ph type="body" idx="1"/>
+          </p:nvPr>
+        </p:nvSpPr>
+        <p:spPr/>
+        <p:txBody>
+          <a:bodyPr/>
+          <a:lstStyle/>
+          <a:p>
+            <a:endParaRPr lang="pt-BR" dirty="0"/>
+          </a:p>
+        </p:txBody>
+      </p:sp>
+      <p:sp>
+        <p:nvSpPr>
+          <p:cNvPr id="4" name="Espaço Reservado para Número de Slide 3"/>
+          <p:cNvSpPr>
+            <a:spLocks noGrp="1"/>
+          </p:cNvSpPr>
+          <p:nvPr>
+            <p:ph type="sldNum" sz="quarter" idx="10"/>
+          </p:nvPr>
+        </p:nvSpPr>
+        <p:spPr/>
+        <p:txBody>
+          <a:bodyPr/>
+          <a:lstStyle/>
+          <a:p>
+            <a:fld id="{068D343B-478A-471E-AE44-BB7FD21719B8}" type="slidenum">
+              <a:rPr lang="pt-BR" smtClean="0"/>
+              <a:t>4</a:t>
+            </a:fld>
+            <a:endParaRPr lang="pt-BR"/>
+          </a:p>
+        </p:txBody>
+      </p:sp>
+    </p:spTree>
+    <p:extLst>
+      <p:ext uri="{BB962C8B-B14F-4D97-AF65-F5344CB8AC3E}">
+        <p14:creationId xmlns:p14="http://schemas.microsoft.com/office/powerpoint/2010/main" val="2740257162"/>
+      </p:ext>
+    </p:extLst>
+  </p:cSld>
+  <p:clrMapOvr>
+    <a:masterClrMapping/>
+  </p:clrMapOvr>
+</p:notes>
 </file>
 
 <file path=ppt/slideLayouts/slideLayout1.xml><?xml version="1.0" encoding="utf-8"?>
@@ -3086,6 +3524,13 @@
   <p:clrMapOvr>
     <a:masterClrMapping/>
   </p:clrMapOvr>
+  <p:timing>
+    <p:tnLst>
+      <p:par>
+        <p:cTn id="1" dur="indefinite" restart="never" nodeType="tmRoot"/>
+      </p:par>
+    </p:tnLst>
+  </p:timing>
 </p:sld>
 </file>
 
@@ -3195,6 +3640,13 @@
   <p:clrMapOvr>
     <a:masterClrMapping/>
   </p:clrMapOvr>
+  <p:timing>
+    <p:tnLst>
+      <p:par>
+        <p:cTn id="1" dur="indefinite" restart="never" nodeType="tmRoot"/>
+      </p:par>
+    </p:tnLst>
+  </p:timing>
 </p:sld>
 </file>
 
@@ -3244,12 +3696,95 @@
             <p:ph idx="1"/>
           </p:nvPr>
         </p:nvSpPr>
-        <p:spPr/>
-        <p:txBody>
-          <a:bodyPr/>
-          <a:lstStyle/>
-          <a:p>
-            <a:endParaRPr lang="pt-BR" dirty="0"/>
+        <p:spPr>
+          <a:xfrm>
+            <a:off x="457200" y="1600200"/>
+            <a:ext cx="8229600" cy="4525963"/>
+          </a:xfrm>
+        </p:spPr>
+        <p:txBody>
+          <a:bodyPr/>
+          <a:lstStyle/>
+          <a:p>
+            <a:pPr marL="0" indent="0">
+              <a:buNone/>
+            </a:pPr>
+            <a:r>
+              <a:rPr lang="pt-BR" sz="2400" dirty="0" smtClean="0"/>
+              <a:t>Tabelao(</a:t>
+            </a:r>
+            <a:r>
+              <a:rPr lang="pt-BR" sz="2400" u="sng" dirty="0" smtClean="0"/>
+              <a:t>idTabelao</a:t>
+            </a:r>
+            <a:r>
+              <a:rPr lang="pt-BR" sz="2400" dirty="0" smtClean="0"/>
+              <a:t>, dominio, documento, nome, uf, cidade, cep, dataCadastro, ultimaAtt, ticket)</a:t>
+            </a:r>
+          </a:p>
+          <a:p>
+            <a:pPr marL="0" indent="0">
+              <a:buNone/>
+            </a:pPr>
+            <a:endParaRPr lang="pt-BR" sz="2400" dirty="0" smtClean="0"/>
+          </a:p>
+          <a:p>
+            <a:pPr marL="0" indent="0">
+              <a:buNone/>
+            </a:pPr>
+            <a:endParaRPr lang="pt-BR" sz="2400" dirty="0" smtClean="0"/>
+          </a:p>
+          <a:p>
+            <a:pPr marL="0" indent="0">
+              <a:buNone/>
+            </a:pPr>
+            <a:r>
+              <a:rPr lang="pt-BR" sz="2400" dirty="0" smtClean="0"/>
+              <a:t>Instituicao(</a:t>
+            </a:r>
+            <a:r>
+              <a:rPr lang="pt-BR" sz="2400" u="sng" dirty="0" smtClean="0"/>
+              <a:t>idInstituicao</a:t>
+            </a:r>
+            <a:r>
+              <a:rPr lang="pt-BR" sz="2400" dirty="0" smtClean="0"/>
+              <a:t>, documento, nome, uf, cidade, cep)</a:t>
+            </a:r>
+          </a:p>
+          <a:p>
+            <a:pPr marL="0" indent="0">
+              <a:buNone/>
+            </a:pPr>
+            <a:r>
+              <a:rPr lang="pt-BR" sz="2400" dirty="0" smtClean="0"/>
+              <a:t>Dominio(</a:t>
+            </a:r>
+            <a:r>
+              <a:rPr lang="pt-BR" sz="2400" u="sng" dirty="0" smtClean="0"/>
+              <a:t>idDominio</a:t>
+            </a:r>
+            <a:r>
+              <a:rPr lang="pt-BR" sz="2400" dirty="0" smtClean="0"/>
+              <a:t>, dominio, dataCadastro, ultimaAtt, ticket, idInstituicao)</a:t>
+            </a:r>
+          </a:p>
+          <a:p>
+            <a:pPr marL="457200" lvl="1" indent="0">
+              <a:buNone/>
+            </a:pPr>
+            <a:r>
+              <a:rPr lang="pt-BR" sz="2000" dirty="0" smtClean="0"/>
+              <a:t>idInstituicao referencia Instuicao</a:t>
+            </a:r>
+          </a:p>
+          <a:p>
+            <a:pPr marL="57150" indent="0">
+              <a:buNone/>
+            </a:pPr>
+            <a:endParaRPr lang="pt-BR" sz="2400" dirty="0" smtClean="0"/>
+          </a:p>
+          <a:p>
+            <a:endParaRPr lang="pt-BR" u="sng" dirty="0"/>
           </a:p>
         </p:txBody>
       </p:sp>
@@ -3263,6 +3798,13 @@
   <p:clrMapOvr>
     <a:masterClrMapping/>
   </p:clrMapOvr>
+  <p:timing>
+    <p:tnLst>
+      <p:par>
+        <p:cTn id="1" dur="indefinite" restart="never" nodeType="tmRoot"/>
+      </p:par>
+    </p:tnLst>
+  </p:timing>
 </p:sld>
 </file>
 
@@ -3312,19 +3854,215 @@
             <p:ph idx="1"/>
           </p:nvPr>
         </p:nvSpPr>
-        <p:spPr/>
-        <p:txBody>
-          <a:bodyPr/>
-          <a:lstStyle/>
-          <a:p>
-            <a:endParaRPr lang="pt-BR"/>
+        <p:spPr>
+          <a:xfrm>
+            <a:off x="457200" y="1600200"/>
+            <a:ext cx="8229600" cy="4525963"/>
+          </a:xfrm>
+        </p:spPr>
+        <p:txBody>
+          <a:bodyPr>
+            <a:normAutofit/>
+          </a:bodyPr>
+          <a:lstStyle/>
+          <a:p>
+            <a:pPr marL="57150" indent="0">
+              <a:buNone/>
+            </a:pPr>
+            <a:r>
+              <a:rPr lang="pt-BR" sz="2400" dirty="0"/>
+              <a:t>Localidade(</a:t>
+            </a:r>
+            <a:r>
+              <a:rPr lang="pt-BR" sz="2400" u="sng" dirty="0"/>
+              <a:t>idLocalidade</a:t>
+            </a:r>
+            <a:r>
+              <a:rPr lang="pt-BR" sz="2400" dirty="0"/>
+              <a:t>, uf, cidade, cep)</a:t>
+            </a:r>
+            <a:endParaRPr lang="pt-BR" sz="2000" dirty="0"/>
+          </a:p>
+          <a:p>
+            <a:pPr marL="0" indent="0">
+              <a:buNone/>
+            </a:pPr>
+            <a:r>
+              <a:rPr lang="pt-BR" sz="2400" dirty="0"/>
+              <a:t>Instituicao(</a:t>
+            </a:r>
+            <a:r>
+              <a:rPr lang="pt-BR" sz="2400" u="sng" dirty="0"/>
+              <a:t>idInstituicao</a:t>
+            </a:r>
+            <a:r>
+              <a:rPr lang="pt-BR" sz="2400" dirty="0"/>
+              <a:t>, documento, nome, idLocalidade)</a:t>
+            </a:r>
+          </a:p>
+          <a:p>
+            <a:pPr marL="400050" lvl="1" indent="0">
+              <a:buNone/>
+            </a:pPr>
+            <a:r>
+              <a:rPr lang="pt-BR" sz="2000" dirty="0"/>
+              <a:t>idLocalidade referencia Localidade</a:t>
+            </a:r>
+          </a:p>
+          <a:p>
+            <a:pPr marL="0" indent="0">
+              <a:buNone/>
+            </a:pPr>
+            <a:r>
+              <a:rPr lang="pt-BR" sz="2400" dirty="0"/>
+              <a:t>Dominio(</a:t>
+            </a:r>
+            <a:r>
+              <a:rPr lang="pt-BR" sz="2400" u="sng" dirty="0"/>
+              <a:t>idDominio</a:t>
+            </a:r>
+            <a:r>
+              <a:rPr lang="pt-BR" sz="2400" dirty="0"/>
+              <a:t>, dominio, dataCadastro, ultimaAtt, ticket, idInstituicao)</a:t>
+            </a:r>
+          </a:p>
+          <a:p>
+            <a:pPr marL="457200" lvl="1" indent="0">
+              <a:buNone/>
+            </a:pPr>
+            <a:r>
+              <a:rPr lang="pt-BR" sz="2000" dirty="0"/>
+              <a:t>idInstituicao referencia Instuicao</a:t>
+            </a:r>
+          </a:p>
+          <a:p>
+            <a:pPr marL="0" indent="0">
+              <a:buNone/>
+            </a:pPr>
+            <a:endParaRPr lang="pt-BR" u="sng" dirty="0"/>
           </a:p>
         </p:txBody>
       </p:sp>
     </p:spTree>
     <p:extLst>
       <p:ext uri="{BB962C8B-B14F-4D97-AF65-F5344CB8AC3E}">
-        <p14:creationId xmlns:p14="http://schemas.microsoft.com/office/powerpoint/2010/main" val="2355278466"/>
+        <p14:creationId xmlns:p14="http://schemas.microsoft.com/office/powerpoint/2010/main" val="3416774747"/>
+      </p:ext>
+    </p:extLst>
+  </p:cSld>
+  <p:clrMapOvr>
+    <a:masterClrMapping/>
+  </p:clrMapOvr>
+  <p:timing>
+    <p:tnLst>
+      <p:par>
+        <p:cTn id="1" dur="indefinite" restart="never" nodeType="tmRoot"/>
+      </p:par>
+    </p:tnLst>
+  </p:timing>
+</p:sld>
+</file>
+
+<file path=ppt/slides/slide5.xml><?xml version="1.0" encoding="utf-8"?>
+<p:sld xmlns:a="http://schemas.openxmlformats.org/drawingml/2006/main" xmlns:r="http://schemas.openxmlformats.org/officeDocument/2006/relationships" xmlns:p="http://schemas.openxmlformats.org/presentationml/2006/main">
+  <p:cSld>
+    <p:spTree>
+      <p:nvGrpSpPr>
+        <p:cNvPr id="1" name=""/>
+        <p:cNvGrpSpPr/>
+        <p:nvPr/>
+      </p:nvGrpSpPr>
+      <p:grpSpPr>
+        <a:xfrm>
+          <a:off x="0" y="0"/>
+          <a:ext cx="0" cy="0"/>
+          <a:chOff x="0" y="0"/>
+          <a:chExt cx="0" cy="0"/>
+        </a:xfrm>
+      </p:grpSpPr>
+      <p:sp>
+        <p:nvSpPr>
+          <p:cNvPr id="2" name="Título 1"/>
+          <p:cNvSpPr>
+            <a:spLocks noGrp="1"/>
+          </p:cNvSpPr>
+          <p:nvPr>
+            <p:ph type="title"/>
+          </p:nvPr>
+        </p:nvSpPr>
+        <p:spPr/>
+        <p:txBody>
+          <a:bodyPr/>
+          <a:lstStyle/>
+          <a:p>
+            <a:endParaRPr lang="pt-BR" dirty="0"/>
+          </a:p>
+        </p:txBody>
+      </p:sp>
+      <p:sp>
+        <p:nvSpPr>
+          <p:cNvPr id="3" name="Espaço Reservado para Conteúdo 2"/>
+          <p:cNvSpPr>
+            <a:spLocks noGrp="1"/>
+          </p:cNvSpPr>
+          <p:nvPr>
+            <p:ph idx="1"/>
+          </p:nvPr>
+        </p:nvSpPr>
+        <p:spPr/>
+        <p:txBody>
+          <a:bodyPr/>
+          <a:lstStyle/>
+          <a:p>
+            <a:endParaRPr lang="pt-BR"/>
+          </a:p>
+        </p:txBody>
+      </p:sp>
+      <p:pic>
+        <p:nvPicPr>
+          <p:cNvPr id="1027" name="Picture 3" descr="D:\Google Drive\facul\semestre_04\fundBD\fundBD-elc119\Relacional.jpg"/>
+          <p:cNvPicPr>
+            <a:picLocks noChangeAspect="1" noChangeArrowheads="1"/>
+          </p:cNvPicPr>
+          <p:nvPr/>
+        </p:nvPicPr>
+        <p:blipFill>
+          <a:blip r:embed="rId2">
+            <a:extLst>
+              <a:ext uri="{28A0092B-C50C-407E-A947-70E740481C1C}">
+                <a14:useLocalDpi xmlns:a14="http://schemas.microsoft.com/office/drawing/2010/main" val="0"/>
+              </a:ext>
+            </a:extLst>
+          </a:blip>
+          <a:srcRect/>
+          <a:stretch>
+            <a:fillRect/>
+          </a:stretch>
+        </p:blipFill>
+        <p:spPr bwMode="auto">
+          <a:xfrm>
+            <a:off x="251520" y="764704"/>
+            <a:ext cx="8493225" cy="5095935"/>
+          </a:xfrm>
+          <a:prstGeom prst="rect">
+            <a:avLst/>
+          </a:prstGeom>
+          <a:noFill/>
+          <a:extLst>
+            <a:ext uri="{909E8E84-426E-40DD-AFC4-6F175D3DCCD1}">
+              <a14:hiddenFill xmlns:a14="http://schemas.microsoft.com/office/drawing/2010/main">
+                <a:solidFill>
+                  <a:srgbClr val="FFFFFF"/>
+                </a:solidFill>
+              </a14:hiddenFill>
+            </a:ext>
+          </a:extLst>
+        </p:spPr>
+      </p:pic>
+    </p:spTree>
+    <p:extLst>
+      <p:ext uri="{BB962C8B-B14F-4D97-AF65-F5344CB8AC3E}">
+        <p14:creationId xmlns:p14="http://schemas.microsoft.com/office/powerpoint/2010/main" val="3606104919"/>
       </p:ext>
     </p:extLst>
   </p:cSld>
@@ -3615,4 +4353,289 @@
   <a:objectDefaults/>
   <a:extraClrSchemeLst/>
 </a:theme>
+</file>
+
+<file path=ppt/theme/theme2.xml><?xml version="1.0" encoding="utf-8"?>
+<a:theme xmlns:a="http://schemas.openxmlformats.org/drawingml/2006/main" name="Tema do Office">
+  <a:themeElements>
+    <a:clrScheme name="Escritório">
+      <a:dk1>
+        <a:sysClr val="windowText" lastClr="000000"/>
+      </a:dk1>
+      <a:lt1>
+        <a:sysClr val="window" lastClr="FFFFFF"/>
+      </a:lt1>
+      <a:dk2>
+        <a:srgbClr val="1F497D"/>
+      </a:dk2>
+      <a:lt2>
+        <a:srgbClr val="EEECE1"/>
+      </a:lt2>
+      <a:accent1>
+        <a:srgbClr val="4F81BD"/>
+      </a:accent1>
+      <a:accent2>
+        <a:srgbClr val="C0504D"/>
+      </a:accent2>
+      <a:accent3>
+        <a:srgbClr val="9BBB59"/>
+      </a:accent3>
+      <a:accent4>
+        <a:srgbClr val="8064A2"/>
+      </a:accent4>
+      <a:accent5>
+        <a:srgbClr val="4BACC6"/>
+      </a:accent5>
+      <a:accent6>
+        <a:srgbClr val="F79646"/>
+      </a:accent6>
+      <a:hlink>
+        <a:srgbClr val="0000FF"/>
+      </a:hlink>
+      <a:folHlink>
+        <a:srgbClr val="800080"/>
+      </a:folHlink>
+    </a:clrScheme>
+    <a:fontScheme name="Escritório">
+      <a:majorFont>
+        <a:latin typeface="Calibri"/>
+        <a:ea typeface=""/>
+        <a:cs typeface=""/>
+        <a:font script="Jpan" typeface="ＭＳ Ｐゴシック"/>
+        <a:font script="Hang" typeface="맑은 고딕"/>
+        <a:font script="Hans" typeface="宋体"/>
+        <a:font script="Hant" typeface="新細明體"/>
+        <a:font script="Arab" typeface="Times New Roman"/>
+        <a:font script="Hebr" typeface="Times New Roman"/>
+        <a:font script="Thai" typeface="Angsana New"/>
+        <a:font script="Ethi" typeface="Nyala"/>
+        <a:font script="Beng" typeface="Vrinda"/>
+        <a:font script="Gujr" typeface="Shruti"/>
+        <a:font script="Khmr" typeface="MoolBoran"/>
+        <a:font script="Knda" typeface="Tunga"/>
+        <a:font script="Guru" typeface="Raavi"/>
+        <a:font script="Cans" typeface="Euphemia"/>
+        <a:font script="Cher" typeface="Plantagenet Cherokee"/>
+        <a:font script="Yiii" typeface="Microsoft Yi Baiti"/>
+        <a:font script="Tibt" typeface="Microsoft Himalaya"/>
+        <a:font script="Thaa" typeface="MV Boli"/>
+        <a:font script="Deva" typeface="Mangal"/>
+        <a:font script="Telu" typeface="Gautami"/>
+        <a:font script="Taml" typeface="Latha"/>
+        <a:font script="Syrc" typeface="Estrangelo Edessa"/>
+        <a:font script="Orya" typeface="Kalinga"/>
+        <a:font script="Mlym" typeface="Kartika"/>
+        <a:font script="Laoo" typeface="DokChampa"/>
+        <a:font script="Sinh" typeface="Iskoola Pota"/>
+        <a:font script="Mong" typeface="Mongolian Baiti"/>
+        <a:font script="Viet" typeface="Times New Roman"/>
+        <a:font script="Uigh" typeface="Microsoft Uighur"/>
+        <a:font script="Geor" typeface="Sylfaen"/>
+      </a:majorFont>
+      <a:minorFont>
+        <a:latin typeface="Calibri"/>
+        <a:ea typeface=""/>
+        <a:cs typeface=""/>
+        <a:font script="Jpan" typeface="ＭＳ Ｐゴシック"/>
+        <a:font script="Hang" typeface="맑은 고딕"/>
+        <a:font script="Hans" typeface="宋体"/>
+        <a:font script="Hant" typeface="新細明體"/>
+        <a:font script="Arab" typeface="Arial"/>
+        <a:font script="Hebr" typeface="Arial"/>
+        <a:font script="Thai" typeface="Cordia New"/>
+        <a:font script="Ethi" typeface="Nyala"/>
+        <a:font script="Beng" typeface="Vrinda"/>
+        <a:font script="Gujr" typeface="Shruti"/>
+        <a:font script="Khmr" typeface="DaunPenh"/>
+        <a:font script="Knda" typeface="Tunga"/>
+        <a:font script="Guru" typeface="Raavi"/>
+        <a:font script="Cans" typeface="Euphemia"/>
+        <a:font script="Cher" typeface="Plantagenet Cherokee"/>
+        <a:font script="Yiii" typeface="Microsoft Yi Baiti"/>
+        <a:font script="Tibt" typeface="Microsoft Himalaya"/>
+        <a:font script="Thaa" typeface="MV Boli"/>
+        <a:font script="Deva" typeface="Mangal"/>
+        <a:font script="Telu" typeface="Gautami"/>
+        <a:font script="Taml" typeface="Latha"/>
+        <a:font script="Syrc" typeface="Estrangelo Edessa"/>
+        <a:font script="Orya" typeface="Kalinga"/>
+        <a:font script="Mlym" typeface="Kartika"/>
+        <a:font script="Laoo" typeface="DokChampa"/>
+        <a:font script="Sinh" typeface="Iskoola Pota"/>
+        <a:font script="Mong" typeface="Mongolian Baiti"/>
+        <a:font script="Viet" typeface="Arial"/>
+        <a:font script="Uigh" typeface="Microsoft Uighur"/>
+        <a:font script="Geor" typeface="Sylfaen"/>
+      </a:minorFont>
+    </a:fontScheme>
+    <a:fmtScheme name="Escritório">
+      <a:fillStyleLst>
+        <a:solidFill>
+          <a:schemeClr val="phClr"/>
+        </a:solidFill>
+        <a:gradFill rotWithShape="1">
+          <a:gsLst>
+            <a:gs pos="0">
+              <a:schemeClr val="phClr">
+                <a:tint val="50000"/>
+                <a:satMod val="300000"/>
+              </a:schemeClr>
+            </a:gs>
+            <a:gs pos="35000">
+              <a:schemeClr val="phClr">
+                <a:tint val="37000"/>
+                <a:satMod val="300000"/>
+              </a:schemeClr>
+            </a:gs>
+            <a:gs pos="100000">
+              <a:schemeClr val="phClr">
+                <a:tint val="15000"/>
+                <a:satMod val="350000"/>
+              </a:schemeClr>
+            </a:gs>
+          </a:gsLst>
+          <a:lin ang="16200000" scaled="1"/>
+        </a:gradFill>
+        <a:gradFill rotWithShape="1">
+          <a:gsLst>
+            <a:gs pos="0">
+              <a:schemeClr val="phClr">
+                <a:shade val="51000"/>
+                <a:satMod val="130000"/>
+              </a:schemeClr>
+            </a:gs>
+            <a:gs pos="80000">
+              <a:schemeClr val="phClr">
+                <a:shade val="93000"/>
+                <a:satMod val="130000"/>
+              </a:schemeClr>
+            </a:gs>
+            <a:gs pos="100000">
+              <a:schemeClr val="phClr">
+                <a:shade val="94000"/>
+                <a:satMod val="135000"/>
+              </a:schemeClr>
+            </a:gs>
+          </a:gsLst>
+          <a:lin ang="16200000" scaled="0"/>
+        </a:gradFill>
+      </a:fillStyleLst>
+      <a:lnStyleLst>
+        <a:ln w="9525" cap="flat" cmpd="sng" algn="ctr">
+          <a:solidFill>
+            <a:schemeClr val="phClr">
+              <a:shade val="95000"/>
+              <a:satMod val="105000"/>
+            </a:schemeClr>
+          </a:solidFill>
+          <a:prstDash val="solid"/>
+        </a:ln>
+        <a:ln w="25400" cap="flat" cmpd="sng" algn="ctr">
+          <a:solidFill>
+            <a:schemeClr val="phClr"/>
+          </a:solidFill>
+          <a:prstDash val="solid"/>
+        </a:ln>
+        <a:ln w="38100" cap="flat" cmpd="sng" algn="ctr">
+          <a:solidFill>
+            <a:schemeClr val="phClr"/>
+          </a:solidFill>
+          <a:prstDash val="solid"/>
+        </a:ln>
+      </a:lnStyleLst>
+      <a:effectStyleLst>
+        <a:effectStyle>
+          <a:effectLst>
+            <a:outerShdw blurRad="40000" dist="20000" dir="5400000" rotWithShape="0">
+              <a:srgbClr val="000000">
+                <a:alpha val="38000"/>
+              </a:srgbClr>
+            </a:outerShdw>
+          </a:effectLst>
+        </a:effectStyle>
+        <a:effectStyle>
+          <a:effectLst>
+            <a:outerShdw blurRad="40000" dist="23000" dir="5400000" rotWithShape="0">
+              <a:srgbClr val="000000">
+                <a:alpha val="35000"/>
+              </a:srgbClr>
+            </a:outerShdw>
+          </a:effectLst>
+        </a:effectStyle>
+        <a:effectStyle>
+          <a:effectLst>
+            <a:outerShdw blurRad="40000" dist="23000" dir="5400000" rotWithShape="0">
+              <a:srgbClr val="000000">
+                <a:alpha val="35000"/>
+              </a:srgbClr>
+            </a:outerShdw>
+          </a:effectLst>
+          <a:scene3d>
+            <a:camera prst="orthographicFront">
+              <a:rot lat="0" lon="0" rev="0"/>
+            </a:camera>
+            <a:lightRig rig="threePt" dir="t">
+              <a:rot lat="0" lon="0" rev="1200000"/>
+            </a:lightRig>
+          </a:scene3d>
+          <a:sp3d>
+            <a:bevelT w="63500" h="25400"/>
+          </a:sp3d>
+        </a:effectStyle>
+      </a:effectStyleLst>
+      <a:bgFillStyleLst>
+        <a:solidFill>
+          <a:schemeClr val="phClr"/>
+        </a:solidFill>
+        <a:gradFill rotWithShape="1">
+          <a:gsLst>
+            <a:gs pos="0">
+              <a:schemeClr val="phClr">
+                <a:tint val="40000"/>
+                <a:satMod val="350000"/>
+              </a:schemeClr>
+            </a:gs>
+            <a:gs pos="40000">
+              <a:schemeClr val="phClr">
+                <a:tint val="45000"/>
+                <a:shade val="99000"/>
+                <a:satMod val="350000"/>
+              </a:schemeClr>
+            </a:gs>
+            <a:gs pos="100000">
+              <a:schemeClr val="phClr">
+                <a:shade val="20000"/>
+                <a:satMod val="255000"/>
+              </a:schemeClr>
+            </a:gs>
+          </a:gsLst>
+          <a:path path="circle">
+            <a:fillToRect l="50000" t="-80000" r="50000" b="180000"/>
+          </a:path>
+        </a:gradFill>
+        <a:gradFill rotWithShape="1">
+          <a:gsLst>
+            <a:gs pos="0">
+              <a:schemeClr val="phClr">
+                <a:tint val="80000"/>
+                <a:satMod val="300000"/>
+              </a:schemeClr>
+            </a:gs>
+            <a:gs pos="100000">
+              <a:schemeClr val="phClr">
+                <a:shade val="30000"/>
+                <a:satMod val="200000"/>
+              </a:schemeClr>
+            </a:gs>
+          </a:gsLst>
+          <a:path path="circle">
+            <a:fillToRect l="50000" t="50000" r="50000" b="50000"/>
+          </a:path>
+        </a:gradFill>
+      </a:bgFillStyleLst>
+    </a:fmtScheme>
+  </a:themeElements>
+  <a:objectDefaults/>
+  <a:extraClrSchemeLst/>
+</a:theme>
 </file>
--- a/apresentacao.pptx
+++ b/apresentacao.pptx
@@ -2,17 +2,24 @@
 <file path=ppt/presentation.xml><?xml version="1.0" encoding="utf-8"?>
 <p:presentation xmlns:a="http://schemas.openxmlformats.org/drawingml/2006/main" xmlns:r="http://schemas.openxmlformats.org/officeDocument/2006/relationships" xmlns:p="http://schemas.openxmlformats.org/presentationml/2006/main" saveSubsetFonts="1">
   <p:sldMasterIdLst>
-    <p:sldMasterId id="2147483648" r:id="rId1"/>
+    <p:sldMasterId id="2147483684" r:id="rId1"/>
   </p:sldMasterIdLst>
   <p:notesMasterIdLst>
-    <p:notesMasterId r:id="rId7"/>
+    <p:notesMasterId r:id="rId14"/>
   </p:notesMasterIdLst>
   <p:sldIdLst>
     <p:sldId id="256" r:id="rId2"/>
-    <p:sldId id="257" r:id="rId3"/>
-    <p:sldId id="258" r:id="rId4"/>
-    <p:sldId id="259" r:id="rId5"/>
-    <p:sldId id="260" r:id="rId6"/>
+    <p:sldId id="261" r:id="rId3"/>
+    <p:sldId id="257" r:id="rId4"/>
+    <p:sldId id="262" r:id="rId5"/>
+    <p:sldId id="258" r:id="rId6"/>
+    <p:sldId id="265" r:id="rId7"/>
+    <p:sldId id="266" r:id="rId8"/>
+    <p:sldId id="264" r:id="rId9"/>
+    <p:sldId id="267" r:id="rId10"/>
+    <p:sldId id="259" r:id="rId11"/>
+    <p:sldId id="260" r:id="rId12"/>
+    <p:sldId id="263" r:id="rId13"/>
   </p:sldIdLst>
   <p:sldSz cx="9144000" cy="6858000" type="screen4x3"/>
   <p:notesSz cx="6858000" cy="9144000"/>
@@ -196,7 +203,7 @@
           <a:p>
             <a:fld id="{DDCD5DCB-A009-4148-877C-CDF72DE77229}" type="datetimeFigureOut">
               <a:rPr lang="pt-BR" smtClean="0"/>
-              <a:t>18/06/2016</a:t>
+              <a:t>19/06/2016</a:t>
             </a:fld>
             <a:endParaRPr lang="pt-BR"/>
           </a:p>
@@ -529,7 +536,7 @@
           <a:p>
             <a:fld id="{068D343B-478A-471E-AE44-BB7FD21719B8}" type="slidenum">
               <a:rPr lang="pt-BR" smtClean="0"/>
-              <a:t>4</a:t>
+              <a:t>10</a:t>
             </a:fld>
             <a:endParaRPr lang="pt-BR"/>
           </a:p>
@@ -549,7 +556,7 @@
 </file>
 
 <file path=ppt/slideLayouts/slideLayout1.xml><?xml version="1.0" encoding="utf-8"?>
-<p:sldLayout xmlns:a="http://schemas.openxmlformats.org/drawingml/2006/main" xmlns:r="http://schemas.openxmlformats.org/officeDocument/2006/relationships" xmlns:p="http://schemas.openxmlformats.org/presentationml/2006/main" type="title" preserve="1">
+<p:sldLayout xmlns:a="http://schemas.openxmlformats.org/drawingml/2006/main" xmlns:r="http://schemas.openxmlformats.org/officeDocument/2006/relationships" xmlns:p="http://schemas.openxmlformats.org/presentationml/2006/main" showMasterSp="0" type="title" preserve="1">
   <p:cSld name="Slide de título">
     <p:spTree>
       <p:nvGrpSpPr>
@@ -567,58 +574,122 @@
       </p:grpSpPr>
       <p:sp>
         <p:nvSpPr>
-          <p:cNvPr id="2" name="Título 1"/>
-          <p:cNvSpPr>
-            <a:spLocks noGrp="1"/>
-          </p:cNvSpPr>
-          <p:nvPr>
-            <p:ph type="ctrTitle"/>
-          </p:nvPr>
+          <p:cNvPr id="7" name="Rectangle 6"/>
+          <p:cNvSpPr/>
+          <p:nvPr/>
         </p:nvSpPr>
         <p:spPr>
           <a:xfrm>
-            <a:off x="685800" y="2130425"/>
-            <a:ext cx="7772400" cy="1470025"/>
+            <a:off x="7010400" y="152399"/>
+            <a:ext cx="1981200" cy="6556248"/>
+          </a:xfrm>
+          <a:prstGeom prst="rect">
+            <a:avLst/>
+          </a:prstGeom>
+          <a:solidFill>
+            <a:schemeClr val="accent1"/>
+          </a:solidFill>
+          <a:ln>
+            <a:noFill/>
+          </a:ln>
+        </p:spPr>
+        <p:style>
+          <a:lnRef idx="2">
+            <a:schemeClr val="accent1">
+              <a:shade val="50000"/>
+            </a:schemeClr>
+          </a:lnRef>
+          <a:fillRef idx="1">
+            <a:schemeClr val="accent1"/>
+          </a:fillRef>
+          <a:effectRef idx="0">
+            <a:schemeClr val="accent1"/>
+          </a:effectRef>
+          <a:fontRef idx="minor">
+            <a:schemeClr val="lt1"/>
+          </a:fontRef>
+        </p:style>
+        <p:txBody>
+          <a:bodyPr rtlCol="0" anchor="ctr"/>
+          <a:lstStyle/>
+          <a:p>
+            <a:pPr algn="ctr"/>
+            <a:endParaRPr lang="en-US"/>
+          </a:p>
+        </p:txBody>
+      </p:sp>
+      <p:sp>
+        <p:nvSpPr>
+          <p:cNvPr id="8" name="Rectangle 7"/>
+          <p:cNvSpPr/>
+          <p:nvPr/>
+        </p:nvSpPr>
+        <p:spPr>
+          <a:xfrm>
+            <a:off x="152400" y="153923"/>
+            <a:ext cx="6705600" cy="6553200"/>
+          </a:xfrm>
+          <a:prstGeom prst="rect">
+            <a:avLst/>
+          </a:prstGeom>
+          <a:solidFill>
+            <a:schemeClr val="tx2"/>
+          </a:solidFill>
+          <a:ln>
+            <a:noFill/>
+          </a:ln>
+        </p:spPr>
+        <p:style>
+          <a:lnRef idx="2">
+            <a:schemeClr val="accent1">
+              <a:shade val="50000"/>
+            </a:schemeClr>
+          </a:lnRef>
+          <a:fillRef idx="1">
+            <a:schemeClr val="accent1"/>
+          </a:fillRef>
+          <a:effectRef idx="0">
+            <a:schemeClr val="accent1"/>
+          </a:effectRef>
+          <a:fontRef idx="minor">
+            <a:schemeClr val="lt1"/>
+          </a:fontRef>
+        </p:style>
+        <p:txBody>
+          <a:bodyPr rtlCol="0" anchor="ctr"/>
+          <a:lstStyle/>
+          <a:p>
+            <a:pPr algn="ctr"/>
+            <a:endParaRPr lang="en-US"/>
+          </a:p>
+        </p:txBody>
+      </p:sp>
+      <p:sp>
+        <p:nvSpPr>
+          <p:cNvPr id="3" name="Subtitle 2"/>
+          <p:cNvSpPr>
+            <a:spLocks noGrp="1"/>
+          </p:cNvSpPr>
+          <p:nvPr>
+            <p:ph type="subTitle" idx="1"/>
+          </p:nvPr>
+        </p:nvSpPr>
+        <p:spPr>
+          <a:xfrm>
+            <a:off x="7010400" y="2052960"/>
+            <a:ext cx="1981200" cy="1828800"/>
           </a:xfrm>
         </p:spPr>
         <p:txBody>
-          <a:bodyPr/>
-          <a:lstStyle/>
-          <a:p>
-            <a:r>
-              <a:rPr lang="pt-BR" smtClean="0"/>
-              <a:t>Clique para editar o estilo do título mestre</a:t>
-            </a:r>
-            <a:endParaRPr lang="pt-BR"/>
-          </a:p>
-        </p:txBody>
-      </p:sp>
-      <p:sp>
-        <p:nvSpPr>
-          <p:cNvPr id="3" name="Subtítulo 2"/>
-          <p:cNvSpPr>
-            <a:spLocks noGrp="1"/>
-          </p:cNvSpPr>
-          <p:nvPr>
-            <p:ph type="subTitle" idx="1"/>
-          </p:nvPr>
-        </p:nvSpPr>
-        <p:spPr>
-          <a:xfrm>
-            <a:off x="1371600" y="3886200"/>
-            <a:ext cx="6400800" cy="1752600"/>
-          </a:xfrm>
-        </p:spPr>
-        <p:txBody>
-          <a:bodyPr/>
+          <a:bodyPr anchor="ctr">
+            <a:normAutofit/>
+          </a:bodyPr>
           <a:lstStyle>
-            <a:lvl1pPr marL="0" indent="0" algn="ctr">
-              <a:buNone/>
-              <a:defRPr>
+            <a:lvl1pPr marL="0" indent="0" algn="l">
+              <a:buNone/>
+              <a:defRPr sz="1900">
                 <a:solidFill>
-                  <a:schemeClr val="tx1">
-                    <a:tint val="75000"/>
-                  </a:schemeClr>
+                  <a:srgbClr val="FFFFFF"/>
                 </a:solidFill>
               </a:defRPr>
             </a:lvl1pPr>
@@ -708,13 +779,13 @@
               <a:rPr lang="pt-BR" smtClean="0"/>
               <a:t>Clique para editar o estilo do subtítulo mestre</a:t>
             </a:r>
-            <a:endParaRPr lang="pt-BR"/>
-          </a:p>
-        </p:txBody>
-      </p:sp>
-      <p:sp>
-        <p:nvSpPr>
-          <p:cNvPr id="4" name="Espaço Reservado para Data 3"/>
+            <a:endParaRPr lang="en-US" dirty="0"/>
+          </a:p>
+        </p:txBody>
+      </p:sp>
+      <p:sp>
+        <p:nvSpPr>
+          <p:cNvPr id="10" name="Date Placeholder 9"/>
           <p:cNvSpPr>
             <a:spLocks noGrp="1"/>
           </p:cNvSpPr>
@@ -725,11 +796,19 @@
         <p:spPr/>
         <p:txBody>
           <a:bodyPr/>
-          <a:lstStyle/>
+          <a:lstStyle>
+            <a:lvl1pPr>
+              <a:defRPr>
+                <a:solidFill>
+                  <a:schemeClr val="bg2"/>
+                </a:solidFill>
+              </a:defRPr>
+            </a:lvl1pPr>
+          </a:lstStyle>
           <a:p>
             <a:fld id="{2E700DB3-DBF0-4086-B675-117E7A9610B8}" type="datetimeFigureOut">
               <a:rPr lang="pt-BR" smtClean="0"/>
-              <a:t>18/06/2016</a:t>
+              <a:t>19/06/2016</a:t>
             </a:fld>
             <a:endParaRPr lang="pt-BR"/>
           </a:p>
@@ -737,43 +816,91 @@
       </p:sp>
       <p:sp>
         <p:nvSpPr>
-          <p:cNvPr id="5" name="Espaço Reservado para Rodapé 4"/>
-          <p:cNvSpPr>
-            <a:spLocks noGrp="1"/>
-          </p:cNvSpPr>
-          <p:nvPr>
-            <p:ph type="ftr" sz="quarter" idx="11"/>
+          <p:cNvPr id="11" name="Slide Number Placeholder 10"/>
+          <p:cNvSpPr>
+            <a:spLocks noGrp="1"/>
+          </p:cNvSpPr>
+          <p:nvPr>
+            <p:ph type="sldNum" sz="quarter" idx="11"/>
           </p:nvPr>
         </p:nvSpPr>
         <p:spPr/>
         <p:txBody>
           <a:bodyPr/>
-          <a:lstStyle/>
-          <a:p>
-            <a:endParaRPr lang="pt-BR"/>
-          </a:p>
-        </p:txBody>
-      </p:sp>
-      <p:sp>
-        <p:nvSpPr>
-          <p:cNvPr id="6" name="Espaço Reservado para Número de Slide 5"/>
-          <p:cNvSpPr>
-            <a:spLocks noGrp="1"/>
-          </p:cNvSpPr>
-          <p:nvPr>
-            <p:ph type="sldNum" sz="quarter" idx="12"/>
-          </p:nvPr>
-        </p:nvSpPr>
-        <p:spPr/>
-        <p:txBody>
-          <a:bodyPr/>
-          <a:lstStyle/>
+          <a:lstStyle>
+            <a:lvl1pPr>
+              <a:defRPr>
+                <a:solidFill>
+                  <a:srgbClr val="FFFFFF"/>
+                </a:solidFill>
+              </a:defRPr>
+            </a:lvl1pPr>
+          </a:lstStyle>
           <a:p>
             <a:fld id="{2119D8CF-8DEC-4D9F-84EE-ADF04DFF3391}" type="slidenum">
               <a:rPr lang="pt-BR" smtClean="0"/>
               <a:t>‹nº›</a:t>
             </a:fld>
             <a:endParaRPr lang="pt-BR"/>
+          </a:p>
+        </p:txBody>
+      </p:sp>
+      <p:sp>
+        <p:nvSpPr>
+          <p:cNvPr id="12" name="Footer Placeholder 11"/>
+          <p:cNvSpPr>
+            <a:spLocks noGrp="1"/>
+          </p:cNvSpPr>
+          <p:nvPr>
+            <p:ph type="ftr" sz="quarter" idx="12"/>
+          </p:nvPr>
+        </p:nvSpPr>
+        <p:spPr/>
+        <p:txBody>
+          <a:bodyPr/>
+          <a:lstStyle>
+            <a:lvl1pPr>
+              <a:defRPr>
+                <a:solidFill>
+                  <a:schemeClr val="bg2"/>
+                </a:solidFill>
+              </a:defRPr>
+            </a:lvl1pPr>
+          </a:lstStyle>
+          <a:p>
+            <a:endParaRPr lang="pt-BR"/>
+          </a:p>
+        </p:txBody>
+      </p:sp>
+      <p:sp>
+        <p:nvSpPr>
+          <p:cNvPr id="13" name="Title 12"/>
+          <p:cNvSpPr>
+            <a:spLocks noGrp="1"/>
+          </p:cNvSpPr>
+          <p:nvPr>
+            <p:ph type="title"/>
+          </p:nvPr>
+        </p:nvSpPr>
+        <p:spPr>
+          <a:xfrm>
+            <a:off x="457200" y="2052960"/>
+            <a:ext cx="6324600" cy="1828800"/>
+          </a:xfrm>
+        </p:spPr>
+        <p:txBody>
+          <a:bodyPr/>
+          <a:lstStyle>
+            <a:lvl1pPr algn="r">
+              <a:defRPr sz="4200" spc="150" baseline="0"/>
+            </a:lvl1pPr>
+          </a:lstStyle>
+          <a:p>
+            <a:r>
+              <a:rPr lang="pt-BR" smtClean="0"/>
+              <a:t>Clique para editar o título mestre</a:t>
+            </a:r>
+            <a:endParaRPr lang="en-US" dirty="0"/>
           </a:p>
         </p:txBody>
       </p:sp>
@@ -804,7 +931,7 @@
       </p:grpSpPr>
       <p:sp>
         <p:nvSpPr>
-          <p:cNvPr id="2" name="Título 1"/>
+          <p:cNvPr id="2" name="Title 1"/>
           <p:cNvSpPr>
             <a:spLocks noGrp="1"/>
           </p:cNvSpPr>
@@ -819,15 +946,15 @@
           <a:p>
             <a:r>
               <a:rPr lang="pt-BR" smtClean="0"/>
-              <a:t>Clique para editar o estilo do título mestre</a:t>
-            </a:r>
-            <a:endParaRPr lang="pt-BR"/>
-          </a:p>
-        </p:txBody>
-      </p:sp>
-      <p:sp>
-        <p:nvSpPr>
-          <p:cNvPr id="3" name="Espaço Reservado para Texto Vertical 2"/>
+              <a:t>Clique para editar o título mestre</a:t>
+            </a:r>
+            <a:endParaRPr lang="en-US"/>
+          </a:p>
+        </p:txBody>
+      </p:sp>
+      <p:sp>
+        <p:nvSpPr>
+          <p:cNvPr id="3" name="Vertical Text Placeholder 2"/>
           <p:cNvSpPr>
             <a:spLocks noGrp="1"/>
           </p:cNvSpPr>
@@ -843,7 +970,7 @@
             <a:pPr lvl="0"/>
             <a:r>
               <a:rPr lang="pt-BR" smtClean="0"/>
-              <a:t>Clique para editar os estilos do texto mestre</a:t>
+              <a:t>Clique para editar o texto mestre</a:t>
             </a:r>
           </a:p>
           <a:p>
@@ -873,13 +1000,13 @@
               <a:rPr lang="pt-BR" smtClean="0"/>
               <a:t>Quinto nível</a:t>
             </a:r>
-            <a:endParaRPr lang="pt-BR"/>
-          </a:p>
-        </p:txBody>
-      </p:sp>
-      <p:sp>
-        <p:nvSpPr>
-          <p:cNvPr id="4" name="Espaço Reservado para Data 3"/>
+            <a:endParaRPr lang="en-US"/>
+          </a:p>
+        </p:txBody>
+      </p:sp>
+      <p:sp>
+        <p:nvSpPr>
+          <p:cNvPr id="4" name="Date Placeholder 3"/>
           <p:cNvSpPr>
             <a:spLocks noGrp="1"/>
           </p:cNvSpPr>
@@ -894,7 +1021,7 @@
           <a:p>
             <a:fld id="{2E700DB3-DBF0-4086-B675-117E7A9610B8}" type="datetimeFigureOut">
               <a:rPr lang="pt-BR" smtClean="0"/>
-              <a:t>18/06/2016</a:t>
+              <a:t>19/06/2016</a:t>
             </a:fld>
             <a:endParaRPr lang="pt-BR"/>
           </a:p>
@@ -902,7 +1029,7 @@
       </p:sp>
       <p:sp>
         <p:nvSpPr>
-          <p:cNvPr id="5" name="Espaço Reservado para Rodapé 4"/>
+          <p:cNvPr id="5" name="Footer Placeholder 4"/>
           <p:cNvSpPr>
             <a:spLocks noGrp="1"/>
           </p:cNvSpPr>
@@ -921,7 +1048,7 @@
       </p:sp>
       <p:sp>
         <p:nvSpPr>
-          <p:cNvPr id="6" name="Espaço Reservado para Número de Slide 5"/>
+          <p:cNvPr id="6" name="Slide Number Placeholder 5"/>
           <p:cNvSpPr>
             <a:spLocks noGrp="1"/>
           </p:cNvSpPr>
@@ -951,7 +1078,7 @@
 </file>
 
 <file path=ppt/slideLayouts/slideLayout11.xml><?xml version="1.0" encoding="utf-8"?>
-<p:sldLayout xmlns:a="http://schemas.openxmlformats.org/drawingml/2006/main" xmlns:r="http://schemas.openxmlformats.org/officeDocument/2006/relationships" xmlns:p="http://schemas.openxmlformats.org/presentationml/2006/main" type="vertTitleAndTx" preserve="1">
+<p:sldLayout xmlns:a="http://schemas.openxmlformats.org/drawingml/2006/main" xmlns:r="http://schemas.openxmlformats.org/officeDocument/2006/relationships" xmlns:p="http://schemas.openxmlformats.org/presentationml/2006/main" showMasterSp="0" type="vertTitleAndTx" preserve="1">
   <p:cSld name="Título e texto verticais">
     <p:spTree>
       <p:nvGrpSpPr>
@@ -969,18 +1096,110 @@
       </p:grpSpPr>
       <p:sp>
         <p:nvSpPr>
-          <p:cNvPr id="2" name="Título Vertical 1"/>
-          <p:cNvSpPr>
-            <a:spLocks noGrp="1"/>
-          </p:cNvSpPr>
-          <p:nvPr>
-            <p:ph type="title" orient="vert"/>
-          </p:nvPr>
+          <p:cNvPr id="7" name="Rectangle 6"/>
+          <p:cNvSpPr/>
+          <p:nvPr/>
         </p:nvSpPr>
         <p:spPr>
           <a:xfrm>
-            <a:off x="6629400" y="274638"/>
-            <a:ext cx="2057400" cy="5851525"/>
+            <a:off x="152400" y="147319"/>
+            <a:ext cx="6705600" cy="6556248"/>
+          </a:xfrm>
+          <a:prstGeom prst="rect">
+            <a:avLst/>
+          </a:prstGeom>
+          <a:solidFill>
+            <a:schemeClr val="bg2"/>
+          </a:solidFill>
+          <a:ln>
+            <a:noFill/>
+          </a:ln>
+        </p:spPr>
+        <p:style>
+          <a:lnRef idx="2">
+            <a:schemeClr val="accent1">
+              <a:shade val="50000"/>
+            </a:schemeClr>
+          </a:lnRef>
+          <a:fillRef idx="1">
+            <a:schemeClr val="accent1"/>
+          </a:fillRef>
+          <a:effectRef idx="0">
+            <a:schemeClr val="accent1"/>
+          </a:effectRef>
+          <a:fontRef idx="minor">
+            <a:schemeClr val="lt1"/>
+          </a:fontRef>
+        </p:style>
+        <p:txBody>
+          <a:bodyPr rtlCol="0" anchor="ctr"/>
+          <a:lstStyle/>
+          <a:p>
+            <a:pPr algn="ctr"/>
+            <a:endParaRPr lang="en-US"/>
+          </a:p>
+        </p:txBody>
+      </p:sp>
+      <p:sp>
+        <p:nvSpPr>
+          <p:cNvPr id="8" name="Rectangle 7"/>
+          <p:cNvSpPr/>
+          <p:nvPr/>
+        </p:nvSpPr>
+        <p:spPr>
+          <a:xfrm>
+            <a:off x="7010400" y="147319"/>
+            <a:ext cx="1956046" cy="6556248"/>
+          </a:xfrm>
+          <a:prstGeom prst="rect">
+            <a:avLst/>
+          </a:prstGeom>
+          <a:solidFill>
+            <a:schemeClr val="tx2"/>
+          </a:solidFill>
+          <a:ln>
+            <a:noFill/>
+          </a:ln>
+        </p:spPr>
+        <p:style>
+          <a:lnRef idx="2">
+            <a:schemeClr val="accent1">
+              <a:shade val="50000"/>
+            </a:schemeClr>
+          </a:lnRef>
+          <a:fillRef idx="1">
+            <a:schemeClr val="accent1"/>
+          </a:fillRef>
+          <a:effectRef idx="0">
+            <a:schemeClr val="accent1"/>
+          </a:effectRef>
+          <a:fontRef idx="minor">
+            <a:schemeClr val="lt1"/>
+          </a:fontRef>
+        </p:style>
+        <p:txBody>
+          <a:bodyPr rtlCol="0" anchor="ctr"/>
+          <a:lstStyle/>
+          <a:p>
+            <a:pPr algn="ctr"/>
+            <a:endParaRPr lang="en-US"/>
+          </a:p>
+        </p:txBody>
+      </p:sp>
+      <p:sp>
+        <p:nvSpPr>
+          <p:cNvPr id="2" name="Vertical Title 1"/>
+          <p:cNvSpPr>
+            <a:spLocks noGrp="1"/>
+          </p:cNvSpPr>
+          <p:nvPr>
+            <p:ph type="title" orient="vert"/>
+          </p:nvPr>
+        </p:nvSpPr>
+        <p:spPr>
+          <a:xfrm>
+            <a:off x="7162800" y="274638"/>
+            <a:ext cx="1676400" cy="5851525"/>
           </a:xfrm>
         </p:spPr>
         <p:txBody>
@@ -989,15 +1208,15 @@
           <a:p>
             <a:r>
               <a:rPr lang="pt-BR" smtClean="0"/>
-              <a:t>Clique para editar o estilo do título mestre</a:t>
-            </a:r>
-            <a:endParaRPr lang="pt-BR"/>
-          </a:p>
-        </p:txBody>
-      </p:sp>
-      <p:sp>
-        <p:nvSpPr>
-          <p:cNvPr id="3" name="Espaço Reservado para Texto Vertical 2"/>
+              <a:t>Clique para editar o título mestre</a:t>
+            </a:r>
+            <a:endParaRPr lang="en-US" dirty="0"/>
+          </a:p>
+        </p:txBody>
+      </p:sp>
+      <p:sp>
+        <p:nvSpPr>
+          <p:cNvPr id="3" name="Vertical Text Placeholder 2"/>
           <p:cNvSpPr>
             <a:spLocks noGrp="1"/>
           </p:cNvSpPr>
@@ -1018,7 +1237,7 @@
             <a:pPr lvl="0"/>
             <a:r>
               <a:rPr lang="pt-BR" smtClean="0"/>
-              <a:t>Clique para editar os estilos do texto mestre</a:t>
+              <a:t>Clique para editar o texto mestre</a:t>
             </a:r>
           </a:p>
           <a:p>
@@ -1048,13 +1267,13 @@
               <a:rPr lang="pt-BR" smtClean="0"/>
               <a:t>Quinto nível</a:t>
             </a:r>
-            <a:endParaRPr lang="pt-BR"/>
-          </a:p>
-        </p:txBody>
-      </p:sp>
-      <p:sp>
-        <p:nvSpPr>
-          <p:cNvPr id="4" name="Espaço Reservado para Data 3"/>
+            <a:endParaRPr lang="en-US" dirty="0"/>
+          </a:p>
+        </p:txBody>
+      </p:sp>
+      <p:sp>
+        <p:nvSpPr>
+          <p:cNvPr id="4" name="Date Placeholder 3"/>
           <p:cNvSpPr>
             <a:spLocks noGrp="1"/>
           </p:cNvSpPr>
@@ -1069,7 +1288,7 @@
           <a:p>
             <a:fld id="{2E700DB3-DBF0-4086-B675-117E7A9610B8}" type="datetimeFigureOut">
               <a:rPr lang="pt-BR" smtClean="0"/>
-              <a:t>18/06/2016</a:t>
+              <a:t>19/06/2016</a:t>
             </a:fld>
             <a:endParaRPr lang="pt-BR"/>
           </a:p>
@@ -1077,7 +1296,7 @@
       </p:sp>
       <p:sp>
         <p:nvSpPr>
-          <p:cNvPr id="5" name="Espaço Reservado para Rodapé 4"/>
+          <p:cNvPr id="5" name="Footer Placeholder 4"/>
           <p:cNvSpPr>
             <a:spLocks noGrp="1"/>
           </p:cNvSpPr>
@@ -1096,7 +1315,7 @@
       </p:sp>
       <p:sp>
         <p:nvSpPr>
-          <p:cNvPr id="6" name="Espaço Reservado para Número de Slide 5"/>
+          <p:cNvPr id="6" name="Slide Number Placeholder 5"/>
           <p:cNvSpPr>
             <a:spLocks noGrp="1"/>
           </p:cNvSpPr>
@@ -1107,7 +1326,15 @@
         <p:spPr/>
         <p:txBody>
           <a:bodyPr/>
-          <a:lstStyle/>
+          <a:lstStyle>
+            <a:lvl1pPr>
+              <a:defRPr>
+                <a:solidFill>
+                  <a:schemeClr val="bg2"/>
+                </a:solidFill>
+              </a:defRPr>
+            </a:lvl1pPr>
+          </a:lstStyle>
           <a:p>
             <a:fld id="{2119D8CF-8DEC-4D9F-84EE-ADF04DFF3391}" type="slidenum">
               <a:rPr lang="pt-BR" smtClean="0"/>
@@ -1144,12 +1371,12 @@
       </p:grpSpPr>
       <p:sp>
         <p:nvSpPr>
-          <p:cNvPr id="2" name="Título 1"/>
-          <p:cNvSpPr>
-            <a:spLocks noGrp="1"/>
-          </p:cNvSpPr>
-          <p:nvPr>
-            <p:ph type="title"/>
+          <p:cNvPr id="3" name="Content Placeholder 2"/>
+          <p:cNvSpPr>
+            <a:spLocks noGrp="1"/>
+          </p:cNvSpPr>
+          <p:nvPr>
+            <p:ph idx="1"/>
           </p:nvPr>
         </p:nvSpPr>
         <p:spPr/>
@@ -1157,22 +1384,51 @@
           <a:bodyPr/>
           <a:lstStyle/>
           <a:p>
-            <a:r>
-              <a:rPr lang="pt-BR" smtClean="0"/>
-              <a:t>Clique para editar o estilo do título mestre</a:t>
-            </a:r>
-            <a:endParaRPr lang="pt-BR"/>
-          </a:p>
-        </p:txBody>
-      </p:sp>
-      <p:sp>
-        <p:nvSpPr>
-          <p:cNvPr id="3" name="Espaço Reservado para Conteúdo 2"/>
-          <p:cNvSpPr>
-            <a:spLocks noGrp="1"/>
-          </p:cNvSpPr>
-          <p:nvPr>
-            <p:ph idx="1"/>
+            <a:pPr lvl="0"/>
+            <a:r>
+              <a:rPr lang="pt-BR" smtClean="0"/>
+              <a:t>Clique para editar o texto mestre</a:t>
+            </a:r>
+          </a:p>
+          <a:p>
+            <a:pPr lvl="1"/>
+            <a:r>
+              <a:rPr lang="pt-BR" smtClean="0"/>
+              <a:t>Segundo nível</a:t>
+            </a:r>
+          </a:p>
+          <a:p>
+            <a:pPr lvl="2"/>
+            <a:r>
+              <a:rPr lang="pt-BR" smtClean="0"/>
+              <a:t>Terceiro nível</a:t>
+            </a:r>
+          </a:p>
+          <a:p>
+            <a:pPr lvl="3"/>
+            <a:r>
+              <a:rPr lang="pt-BR" smtClean="0"/>
+              <a:t>Quarto nível</a:t>
+            </a:r>
+          </a:p>
+          <a:p>
+            <a:pPr lvl="4"/>
+            <a:r>
+              <a:rPr lang="pt-BR" smtClean="0"/>
+              <a:t>Quinto nível</a:t>
+            </a:r>
+            <a:endParaRPr lang="en-US" dirty="0"/>
+          </a:p>
+        </p:txBody>
+      </p:sp>
+      <p:sp>
+        <p:nvSpPr>
+          <p:cNvPr id="4" name="Date Placeholder 3"/>
+          <p:cNvSpPr>
+            <a:spLocks noGrp="1"/>
+          </p:cNvSpPr>
+          <p:nvPr>
+            <p:ph type="dt" sz="half" idx="10"/>
           </p:nvPr>
         </p:nvSpPr>
         <p:spPr/>
@@ -1180,61 +1436,9 @@
           <a:bodyPr/>
           <a:lstStyle/>
           <a:p>
-            <a:pPr lvl="0"/>
-            <a:r>
-              <a:rPr lang="pt-BR" smtClean="0"/>
-              <a:t>Clique para editar os estilos do texto mestre</a:t>
-            </a:r>
-          </a:p>
-          <a:p>
-            <a:pPr lvl="1"/>
-            <a:r>
-              <a:rPr lang="pt-BR" smtClean="0"/>
-              <a:t>Segundo nível</a:t>
-            </a:r>
-          </a:p>
-          <a:p>
-            <a:pPr lvl="2"/>
-            <a:r>
-              <a:rPr lang="pt-BR" smtClean="0"/>
-              <a:t>Terceiro nível</a:t>
-            </a:r>
-          </a:p>
-          <a:p>
-            <a:pPr lvl="3"/>
-            <a:r>
-              <a:rPr lang="pt-BR" smtClean="0"/>
-              <a:t>Quarto nível</a:t>
-            </a:r>
-          </a:p>
-          <a:p>
-            <a:pPr lvl="4"/>
-            <a:r>
-              <a:rPr lang="pt-BR" smtClean="0"/>
-              <a:t>Quinto nível</a:t>
-            </a:r>
-            <a:endParaRPr lang="pt-BR"/>
-          </a:p>
-        </p:txBody>
-      </p:sp>
-      <p:sp>
-        <p:nvSpPr>
-          <p:cNvPr id="4" name="Espaço Reservado para Data 3"/>
-          <p:cNvSpPr>
-            <a:spLocks noGrp="1"/>
-          </p:cNvSpPr>
-          <p:nvPr>
-            <p:ph type="dt" sz="half" idx="10"/>
-          </p:nvPr>
-        </p:nvSpPr>
-        <p:spPr/>
-        <p:txBody>
-          <a:bodyPr/>
-          <a:lstStyle/>
-          <a:p>
             <a:fld id="{2E700DB3-DBF0-4086-B675-117E7A9610B8}" type="datetimeFigureOut">
               <a:rPr lang="pt-BR" smtClean="0"/>
-              <a:t>18/06/2016</a:t>
+              <a:t>19/06/2016</a:t>
             </a:fld>
             <a:endParaRPr lang="pt-BR"/>
           </a:p>
@@ -1242,7 +1446,7 @@
       </p:sp>
       <p:sp>
         <p:nvSpPr>
-          <p:cNvPr id="5" name="Espaço Reservado para Rodapé 4"/>
+          <p:cNvPr id="5" name="Footer Placeholder 4"/>
           <p:cNvSpPr>
             <a:spLocks noGrp="1"/>
           </p:cNvSpPr>
@@ -1261,7 +1465,7 @@
       </p:sp>
       <p:sp>
         <p:nvSpPr>
-          <p:cNvPr id="6" name="Espaço Reservado para Número de Slide 5"/>
+          <p:cNvPr id="6" name="Slide Number Placeholder 5"/>
           <p:cNvSpPr>
             <a:spLocks noGrp="1"/>
           </p:cNvSpPr>
@@ -1279,6 +1483,29 @@
               <a:t>‹nº›</a:t>
             </a:fld>
             <a:endParaRPr lang="pt-BR"/>
+          </a:p>
+        </p:txBody>
+      </p:sp>
+      <p:sp>
+        <p:nvSpPr>
+          <p:cNvPr id="7" name="Title 6"/>
+          <p:cNvSpPr>
+            <a:spLocks noGrp="1"/>
+          </p:cNvSpPr>
+          <p:nvPr>
+            <p:ph type="title"/>
+          </p:nvPr>
+        </p:nvSpPr>
+        <p:spPr/>
+        <p:txBody>
+          <a:bodyPr/>
+          <a:lstStyle/>
+          <a:p>
+            <a:r>
+              <a:rPr lang="pt-BR" smtClean="0"/>
+              <a:t>Clique para editar o título mestre</a:t>
+            </a:r>
+            <a:endParaRPr lang="en-US"/>
           </a:p>
         </p:txBody>
       </p:sp>
@@ -1291,7 +1518,7 @@
 </file>
 
 <file path=ppt/slideLayouts/slideLayout3.xml><?xml version="1.0" encoding="utf-8"?>
-<p:sldLayout xmlns:a="http://schemas.openxmlformats.org/drawingml/2006/main" xmlns:r="http://schemas.openxmlformats.org/officeDocument/2006/relationships" xmlns:p="http://schemas.openxmlformats.org/presentationml/2006/main" type="secHead" preserve="1">
+<p:sldLayout xmlns:a="http://schemas.openxmlformats.org/drawingml/2006/main" xmlns:r="http://schemas.openxmlformats.org/officeDocument/2006/relationships" xmlns:p="http://schemas.openxmlformats.org/presentationml/2006/main" showMasterSp="0" type="secHead" preserve="1">
   <p:cSld name="Cabeçalho da Seção">
     <p:spTree>
       <p:nvGrpSpPr>
@@ -1309,62 +1536,120 @@
       </p:grpSpPr>
       <p:sp>
         <p:nvSpPr>
-          <p:cNvPr id="2" name="Título 1"/>
-          <p:cNvSpPr>
-            <a:spLocks noGrp="1"/>
-          </p:cNvSpPr>
-          <p:nvPr>
-            <p:ph type="title"/>
-          </p:nvPr>
+          <p:cNvPr id="7" name="Rectangle 6"/>
+          <p:cNvSpPr/>
+          <p:nvPr/>
         </p:nvSpPr>
         <p:spPr>
           <a:xfrm>
-            <a:off x="722313" y="4406900"/>
-            <a:ext cx="7772400" cy="1362075"/>
+            <a:off x="7010400" y="152399"/>
+            <a:ext cx="1981200" cy="6556248"/>
+          </a:xfrm>
+          <a:prstGeom prst="rect">
+            <a:avLst/>
+          </a:prstGeom>
+          <a:solidFill>
+            <a:schemeClr val="tx2"/>
+          </a:solidFill>
+          <a:ln>
+            <a:noFill/>
+          </a:ln>
+        </p:spPr>
+        <p:style>
+          <a:lnRef idx="2">
+            <a:schemeClr val="accent1">
+              <a:shade val="50000"/>
+            </a:schemeClr>
+          </a:lnRef>
+          <a:fillRef idx="1">
+            <a:schemeClr val="accent1"/>
+          </a:fillRef>
+          <a:effectRef idx="0">
+            <a:schemeClr val="accent1"/>
+          </a:effectRef>
+          <a:fontRef idx="minor">
+            <a:schemeClr val="lt1"/>
+          </a:fontRef>
+        </p:style>
+        <p:txBody>
+          <a:bodyPr rtlCol="0" anchor="ctr"/>
+          <a:lstStyle/>
+          <a:p>
+            <a:pPr algn="ctr"/>
+            <a:endParaRPr lang="en-US"/>
+          </a:p>
+        </p:txBody>
+      </p:sp>
+      <p:sp>
+        <p:nvSpPr>
+          <p:cNvPr id="8" name="Rectangle 7"/>
+          <p:cNvSpPr/>
+          <p:nvPr/>
+        </p:nvSpPr>
+        <p:spPr>
+          <a:xfrm>
+            <a:off x="152400" y="153923"/>
+            <a:ext cx="6705600" cy="6553200"/>
+          </a:xfrm>
+          <a:prstGeom prst="rect">
+            <a:avLst/>
+          </a:prstGeom>
+          <a:solidFill>
+            <a:schemeClr val="accent1"/>
+          </a:solidFill>
+          <a:ln>
+            <a:noFill/>
+          </a:ln>
+        </p:spPr>
+        <p:style>
+          <a:lnRef idx="2">
+            <a:schemeClr val="accent1">
+              <a:shade val="50000"/>
+            </a:schemeClr>
+          </a:lnRef>
+          <a:fillRef idx="1">
+            <a:schemeClr val="accent1"/>
+          </a:fillRef>
+          <a:effectRef idx="0">
+            <a:schemeClr val="accent1"/>
+          </a:effectRef>
+          <a:fontRef idx="minor">
+            <a:schemeClr val="lt1"/>
+          </a:fontRef>
+        </p:style>
+        <p:txBody>
+          <a:bodyPr rtlCol="0" anchor="ctr"/>
+          <a:lstStyle/>
+          <a:p>
+            <a:pPr algn="ctr"/>
+            <a:endParaRPr lang="en-US"/>
+          </a:p>
+        </p:txBody>
+      </p:sp>
+      <p:sp>
+        <p:nvSpPr>
+          <p:cNvPr id="3" name="Text Placeholder 2"/>
+          <p:cNvSpPr>
+            <a:spLocks noGrp="1"/>
+          </p:cNvSpPr>
+          <p:nvPr>
+            <p:ph type="body" idx="1"/>
+          </p:nvPr>
+        </p:nvSpPr>
+        <p:spPr>
+          <a:xfrm>
+            <a:off x="7162799" y="2892277"/>
+            <a:ext cx="1600201" cy="1645920"/>
           </a:xfrm>
         </p:spPr>
         <p:txBody>
-          <a:bodyPr anchor="t"/>
-          <a:lstStyle>
-            <a:lvl1pPr algn="l">
-              <a:defRPr sz="4000" b="1" cap="all"/>
-            </a:lvl1pPr>
-          </a:lstStyle>
-          <a:p>
-            <a:r>
-              <a:rPr lang="pt-BR" smtClean="0"/>
-              <a:t>Clique para editar o estilo do título mestre</a:t>
-            </a:r>
-            <a:endParaRPr lang="pt-BR"/>
-          </a:p>
-        </p:txBody>
-      </p:sp>
-      <p:sp>
-        <p:nvSpPr>
-          <p:cNvPr id="3" name="Espaço Reservado para Texto 2"/>
-          <p:cNvSpPr>
-            <a:spLocks noGrp="1"/>
-          </p:cNvSpPr>
-          <p:nvPr>
-            <p:ph type="body" idx="1"/>
-          </p:nvPr>
-        </p:nvSpPr>
-        <p:spPr>
-          <a:xfrm>
-            <a:off x="722313" y="2906713"/>
-            <a:ext cx="7772400" cy="1500187"/>
-          </a:xfrm>
-        </p:spPr>
-        <p:txBody>
-          <a:bodyPr anchor="b"/>
+          <a:bodyPr anchor="ctr"/>
           <a:lstStyle>
             <a:lvl1pPr marL="0" indent="0">
               <a:buNone/>
               <a:defRPr sz="2000">
                 <a:solidFill>
-                  <a:schemeClr val="tx1">
-                    <a:tint val="75000"/>
-                  </a:schemeClr>
+                  <a:schemeClr val="bg2"/>
                 </a:solidFill>
               </a:defRPr>
             </a:lvl1pPr>
@@ -1453,14 +1738,14 @@
             <a:pPr lvl="0"/>
             <a:r>
               <a:rPr lang="pt-BR" smtClean="0"/>
-              <a:t>Clique para editar os estilos do texto mestre</a:t>
-            </a:r>
-          </a:p>
-        </p:txBody>
-      </p:sp>
-      <p:sp>
-        <p:nvSpPr>
-          <p:cNvPr id="4" name="Espaço Reservado para Data 3"/>
+              <a:t>Clique para editar o texto mestre</a:t>
+            </a:r>
+          </a:p>
+        </p:txBody>
+      </p:sp>
+      <p:sp>
+        <p:nvSpPr>
+          <p:cNvPr id="9" name="Date Placeholder 8"/>
           <p:cNvSpPr>
             <a:spLocks noGrp="1"/>
           </p:cNvSpPr>
@@ -1471,11 +1756,19 @@
         <p:spPr/>
         <p:txBody>
           <a:bodyPr/>
-          <a:lstStyle/>
+          <a:lstStyle>
+            <a:lvl1pPr>
+              <a:defRPr>
+                <a:solidFill>
+                  <a:srgbClr val="FFFFFF"/>
+                </a:solidFill>
+              </a:defRPr>
+            </a:lvl1pPr>
+          </a:lstStyle>
           <a:p>
             <a:fld id="{2E700DB3-DBF0-4086-B675-117E7A9610B8}" type="datetimeFigureOut">
               <a:rPr lang="pt-BR" smtClean="0"/>
-              <a:t>18/06/2016</a:t>
+              <a:t>19/06/2016</a:t>
             </a:fld>
             <a:endParaRPr lang="pt-BR"/>
           </a:p>
@@ -1483,43 +1776,91 @@
       </p:sp>
       <p:sp>
         <p:nvSpPr>
-          <p:cNvPr id="5" name="Espaço Reservado para Rodapé 4"/>
-          <p:cNvSpPr>
-            <a:spLocks noGrp="1"/>
-          </p:cNvSpPr>
-          <p:nvPr>
-            <p:ph type="ftr" sz="quarter" idx="11"/>
+          <p:cNvPr id="10" name="Slide Number Placeholder 9"/>
+          <p:cNvSpPr>
+            <a:spLocks noGrp="1"/>
+          </p:cNvSpPr>
+          <p:nvPr>
+            <p:ph type="sldNum" sz="quarter" idx="11"/>
           </p:nvPr>
         </p:nvSpPr>
         <p:spPr/>
         <p:txBody>
           <a:bodyPr/>
-          <a:lstStyle/>
-          <a:p>
-            <a:endParaRPr lang="pt-BR"/>
-          </a:p>
-        </p:txBody>
-      </p:sp>
-      <p:sp>
-        <p:nvSpPr>
-          <p:cNvPr id="6" name="Espaço Reservado para Número de Slide 5"/>
-          <p:cNvSpPr>
-            <a:spLocks noGrp="1"/>
-          </p:cNvSpPr>
-          <p:nvPr>
-            <p:ph type="sldNum" sz="quarter" idx="12"/>
-          </p:nvPr>
-        </p:nvSpPr>
-        <p:spPr/>
-        <p:txBody>
-          <a:bodyPr/>
-          <a:lstStyle/>
+          <a:lstStyle>
+            <a:lvl1pPr>
+              <a:defRPr>
+                <a:solidFill>
+                  <a:schemeClr val="bg2"/>
+                </a:solidFill>
+              </a:defRPr>
+            </a:lvl1pPr>
+          </a:lstStyle>
           <a:p>
             <a:fld id="{2119D8CF-8DEC-4D9F-84EE-ADF04DFF3391}" type="slidenum">
               <a:rPr lang="pt-BR" smtClean="0"/>
               <a:t>‹nº›</a:t>
             </a:fld>
             <a:endParaRPr lang="pt-BR"/>
+          </a:p>
+        </p:txBody>
+      </p:sp>
+      <p:sp>
+        <p:nvSpPr>
+          <p:cNvPr id="11" name="Footer Placeholder 10"/>
+          <p:cNvSpPr>
+            <a:spLocks noGrp="1"/>
+          </p:cNvSpPr>
+          <p:nvPr>
+            <p:ph type="ftr" sz="quarter" idx="12"/>
+          </p:nvPr>
+        </p:nvSpPr>
+        <p:spPr/>
+        <p:txBody>
+          <a:bodyPr/>
+          <a:lstStyle>
+            <a:lvl1pPr>
+              <a:defRPr>
+                <a:solidFill>
+                  <a:srgbClr val="FFFFFF"/>
+                </a:solidFill>
+              </a:defRPr>
+            </a:lvl1pPr>
+          </a:lstStyle>
+          <a:p>
+            <a:endParaRPr lang="pt-BR"/>
+          </a:p>
+        </p:txBody>
+      </p:sp>
+      <p:sp>
+        <p:nvSpPr>
+          <p:cNvPr id="12" name="Title 11"/>
+          <p:cNvSpPr>
+            <a:spLocks noGrp="1"/>
+          </p:cNvSpPr>
+          <p:nvPr>
+            <p:ph type="title"/>
+          </p:nvPr>
+        </p:nvSpPr>
+        <p:spPr>
+          <a:xfrm>
+            <a:off x="381000" y="2892277"/>
+            <a:ext cx="6324600" cy="1645920"/>
+          </a:xfrm>
+        </p:spPr>
+        <p:txBody>
+          <a:bodyPr/>
+          <a:lstStyle>
+            <a:lvl1pPr algn="r">
+              <a:defRPr sz="4200" spc="150" baseline="0"/>
+            </a:lvl1pPr>
+          </a:lstStyle>
+          <a:p>
+            <a:r>
+              <a:rPr lang="pt-BR" smtClean="0"/>
+              <a:t>Clique para editar o título mestre</a:t>
+            </a:r>
+            <a:endParaRPr lang="en-US" dirty="0"/>
           </a:p>
         </p:txBody>
       </p:sp>
@@ -1550,30 +1891,7 @@
       </p:grpSpPr>
       <p:sp>
         <p:nvSpPr>
-          <p:cNvPr id="2" name="Título 1"/>
-          <p:cNvSpPr>
-            <a:spLocks noGrp="1"/>
-          </p:cNvSpPr>
-          <p:nvPr>
-            <p:ph type="title"/>
-          </p:nvPr>
-        </p:nvSpPr>
-        <p:spPr/>
-        <p:txBody>
-          <a:bodyPr/>
-          <a:lstStyle/>
-          <a:p>
-            <a:r>
-              <a:rPr lang="pt-BR" smtClean="0"/>
-              <a:t>Clique para editar o estilo do título mestre</a:t>
-            </a:r>
-            <a:endParaRPr lang="pt-BR"/>
-          </a:p>
-        </p:txBody>
-      </p:sp>
-      <p:sp>
-        <p:nvSpPr>
-          <p:cNvPr id="3" name="Espaço Reservado para Conteúdo 2"/>
+          <p:cNvPr id="3" name="Content Placeholder 2"/>
           <p:cNvSpPr>
             <a:spLocks noGrp="1"/>
           </p:cNvSpPr>
@@ -1583,8 +1901,8 @@
         </p:nvSpPr>
         <p:spPr>
           <a:xfrm>
-            <a:off x="457200" y="1600200"/>
-            <a:ext cx="4038600" cy="4525963"/>
+            <a:off x="457200" y="1719072"/>
+            <a:ext cx="4038600" cy="4407408"/>
           </a:xfrm>
         </p:spPr>
         <p:txBody>
@@ -1622,7 +1940,7 @@
             <a:pPr lvl="0"/>
             <a:r>
               <a:rPr lang="pt-BR" smtClean="0"/>
-              <a:t>Clique para editar os estilos do texto mestre</a:t>
+              <a:t>Clique para editar o texto mestre</a:t>
             </a:r>
           </a:p>
           <a:p>
@@ -1652,13 +1970,13 @@
               <a:rPr lang="pt-BR" smtClean="0"/>
               <a:t>Quinto nível</a:t>
             </a:r>
-            <a:endParaRPr lang="pt-BR"/>
-          </a:p>
-        </p:txBody>
-      </p:sp>
-      <p:sp>
-        <p:nvSpPr>
-          <p:cNvPr id="4" name="Espaço Reservado para Conteúdo 3"/>
+            <a:endParaRPr lang="en-US" dirty="0"/>
+          </a:p>
+        </p:txBody>
+      </p:sp>
+      <p:sp>
+        <p:nvSpPr>
+          <p:cNvPr id="4" name="Content Placeholder 3"/>
           <p:cNvSpPr>
             <a:spLocks noGrp="1"/>
           </p:cNvSpPr>
@@ -1668,8 +1986,8 @@
         </p:nvSpPr>
         <p:spPr>
           <a:xfrm>
-            <a:off x="4648200" y="1600200"/>
-            <a:ext cx="4038600" cy="4525963"/>
+            <a:off x="4648200" y="1719072"/>
+            <a:ext cx="4038600" cy="4407408"/>
           </a:xfrm>
         </p:spPr>
         <p:txBody>
@@ -1707,7 +2025,7 @@
             <a:pPr lvl="0"/>
             <a:r>
               <a:rPr lang="pt-BR" smtClean="0"/>
-              <a:t>Clique para editar os estilos do texto mestre</a:t>
+              <a:t>Clique para editar o texto mestre</a:t>
             </a:r>
           </a:p>
           <a:p>
@@ -1737,13 +2055,13 @@
               <a:rPr lang="pt-BR" smtClean="0"/>
               <a:t>Quinto nível</a:t>
             </a:r>
-            <a:endParaRPr lang="pt-BR"/>
-          </a:p>
-        </p:txBody>
-      </p:sp>
-      <p:sp>
-        <p:nvSpPr>
-          <p:cNvPr id="5" name="Espaço Reservado para Data 4"/>
+            <a:endParaRPr lang="en-US" dirty="0"/>
+          </a:p>
+        </p:txBody>
+      </p:sp>
+      <p:sp>
+        <p:nvSpPr>
+          <p:cNvPr id="5" name="Date Placeholder 4"/>
           <p:cNvSpPr>
             <a:spLocks noGrp="1"/>
           </p:cNvSpPr>
@@ -1758,7 +2076,7 @@
           <a:p>
             <a:fld id="{2E700DB3-DBF0-4086-B675-117E7A9610B8}" type="datetimeFigureOut">
               <a:rPr lang="pt-BR" smtClean="0"/>
-              <a:t>18/06/2016</a:t>
+              <a:t>19/06/2016</a:t>
             </a:fld>
             <a:endParaRPr lang="pt-BR"/>
           </a:p>
@@ -1766,7 +2084,7 @@
       </p:sp>
       <p:sp>
         <p:nvSpPr>
-          <p:cNvPr id="6" name="Espaço Reservado para Rodapé 5"/>
+          <p:cNvPr id="6" name="Footer Placeholder 5"/>
           <p:cNvSpPr>
             <a:spLocks noGrp="1"/>
           </p:cNvSpPr>
@@ -1785,7 +2103,7 @@
       </p:sp>
       <p:sp>
         <p:nvSpPr>
-          <p:cNvPr id="7" name="Espaço Reservado para Número de Slide 6"/>
+          <p:cNvPr id="7" name="Slide Number Placeholder 6"/>
           <p:cNvSpPr>
             <a:spLocks noGrp="1"/>
           </p:cNvSpPr>
@@ -1803,6 +2121,29 @@
               <a:t>‹nº›</a:t>
             </a:fld>
             <a:endParaRPr lang="pt-BR"/>
+          </a:p>
+        </p:txBody>
+      </p:sp>
+      <p:sp>
+        <p:nvSpPr>
+          <p:cNvPr id="8" name="Title 7"/>
+          <p:cNvSpPr>
+            <a:spLocks noGrp="1"/>
+          </p:cNvSpPr>
+          <p:nvPr>
+            <p:ph type="title"/>
+          </p:nvPr>
+        </p:nvSpPr>
+        <p:spPr/>
+        <p:txBody>
+          <a:bodyPr/>
+          <a:lstStyle/>
+          <a:p>
+            <a:r>
+              <a:rPr lang="pt-BR" smtClean="0"/>
+              <a:t>Clique para editar o título mestre</a:t>
+            </a:r>
+            <a:endParaRPr lang="en-US"/>
           </a:p>
         </p:txBody>
       </p:sp>
@@ -1833,34 +2174,7 @@
       </p:grpSpPr>
       <p:sp>
         <p:nvSpPr>
-          <p:cNvPr id="2" name="Título 1"/>
-          <p:cNvSpPr>
-            <a:spLocks noGrp="1"/>
-          </p:cNvSpPr>
-          <p:nvPr>
-            <p:ph type="title"/>
-          </p:nvPr>
-        </p:nvSpPr>
-        <p:spPr/>
-        <p:txBody>
-          <a:bodyPr/>
-          <a:lstStyle>
-            <a:lvl1pPr>
-              <a:defRPr/>
-            </a:lvl1pPr>
-          </a:lstStyle>
-          <a:p>
-            <a:r>
-              <a:rPr lang="pt-BR" smtClean="0"/>
-              <a:t>Clique para editar o estilo do título mestre</a:t>
-            </a:r>
-            <a:endParaRPr lang="pt-BR"/>
-          </a:p>
-        </p:txBody>
-      </p:sp>
-      <p:sp>
-        <p:nvSpPr>
-          <p:cNvPr id="3" name="Espaço Reservado para Texto 2"/>
+          <p:cNvPr id="3" name="Text Placeholder 2"/>
           <p:cNvSpPr>
             <a:spLocks noGrp="1"/>
           </p:cNvSpPr>
@@ -1870,16 +2184,20 @@
         </p:nvSpPr>
         <p:spPr>
           <a:xfrm>
-            <a:off x="457200" y="1535113"/>
+            <a:off x="457200" y="1722438"/>
             <a:ext cx="4040188" cy="639762"/>
           </a:xfrm>
         </p:spPr>
         <p:txBody>
           <a:bodyPr anchor="b"/>
           <a:lstStyle>
-            <a:lvl1pPr marL="0" indent="0">
-              <a:buNone/>
-              <a:defRPr sz="2400" b="1"/>
+            <a:lvl1pPr marL="0" indent="0" algn="ctr">
+              <a:buNone/>
+              <a:defRPr sz="2400" b="0">
+                <a:solidFill>
+                  <a:schemeClr val="tx2"/>
+                </a:solidFill>
+              </a:defRPr>
             </a:lvl1pPr>
             <a:lvl2pPr marL="457200" indent="0">
               <a:buNone/>
@@ -1918,14 +2236,14 @@
             <a:pPr lvl="0"/>
             <a:r>
               <a:rPr lang="pt-BR" smtClean="0"/>
-              <a:t>Clique para editar os estilos do texto mestre</a:t>
-            </a:r>
-          </a:p>
-        </p:txBody>
-      </p:sp>
-      <p:sp>
-        <p:nvSpPr>
-          <p:cNvPr id="4" name="Espaço Reservado para Conteúdo 3"/>
+              <a:t>Clique para editar o texto mestre</a:t>
+            </a:r>
+          </a:p>
+        </p:txBody>
+      </p:sp>
+      <p:sp>
+        <p:nvSpPr>
+          <p:cNvPr id="4" name="Content Placeholder 3"/>
           <p:cNvSpPr>
             <a:spLocks noGrp="1"/>
           </p:cNvSpPr>
@@ -1935,8 +2253,8 @@
         </p:nvSpPr>
         <p:spPr>
           <a:xfrm>
-            <a:off x="457200" y="2174875"/>
-            <a:ext cx="4040188" cy="3951288"/>
+            <a:off x="457200" y="2438399"/>
+            <a:ext cx="4040188" cy="3687763"/>
           </a:xfrm>
         </p:spPr>
         <p:txBody>
@@ -1974,7 +2292,7 @@
             <a:pPr lvl="0"/>
             <a:r>
               <a:rPr lang="pt-BR" smtClean="0"/>
-              <a:t>Clique para editar os estilos do texto mestre</a:t>
+              <a:t>Clique para editar o texto mestre</a:t>
             </a:r>
           </a:p>
           <a:p>
@@ -2004,13 +2322,13 @@
               <a:rPr lang="pt-BR" smtClean="0"/>
               <a:t>Quinto nível</a:t>
             </a:r>
-            <a:endParaRPr lang="pt-BR"/>
-          </a:p>
-        </p:txBody>
-      </p:sp>
-      <p:sp>
-        <p:nvSpPr>
-          <p:cNvPr id="5" name="Espaço Reservado para Texto 4"/>
+            <a:endParaRPr lang="en-US" dirty="0"/>
+          </a:p>
+        </p:txBody>
+      </p:sp>
+      <p:sp>
+        <p:nvSpPr>
+          <p:cNvPr id="5" name="Text Placeholder 4"/>
           <p:cNvSpPr>
             <a:spLocks noGrp="1"/>
           </p:cNvSpPr>
@@ -2020,16 +2338,20 @@
         </p:nvSpPr>
         <p:spPr>
           <a:xfrm>
-            <a:off x="4645025" y="1535113"/>
+            <a:off x="4645025" y="1722438"/>
             <a:ext cx="4041775" cy="639762"/>
           </a:xfrm>
         </p:spPr>
         <p:txBody>
           <a:bodyPr anchor="b"/>
           <a:lstStyle>
-            <a:lvl1pPr marL="0" indent="0">
-              <a:buNone/>
-              <a:defRPr sz="2400" b="1"/>
+            <a:lvl1pPr marL="0" indent="0" algn="ctr">
+              <a:buNone/>
+              <a:defRPr sz="2400" b="0">
+                <a:solidFill>
+                  <a:schemeClr val="tx2"/>
+                </a:solidFill>
+              </a:defRPr>
             </a:lvl1pPr>
             <a:lvl2pPr marL="457200" indent="0">
               <a:buNone/>
@@ -2068,14 +2390,14 @@
             <a:pPr lvl="0"/>
             <a:r>
               <a:rPr lang="pt-BR" smtClean="0"/>
-              <a:t>Clique para editar os estilos do texto mestre</a:t>
-            </a:r>
-          </a:p>
-        </p:txBody>
-      </p:sp>
-      <p:sp>
-        <p:nvSpPr>
-          <p:cNvPr id="6" name="Espaço Reservado para Conteúdo 5"/>
+              <a:t>Clique para editar o texto mestre</a:t>
+            </a:r>
+          </a:p>
+        </p:txBody>
+      </p:sp>
+      <p:sp>
+        <p:nvSpPr>
+          <p:cNvPr id="6" name="Content Placeholder 5"/>
           <p:cNvSpPr>
             <a:spLocks noGrp="1"/>
           </p:cNvSpPr>
@@ -2085,8 +2407,8 @@
         </p:nvSpPr>
         <p:spPr>
           <a:xfrm>
-            <a:off x="4645025" y="2174875"/>
-            <a:ext cx="4041775" cy="3951288"/>
+            <a:off x="4645025" y="2438399"/>
+            <a:ext cx="4041775" cy="3687763"/>
           </a:xfrm>
         </p:spPr>
         <p:txBody>
@@ -2124,7 +2446,7 @@
             <a:pPr lvl="0"/>
             <a:r>
               <a:rPr lang="pt-BR" smtClean="0"/>
-              <a:t>Clique para editar os estilos do texto mestre</a:t>
+              <a:t>Clique para editar o texto mestre</a:t>
             </a:r>
           </a:p>
           <a:p>
@@ -2154,13 +2476,13 @@
               <a:rPr lang="pt-BR" smtClean="0"/>
               <a:t>Quinto nível</a:t>
             </a:r>
-            <a:endParaRPr lang="pt-BR"/>
-          </a:p>
-        </p:txBody>
-      </p:sp>
-      <p:sp>
-        <p:nvSpPr>
-          <p:cNvPr id="7" name="Espaço Reservado para Data 6"/>
+            <a:endParaRPr lang="en-US" dirty="0"/>
+          </a:p>
+        </p:txBody>
+      </p:sp>
+      <p:sp>
+        <p:nvSpPr>
+          <p:cNvPr id="7" name="Date Placeholder 6"/>
           <p:cNvSpPr>
             <a:spLocks noGrp="1"/>
           </p:cNvSpPr>
@@ -2175,7 +2497,7 @@
           <a:p>
             <a:fld id="{2E700DB3-DBF0-4086-B675-117E7A9610B8}" type="datetimeFigureOut">
               <a:rPr lang="pt-BR" smtClean="0"/>
-              <a:t>18/06/2016</a:t>
+              <a:t>19/06/2016</a:t>
             </a:fld>
             <a:endParaRPr lang="pt-BR"/>
           </a:p>
@@ -2183,7 +2505,7 @@
       </p:sp>
       <p:sp>
         <p:nvSpPr>
-          <p:cNvPr id="8" name="Espaço Reservado para Rodapé 7"/>
+          <p:cNvPr id="8" name="Footer Placeholder 7"/>
           <p:cNvSpPr>
             <a:spLocks noGrp="1"/>
           </p:cNvSpPr>
@@ -2202,7 +2524,7 @@
       </p:sp>
       <p:sp>
         <p:nvSpPr>
-          <p:cNvPr id="9" name="Espaço Reservado para Número de Slide 8"/>
+          <p:cNvPr id="9" name="Slide Number Placeholder 8"/>
           <p:cNvSpPr>
             <a:spLocks noGrp="1"/>
           </p:cNvSpPr>
@@ -2220,6 +2542,29 @@
               <a:t>‹nº›</a:t>
             </a:fld>
             <a:endParaRPr lang="pt-BR"/>
+          </a:p>
+        </p:txBody>
+      </p:sp>
+      <p:sp>
+        <p:nvSpPr>
+          <p:cNvPr id="10" name="Title 9"/>
+          <p:cNvSpPr>
+            <a:spLocks noGrp="1"/>
+          </p:cNvSpPr>
+          <p:nvPr>
+            <p:ph type="title"/>
+          </p:nvPr>
+        </p:nvSpPr>
+        <p:spPr/>
+        <p:txBody>
+          <a:bodyPr/>
+          <a:lstStyle/>
+          <a:p>
+            <a:r>
+              <a:rPr lang="pt-BR" smtClean="0"/>
+              <a:t>Clique para editar o título mestre</a:t>
+            </a:r>
+            <a:endParaRPr lang="en-US"/>
           </a:p>
         </p:txBody>
       </p:sp>
@@ -2250,12 +2595,12 @@
       </p:grpSpPr>
       <p:sp>
         <p:nvSpPr>
-          <p:cNvPr id="2" name="Título 1"/>
-          <p:cNvSpPr>
-            <a:spLocks noGrp="1"/>
-          </p:cNvSpPr>
-          <p:nvPr>
-            <p:ph type="title"/>
+          <p:cNvPr id="3" name="Date Placeholder 2"/>
+          <p:cNvSpPr>
+            <a:spLocks noGrp="1"/>
+          </p:cNvSpPr>
+          <p:nvPr>
+            <p:ph type="dt" sz="half" idx="10"/>
           </p:nvPr>
         </p:nvSpPr>
         <p:spPr/>
@@ -2263,32 +2608,9 @@
           <a:bodyPr/>
           <a:lstStyle/>
           <a:p>
-            <a:r>
-              <a:rPr lang="pt-BR" smtClean="0"/>
-              <a:t>Clique para editar o estilo do título mestre</a:t>
-            </a:r>
-            <a:endParaRPr lang="pt-BR"/>
-          </a:p>
-        </p:txBody>
-      </p:sp>
-      <p:sp>
-        <p:nvSpPr>
-          <p:cNvPr id="3" name="Espaço Reservado para Data 2"/>
-          <p:cNvSpPr>
-            <a:spLocks noGrp="1"/>
-          </p:cNvSpPr>
-          <p:nvPr>
-            <p:ph type="dt" sz="half" idx="10"/>
-          </p:nvPr>
-        </p:nvSpPr>
-        <p:spPr/>
-        <p:txBody>
-          <a:bodyPr/>
-          <a:lstStyle/>
-          <a:p>
             <a:fld id="{2E700DB3-DBF0-4086-B675-117E7A9610B8}" type="datetimeFigureOut">
               <a:rPr lang="pt-BR" smtClean="0"/>
-              <a:t>18/06/2016</a:t>
+              <a:t>19/06/2016</a:t>
             </a:fld>
             <a:endParaRPr lang="pt-BR"/>
           </a:p>
@@ -2296,7 +2618,7 @@
       </p:sp>
       <p:sp>
         <p:nvSpPr>
-          <p:cNvPr id="4" name="Espaço Reservado para Rodapé 3"/>
+          <p:cNvPr id="4" name="Footer Placeholder 3"/>
           <p:cNvSpPr>
             <a:spLocks noGrp="1"/>
           </p:cNvSpPr>
@@ -2315,7 +2637,7 @@
       </p:sp>
       <p:sp>
         <p:nvSpPr>
-          <p:cNvPr id="5" name="Espaço Reservado para Número de Slide 4"/>
+          <p:cNvPr id="5" name="Slide Number Placeholder 4"/>
           <p:cNvSpPr>
             <a:spLocks noGrp="1"/>
           </p:cNvSpPr>
@@ -2333,6 +2655,29 @@
               <a:t>‹nº›</a:t>
             </a:fld>
             <a:endParaRPr lang="pt-BR"/>
+          </a:p>
+        </p:txBody>
+      </p:sp>
+      <p:sp>
+        <p:nvSpPr>
+          <p:cNvPr id="6" name="Title 5"/>
+          <p:cNvSpPr>
+            <a:spLocks noGrp="1"/>
+          </p:cNvSpPr>
+          <p:nvPr>
+            <p:ph type="title"/>
+          </p:nvPr>
+        </p:nvSpPr>
+        <p:spPr/>
+        <p:txBody>
+          <a:bodyPr/>
+          <a:lstStyle/>
+          <a:p>
+            <a:r>
+              <a:rPr lang="pt-BR" smtClean="0"/>
+              <a:t>Clique para editar o título mestre</a:t>
+            </a:r>
+            <a:endParaRPr lang="en-US"/>
           </a:p>
         </p:txBody>
       </p:sp>
@@ -2345,7 +2690,7 @@
 </file>
 
 <file path=ppt/slideLayouts/slideLayout7.xml><?xml version="1.0" encoding="utf-8"?>
-<p:sldLayout xmlns:a="http://schemas.openxmlformats.org/drawingml/2006/main" xmlns:r="http://schemas.openxmlformats.org/officeDocument/2006/relationships" xmlns:p="http://schemas.openxmlformats.org/presentationml/2006/main" type="blank" preserve="1">
+<p:sldLayout xmlns:a="http://schemas.openxmlformats.org/drawingml/2006/main" xmlns:r="http://schemas.openxmlformats.org/officeDocument/2006/relationships" xmlns:p="http://schemas.openxmlformats.org/presentationml/2006/main" showMasterSp="0" type="blank" preserve="1">
   <p:cSld name="Em branco">
     <p:spTree>
       <p:nvGrpSpPr>
@@ -2363,7 +2708,53 @@
       </p:grpSpPr>
       <p:sp>
         <p:nvSpPr>
-          <p:cNvPr id="2" name="Espaço Reservado para Data 1"/>
+          <p:cNvPr id="5" name="Rectangle 4"/>
+          <p:cNvSpPr/>
+          <p:nvPr/>
+        </p:nvSpPr>
+        <p:spPr>
+          <a:xfrm>
+            <a:off x="152400" y="150919"/>
+            <a:ext cx="8831802" cy="6556248"/>
+          </a:xfrm>
+          <a:prstGeom prst="rect">
+            <a:avLst/>
+          </a:prstGeom>
+          <a:solidFill>
+            <a:schemeClr val="bg2"/>
+          </a:solidFill>
+          <a:ln>
+            <a:noFill/>
+          </a:ln>
+        </p:spPr>
+        <p:style>
+          <a:lnRef idx="2">
+            <a:schemeClr val="accent1">
+              <a:shade val="50000"/>
+            </a:schemeClr>
+          </a:lnRef>
+          <a:fillRef idx="1">
+            <a:schemeClr val="accent1"/>
+          </a:fillRef>
+          <a:effectRef idx="0">
+            <a:schemeClr val="accent1"/>
+          </a:effectRef>
+          <a:fontRef idx="minor">
+            <a:schemeClr val="lt1"/>
+          </a:fontRef>
+        </p:style>
+        <p:txBody>
+          <a:bodyPr rtlCol="0" anchor="ctr"/>
+          <a:lstStyle/>
+          <a:p>
+            <a:pPr algn="ctr"/>
+            <a:endParaRPr lang="en-US"/>
+          </a:p>
+        </p:txBody>
+      </p:sp>
+      <p:sp>
+        <p:nvSpPr>
+          <p:cNvPr id="2" name="Date Placeholder 1"/>
           <p:cNvSpPr>
             <a:spLocks noGrp="1"/>
           </p:cNvSpPr>
@@ -2378,7 +2769,7 @@
           <a:p>
             <a:fld id="{2E700DB3-DBF0-4086-B675-117E7A9610B8}" type="datetimeFigureOut">
               <a:rPr lang="pt-BR" smtClean="0"/>
-              <a:t>18/06/2016</a:t>
+              <a:t>19/06/2016</a:t>
             </a:fld>
             <a:endParaRPr lang="pt-BR"/>
           </a:p>
@@ -2386,7 +2777,7 @@
       </p:sp>
       <p:sp>
         <p:nvSpPr>
-          <p:cNvPr id="3" name="Espaço Reservado para Rodapé 2"/>
+          <p:cNvPr id="3" name="Footer Placeholder 2"/>
           <p:cNvSpPr>
             <a:spLocks noGrp="1"/>
           </p:cNvSpPr>
@@ -2405,7 +2796,7 @@
       </p:sp>
       <p:sp>
         <p:nvSpPr>
-          <p:cNvPr id="4" name="Espaço Reservado para Número de Slide 3"/>
+          <p:cNvPr id="4" name="Slide Number Placeholder 3"/>
           <p:cNvSpPr>
             <a:spLocks noGrp="1"/>
           </p:cNvSpPr>
@@ -2435,8 +2826,13 @@
 </file>
 
 <file path=ppt/slideLayouts/slideLayout8.xml><?xml version="1.0" encoding="utf-8"?>
-<p:sldLayout xmlns:a="http://schemas.openxmlformats.org/drawingml/2006/main" xmlns:r="http://schemas.openxmlformats.org/officeDocument/2006/relationships" xmlns:p="http://schemas.openxmlformats.org/presentationml/2006/main" type="objTx" preserve="1">
+<p:sldLayout xmlns:a="http://schemas.openxmlformats.org/drawingml/2006/main" xmlns:r="http://schemas.openxmlformats.org/officeDocument/2006/relationships" xmlns:p="http://schemas.openxmlformats.org/presentationml/2006/main" showMasterSp="0" type="objTx" preserve="1">
   <p:cSld name="Conteúdo com Legenda">
+    <p:bg>
+      <p:bgRef idx="1001">
+        <a:schemeClr val="bg2"/>
+      </p:bgRef>
+    </p:bg>
     <p:spTree>
       <p:nvGrpSpPr>
         <p:cNvPr id="1" name=""/>
@@ -2453,50 +2849,153 @@
       </p:grpSpPr>
       <p:sp>
         <p:nvSpPr>
-          <p:cNvPr id="2" name="Título 1"/>
-          <p:cNvSpPr>
-            <a:spLocks noGrp="1"/>
-          </p:cNvSpPr>
-          <p:nvPr>
-            <p:ph type="title"/>
-          </p:nvPr>
+          <p:cNvPr id="10" name="Rectangle 9"/>
+          <p:cNvSpPr/>
+          <p:nvPr/>
         </p:nvSpPr>
         <p:spPr>
           <a:xfrm>
-            <a:off x="457200" y="273050"/>
-            <a:ext cx="3008313" cy="1162050"/>
+            <a:off x="0" y="0"/>
+            <a:ext cx="9144000" cy="6858000"/>
           </a:xfrm>
+          <a:prstGeom prst="rect">
+            <a:avLst/>
+          </a:prstGeom>
+          <a:solidFill>
+            <a:srgbClr val="FFFFFF"/>
+          </a:solidFill>
+          <a:ln>
+            <a:noFill/>
+          </a:ln>
         </p:spPr>
-        <p:txBody>
-          <a:bodyPr anchor="b"/>
-          <a:lstStyle>
-            <a:lvl1pPr algn="l">
-              <a:defRPr sz="2000" b="1"/>
-            </a:lvl1pPr>
-          </a:lstStyle>
-          <a:p>
-            <a:r>
-              <a:rPr lang="pt-BR" smtClean="0"/>
-              <a:t>Clique para editar o estilo do título mestre</a:t>
-            </a:r>
-            <a:endParaRPr lang="pt-BR"/>
-          </a:p>
-        </p:txBody>
-      </p:sp>
-      <p:sp>
-        <p:nvSpPr>
-          <p:cNvPr id="3" name="Espaço Reservado para Conteúdo 2"/>
-          <p:cNvSpPr>
-            <a:spLocks noGrp="1"/>
-          </p:cNvSpPr>
-          <p:nvPr>
-            <p:ph idx="1"/>
-          </p:nvPr>
+        <p:style>
+          <a:lnRef idx="2">
+            <a:schemeClr val="accent1">
+              <a:shade val="50000"/>
+            </a:schemeClr>
+          </a:lnRef>
+          <a:fillRef idx="1">
+            <a:schemeClr val="accent1"/>
+          </a:fillRef>
+          <a:effectRef idx="0">
+            <a:schemeClr val="accent1"/>
+          </a:effectRef>
+          <a:fontRef idx="minor">
+            <a:schemeClr val="lt1"/>
+          </a:fontRef>
+        </p:style>
+        <p:txBody>
+          <a:bodyPr rtlCol="0" anchor="ctr"/>
+          <a:lstStyle/>
+          <a:p>
+            <a:pPr algn="ctr"/>
+            <a:endParaRPr lang="en-US"/>
+          </a:p>
+        </p:txBody>
+      </p:sp>
+      <p:sp>
+        <p:nvSpPr>
+          <p:cNvPr id="8" name="Rectangle 7"/>
+          <p:cNvSpPr/>
+          <p:nvPr/>
         </p:nvSpPr>
         <p:spPr>
           <a:xfrm>
-            <a:off x="3575050" y="273050"/>
-            <a:ext cx="5111750" cy="5853113"/>
+            <a:off x="7010400" y="150876"/>
+            <a:ext cx="1981200" cy="6556248"/>
+          </a:xfrm>
+          <a:prstGeom prst="rect">
+            <a:avLst/>
+          </a:prstGeom>
+          <a:solidFill>
+            <a:schemeClr val="accent1"/>
+          </a:solidFill>
+          <a:ln>
+            <a:noFill/>
+          </a:ln>
+        </p:spPr>
+        <p:style>
+          <a:lnRef idx="2">
+            <a:schemeClr val="accent1">
+              <a:shade val="50000"/>
+            </a:schemeClr>
+          </a:lnRef>
+          <a:fillRef idx="1">
+            <a:schemeClr val="accent1"/>
+          </a:fillRef>
+          <a:effectRef idx="0">
+            <a:schemeClr val="accent1"/>
+          </a:effectRef>
+          <a:fontRef idx="minor">
+            <a:schemeClr val="lt1"/>
+          </a:fontRef>
+        </p:style>
+        <p:txBody>
+          <a:bodyPr rtlCol="0" anchor="ctr"/>
+          <a:lstStyle/>
+          <a:p>
+            <a:pPr algn="ctr"/>
+            <a:endParaRPr lang="en-US"/>
+          </a:p>
+        </p:txBody>
+      </p:sp>
+      <p:sp useBgFill="1">
+        <p:nvSpPr>
+          <p:cNvPr id="9" name="Rectangle 8"/>
+          <p:cNvSpPr/>
+          <p:nvPr/>
+        </p:nvSpPr>
+        <p:spPr>
+          <a:xfrm>
+            <a:off x="152400" y="152400"/>
+            <a:ext cx="6705600" cy="6553200"/>
+          </a:xfrm>
+          <a:prstGeom prst="rect">
+            <a:avLst/>
+          </a:prstGeom>
+          <a:ln>
+            <a:noFill/>
+          </a:ln>
+        </p:spPr>
+        <p:style>
+          <a:lnRef idx="2">
+            <a:schemeClr val="accent1">
+              <a:shade val="50000"/>
+            </a:schemeClr>
+          </a:lnRef>
+          <a:fillRef idx="1">
+            <a:schemeClr val="accent1"/>
+          </a:fillRef>
+          <a:effectRef idx="0">
+            <a:schemeClr val="accent1"/>
+          </a:effectRef>
+          <a:fontRef idx="minor">
+            <a:schemeClr val="lt1"/>
+          </a:fontRef>
+        </p:style>
+        <p:txBody>
+          <a:bodyPr rtlCol="0" anchor="ctr"/>
+          <a:lstStyle/>
+          <a:p>
+            <a:pPr algn="ctr"/>
+            <a:endParaRPr lang="en-US"/>
+          </a:p>
+        </p:txBody>
+      </p:sp>
+      <p:sp>
+        <p:nvSpPr>
+          <p:cNvPr id="3" name="Content Placeholder 2"/>
+          <p:cNvSpPr>
+            <a:spLocks noGrp="1"/>
+          </p:cNvSpPr>
+          <p:nvPr>
+            <p:ph idx="1"/>
+          </p:nvPr>
+        </p:nvSpPr>
+        <p:spPr>
+          <a:xfrm>
+            <a:off x="609600" y="304800"/>
+            <a:ext cx="5867400" cy="5853113"/>
           </a:xfrm>
         </p:spPr>
         <p:txBody>
@@ -2534,7 +3033,7 @@
             <a:pPr lvl="0"/>
             <a:r>
               <a:rPr lang="pt-BR" smtClean="0"/>
-              <a:t>Clique para editar os estilos do texto mestre</a:t>
+              <a:t>Clique para editar o texto mestre</a:t>
             </a:r>
           </a:p>
           <a:p>
@@ -2564,13 +3063,13 @@
               <a:rPr lang="pt-BR" smtClean="0"/>
               <a:t>Quinto nível</a:t>
             </a:r>
-            <a:endParaRPr lang="pt-BR"/>
-          </a:p>
-        </p:txBody>
-      </p:sp>
-      <p:sp>
-        <p:nvSpPr>
-          <p:cNvPr id="4" name="Espaço Reservado para Texto 3"/>
+            <a:endParaRPr lang="en-US"/>
+          </a:p>
+        </p:txBody>
+      </p:sp>
+      <p:sp>
+        <p:nvSpPr>
+          <p:cNvPr id="4" name="Text Placeholder 3"/>
           <p:cNvSpPr>
             <a:spLocks noGrp="1"/>
           </p:cNvSpPr>
@@ -2580,16 +3079,20 @@
         </p:nvSpPr>
         <p:spPr>
           <a:xfrm>
-            <a:off x="457200" y="1435100"/>
-            <a:ext cx="3008313" cy="4691063"/>
+            <a:off x="7159752" y="2130552"/>
+            <a:ext cx="1673352" cy="2816352"/>
           </a:xfrm>
         </p:spPr>
         <p:txBody>
-          <a:bodyPr/>
+          <a:bodyPr tIns="0"/>
           <a:lstStyle>
             <a:lvl1pPr marL="0" indent="0">
               <a:buNone/>
-              <a:defRPr sz="1400"/>
+              <a:defRPr sz="1400">
+                <a:solidFill>
+                  <a:srgbClr val="FFFFFF"/>
+                </a:solidFill>
+              </a:defRPr>
             </a:lvl1pPr>
             <a:lvl2pPr marL="457200" indent="0">
               <a:buNone/>
@@ -2628,14 +3131,14 @@
             <a:pPr lvl="0"/>
             <a:r>
               <a:rPr lang="pt-BR" smtClean="0"/>
-              <a:t>Clique para editar os estilos do texto mestre</a:t>
-            </a:r>
-          </a:p>
-        </p:txBody>
-      </p:sp>
-      <p:sp>
-        <p:nvSpPr>
-          <p:cNvPr id="5" name="Espaço Reservado para Data 4"/>
+              <a:t>Clique para editar o texto mestre</a:t>
+            </a:r>
+          </a:p>
+        </p:txBody>
+      </p:sp>
+      <p:sp>
+        <p:nvSpPr>
+          <p:cNvPr id="5" name="Date Placeholder 4"/>
           <p:cNvSpPr>
             <a:spLocks noGrp="1"/>
           </p:cNvSpPr>
@@ -2650,7 +3153,7 @@
           <a:p>
             <a:fld id="{2E700DB3-DBF0-4086-B675-117E7A9610B8}" type="datetimeFigureOut">
               <a:rPr lang="pt-BR" smtClean="0"/>
-              <a:t>18/06/2016</a:t>
+              <a:t>19/06/2016</a:t>
             </a:fld>
             <a:endParaRPr lang="pt-BR"/>
           </a:p>
@@ -2658,7 +3161,7 @@
       </p:sp>
       <p:sp>
         <p:nvSpPr>
-          <p:cNvPr id="6" name="Espaço Reservado para Rodapé 5"/>
+          <p:cNvPr id="6" name="Footer Placeholder 5"/>
           <p:cNvSpPr>
             <a:spLocks noGrp="1"/>
           </p:cNvSpPr>
@@ -2677,7 +3180,7 @@
       </p:sp>
       <p:sp>
         <p:nvSpPr>
-          <p:cNvPr id="7" name="Espaço Reservado para Número de Slide 6"/>
+          <p:cNvPr id="7" name="Slide Number Placeholder 6"/>
           <p:cNvSpPr>
             <a:spLocks noGrp="1"/>
           </p:cNvSpPr>
@@ -2685,10 +3188,22 @@
             <p:ph type="sldNum" sz="quarter" idx="12"/>
           </p:nvPr>
         </p:nvSpPr>
-        <p:spPr/>
+        <p:spPr>
+          <a:ln>
+            <a:noFill/>
+          </a:ln>
+        </p:spPr>
         <p:txBody>
           <a:bodyPr/>
-          <a:lstStyle/>
+          <a:lstStyle>
+            <a:lvl1pPr>
+              <a:defRPr>
+                <a:solidFill>
+                  <a:srgbClr val="FFFFFF"/>
+                </a:solidFill>
+              </a:defRPr>
+            </a:lvl1pPr>
+          </a:lstStyle>
           <a:p>
             <a:fld id="{2119D8CF-8DEC-4D9F-84EE-ADF04DFF3391}" type="slidenum">
               <a:rPr lang="pt-BR" smtClean="0"/>
@@ -2698,17 +3213,54 @@
           </a:p>
         </p:txBody>
       </p:sp>
+      <p:sp>
+        <p:nvSpPr>
+          <p:cNvPr id="11" name="Title 10"/>
+          <p:cNvSpPr>
+            <a:spLocks noGrp="1"/>
+          </p:cNvSpPr>
+          <p:nvPr>
+            <p:ph type="title"/>
+          </p:nvPr>
+        </p:nvSpPr>
+        <p:spPr>
+          <a:xfrm>
+            <a:off x="7159752" y="457200"/>
+            <a:ext cx="1675660" cy="1673352"/>
+          </a:xfrm>
+        </p:spPr>
+        <p:txBody>
+          <a:bodyPr anchor="b"/>
+          <a:lstStyle>
+            <a:lvl1pPr algn="l">
+              <a:defRPr sz="2000" spc="150" baseline="0"/>
+            </a:lvl1pPr>
+          </a:lstStyle>
+          <a:p>
+            <a:r>
+              <a:rPr lang="pt-BR" smtClean="0"/>
+              <a:t>Clique para editar o título mestre</a:t>
+            </a:r>
+            <a:endParaRPr lang="en-US" dirty="0"/>
+          </a:p>
+        </p:txBody>
+      </p:sp>
     </p:spTree>
   </p:cSld>
   <p:clrMapOvr>
-    <a:masterClrMapping/>
+    <a:overrideClrMapping bg1="lt1" tx1="dk1" bg2="lt2" tx2="dk2" accent1="accent1" accent2="accent2" accent3="accent3" accent4="accent4" accent5="accent5" accent6="accent6" hlink="hlink" folHlink="folHlink"/>
   </p:clrMapOvr>
 </p:sldLayout>
 </file>
 
 <file path=ppt/slideLayouts/slideLayout9.xml><?xml version="1.0" encoding="utf-8"?>
-<p:sldLayout xmlns:a="http://schemas.openxmlformats.org/drawingml/2006/main" xmlns:r="http://schemas.openxmlformats.org/officeDocument/2006/relationships" xmlns:p="http://schemas.openxmlformats.org/presentationml/2006/main" type="picTx" preserve="1">
+<p:sldLayout xmlns:a="http://schemas.openxmlformats.org/drawingml/2006/main" xmlns:r="http://schemas.openxmlformats.org/officeDocument/2006/relationships" xmlns:p="http://schemas.openxmlformats.org/presentationml/2006/main" showMasterSp="0" type="picTx" preserve="1">
   <p:cSld name="Imagem com Legenda">
+    <p:bg>
+      <p:bgRef idx="1001">
+        <a:schemeClr val="bg2"/>
+      </p:bgRef>
+    </p:bg>
     <p:spTree>
       <p:nvGrpSpPr>
         <p:cNvPr id="1" name=""/>
@@ -2725,231 +3277,332 @@
       </p:grpSpPr>
       <p:sp>
         <p:nvSpPr>
-          <p:cNvPr id="2" name="Título 1"/>
-          <p:cNvSpPr>
-            <a:spLocks noGrp="1"/>
-          </p:cNvSpPr>
-          <p:nvPr>
-            <p:ph type="title"/>
-          </p:nvPr>
+          <p:cNvPr id="8" name="Rectangle 7"/>
+          <p:cNvSpPr/>
+          <p:nvPr/>
         </p:nvSpPr>
         <p:spPr>
           <a:xfrm>
-            <a:off x="1792288" y="4800600"/>
-            <a:ext cx="5486400" cy="566738"/>
+            <a:off x="0" y="0"/>
+            <a:ext cx="9144000" cy="6858000"/>
+          </a:xfrm>
+          <a:prstGeom prst="rect">
+            <a:avLst/>
+          </a:prstGeom>
+          <a:solidFill>
+            <a:srgbClr val="FFFFFF"/>
+          </a:solidFill>
+          <a:ln>
+            <a:noFill/>
+          </a:ln>
+        </p:spPr>
+        <p:style>
+          <a:lnRef idx="2">
+            <a:schemeClr val="accent1">
+              <a:shade val="50000"/>
+            </a:schemeClr>
+          </a:lnRef>
+          <a:fillRef idx="1">
+            <a:schemeClr val="accent1"/>
+          </a:fillRef>
+          <a:effectRef idx="0">
+            <a:schemeClr val="accent1"/>
+          </a:effectRef>
+          <a:fontRef idx="minor">
+            <a:schemeClr val="lt1"/>
+          </a:fontRef>
+        </p:style>
+        <p:txBody>
+          <a:bodyPr rtlCol="0" anchor="ctr"/>
+          <a:lstStyle/>
+          <a:p>
+            <a:pPr algn="ctr"/>
+            <a:endParaRPr lang="en-US"/>
+          </a:p>
+        </p:txBody>
+      </p:sp>
+      <p:sp useBgFill="1">
+        <p:nvSpPr>
+          <p:cNvPr id="9" name="Rectangle 8"/>
+          <p:cNvSpPr/>
+          <p:nvPr/>
+        </p:nvSpPr>
+        <p:spPr>
+          <a:xfrm>
+            <a:off x="7010400" y="150876"/>
+            <a:ext cx="1981200" cy="6556248"/>
+          </a:xfrm>
+          <a:prstGeom prst="rect">
+            <a:avLst/>
+          </a:prstGeom>
+          <a:ln>
+            <a:noFill/>
+          </a:ln>
+        </p:spPr>
+        <p:style>
+          <a:lnRef idx="2">
+            <a:schemeClr val="accent1">
+              <a:shade val="50000"/>
+            </a:schemeClr>
+          </a:lnRef>
+          <a:fillRef idx="1">
+            <a:schemeClr val="accent1"/>
+          </a:fillRef>
+          <a:effectRef idx="0">
+            <a:schemeClr val="accent1"/>
+          </a:effectRef>
+          <a:fontRef idx="minor">
+            <a:schemeClr val="lt1"/>
+          </a:fontRef>
+        </p:style>
+        <p:txBody>
+          <a:bodyPr rtlCol="0" anchor="ctr"/>
+          <a:lstStyle/>
+          <a:p>
+            <a:pPr algn="ctr"/>
+            <a:endParaRPr lang="en-US"/>
+          </a:p>
+        </p:txBody>
+      </p:sp>
+      <p:sp>
+        <p:nvSpPr>
+          <p:cNvPr id="3" name="Picture Placeholder 2"/>
+          <p:cNvSpPr>
+            <a:spLocks noGrp="1"/>
+          </p:cNvSpPr>
+          <p:nvPr>
+            <p:ph type="pic" idx="1"/>
+          </p:nvPr>
+        </p:nvSpPr>
+        <p:spPr>
+          <a:xfrm>
+            <a:off x="152400" y="152400"/>
+            <a:ext cx="6705600" cy="6553200"/>
+          </a:xfrm>
+        </p:spPr>
+        <p:txBody>
+          <a:bodyPr anchor="ctr"/>
+          <a:lstStyle>
+            <a:lvl1pPr marL="0" indent="0" algn="ctr">
+              <a:buNone/>
+              <a:defRPr sz="3200"/>
+            </a:lvl1pPr>
+            <a:lvl2pPr marL="457200" indent="0">
+              <a:buNone/>
+              <a:defRPr sz="2800"/>
+            </a:lvl2pPr>
+            <a:lvl3pPr marL="914400" indent="0">
+              <a:buNone/>
+              <a:defRPr sz="2400"/>
+            </a:lvl3pPr>
+            <a:lvl4pPr marL="1371600" indent="0">
+              <a:buNone/>
+              <a:defRPr sz="2000"/>
+            </a:lvl4pPr>
+            <a:lvl5pPr marL="1828800" indent="0">
+              <a:buNone/>
+              <a:defRPr sz="2000"/>
+            </a:lvl5pPr>
+            <a:lvl6pPr marL="2286000" indent="0">
+              <a:buNone/>
+              <a:defRPr sz="2000"/>
+            </a:lvl6pPr>
+            <a:lvl7pPr marL="2743200" indent="0">
+              <a:buNone/>
+              <a:defRPr sz="2000"/>
+            </a:lvl7pPr>
+            <a:lvl8pPr marL="3200400" indent="0">
+              <a:buNone/>
+              <a:defRPr sz="2000"/>
+            </a:lvl8pPr>
+            <a:lvl9pPr marL="3657600" indent="0">
+              <a:buNone/>
+              <a:defRPr sz="2000"/>
+            </a:lvl9pPr>
+          </a:lstStyle>
+          <a:p>
+            <a:r>
+              <a:rPr lang="pt-BR" smtClean="0"/>
+              <a:t>Clique no ícone para adicionar uma imagem</a:t>
+            </a:r>
+            <a:endParaRPr lang="en-US" dirty="0"/>
+          </a:p>
+        </p:txBody>
+      </p:sp>
+      <p:sp>
+        <p:nvSpPr>
+          <p:cNvPr id="4" name="Text Placeholder 3"/>
+          <p:cNvSpPr>
+            <a:spLocks noGrp="1"/>
+          </p:cNvSpPr>
+          <p:nvPr>
+            <p:ph type="body" sz="half" idx="2"/>
+          </p:nvPr>
+        </p:nvSpPr>
+        <p:spPr>
+          <a:xfrm>
+            <a:off x="7162800" y="2133600"/>
+            <a:ext cx="1676400" cy="2971800"/>
+          </a:xfrm>
+        </p:spPr>
+        <p:txBody>
+          <a:bodyPr tIns="0"/>
+          <a:lstStyle>
+            <a:lvl1pPr marL="0" indent="0">
+              <a:buNone/>
+              <a:defRPr sz="1400">
+                <a:solidFill>
+                  <a:schemeClr val="tx1"/>
+                </a:solidFill>
+              </a:defRPr>
+            </a:lvl1pPr>
+            <a:lvl2pPr marL="457200" indent="0">
+              <a:buNone/>
+              <a:defRPr sz="1200"/>
+            </a:lvl2pPr>
+            <a:lvl3pPr marL="914400" indent="0">
+              <a:buNone/>
+              <a:defRPr sz="1000"/>
+            </a:lvl3pPr>
+            <a:lvl4pPr marL="1371600" indent="0">
+              <a:buNone/>
+              <a:defRPr sz="900"/>
+            </a:lvl4pPr>
+            <a:lvl5pPr marL="1828800" indent="0">
+              <a:buNone/>
+              <a:defRPr sz="900"/>
+            </a:lvl5pPr>
+            <a:lvl6pPr marL="2286000" indent="0">
+              <a:buNone/>
+              <a:defRPr sz="900"/>
+            </a:lvl6pPr>
+            <a:lvl7pPr marL="2743200" indent="0">
+              <a:buNone/>
+              <a:defRPr sz="900"/>
+            </a:lvl7pPr>
+            <a:lvl8pPr marL="3200400" indent="0">
+              <a:buNone/>
+              <a:defRPr sz="900"/>
+            </a:lvl8pPr>
+            <a:lvl9pPr marL="3657600" indent="0">
+              <a:buNone/>
+              <a:defRPr sz="900"/>
+            </a:lvl9pPr>
+          </a:lstStyle>
+          <a:p>
+            <a:pPr lvl="0"/>
+            <a:r>
+              <a:rPr lang="pt-BR" smtClean="0"/>
+              <a:t>Clique para editar o texto mestre</a:t>
+            </a:r>
+          </a:p>
+        </p:txBody>
+      </p:sp>
+      <p:sp>
+        <p:nvSpPr>
+          <p:cNvPr id="5" name="Date Placeholder 4"/>
+          <p:cNvSpPr>
+            <a:spLocks noGrp="1"/>
+          </p:cNvSpPr>
+          <p:nvPr>
+            <p:ph type="dt" sz="half" idx="10"/>
+          </p:nvPr>
+        </p:nvSpPr>
+        <p:spPr/>
+        <p:txBody>
+          <a:bodyPr/>
+          <a:lstStyle/>
+          <a:p>
+            <a:fld id="{2E700DB3-DBF0-4086-B675-117E7A9610B8}" type="datetimeFigureOut">
+              <a:rPr lang="pt-BR" smtClean="0"/>
+              <a:t>19/06/2016</a:t>
+            </a:fld>
+            <a:endParaRPr lang="pt-BR"/>
+          </a:p>
+        </p:txBody>
+      </p:sp>
+      <p:sp>
+        <p:nvSpPr>
+          <p:cNvPr id="6" name="Footer Placeholder 5"/>
+          <p:cNvSpPr>
+            <a:spLocks noGrp="1"/>
+          </p:cNvSpPr>
+          <p:nvPr>
+            <p:ph type="ftr" sz="quarter" idx="11"/>
+          </p:nvPr>
+        </p:nvSpPr>
+        <p:spPr/>
+        <p:txBody>
+          <a:bodyPr/>
+          <a:lstStyle/>
+          <a:p>
+            <a:endParaRPr lang="pt-BR"/>
+          </a:p>
+        </p:txBody>
+      </p:sp>
+      <p:sp>
+        <p:nvSpPr>
+          <p:cNvPr id="7" name="Slide Number Placeholder 6"/>
+          <p:cNvSpPr>
+            <a:spLocks noGrp="1"/>
+          </p:cNvSpPr>
+          <p:nvPr>
+            <p:ph type="sldNum" sz="quarter" idx="12"/>
+          </p:nvPr>
+        </p:nvSpPr>
+        <p:spPr/>
+        <p:txBody>
+          <a:bodyPr/>
+          <a:lstStyle/>
+          <a:p>
+            <a:fld id="{2119D8CF-8DEC-4D9F-84EE-ADF04DFF3391}" type="slidenum">
+              <a:rPr lang="pt-BR" smtClean="0"/>
+              <a:t>‹nº›</a:t>
+            </a:fld>
+            <a:endParaRPr lang="pt-BR"/>
+          </a:p>
+        </p:txBody>
+      </p:sp>
+      <p:sp>
+        <p:nvSpPr>
+          <p:cNvPr id="10" name="Title 9"/>
+          <p:cNvSpPr>
+            <a:spLocks noGrp="1"/>
+          </p:cNvSpPr>
+          <p:nvPr>
+            <p:ph type="title"/>
+          </p:nvPr>
+        </p:nvSpPr>
+        <p:spPr>
+          <a:xfrm>
+            <a:off x="7162800" y="460248"/>
+            <a:ext cx="1676400" cy="1673352"/>
           </a:xfrm>
         </p:spPr>
         <p:txBody>
           <a:bodyPr anchor="b"/>
           <a:lstStyle>
             <a:lvl1pPr algn="l">
-              <a:defRPr sz="2000" b="1"/>
+              <a:defRPr sz="2000" spc="150" baseline="0">
+                <a:solidFill>
+                  <a:schemeClr val="tx2"/>
+                </a:solidFill>
+              </a:defRPr>
             </a:lvl1pPr>
           </a:lstStyle>
           <a:p>
             <a:r>
               <a:rPr lang="pt-BR" smtClean="0"/>
-              <a:t>Clique para editar o estilo do título mestre</a:t>
-            </a:r>
-            <a:endParaRPr lang="pt-BR"/>
-          </a:p>
-        </p:txBody>
-      </p:sp>
-      <p:sp>
-        <p:nvSpPr>
-          <p:cNvPr id="3" name="Espaço Reservado para Imagem 2"/>
-          <p:cNvSpPr>
-            <a:spLocks noGrp="1"/>
-          </p:cNvSpPr>
-          <p:nvPr>
-            <p:ph type="pic" idx="1"/>
-          </p:nvPr>
-        </p:nvSpPr>
-        <p:spPr>
-          <a:xfrm>
-            <a:off x="1792288" y="612775"/>
-            <a:ext cx="5486400" cy="4114800"/>
-          </a:xfrm>
-        </p:spPr>
-        <p:txBody>
-          <a:bodyPr/>
-          <a:lstStyle>
-            <a:lvl1pPr marL="0" indent="0">
-              <a:buNone/>
-              <a:defRPr sz="3200"/>
-            </a:lvl1pPr>
-            <a:lvl2pPr marL="457200" indent="0">
-              <a:buNone/>
-              <a:defRPr sz="2800"/>
-            </a:lvl2pPr>
-            <a:lvl3pPr marL="914400" indent="0">
-              <a:buNone/>
-              <a:defRPr sz="2400"/>
-            </a:lvl3pPr>
-            <a:lvl4pPr marL="1371600" indent="0">
-              <a:buNone/>
-              <a:defRPr sz="2000"/>
-            </a:lvl4pPr>
-            <a:lvl5pPr marL="1828800" indent="0">
-              <a:buNone/>
-              <a:defRPr sz="2000"/>
-            </a:lvl5pPr>
-            <a:lvl6pPr marL="2286000" indent="0">
-              <a:buNone/>
-              <a:defRPr sz="2000"/>
-            </a:lvl6pPr>
-            <a:lvl7pPr marL="2743200" indent="0">
-              <a:buNone/>
-              <a:defRPr sz="2000"/>
-            </a:lvl7pPr>
-            <a:lvl8pPr marL="3200400" indent="0">
-              <a:buNone/>
-              <a:defRPr sz="2000"/>
-            </a:lvl8pPr>
-            <a:lvl9pPr marL="3657600" indent="0">
-              <a:buNone/>
-              <a:defRPr sz="2000"/>
-            </a:lvl9pPr>
-          </a:lstStyle>
-          <a:p>
-            <a:endParaRPr lang="pt-BR"/>
-          </a:p>
-        </p:txBody>
-      </p:sp>
-      <p:sp>
-        <p:nvSpPr>
-          <p:cNvPr id="4" name="Espaço Reservado para Texto 3"/>
-          <p:cNvSpPr>
-            <a:spLocks noGrp="1"/>
-          </p:cNvSpPr>
-          <p:nvPr>
-            <p:ph type="body" sz="half" idx="2"/>
-          </p:nvPr>
-        </p:nvSpPr>
-        <p:spPr>
-          <a:xfrm>
-            <a:off x="1792288" y="5367338"/>
-            <a:ext cx="5486400" cy="804862"/>
-          </a:xfrm>
-        </p:spPr>
-        <p:txBody>
-          <a:bodyPr/>
-          <a:lstStyle>
-            <a:lvl1pPr marL="0" indent="0">
-              <a:buNone/>
-              <a:defRPr sz="1400"/>
-            </a:lvl1pPr>
-            <a:lvl2pPr marL="457200" indent="0">
-              <a:buNone/>
-              <a:defRPr sz="1200"/>
-            </a:lvl2pPr>
-            <a:lvl3pPr marL="914400" indent="0">
-              <a:buNone/>
-              <a:defRPr sz="1000"/>
-            </a:lvl3pPr>
-            <a:lvl4pPr marL="1371600" indent="0">
-              <a:buNone/>
-              <a:defRPr sz="900"/>
-            </a:lvl4pPr>
-            <a:lvl5pPr marL="1828800" indent="0">
-              <a:buNone/>
-              <a:defRPr sz="900"/>
-            </a:lvl5pPr>
-            <a:lvl6pPr marL="2286000" indent="0">
-              <a:buNone/>
-              <a:defRPr sz="900"/>
-            </a:lvl6pPr>
-            <a:lvl7pPr marL="2743200" indent="0">
-              <a:buNone/>
-              <a:defRPr sz="900"/>
-            </a:lvl7pPr>
-            <a:lvl8pPr marL="3200400" indent="0">
-              <a:buNone/>
-              <a:defRPr sz="900"/>
-            </a:lvl8pPr>
-            <a:lvl9pPr marL="3657600" indent="0">
-              <a:buNone/>
-              <a:defRPr sz="900"/>
-            </a:lvl9pPr>
-          </a:lstStyle>
-          <a:p>
-            <a:pPr lvl="0"/>
-            <a:r>
-              <a:rPr lang="pt-BR" smtClean="0"/>
-              <a:t>Clique para editar os estilos do texto mestre</a:t>
-            </a:r>
-          </a:p>
-        </p:txBody>
-      </p:sp>
-      <p:sp>
-        <p:nvSpPr>
-          <p:cNvPr id="5" name="Espaço Reservado para Data 4"/>
-          <p:cNvSpPr>
-            <a:spLocks noGrp="1"/>
-          </p:cNvSpPr>
-          <p:nvPr>
-            <p:ph type="dt" sz="half" idx="10"/>
-          </p:nvPr>
-        </p:nvSpPr>
-        <p:spPr/>
-        <p:txBody>
-          <a:bodyPr/>
-          <a:lstStyle/>
-          <a:p>
-            <a:fld id="{2E700DB3-DBF0-4086-B675-117E7A9610B8}" type="datetimeFigureOut">
-              <a:rPr lang="pt-BR" smtClean="0"/>
-              <a:t>18/06/2016</a:t>
-            </a:fld>
-            <a:endParaRPr lang="pt-BR"/>
-          </a:p>
-        </p:txBody>
-      </p:sp>
-      <p:sp>
-        <p:nvSpPr>
-          <p:cNvPr id="6" name="Espaço Reservado para Rodapé 5"/>
-          <p:cNvSpPr>
-            <a:spLocks noGrp="1"/>
-          </p:cNvSpPr>
-          <p:nvPr>
-            <p:ph type="ftr" sz="quarter" idx="11"/>
-          </p:nvPr>
-        </p:nvSpPr>
-        <p:spPr/>
-        <p:txBody>
-          <a:bodyPr/>
-          <a:lstStyle/>
-          <a:p>
-            <a:endParaRPr lang="pt-BR"/>
-          </a:p>
-        </p:txBody>
-      </p:sp>
-      <p:sp>
-        <p:nvSpPr>
-          <p:cNvPr id="7" name="Espaço Reservado para Número de Slide 6"/>
-          <p:cNvSpPr>
-            <a:spLocks noGrp="1"/>
-          </p:cNvSpPr>
-          <p:nvPr>
-            <p:ph type="sldNum" sz="quarter" idx="12"/>
-          </p:nvPr>
-        </p:nvSpPr>
-        <p:spPr/>
-        <p:txBody>
-          <a:bodyPr/>
-          <a:lstStyle/>
-          <a:p>
-            <a:fld id="{2119D8CF-8DEC-4D9F-84EE-ADF04DFF3391}" type="slidenum">
-              <a:rPr lang="pt-BR" smtClean="0"/>
-              <a:t>‹nº›</a:t>
-            </a:fld>
-            <a:endParaRPr lang="pt-BR"/>
+              <a:t>Clique para editar o título mestre</a:t>
+            </a:r>
+            <a:endParaRPr lang="en-US" dirty="0"/>
           </a:p>
         </p:txBody>
       </p:sp>
     </p:spTree>
   </p:cSld>
   <p:clrMapOvr>
-    <a:masterClrMapping/>
+    <a:overrideClrMapping bg1="dk1" tx1="lt1" bg2="dk2" tx2="lt2" accent1="accent1" accent2="accent2" accent3="accent3" accent4="accent4" accent5="accent5" accent6="accent6" hlink="hlink" folHlink="folHlink"/>
   </p:clrMapOvr>
 </p:sldLayout>
 </file>
@@ -2978,18 +3631,110 @@
       </p:grpSpPr>
       <p:sp>
         <p:nvSpPr>
-          <p:cNvPr id="2" name="Espaço Reservado para Título 1"/>
-          <p:cNvSpPr>
-            <a:spLocks noGrp="1"/>
-          </p:cNvSpPr>
-          <p:nvPr>
-            <p:ph type="title"/>
-          </p:nvPr>
+          <p:cNvPr id="9" name="Rectangle 8"/>
+          <p:cNvSpPr/>
+          <p:nvPr/>
         </p:nvSpPr>
         <p:spPr>
           <a:xfrm>
-            <a:off x="457200" y="274638"/>
-            <a:ext cx="8229600" cy="1143000"/>
+            <a:off x="152400" y="1634971"/>
+            <a:ext cx="8831802" cy="5045476"/>
+          </a:xfrm>
+          <a:prstGeom prst="rect">
+            <a:avLst/>
+          </a:prstGeom>
+          <a:solidFill>
+            <a:schemeClr val="bg2"/>
+          </a:solidFill>
+          <a:ln>
+            <a:noFill/>
+          </a:ln>
+        </p:spPr>
+        <p:style>
+          <a:lnRef idx="2">
+            <a:schemeClr val="accent1">
+              <a:shade val="50000"/>
+            </a:schemeClr>
+          </a:lnRef>
+          <a:fillRef idx="1">
+            <a:schemeClr val="accent1"/>
+          </a:fillRef>
+          <a:effectRef idx="0">
+            <a:schemeClr val="accent1"/>
+          </a:effectRef>
+          <a:fontRef idx="minor">
+            <a:schemeClr val="lt1"/>
+          </a:fontRef>
+        </p:style>
+        <p:txBody>
+          <a:bodyPr rtlCol="0" anchor="ctr"/>
+          <a:lstStyle/>
+          <a:p>
+            <a:pPr algn="ctr"/>
+            <a:endParaRPr lang="en-US"/>
+          </a:p>
+        </p:txBody>
+      </p:sp>
+      <p:sp>
+        <p:nvSpPr>
+          <p:cNvPr id="8" name="Rectangle 7"/>
+          <p:cNvSpPr/>
+          <p:nvPr/>
+        </p:nvSpPr>
+        <p:spPr>
+          <a:xfrm>
+            <a:off x="152399" y="152400"/>
+            <a:ext cx="8814047" cy="1346447"/>
+          </a:xfrm>
+          <a:prstGeom prst="rect">
+            <a:avLst/>
+          </a:prstGeom>
+          <a:solidFill>
+            <a:schemeClr val="tx2"/>
+          </a:solidFill>
+          <a:ln>
+            <a:noFill/>
+          </a:ln>
+        </p:spPr>
+        <p:style>
+          <a:lnRef idx="2">
+            <a:schemeClr val="accent1">
+              <a:shade val="50000"/>
+            </a:schemeClr>
+          </a:lnRef>
+          <a:fillRef idx="1">
+            <a:schemeClr val="accent1"/>
+          </a:fillRef>
+          <a:effectRef idx="0">
+            <a:schemeClr val="accent1"/>
+          </a:effectRef>
+          <a:fontRef idx="minor">
+            <a:schemeClr val="lt1"/>
+          </a:fontRef>
+        </p:style>
+        <p:txBody>
+          <a:bodyPr rtlCol="0" anchor="ctr"/>
+          <a:lstStyle/>
+          <a:p>
+            <a:pPr algn="ctr"/>
+            <a:endParaRPr lang="en-US"/>
+          </a:p>
+        </p:txBody>
+      </p:sp>
+      <p:sp>
+        <p:nvSpPr>
+          <p:cNvPr id="2" name="Title Placeholder 1"/>
+          <p:cNvSpPr>
+            <a:spLocks noGrp="1"/>
+          </p:cNvSpPr>
+          <p:nvPr>
+            <p:ph type="title"/>
+          </p:nvPr>
+        </p:nvSpPr>
+        <p:spPr>
+          <a:xfrm>
+            <a:off x="381000" y="355847"/>
+            <a:ext cx="8381260" cy="1054394"/>
           </a:xfrm>
           <a:prstGeom prst="rect">
             <a:avLst/>
@@ -2997,21 +3742,21 @@
         </p:spPr>
         <p:txBody>
           <a:bodyPr vert="horz" lIns="91440" tIns="45720" rIns="91440" bIns="45720" rtlCol="0" anchor="ctr">
-            <a:normAutofit/>
+            <a:noAutofit/>
           </a:bodyPr>
           <a:lstStyle/>
           <a:p>
             <a:r>
               <a:rPr lang="pt-BR" smtClean="0"/>
-              <a:t>Clique para editar o estilo do título mestre</a:t>
-            </a:r>
-            <a:endParaRPr lang="pt-BR"/>
-          </a:p>
-        </p:txBody>
-      </p:sp>
-      <p:sp>
-        <p:nvSpPr>
-          <p:cNvPr id="3" name="Espaço Reservado para Texto 2"/>
+              <a:t>Clique para editar o título mestre</a:t>
+            </a:r>
+            <a:endParaRPr lang="en-US" dirty="0"/>
+          </a:p>
+        </p:txBody>
+      </p:sp>
+      <p:sp>
+        <p:nvSpPr>
+          <p:cNvPr id="3" name="Text Placeholder 2"/>
           <p:cNvSpPr>
             <a:spLocks noGrp="1"/>
           </p:cNvSpPr>
@@ -3021,8 +3766,8 @@
         </p:nvSpPr>
         <p:spPr>
           <a:xfrm>
-            <a:off x="457200" y="1600200"/>
-            <a:ext cx="8229600" cy="4525963"/>
+            <a:off x="380999" y="1719071"/>
+            <a:ext cx="8407893" cy="4407408"/>
           </a:xfrm>
           <a:prstGeom prst="rect">
             <a:avLst/>
@@ -3037,7 +3782,7 @@
             <a:pPr lvl="0"/>
             <a:r>
               <a:rPr lang="pt-BR" smtClean="0"/>
-              <a:t>Clique para editar os estilos do texto mestre</a:t>
+              <a:t>Clique para editar o texto mestre</a:t>
             </a:r>
           </a:p>
           <a:p>
@@ -3067,13 +3812,13 @@
               <a:rPr lang="pt-BR" smtClean="0"/>
               <a:t>Quinto nível</a:t>
             </a:r>
-            <a:endParaRPr lang="pt-BR"/>
-          </a:p>
-        </p:txBody>
-      </p:sp>
-      <p:sp>
-        <p:nvSpPr>
-          <p:cNvPr id="4" name="Espaço Reservado para Data 3"/>
+            <a:endParaRPr lang="en-US" dirty="0"/>
+          </a:p>
+        </p:txBody>
+      </p:sp>
+      <p:sp>
+        <p:nvSpPr>
+          <p:cNvPr id="4" name="Date Placeholder 3"/>
           <p:cNvSpPr>
             <a:spLocks noGrp="1"/>
           </p:cNvSpPr>
@@ -3083,8 +3828,8 @@
         </p:nvSpPr>
         <p:spPr>
           <a:xfrm>
-            <a:off x="457200" y="6356350"/>
-            <a:ext cx="2133600" cy="365125"/>
+            <a:off x="370888" y="6356350"/>
+            <a:ext cx="2133600" cy="274320"/>
           </a:xfrm>
           <a:prstGeom prst="rect">
             <a:avLst/>
@@ -3094,11 +3839,9 @@
           <a:bodyPr vert="horz" lIns="91440" tIns="45720" rIns="91440" bIns="45720" rtlCol="0" anchor="ctr"/>
           <a:lstStyle>
             <a:lvl1pPr algn="l">
-              <a:defRPr sz="1200">
+              <a:defRPr sz="1100">
                 <a:solidFill>
-                  <a:schemeClr val="tx1">
-                    <a:tint val="75000"/>
-                  </a:schemeClr>
+                  <a:schemeClr val="tx2"/>
                 </a:solidFill>
               </a:defRPr>
             </a:lvl1pPr>
@@ -3106,7 +3849,7 @@
           <a:p>
             <a:fld id="{2E700DB3-DBF0-4086-B675-117E7A9610B8}" type="datetimeFigureOut">
               <a:rPr lang="pt-BR" smtClean="0"/>
-              <a:t>18/06/2016</a:t>
+              <a:t>19/06/2016</a:t>
             </a:fld>
             <a:endParaRPr lang="pt-BR"/>
           </a:p>
@@ -3114,7 +3857,7 @@
       </p:sp>
       <p:sp>
         <p:nvSpPr>
-          <p:cNvPr id="5" name="Espaço Reservado para Rodapé 4"/>
+          <p:cNvPr id="5" name="Footer Placeholder 4"/>
           <p:cNvSpPr>
             <a:spLocks noGrp="1"/>
           </p:cNvSpPr>
@@ -3124,8 +3867,8 @@
         </p:nvSpPr>
         <p:spPr>
           <a:xfrm>
-            <a:off x="3124200" y="6356350"/>
-            <a:ext cx="2895600" cy="365125"/>
+            <a:off x="3048000" y="6356350"/>
+            <a:ext cx="3352800" cy="274320"/>
           </a:xfrm>
           <a:prstGeom prst="rect">
             <a:avLst/>
@@ -3135,11 +3878,9 @@
           <a:bodyPr vert="horz" lIns="91440" tIns="45720" rIns="91440" bIns="45720" rtlCol="0" anchor="ctr"/>
           <a:lstStyle>
             <a:lvl1pPr algn="ctr">
-              <a:defRPr sz="1200">
+              <a:defRPr sz="1100">
                 <a:solidFill>
-                  <a:schemeClr val="tx1">
-                    <a:tint val="75000"/>
-                  </a:schemeClr>
+                  <a:schemeClr val="tx2"/>
                 </a:solidFill>
               </a:defRPr>
             </a:lvl1pPr>
@@ -3151,7 +3892,7 @@
       </p:sp>
       <p:sp>
         <p:nvSpPr>
-          <p:cNvPr id="6" name="Espaço Reservado para Número de Slide 5"/>
+          <p:cNvPr id="6" name="Slide Number Placeholder 5"/>
           <p:cNvSpPr>
             <a:spLocks noGrp="1"/>
           </p:cNvSpPr>
@@ -3161,22 +3902,23 @@
         </p:nvSpPr>
         <p:spPr>
           <a:xfrm>
-            <a:off x="6553200" y="6356350"/>
-            <a:ext cx="2133600" cy="365125"/>
+            <a:off x="8234680" y="6355080"/>
+            <a:ext cx="582966" cy="274320"/>
           </a:xfrm>
           <a:prstGeom prst="rect">
             <a:avLst/>
           </a:prstGeom>
+          <a:ln w="19050">
+            <a:noFill/>
+          </a:ln>
         </p:spPr>
         <p:txBody>
           <a:bodyPr vert="horz" lIns="91440" tIns="45720" rIns="91440" bIns="45720" rtlCol="0" anchor="ctr"/>
           <a:lstStyle>
-            <a:lvl1pPr algn="r">
-              <a:defRPr sz="1200">
+            <a:lvl1pPr algn="ctr">
+              <a:defRPr sz="1100">
                 <a:solidFill>
-                  <a:schemeClr val="tx1">
-                    <a:tint val="75000"/>
-                  </a:schemeClr>
+                  <a:schemeClr val="tx2"/>
                 </a:solidFill>
               </a:defRPr>
             </a:lvl1pPr>
@@ -3194,17 +3936,17 @@
   </p:cSld>
   <p:clrMap bg1="lt1" tx1="dk1" bg2="lt2" tx2="dk2" accent1="accent1" accent2="accent2" accent3="accent3" accent4="accent4" accent5="accent5" accent6="accent6" hlink="hlink" folHlink="folHlink"/>
   <p:sldLayoutIdLst>
-    <p:sldLayoutId id="2147483649" r:id="rId1"/>
-    <p:sldLayoutId id="2147483650" r:id="rId2"/>
-    <p:sldLayoutId id="2147483651" r:id="rId3"/>
-    <p:sldLayoutId id="2147483652" r:id="rId4"/>
-    <p:sldLayoutId id="2147483653" r:id="rId5"/>
-    <p:sldLayoutId id="2147483654" r:id="rId6"/>
-    <p:sldLayoutId id="2147483655" r:id="rId7"/>
-    <p:sldLayoutId id="2147483656" r:id="rId8"/>
-    <p:sldLayoutId id="2147483657" r:id="rId9"/>
-    <p:sldLayoutId id="2147483658" r:id="rId10"/>
-    <p:sldLayoutId id="2147483659" r:id="rId11"/>
+    <p:sldLayoutId id="2147483685" r:id="rId1"/>
+    <p:sldLayoutId id="2147483686" r:id="rId2"/>
+    <p:sldLayoutId id="2147483687" r:id="rId3"/>
+    <p:sldLayoutId id="2147483688" r:id="rId4"/>
+    <p:sldLayoutId id="2147483689" r:id="rId5"/>
+    <p:sldLayoutId id="2147483690" r:id="rId6"/>
+    <p:sldLayoutId id="2147483691" r:id="rId7"/>
+    <p:sldLayoutId id="2147483692" r:id="rId8"/>
+    <p:sldLayoutId id="2147483693" r:id="rId9"/>
+    <p:sldLayoutId id="2147483694" r:id="rId10"/>
+    <p:sldLayoutId id="2147483695" r:id="rId11"/>
   </p:sldLayoutIdLst>
   <p:txStyles>
     <p:titleStyle>
@@ -3213,10 +3955,14 @@
           <a:spcPct val="0"/>
         </a:spcBef>
         <a:buNone/>
-        <a:defRPr sz="4400" kern="1200">
+        <a:defRPr sz="3200" kern="1200" cap="all" spc="200" baseline="0">
+          <a:ln>
+            <a:noFill/>
+          </a:ln>
           <a:solidFill>
-            <a:schemeClr val="tx1"/>
+            <a:schemeClr val="bg1"/>
           </a:solidFill>
+          <a:effectLst/>
           <a:latin typeface="+mj-lt"/>
           <a:ea typeface="+mj-ea"/>
           <a:cs typeface="+mj-cs"/>
@@ -3224,135 +3970,162 @@
       </a:lvl1pPr>
     </p:titleStyle>
     <p:bodyStyle>
-      <a:lvl1pPr marL="342900" indent="-342900" algn="l" defTabSz="914400" rtl="0" eaLnBrk="1" latinLnBrk="0" hangingPunct="1">
+      <a:lvl1pPr marL="274320" indent="-228600" algn="l" defTabSz="914400" rtl="0" eaLnBrk="1" latinLnBrk="0" hangingPunct="1">
         <a:spcBef>
           <a:spcPct val="20000"/>
         </a:spcBef>
-        <a:buFont typeface="Arial" pitchFamily="34" charset="0"/>
-        <a:buChar char="•"/>
-        <a:defRPr sz="3200" kern="1200">
+        <a:buClr>
+          <a:schemeClr val="accent1"/>
+        </a:buClr>
+        <a:buFont typeface="Wingdings 2" pitchFamily="18" charset="2"/>
+        <a:buChar char=""/>
+        <a:defRPr sz="2000" kern="1200" spc="150" baseline="0">
           <a:solidFill>
-            <a:schemeClr val="tx1"/>
+            <a:schemeClr val="tx2"/>
           </a:solidFill>
           <a:latin typeface="+mn-lt"/>
           <a:ea typeface="+mn-ea"/>
           <a:cs typeface="+mn-cs"/>
         </a:defRPr>
       </a:lvl1pPr>
-      <a:lvl2pPr marL="742950" indent="-285750" algn="l" defTabSz="914400" rtl="0" eaLnBrk="1" latinLnBrk="0" hangingPunct="1">
+      <a:lvl2pPr marL="548640" indent="-182880" algn="l" defTabSz="914400" rtl="0" eaLnBrk="1" latinLnBrk="0" hangingPunct="1">
         <a:spcBef>
           <a:spcPct val="20000"/>
         </a:spcBef>
-        <a:buFont typeface="Arial" pitchFamily="34" charset="0"/>
-        <a:buChar char="–"/>
-        <a:defRPr sz="2800" kern="1200">
+        <a:buClr>
+          <a:schemeClr val="accent2"/>
+        </a:buClr>
+        <a:buFont typeface="Wingdings" pitchFamily="2" charset="2"/>
+        <a:buChar char="§"/>
+        <a:defRPr sz="1800" kern="1200" spc="100" baseline="0">
           <a:solidFill>
-            <a:schemeClr val="tx1"/>
+            <a:schemeClr val="tx2"/>
           </a:solidFill>
           <a:latin typeface="+mn-lt"/>
           <a:ea typeface="+mn-ea"/>
           <a:cs typeface="+mn-cs"/>
         </a:defRPr>
       </a:lvl2pPr>
-      <a:lvl3pPr marL="1143000" indent="-228600" algn="l" defTabSz="914400" rtl="0" eaLnBrk="1" latinLnBrk="0" hangingPunct="1">
+      <a:lvl3pPr marL="822960" indent="-182880" algn="l" defTabSz="914400" rtl="0" eaLnBrk="1" latinLnBrk="0" hangingPunct="1">
         <a:spcBef>
           <a:spcPct val="20000"/>
         </a:spcBef>
-        <a:buFont typeface="Arial" pitchFamily="34" charset="0"/>
-        <a:buChar char="•"/>
-        <a:defRPr sz="2400" kern="1200">
+        <a:buClr>
+          <a:schemeClr val="accent3"/>
+        </a:buClr>
+        <a:buFont typeface="Wingdings" pitchFamily="2" charset="2"/>
+        <a:buChar char="§"/>
+        <a:defRPr sz="1600" kern="1200" spc="100" baseline="0">
           <a:solidFill>
-            <a:schemeClr val="tx1"/>
+            <a:schemeClr val="tx2"/>
           </a:solidFill>
           <a:latin typeface="+mn-lt"/>
           <a:ea typeface="+mn-ea"/>
           <a:cs typeface="+mn-cs"/>
         </a:defRPr>
       </a:lvl3pPr>
-      <a:lvl4pPr marL="1600200" indent="-228600" algn="l" defTabSz="914400" rtl="0" eaLnBrk="1" latinLnBrk="0" hangingPunct="1">
+      <a:lvl4pPr marL="1097280" indent="-182880" algn="l" defTabSz="914400" rtl="0" eaLnBrk="1" latinLnBrk="0" hangingPunct="1">
         <a:spcBef>
           <a:spcPct val="20000"/>
         </a:spcBef>
-        <a:buFont typeface="Arial" pitchFamily="34" charset="0"/>
-        <a:buChar char="–"/>
-        <a:defRPr sz="2000" kern="1200">
+        <a:buClr>
+          <a:schemeClr val="accent4"/>
+        </a:buClr>
+        <a:buFont typeface="Wingdings" pitchFamily="2" charset="2"/>
+        <a:buChar char="§"/>
+        <a:defRPr sz="1400" kern="1200">
           <a:solidFill>
-            <a:schemeClr val="tx1"/>
+            <a:schemeClr val="tx2"/>
           </a:solidFill>
           <a:latin typeface="+mn-lt"/>
           <a:ea typeface="+mn-ea"/>
           <a:cs typeface="+mn-cs"/>
         </a:defRPr>
       </a:lvl4pPr>
-      <a:lvl5pPr marL="2057400" indent="-228600" algn="l" defTabSz="914400" rtl="0" eaLnBrk="1" latinLnBrk="0" hangingPunct="1">
+      <a:lvl5pPr marL="1280160" indent="-182880" algn="l" defTabSz="914400" rtl="0" eaLnBrk="1" latinLnBrk="0" hangingPunct="1">
         <a:spcBef>
           <a:spcPct val="20000"/>
         </a:spcBef>
-        <a:buFont typeface="Arial" pitchFamily="34" charset="0"/>
-        <a:buChar char="»"/>
-        <a:defRPr sz="2000" kern="1200">
+        <a:buClr>
+          <a:schemeClr val="accent6"/>
+        </a:buClr>
+        <a:buFont typeface="Wingdings" pitchFamily="2" charset="2"/>
+        <a:buChar char="§"/>
+        <a:defRPr sz="1300" kern="1200" spc="100" baseline="0">
           <a:solidFill>
-            <a:schemeClr val="tx1"/>
+            <a:schemeClr val="tx2"/>
           </a:solidFill>
           <a:latin typeface="+mn-lt"/>
           <a:ea typeface="+mn-ea"/>
           <a:cs typeface="+mn-cs"/>
         </a:defRPr>
       </a:lvl5pPr>
-      <a:lvl6pPr marL="2514600" indent="-228600" algn="l" defTabSz="914400" rtl="0" eaLnBrk="1" latinLnBrk="0" hangingPunct="1">
+      <a:lvl6pPr marL="1554480" indent="-182880" algn="l" defTabSz="914400" rtl="0" eaLnBrk="1" latinLnBrk="0" hangingPunct="1">
         <a:spcBef>
           <a:spcPct val="20000"/>
         </a:spcBef>
-        <a:buFont typeface="Arial" pitchFamily="34" charset="0"/>
-        <a:buChar char="•"/>
-        <a:defRPr sz="2000" kern="1200">
+        <a:buClr>
+          <a:schemeClr val="accent1"/>
+        </a:buClr>
+        <a:buFont typeface="Wingdings" pitchFamily="2" charset="2"/>
+        <a:buChar char="§"/>
+        <a:defRPr sz="1200" kern="1200">
           <a:solidFill>
-            <a:schemeClr val="tx1"/>
+            <a:schemeClr val="tx2"/>
           </a:solidFill>
           <a:latin typeface="+mn-lt"/>
           <a:ea typeface="+mn-ea"/>
           <a:cs typeface="+mn-cs"/>
         </a:defRPr>
       </a:lvl6pPr>
-      <a:lvl7pPr marL="2971800" indent="-228600" algn="l" defTabSz="914400" rtl="0" eaLnBrk="1" latinLnBrk="0" hangingPunct="1">
+      <a:lvl7pPr marL="1828800" indent="-182880" algn="l" defTabSz="914400" rtl="0" eaLnBrk="1" latinLnBrk="0" hangingPunct="1">
         <a:spcBef>
           <a:spcPct val="20000"/>
         </a:spcBef>
-        <a:buFont typeface="Arial" pitchFamily="34" charset="0"/>
-        <a:buChar char="•"/>
-        <a:defRPr sz="2000" kern="1200">
+        <a:buClr>
+          <a:schemeClr val="accent2"/>
+        </a:buClr>
+        <a:buFont typeface="Wingdings" pitchFamily="2" charset="2"/>
+        <a:buChar char="§"/>
+        <a:defRPr sz="1200" kern="1200">
           <a:solidFill>
-            <a:schemeClr val="tx1"/>
+            <a:schemeClr val="tx2"/>
           </a:solidFill>
           <a:latin typeface="+mn-lt"/>
           <a:ea typeface="+mn-ea"/>
           <a:cs typeface="+mn-cs"/>
         </a:defRPr>
       </a:lvl7pPr>
-      <a:lvl8pPr marL="3429000" indent="-228600" algn="l" defTabSz="914400" rtl="0" eaLnBrk="1" latinLnBrk="0" hangingPunct="1">
+      <a:lvl8pPr marL="2103120" indent="-182880" algn="l" defTabSz="914400" rtl="0" eaLnBrk="1" latinLnBrk="0" hangingPunct="1">
         <a:spcBef>
           <a:spcPct val="20000"/>
         </a:spcBef>
-        <a:buFont typeface="Arial" pitchFamily="34" charset="0"/>
-        <a:buChar char="•"/>
-        <a:defRPr sz="2000" kern="1200">
+        <a:buClr>
+          <a:schemeClr val="accent3"/>
+        </a:buClr>
+        <a:buFont typeface="Wingdings" pitchFamily="2" charset="2"/>
+        <a:buChar char="§"/>
+        <a:defRPr sz="1200" kern="1200">
           <a:solidFill>
-            <a:schemeClr val="tx1"/>
+            <a:schemeClr val="tx2"/>
           </a:solidFill>
           <a:latin typeface="+mn-lt"/>
           <a:ea typeface="+mn-ea"/>
           <a:cs typeface="+mn-cs"/>
         </a:defRPr>
       </a:lvl8pPr>
-      <a:lvl9pPr marL="3886200" indent="-228600" algn="l" defTabSz="914400" rtl="0" eaLnBrk="1" latinLnBrk="0" hangingPunct="1">
+      <a:lvl9pPr marL="2377440" indent="-182880" algn="l" defTabSz="914400" rtl="0" eaLnBrk="1" latinLnBrk="0" hangingPunct="1">
         <a:spcBef>
           <a:spcPct val="20000"/>
         </a:spcBef>
-        <a:buFont typeface="Arial" pitchFamily="34" charset="0"/>
-        <a:buChar char="•"/>
-        <a:defRPr sz="2000" kern="1200">
+        <a:buClr>
+          <a:schemeClr val="accent5"/>
+        </a:buClr>
+        <a:buFont typeface="Wingdings" pitchFamily="2" charset="2"/>
+        <a:buChar char="§"/>
+        <a:defRPr sz="1200" kern="1200">
           <a:solidFill>
-            <a:schemeClr val="tx1"/>
+            <a:schemeClr val="tx2"/>
           </a:solidFill>
           <a:latin typeface="+mn-lt"/>
           <a:ea typeface="+mn-ea"/>
@@ -3362,7 +4135,7 @@
     </p:bodyStyle>
     <p:otherStyle>
       <a:defPPr>
-        <a:defRPr lang="pt-BR"/>
+        <a:defRPr lang="en-US"/>
       </a:defPPr>
       <a:lvl1pPr marL="0" algn="l" defTabSz="914400" rtl="0" eaLnBrk="1" latinLnBrk="0" hangingPunct="1">
         <a:defRPr sz="1800" kern="1200">
@@ -3483,7 +4256,7 @@
             <a:spLocks noGrp="1"/>
           </p:cNvSpPr>
           <p:nvPr>
-            <p:ph type="ctrTitle"/>
+            <p:ph type="title"/>
           </p:nvPr>
         </p:nvSpPr>
         <p:spPr/>
@@ -3491,26 +4264,12 @@
           <a:bodyPr/>
           <a:lstStyle/>
           <a:p>
+            <a:pPr algn="ctr"/>
+            <a:r>
+              <a:rPr lang="pt-BR" dirty="0" smtClean="0"/>
+              <a:t>DOMINIOS gov.br</a:t>
+            </a:r>
             <a:endParaRPr lang="pt-BR" dirty="0"/>
-          </a:p>
-        </p:txBody>
-      </p:sp>
-      <p:sp>
-        <p:nvSpPr>
-          <p:cNvPr id="3" name="Subtítulo 2"/>
-          <p:cNvSpPr>
-            <a:spLocks noGrp="1"/>
-          </p:cNvSpPr>
-          <p:nvPr>
-            <p:ph type="subTitle" idx="1"/>
-          </p:nvPr>
-        </p:nvSpPr>
-        <p:spPr/>
-        <p:txBody>
-          <a:bodyPr/>
-          <a:lstStyle/>
-          <a:p>
-            <a:endParaRPr lang="pt-BR"/>
           </a:p>
         </p:txBody>
       </p:sp>
@@ -3518,6 +4277,396 @@
     <p:extLst>
       <p:ext uri="{BB962C8B-B14F-4D97-AF65-F5344CB8AC3E}">
         <p14:creationId xmlns:p14="http://schemas.microsoft.com/office/powerpoint/2010/main" val="1129896442"/>
+      </p:ext>
+    </p:extLst>
+  </p:cSld>
+  <p:clrMapOvr>
+    <a:masterClrMapping/>
+  </p:clrMapOvr>
+  <p:timing>
+    <p:tnLst>
+      <p:par>
+        <p:cTn id="1" dur="indefinite" restart="never" nodeType="tmRoot"/>
+      </p:par>
+    </p:tnLst>
+  </p:timing>
+</p:sld>
+</file>
+
+<file path=ppt/slides/slide10.xml><?xml version="1.0" encoding="utf-8"?>
+<p:sld xmlns:a="http://schemas.openxmlformats.org/drawingml/2006/main" xmlns:r="http://schemas.openxmlformats.org/officeDocument/2006/relationships" xmlns:p="http://schemas.openxmlformats.org/presentationml/2006/main">
+  <p:cSld>
+    <p:spTree>
+      <p:nvGrpSpPr>
+        <p:cNvPr id="1" name=""/>
+        <p:cNvGrpSpPr/>
+        <p:nvPr/>
+      </p:nvGrpSpPr>
+      <p:grpSpPr>
+        <a:xfrm>
+          <a:off x="0" y="0"/>
+          <a:ext cx="0" cy="0"/>
+          <a:chOff x="0" y="0"/>
+          <a:chExt cx="0" cy="0"/>
+        </a:xfrm>
+      </p:grpSpPr>
+      <p:sp>
+        <p:nvSpPr>
+          <p:cNvPr id="3" name="Espaço Reservado para Conteúdo 2"/>
+          <p:cNvSpPr>
+            <a:spLocks noGrp="1"/>
+          </p:cNvSpPr>
+          <p:nvPr>
+            <p:ph idx="1"/>
+          </p:nvPr>
+        </p:nvSpPr>
+        <p:spPr/>
+        <p:txBody>
+          <a:bodyPr>
+            <a:normAutofit/>
+          </a:bodyPr>
+          <a:lstStyle/>
+          <a:p>
+            <a:pPr marL="57150" indent="0">
+              <a:buNone/>
+            </a:pPr>
+            <a:r>
+              <a:rPr lang="pt-BR" sz="2400" dirty="0"/>
+              <a:t>Localidade(</a:t>
+            </a:r>
+            <a:r>
+              <a:rPr lang="pt-BR" sz="2400" u="sng" dirty="0"/>
+              <a:t>idLocalidade</a:t>
+            </a:r>
+            <a:r>
+              <a:rPr lang="pt-BR" sz="2400" dirty="0"/>
+              <a:t>, uf, cidade, cep</a:t>
+            </a:r>
+            <a:r>
+              <a:rPr lang="pt-BR" sz="2400" dirty="0" smtClean="0"/>
+              <a:t>)</a:t>
+            </a:r>
+          </a:p>
+          <a:p>
+            <a:pPr marL="57150" indent="0">
+              <a:buNone/>
+            </a:pPr>
+            <a:endParaRPr lang="pt-BR" sz="2000" dirty="0"/>
+          </a:p>
+          <a:p>
+            <a:pPr marL="0" indent="0">
+              <a:buNone/>
+            </a:pPr>
+            <a:r>
+              <a:rPr lang="pt-BR" sz="2400" dirty="0"/>
+              <a:t>Instituicao(</a:t>
+            </a:r>
+            <a:r>
+              <a:rPr lang="pt-BR" sz="2400" u="sng" dirty="0"/>
+              <a:t>idInstituicao</a:t>
+            </a:r>
+            <a:r>
+              <a:rPr lang="pt-BR" sz="2400" dirty="0"/>
+              <a:t>, documento, nome, idLocalidade)</a:t>
+            </a:r>
+          </a:p>
+          <a:p>
+            <a:pPr marL="400050" lvl="1" indent="0">
+              <a:buNone/>
+            </a:pPr>
+            <a:r>
+              <a:rPr lang="pt-BR" sz="2000" dirty="0"/>
+              <a:t>idLocalidade referencia </a:t>
+            </a:r>
+            <a:r>
+              <a:rPr lang="pt-BR" sz="2000" dirty="0" smtClean="0"/>
+              <a:t>Localidade</a:t>
+            </a:r>
+          </a:p>
+          <a:p>
+            <a:pPr marL="400050" lvl="1" indent="0">
+              <a:buNone/>
+            </a:pPr>
+            <a:endParaRPr lang="pt-BR" sz="2000" dirty="0"/>
+          </a:p>
+          <a:p>
+            <a:pPr marL="0" indent="0">
+              <a:buNone/>
+            </a:pPr>
+            <a:r>
+              <a:rPr lang="pt-BR" sz="2400" dirty="0"/>
+              <a:t>Dominio(</a:t>
+            </a:r>
+            <a:r>
+              <a:rPr lang="pt-BR" sz="2400" u="sng" dirty="0"/>
+              <a:t>idDominio</a:t>
+            </a:r>
+            <a:r>
+              <a:rPr lang="pt-BR" sz="2400" dirty="0"/>
+              <a:t>, dominio, dataCadastro, ultimaAtt, ticket, idInstituicao)</a:t>
+            </a:r>
+          </a:p>
+          <a:p>
+            <a:pPr marL="457200" lvl="1" indent="0">
+              <a:buNone/>
+            </a:pPr>
+            <a:r>
+              <a:rPr lang="pt-BR" sz="2000" dirty="0"/>
+              <a:t>idInstituicao referencia Instuicao</a:t>
+            </a:r>
+          </a:p>
+          <a:p>
+            <a:pPr marL="0" indent="0">
+              <a:buNone/>
+            </a:pPr>
+            <a:endParaRPr lang="pt-BR" u="sng" dirty="0"/>
+          </a:p>
+        </p:txBody>
+      </p:sp>
+      <p:sp>
+        <p:nvSpPr>
+          <p:cNvPr id="2" name="Título 1"/>
+          <p:cNvSpPr>
+            <a:spLocks noGrp="1"/>
+          </p:cNvSpPr>
+          <p:nvPr>
+            <p:ph type="title"/>
+          </p:nvPr>
+        </p:nvSpPr>
+        <p:spPr/>
+        <p:txBody>
+          <a:bodyPr/>
+          <a:lstStyle/>
+          <a:p>
+            <a:r>
+              <a:rPr lang="pt-BR" dirty="0"/>
+              <a:t>Normalização &amp; modelagem</a:t>
+            </a:r>
+            <a:endParaRPr lang="pt-BR" dirty="0"/>
+          </a:p>
+        </p:txBody>
+      </p:sp>
+    </p:spTree>
+    <p:extLst>
+      <p:ext uri="{BB962C8B-B14F-4D97-AF65-F5344CB8AC3E}">
+        <p14:creationId xmlns:p14="http://schemas.microsoft.com/office/powerpoint/2010/main" val="3416774747"/>
+      </p:ext>
+    </p:extLst>
+  </p:cSld>
+  <p:clrMapOvr>
+    <a:masterClrMapping/>
+  </p:clrMapOvr>
+  <p:timing>
+    <p:tnLst>
+      <p:par>
+        <p:cTn id="1" dur="indefinite" restart="never" nodeType="tmRoot"/>
+      </p:par>
+    </p:tnLst>
+  </p:timing>
+</p:sld>
+</file>
+
+<file path=ppt/slides/slide11.xml><?xml version="1.0" encoding="utf-8"?>
+<p:sld xmlns:a="http://schemas.openxmlformats.org/drawingml/2006/main" xmlns:r="http://schemas.openxmlformats.org/officeDocument/2006/relationships" xmlns:p="http://schemas.openxmlformats.org/presentationml/2006/main">
+  <p:cSld>
+    <p:spTree>
+      <p:nvGrpSpPr>
+        <p:cNvPr id="1" name=""/>
+        <p:cNvGrpSpPr/>
+        <p:nvPr/>
+      </p:nvGrpSpPr>
+      <p:grpSpPr>
+        <a:xfrm>
+          <a:off x="0" y="0"/>
+          <a:ext cx="0" cy="0"/>
+          <a:chOff x="0" y="0"/>
+          <a:chExt cx="0" cy="0"/>
+        </a:xfrm>
+      </p:grpSpPr>
+      <p:sp>
+        <p:nvSpPr>
+          <p:cNvPr id="3" name="Espaço Reservado para Conteúdo 2"/>
+          <p:cNvSpPr>
+            <a:spLocks noGrp="1"/>
+          </p:cNvSpPr>
+          <p:nvPr>
+            <p:ph idx="1"/>
+          </p:nvPr>
+        </p:nvSpPr>
+        <p:spPr/>
+        <p:txBody>
+          <a:bodyPr/>
+          <a:lstStyle/>
+          <a:p>
+            <a:endParaRPr lang="pt-BR"/>
+          </a:p>
+        </p:txBody>
+      </p:sp>
+      <p:sp>
+        <p:nvSpPr>
+          <p:cNvPr id="2" name="Título 1"/>
+          <p:cNvSpPr>
+            <a:spLocks noGrp="1"/>
+          </p:cNvSpPr>
+          <p:nvPr>
+            <p:ph type="title"/>
+          </p:nvPr>
+        </p:nvSpPr>
+        <p:spPr/>
+        <p:txBody>
+          <a:bodyPr/>
+          <a:lstStyle/>
+          <a:p>
+            <a:r>
+              <a:rPr lang="pt-BR" dirty="0"/>
+              <a:t>Normalização &amp; modelagem</a:t>
+            </a:r>
+            <a:endParaRPr lang="pt-BR" dirty="0"/>
+          </a:p>
+        </p:txBody>
+      </p:sp>
+      <p:pic>
+        <p:nvPicPr>
+          <p:cNvPr id="1027" name="Picture 3" descr="D:\Google Drive\facul\semestre_04\fundBD\fundBD-elc119\Relacional.jpg"/>
+          <p:cNvPicPr>
+            <a:picLocks noChangeAspect="1" noChangeArrowheads="1"/>
+          </p:cNvPicPr>
+          <p:nvPr/>
+        </p:nvPicPr>
+        <p:blipFill>
+          <a:blip r:embed="rId2">
+            <a:extLst>
+              <a:ext uri="{28A0092B-C50C-407E-A947-70E740481C1C}">
+                <a14:useLocalDpi xmlns:a14="http://schemas.microsoft.com/office/drawing/2010/main" val="0"/>
+              </a:ext>
+            </a:extLst>
+          </a:blip>
+          <a:srcRect/>
+          <a:stretch>
+            <a:fillRect/>
+          </a:stretch>
+        </p:blipFill>
+        <p:spPr bwMode="auto">
+          <a:xfrm>
+            <a:off x="251520" y="1628800"/>
+            <a:ext cx="8493225" cy="5095935"/>
+          </a:xfrm>
+          <a:prstGeom prst="rect">
+            <a:avLst/>
+          </a:prstGeom>
+          <a:noFill/>
+          <a:extLst>
+            <a:ext uri="{909E8E84-426E-40DD-AFC4-6F175D3DCCD1}">
+              <a14:hiddenFill xmlns:a14="http://schemas.microsoft.com/office/drawing/2010/main">
+                <a:solidFill>
+                  <a:srgbClr val="FFFFFF"/>
+                </a:solidFill>
+              </a14:hiddenFill>
+            </a:ext>
+          </a:extLst>
+        </p:spPr>
+      </p:pic>
+    </p:spTree>
+    <p:extLst>
+      <p:ext uri="{BB962C8B-B14F-4D97-AF65-F5344CB8AC3E}">
+        <p14:creationId xmlns:p14="http://schemas.microsoft.com/office/powerpoint/2010/main" val="3606104919"/>
+      </p:ext>
+    </p:extLst>
+  </p:cSld>
+  <p:clrMapOvr>
+    <a:masterClrMapping/>
+  </p:clrMapOvr>
+  <p:timing>
+    <p:tnLst>
+      <p:par>
+        <p:cTn id="1" dur="indefinite" restart="never" nodeType="tmRoot"/>
+      </p:par>
+    </p:tnLst>
+  </p:timing>
+</p:sld>
+</file>
+
+<file path=ppt/slides/slide12.xml><?xml version="1.0" encoding="utf-8"?>
+<p:sld xmlns:a="http://schemas.openxmlformats.org/drawingml/2006/main" xmlns:r="http://schemas.openxmlformats.org/officeDocument/2006/relationships" xmlns:p="http://schemas.openxmlformats.org/presentationml/2006/main">
+  <p:cSld>
+    <p:spTree>
+      <p:nvGrpSpPr>
+        <p:cNvPr id="1" name=""/>
+        <p:cNvGrpSpPr/>
+        <p:nvPr/>
+      </p:nvGrpSpPr>
+      <p:grpSpPr>
+        <a:xfrm>
+          <a:off x="0" y="0"/>
+          <a:ext cx="0" cy="0"/>
+          <a:chOff x="0" y="0"/>
+          <a:chExt cx="0" cy="0"/>
+        </a:xfrm>
+      </p:grpSpPr>
+      <p:sp>
+        <p:nvSpPr>
+          <p:cNvPr id="2" name="Espaço Reservado para Conteúdo 1"/>
+          <p:cNvSpPr>
+            <a:spLocks noGrp="1"/>
+          </p:cNvSpPr>
+          <p:nvPr>
+            <p:ph idx="1"/>
+          </p:nvPr>
+        </p:nvSpPr>
+        <p:spPr/>
+        <p:txBody>
+          <a:bodyPr>
+            <a:normAutofit/>
+          </a:bodyPr>
+          <a:lstStyle/>
+          <a:p>
+            <a:r>
+              <a:rPr lang="pt-BR" dirty="0" smtClean="0"/>
+              <a:t>Carga na tabela desnormalizada;</a:t>
+            </a:r>
+          </a:p>
+          <a:p>
+            <a:r>
+              <a:rPr lang="pt-BR" dirty="0" smtClean="0"/>
+              <a:t>Carga na tabela normalizada;</a:t>
+            </a:r>
+          </a:p>
+          <a:p>
+            <a:r>
+              <a:rPr lang="pt-BR" dirty="0" smtClean="0"/>
+              <a:t>Script das Consultas;</a:t>
+            </a:r>
+            <a:endParaRPr lang="pt-BR" dirty="0"/>
+          </a:p>
+        </p:txBody>
+      </p:sp>
+      <p:sp>
+        <p:nvSpPr>
+          <p:cNvPr id="3" name="Título 2"/>
+          <p:cNvSpPr>
+            <a:spLocks noGrp="1"/>
+          </p:cNvSpPr>
+          <p:nvPr>
+            <p:ph type="title"/>
+          </p:nvPr>
+        </p:nvSpPr>
+        <p:spPr/>
+        <p:txBody>
+          <a:bodyPr/>
+          <a:lstStyle/>
+          <a:p>
+            <a:r>
+              <a:rPr lang="pt-BR" dirty="0" smtClean="0"/>
+              <a:t>carga dos dados &amp; Consultas </a:t>
+            </a:r>
+            <a:endParaRPr lang="pt-BR" dirty="0"/>
+          </a:p>
+        </p:txBody>
+      </p:sp>
+    </p:spTree>
+    <p:extLst>
+      <p:ext uri="{BB962C8B-B14F-4D97-AF65-F5344CB8AC3E}">
+        <p14:creationId xmlns:p14="http://schemas.microsoft.com/office/powerpoint/2010/main" val="4123115882"/>
       </p:ext>
     </p:extLst>
   </p:cSld>
@@ -3553,7 +4702,56 @@
       </p:grpSpPr>
       <p:sp>
         <p:nvSpPr>
-          <p:cNvPr id="2" name="Título 1"/>
+          <p:cNvPr id="2" name="Espaço Reservado para Conteúdo 1"/>
+          <p:cNvSpPr>
+            <a:spLocks noGrp="1"/>
+          </p:cNvSpPr>
+          <p:nvPr>
+            <p:ph idx="1"/>
+          </p:nvPr>
+        </p:nvSpPr>
+        <p:spPr/>
+        <p:txBody>
+          <a:bodyPr>
+            <a:normAutofit/>
+          </a:bodyPr>
+          <a:lstStyle/>
+          <a:p>
+            <a:r>
+              <a:rPr lang="pt-BR" sz="2500" dirty="0" smtClean="0"/>
+              <a:t>Etapa 1: Criação do banco desnormalizado;</a:t>
+            </a:r>
+          </a:p>
+          <a:p>
+            <a:r>
+              <a:rPr lang="pt-BR" sz="2500" dirty="0" smtClean="0"/>
+              <a:t>Etapa 2: Normalização do esquema desnormalizado;</a:t>
+            </a:r>
+          </a:p>
+          <a:p>
+            <a:r>
+              <a:rPr lang="pt-BR" sz="2500" dirty="0" smtClean="0"/>
+              <a:t>Etapa 3: Modelagem conceitual do esquema normalizado;</a:t>
+            </a:r>
+          </a:p>
+          <a:p>
+            <a:r>
+              <a:rPr lang="pt-BR" sz="2500" dirty="0" smtClean="0"/>
+              <a:t>Etapa 4: Carga dos dados para o esquema normalizado;</a:t>
+            </a:r>
+          </a:p>
+          <a:p>
+            <a:r>
+              <a:rPr lang="pt-BR" sz="2500" dirty="0" smtClean="0"/>
+              <a:t>Etapa 5: Consultas sobre o esquema normalizado;</a:t>
+            </a:r>
+            <a:endParaRPr lang="pt-BR" sz="2500" dirty="0"/>
+          </a:p>
+        </p:txBody>
+      </p:sp>
+      <p:sp>
+        <p:nvSpPr>
+          <p:cNvPr id="3" name="Título 2"/>
           <p:cNvSpPr>
             <a:spLocks noGrp="1"/>
           </p:cNvSpPr>
@@ -3566,74 +4764,18 @@
           <a:bodyPr/>
           <a:lstStyle/>
           <a:p>
-            <a:endParaRPr lang="pt-BR"/>
-          </a:p>
-        </p:txBody>
-      </p:sp>
-      <p:sp>
-        <p:nvSpPr>
-          <p:cNvPr id="3" name="Espaço Reservado para Conteúdo 2"/>
-          <p:cNvSpPr>
-            <a:spLocks noGrp="1"/>
-          </p:cNvSpPr>
-          <p:nvPr>
-            <p:ph idx="1"/>
-          </p:nvPr>
-        </p:nvSpPr>
-        <p:spPr/>
-        <p:txBody>
-          <a:bodyPr/>
-          <a:lstStyle/>
-          <a:p>
+            <a:r>
+              <a:rPr lang="pt-BR" dirty="0" smtClean="0"/>
+              <a:t>sumário</a:t>
+            </a:r>
             <a:endParaRPr lang="pt-BR" dirty="0"/>
           </a:p>
         </p:txBody>
       </p:sp>
-      <p:pic>
-        <p:nvPicPr>
-          <p:cNvPr id="1026" name="Picture 2" descr="D:\Google Drive\facul\semestre_04\fundBD\fundBD-elc119\ER.png"/>
-          <p:cNvPicPr>
-            <a:picLocks noChangeAspect="1" noChangeArrowheads="1"/>
-          </p:cNvPicPr>
-          <p:nvPr/>
-        </p:nvPicPr>
-        <p:blipFill>
-          <a:blip r:embed="rId2">
-            <a:extLst>
-              <a:ext uri="{28A0092B-C50C-407E-A947-70E740481C1C}">
-                <a14:useLocalDpi xmlns:a14="http://schemas.microsoft.com/office/drawing/2010/main" val="0"/>
-              </a:ext>
-            </a:extLst>
-          </a:blip>
-          <a:srcRect/>
-          <a:stretch>
-            <a:fillRect/>
-          </a:stretch>
-        </p:blipFill>
-        <p:spPr bwMode="auto">
-          <a:xfrm>
-            <a:off x="611560" y="2420888"/>
-            <a:ext cx="8286750" cy="2781300"/>
-          </a:xfrm>
-          <a:prstGeom prst="rect">
-            <a:avLst/>
-          </a:prstGeom>
-          <a:noFill/>
-          <a:extLst>
-            <a:ext uri="{909E8E84-426E-40DD-AFC4-6F175D3DCCD1}">
-              <a14:hiddenFill xmlns:a14="http://schemas.microsoft.com/office/drawing/2010/main">
-                <a:solidFill>
-                  <a:srgbClr val="FFFFFF"/>
-                </a:solidFill>
-              </a14:hiddenFill>
-            </a:ext>
-          </a:extLst>
-        </p:spPr>
-      </p:pic>
     </p:spTree>
     <p:extLst>
       <p:ext uri="{BB962C8B-B14F-4D97-AF65-F5344CB8AC3E}">
-        <p14:creationId xmlns:p14="http://schemas.microsoft.com/office/powerpoint/2010/main" val="751349576"/>
+        <p14:creationId xmlns:p14="http://schemas.microsoft.com/office/powerpoint/2010/main" val="539882187"/>
       </p:ext>
     </p:extLst>
   </p:cSld>
@@ -3682,116 +4824,84 @@
           <a:bodyPr/>
           <a:lstStyle/>
           <a:p>
-            <a:endParaRPr lang="pt-BR"/>
-          </a:p>
-        </p:txBody>
-      </p:sp>
-      <p:sp>
-        <p:nvSpPr>
-          <p:cNvPr id="3" name="Espaço Reservado para Conteúdo 2"/>
-          <p:cNvSpPr>
-            <a:spLocks noGrp="1"/>
-          </p:cNvSpPr>
-          <p:nvPr>
-            <p:ph idx="1"/>
-          </p:nvPr>
-        </p:nvSpPr>
+            <a:r>
+              <a:rPr lang="pt-BR" dirty="0" smtClean="0"/>
+              <a:t>Criação do banco desnormalizado</a:t>
+            </a:r>
+            <a:endParaRPr lang="pt-BR" dirty="0"/>
+          </a:p>
+        </p:txBody>
+      </p:sp>
+      <p:pic>
+        <p:nvPicPr>
+          <p:cNvPr id="4" name="Imagem 3"/>
+          <p:cNvPicPr>
+            <a:picLocks noChangeAspect="1"/>
+          </p:cNvPicPr>
+          <p:nvPr/>
+        </p:nvPicPr>
+        <p:blipFill rotWithShape="1">
+          <a:blip r:embed="rId2">
+            <a:extLst>
+              <a:ext uri="{28A0092B-C50C-407E-A947-70E740481C1C}">
+                <a14:useLocalDpi xmlns:a14="http://schemas.microsoft.com/office/drawing/2010/main" val="0"/>
+              </a:ext>
+            </a:extLst>
+          </a:blip>
+          <a:srcRect r="78998"/>
+          <a:stretch/>
+        </p:blipFill>
         <p:spPr>
           <a:xfrm>
-            <a:off x="457200" y="1600200"/>
-            <a:ext cx="8229600" cy="4525963"/>
+            <a:off x="2957859" y="1700808"/>
+            <a:ext cx="2910285" cy="4743564"/>
           </a:xfrm>
+          <a:prstGeom prst="rect">
+            <a:avLst/>
+          </a:prstGeom>
         </p:spPr>
-        <p:txBody>
-          <a:bodyPr/>
-          <a:lstStyle/>
-          <a:p>
-            <a:pPr marL="0" indent="0">
-              <a:buNone/>
-            </a:pPr>
-            <a:r>
-              <a:rPr lang="pt-BR" sz="2400" dirty="0" smtClean="0"/>
-              <a:t>Tabelao(</a:t>
-            </a:r>
-            <a:r>
-              <a:rPr lang="pt-BR" sz="2400" u="sng" dirty="0" smtClean="0"/>
-              <a:t>idTabelao</a:t>
-            </a:r>
-            <a:r>
-              <a:rPr lang="pt-BR" sz="2400" dirty="0" smtClean="0"/>
-              <a:t>, dominio, documento, nome, uf, cidade, cep, dataCadastro, ultimaAtt, ticket)</a:t>
-            </a:r>
-          </a:p>
-          <a:p>
-            <a:pPr marL="0" indent="0">
-              <a:buNone/>
-            </a:pPr>
-            <a:endParaRPr lang="pt-BR" sz="2400" dirty="0" smtClean="0"/>
-          </a:p>
-          <a:p>
-            <a:pPr marL="0" indent="0">
-              <a:buNone/>
-            </a:pPr>
-            <a:endParaRPr lang="pt-BR" sz="2400" dirty="0" smtClean="0"/>
-          </a:p>
-          <a:p>
-            <a:pPr marL="0" indent="0">
-              <a:buNone/>
-            </a:pPr>
-            <a:r>
-              <a:rPr lang="pt-BR" sz="2400" dirty="0" smtClean="0"/>
-              <a:t>Instituicao(</a:t>
-            </a:r>
-            <a:r>
-              <a:rPr lang="pt-BR" sz="2400" u="sng" dirty="0" smtClean="0"/>
-              <a:t>idInstituicao</a:t>
-            </a:r>
-            <a:r>
-              <a:rPr lang="pt-BR" sz="2400" dirty="0" smtClean="0"/>
-              <a:t>, documento, nome, uf, cidade, cep)</a:t>
-            </a:r>
-          </a:p>
-          <a:p>
-            <a:pPr marL="0" indent="0">
-              <a:buNone/>
-            </a:pPr>
-            <a:r>
-              <a:rPr lang="pt-BR" sz="2400" dirty="0" smtClean="0"/>
-              <a:t>Dominio(</a:t>
-            </a:r>
-            <a:r>
-              <a:rPr lang="pt-BR" sz="2400" u="sng" dirty="0" smtClean="0"/>
-              <a:t>idDominio</a:t>
-            </a:r>
-            <a:r>
-              <a:rPr lang="pt-BR" sz="2400" dirty="0" smtClean="0"/>
-              <a:t>, dominio, dataCadastro, ultimaAtt, ticket, idInstituicao)</a:t>
-            </a:r>
-          </a:p>
-          <a:p>
-            <a:pPr marL="457200" lvl="1" indent="0">
-              <a:buNone/>
-            </a:pPr>
-            <a:r>
-              <a:rPr lang="pt-BR" sz="2000" dirty="0" smtClean="0"/>
-              <a:t>idInstituicao referencia Instuicao</a:t>
-            </a:r>
-          </a:p>
-          <a:p>
-            <a:pPr marL="57150" indent="0">
-              <a:buNone/>
-            </a:pPr>
-            <a:endParaRPr lang="pt-BR" sz="2400" dirty="0" smtClean="0"/>
-          </a:p>
-          <a:p>
-            <a:endParaRPr lang="pt-BR" u="sng" dirty="0"/>
+      </p:pic>
+      <p:sp>
+        <p:nvSpPr>
+          <p:cNvPr id="7" name="CaixaDeTexto 6"/>
+          <p:cNvSpPr txBox="1"/>
+          <p:nvPr/>
+        </p:nvSpPr>
+        <p:spPr>
+          <a:xfrm>
+            <a:off x="6084168" y="1690717"/>
+            <a:ext cx="2664296" cy="954107"/>
+          </a:xfrm>
+          <a:prstGeom prst="rect">
+            <a:avLst/>
+          </a:prstGeom>
+          <a:noFill/>
+        </p:spPr>
+        <p:txBody>
+          <a:bodyPr wrap="square" rtlCol="0">
+            <a:spAutoFit/>
+          </a:bodyPr>
+          <a:lstStyle/>
+          <a:p>
+            <a:r>
+              <a:rPr lang="pt-BR" sz="2800" dirty="0" smtClean="0"/>
+              <a:t>Planilha</a:t>
+            </a:r>
+            <a:br>
+              <a:rPr lang="pt-BR" sz="2800" dirty="0" smtClean="0"/>
+            </a:br>
+            <a:r>
+              <a:rPr lang="pt-BR" sz="2800" dirty="0" smtClean="0"/>
+              <a:t>Scripts.sql</a:t>
+            </a:r>
+            <a:endParaRPr lang="pt-BR" sz="2800" dirty="0"/>
           </a:p>
         </p:txBody>
       </p:sp>
     </p:spTree>
     <p:extLst>
       <p:ext uri="{BB962C8B-B14F-4D97-AF65-F5344CB8AC3E}">
-        <p14:creationId xmlns:p14="http://schemas.microsoft.com/office/powerpoint/2010/main" val="2964110268"/>
+        <p14:creationId xmlns:p14="http://schemas.microsoft.com/office/powerpoint/2010/main" val="751349576"/>
       </p:ext>
     </p:extLst>
   </p:cSld>
@@ -3827,7 +4937,7 @@
       </p:grpSpPr>
       <p:sp>
         <p:nvSpPr>
-          <p:cNvPr id="2" name="Título 1"/>
+          <p:cNvPr id="3" name="Título 2"/>
           <p:cNvSpPr>
             <a:spLocks noGrp="1"/>
           </p:cNvSpPr>
@@ -3840,113 +4950,78 @@
           <a:bodyPr/>
           <a:lstStyle/>
           <a:p>
-            <a:endParaRPr lang="pt-BR"/>
-          </a:p>
-        </p:txBody>
-      </p:sp>
-      <p:sp>
-        <p:nvSpPr>
-          <p:cNvPr id="3" name="Espaço Reservado para Conteúdo 2"/>
-          <p:cNvSpPr>
-            <a:spLocks noGrp="1"/>
-          </p:cNvSpPr>
-          <p:nvPr>
-            <p:ph idx="1"/>
-          </p:nvPr>
-        </p:nvSpPr>
+            <a:r>
+              <a:rPr lang="pt-BR" dirty="0" smtClean="0"/>
+              <a:t>Normalização &amp; modelagem</a:t>
+            </a:r>
+            <a:endParaRPr lang="pt-BR" dirty="0"/>
+          </a:p>
+        </p:txBody>
+      </p:sp>
+      <p:pic>
+        <p:nvPicPr>
+          <p:cNvPr id="4" name="Imagem 3"/>
+          <p:cNvPicPr>
+            <a:picLocks noChangeAspect="1"/>
+          </p:cNvPicPr>
+          <p:nvPr/>
+        </p:nvPicPr>
+        <p:blipFill>
+          <a:blip r:embed="rId2">
+            <a:extLst>
+              <a:ext uri="{28A0092B-C50C-407E-A947-70E740481C1C}">
+                <a14:useLocalDpi xmlns:a14="http://schemas.microsoft.com/office/drawing/2010/main" val="0"/>
+              </a:ext>
+            </a:extLst>
+          </a:blip>
+          <a:stretch>
+            <a:fillRect/>
+          </a:stretch>
+        </p:blipFill>
         <p:spPr>
           <a:xfrm>
-            <a:off x="457200" y="1600200"/>
-            <a:ext cx="8229600" cy="4525963"/>
+            <a:off x="251519" y="2040998"/>
+            <a:ext cx="8682425" cy="2972178"/>
           </a:xfrm>
+          <a:prstGeom prst="rect">
+            <a:avLst/>
+          </a:prstGeom>
         </p:spPr>
-        <p:txBody>
-          <a:bodyPr>
-            <a:normAutofit/>
+      </p:pic>
+      <p:sp>
+        <p:nvSpPr>
+          <p:cNvPr id="5" name="CaixaDeTexto 4"/>
+          <p:cNvSpPr txBox="1"/>
+          <p:nvPr/>
+        </p:nvSpPr>
+        <p:spPr>
+          <a:xfrm>
+            <a:off x="251519" y="5301208"/>
+            <a:ext cx="1503938" cy="492443"/>
+          </a:xfrm>
+          <a:prstGeom prst="rect">
+            <a:avLst/>
+          </a:prstGeom>
+          <a:noFill/>
+        </p:spPr>
+        <p:txBody>
+          <a:bodyPr wrap="none" rtlCol="0">
+            <a:spAutoFit/>
           </a:bodyPr>
           <a:lstStyle/>
           <a:p>
-            <a:pPr marL="57150" indent="0">
-              <a:buNone/>
-            </a:pPr>
-            <a:r>
-              <a:rPr lang="pt-BR" sz="2400" dirty="0"/>
-              <a:t>Localidade(</a:t>
-            </a:r>
-            <a:r>
-              <a:rPr lang="pt-BR" sz="2400" u="sng" dirty="0"/>
-              <a:t>idLocalidade</a:t>
-            </a:r>
-            <a:r>
-              <a:rPr lang="pt-BR" sz="2400" dirty="0"/>
-              <a:t>, uf, cidade, cep)</a:t>
-            </a:r>
-            <a:endParaRPr lang="pt-BR" sz="2000" dirty="0"/>
-          </a:p>
-          <a:p>
-            <a:pPr marL="0" indent="0">
-              <a:buNone/>
-            </a:pPr>
-            <a:r>
-              <a:rPr lang="pt-BR" sz="2400" dirty="0"/>
-              <a:t>Instituicao(</a:t>
-            </a:r>
-            <a:r>
-              <a:rPr lang="pt-BR" sz="2400" u="sng" dirty="0"/>
-              <a:t>idInstituicao</a:t>
-            </a:r>
-            <a:r>
-              <a:rPr lang="pt-BR" sz="2400" dirty="0"/>
-              <a:t>, documento, nome, idLocalidade)</a:t>
-            </a:r>
-          </a:p>
-          <a:p>
-            <a:pPr marL="400050" lvl="1" indent="0">
-              <a:buNone/>
-            </a:pPr>
-            <a:r>
-              <a:rPr lang="pt-BR" sz="2000" dirty="0"/>
-              <a:t>idLocalidade referencia Localidade</a:t>
-            </a:r>
-          </a:p>
-          <a:p>
-            <a:pPr marL="0" indent="0">
-              <a:buNone/>
-            </a:pPr>
-            <a:r>
-              <a:rPr lang="pt-BR" sz="2400" dirty="0"/>
-              <a:t>Dominio(</a:t>
-            </a:r>
-            <a:r>
-              <a:rPr lang="pt-BR" sz="2400" u="sng" dirty="0"/>
-              <a:t>idDominio</a:t>
-            </a:r>
-            <a:r>
-              <a:rPr lang="pt-BR" sz="2400" dirty="0"/>
-              <a:t>, dominio, dataCadastro, ultimaAtt, ticket, idInstituicao)</a:t>
-            </a:r>
-          </a:p>
-          <a:p>
-            <a:pPr marL="457200" lvl="1" indent="0">
-              <a:buNone/>
-            </a:pPr>
-            <a:r>
-              <a:rPr lang="pt-BR" sz="2000" dirty="0"/>
-              <a:t>idInstituicao referencia Instuicao</a:t>
-            </a:r>
-          </a:p>
-          <a:p>
-            <a:pPr marL="0" indent="0">
-              <a:buNone/>
-            </a:pPr>
-            <a:endParaRPr lang="pt-BR" u="sng" dirty="0"/>
+            <a:r>
+              <a:rPr lang="pt-BR" sz="2600" dirty="0" smtClean="0"/>
+              <a:t>Script.sql</a:t>
+            </a:r>
+            <a:endParaRPr lang="pt-BR" sz="2600" dirty="0"/>
           </a:p>
         </p:txBody>
       </p:sp>
     </p:spTree>
     <p:extLst>
       <p:ext uri="{BB962C8B-B14F-4D97-AF65-F5344CB8AC3E}">
-        <p14:creationId xmlns:p14="http://schemas.microsoft.com/office/powerpoint/2010/main" val="3416774747"/>
+        <p14:creationId xmlns:p14="http://schemas.microsoft.com/office/powerpoint/2010/main" val="3858803824"/>
       </p:ext>
     </p:extLst>
   </p:cSld>
@@ -3982,6 +5057,60 @@
       </p:grpSpPr>
       <p:sp>
         <p:nvSpPr>
+          <p:cNvPr id="3" name="Espaço Reservado para Conteúdo 2"/>
+          <p:cNvSpPr>
+            <a:spLocks noGrp="1"/>
+          </p:cNvSpPr>
+          <p:nvPr>
+            <p:ph idx="1"/>
+          </p:nvPr>
+        </p:nvSpPr>
+        <p:spPr/>
+        <p:txBody>
+          <a:bodyPr/>
+          <a:lstStyle/>
+          <a:p>
+            <a:pPr marL="0" indent="0">
+              <a:buNone/>
+            </a:pPr>
+            <a:r>
+              <a:rPr lang="pt-BR" sz="2400" dirty="0" smtClean="0"/>
+              <a:t>Tabelao(</a:t>
+            </a:r>
+            <a:r>
+              <a:rPr lang="pt-BR" sz="2400" u="sng" dirty="0" smtClean="0"/>
+              <a:t>idTabelao</a:t>
+            </a:r>
+            <a:r>
+              <a:rPr lang="pt-BR" sz="2400" dirty="0" smtClean="0"/>
+              <a:t>, dominio, documento, nome, uf, cidade, cep, dataCadastro, ultimaAtt, ticket)</a:t>
+            </a:r>
+          </a:p>
+          <a:p>
+            <a:pPr marL="0" indent="0">
+              <a:buNone/>
+            </a:pPr>
+            <a:endParaRPr lang="pt-BR" sz="2400" dirty="0" smtClean="0"/>
+          </a:p>
+          <a:p>
+            <a:pPr marL="0" indent="0">
+              <a:buNone/>
+            </a:pPr>
+            <a:endParaRPr lang="pt-BR" sz="2400" dirty="0" smtClean="0"/>
+          </a:p>
+          <a:p>
+            <a:pPr marL="57150" indent="0">
+              <a:buNone/>
+            </a:pPr>
+            <a:endParaRPr lang="pt-BR" sz="2400" dirty="0" smtClean="0"/>
+          </a:p>
+          <a:p>
+            <a:endParaRPr lang="pt-BR" u="sng" dirty="0"/>
+          </a:p>
+        </p:txBody>
+      </p:sp>
+      <p:sp>
+        <p:nvSpPr>
           <p:cNvPr id="2" name="Título 1"/>
           <p:cNvSpPr>
             <a:spLocks noGrp="1"/>
@@ -3995,87 +5124,1086 @@
           <a:bodyPr/>
           <a:lstStyle/>
           <a:p>
+            <a:r>
+              <a:rPr lang="pt-BR" dirty="0"/>
+              <a:t>Normalização &amp; modelagem</a:t>
+            </a:r>
             <a:endParaRPr lang="pt-BR" dirty="0"/>
           </a:p>
         </p:txBody>
       </p:sp>
-      <p:sp>
-        <p:nvSpPr>
-          <p:cNvPr id="3" name="Espaço Reservado para Conteúdo 2"/>
-          <p:cNvSpPr>
-            <a:spLocks noGrp="1"/>
-          </p:cNvSpPr>
-          <p:nvPr>
-            <p:ph idx="1"/>
-          </p:nvPr>
-        </p:nvSpPr>
-        <p:spPr/>
-        <p:txBody>
-          <a:bodyPr/>
-          <a:lstStyle/>
-          <a:p>
-            <a:endParaRPr lang="pt-BR"/>
-          </a:p>
-        </p:txBody>
-      </p:sp>
-      <p:pic>
-        <p:nvPicPr>
-          <p:cNvPr id="1027" name="Picture 3" descr="D:\Google Drive\facul\semestre_04\fundBD\fundBD-elc119\Relacional.jpg"/>
-          <p:cNvPicPr>
-            <a:picLocks noChangeAspect="1" noChangeArrowheads="1"/>
-          </p:cNvPicPr>
-          <p:nvPr/>
-        </p:nvPicPr>
-        <p:blipFill>
-          <a:blip r:embed="rId2">
-            <a:extLst>
-              <a:ext uri="{28A0092B-C50C-407E-A947-70E740481C1C}">
-                <a14:useLocalDpi xmlns:a14="http://schemas.microsoft.com/office/drawing/2010/main" val="0"/>
-              </a:ext>
-            </a:extLst>
-          </a:blip>
-          <a:srcRect/>
-          <a:stretch>
-            <a:fillRect/>
-          </a:stretch>
-        </p:blipFill>
-        <p:spPr bwMode="auto">
-          <a:xfrm>
-            <a:off x="251520" y="764704"/>
-            <a:ext cx="8493225" cy="5095935"/>
-          </a:xfrm>
-          <a:prstGeom prst="rect">
-            <a:avLst/>
-          </a:prstGeom>
-          <a:noFill/>
-          <a:extLst>
-            <a:ext uri="{909E8E84-426E-40DD-AFC4-6F175D3DCCD1}">
-              <a14:hiddenFill xmlns:a14="http://schemas.microsoft.com/office/drawing/2010/main">
-                <a:solidFill>
-                  <a:srgbClr val="FFFFFF"/>
-                </a:solidFill>
-              </a14:hiddenFill>
-            </a:ext>
-          </a:extLst>
-        </p:spPr>
-      </p:pic>
     </p:spTree>
     <p:extLst>
       <p:ext uri="{BB962C8B-B14F-4D97-AF65-F5344CB8AC3E}">
-        <p14:creationId xmlns:p14="http://schemas.microsoft.com/office/powerpoint/2010/main" val="3606104919"/>
+        <p14:creationId xmlns:p14="http://schemas.microsoft.com/office/powerpoint/2010/main" val="2964110268"/>
       </p:ext>
     </p:extLst>
   </p:cSld>
   <p:clrMapOvr>
     <a:masterClrMapping/>
   </p:clrMapOvr>
+  <p:timing>
+    <p:tnLst>
+      <p:par>
+        <p:cTn id="1" dur="indefinite" restart="never" nodeType="tmRoot"/>
+      </p:par>
+    </p:tnLst>
+  </p:timing>
+</p:sld>
+</file>
+
+<file path=ppt/slides/slide6.xml><?xml version="1.0" encoding="utf-8"?>
+<p:sld xmlns:a="http://schemas.openxmlformats.org/drawingml/2006/main" xmlns:r="http://schemas.openxmlformats.org/officeDocument/2006/relationships" xmlns:p="http://schemas.openxmlformats.org/presentationml/2006/main">
+  <p:cSld>
+    <p:spTree>
+      <p:nvGrpSpPr>
+        <p:cNvPr id="1" name=""/>
+        <p:cNvGrpSpPr/>
+        <p:nvPr/>
+      </p:nvGrpSpPr>
+      <p:grpSpPr>
+        <a:xfrm>
+          <a:off x="0" y="0"/>
+          <a:ext cx="0" cy="0"/>
+          <a:chOff x="0" y="0"/>
+          <a:chExt cx="0" cy="0"/>
+        </a:xfrm>
+      </p:grpSpPr>
+      <p:sp>
+        <p:nvSpPr>
+          <p:cNvPr id="3" name="Espaço Reservado para Conteúdo 2"/>
+          <p:cNvSpPr>
+            <a:spLocks noGrp="1"/>
+          </p:cNvSpPr>
+          <p:nvPr>
+            <p:ph idx="1"/>
+          </p:nvPr>
+        </p:nvSpPr>
+        <p:spPr/>
+        <p:txBody>
+          <a:bodyPr/>
+          <a:lstStyle/>
+          <a:p>
+            <a:pPr marL="0" indent="0">
+              <a:buNone/>
+            </a:pPr>
+            <a:r>
+              <a:rPr lang="pt-BR" sz="2400" dirty="0" smtClean="0"/>
+              <a:t>Tabelao(</a:t>
+            </a:r>
+            <a:r>
+              <a:rPr lang="pt-BR" sz="2400" u="sng" dirty="0" smtClean="0"/>
+              <a:t>idTabelao</a:t>
+            </a:r>
+            <a:r>
+              <a:rPr lang="pt-BR" sz="2400" dirty="0" smtClean="0"/>
+              <a:t>, dominio, documento, nome, uf, cidade, cep, dataCadastro, ultimaAtt, ticket)</a:t>
+            </a:r>
+          </a:p>
+          <a:p>
+            <a:pPr marL="0" indent="0">
+              <a:buNone/>
+            </a:pPr>
+            <a:endParaRPr lang="pt-BR" sz="2400" dirty="0" smtClean="0"/>
+          </a:p>
+          <a:p>
+            <a:pPr marL="0" indent="0">
+              <a:buNone/>
+            </a:pPr>
+            <a:endParaRPr lang="pt-BR" sz="2400" dirty="0" smtClean="0"/>
+          </a:p>
+          <a:p>
+            <a:pPr marL="57150" indent="0">
+              <a:buNone/>
+            </a:pPr>
+            <a:endParaRPr lang="pt-BR" sz="2400" dirty="0" smtClean="0"/>
+          </a:p>
+          <a:p>
+            <a:endParaRPr lang="pt-BR" u="sng" dirty="0"/>
+          </a:p>
+        </p:txBody>
+      </p:sp>
+      <p:sp>
+        <p:nvSpPr>
+          <p:cNvPr id="2" name="Título 1"/>
+          <p:cNvSpPr>
+            <a:spLocks noGrp="1"/>
+          </p:cNvSpPr>
+          <p:nvPr>
+            <p:ph type="title"/>
+          </p:nvPr>
+        </p:nvSpPr>
+        <p:spPr/>
+        <p:txBody>
+          <a:bodyPr/>
+          <a:lstStyle/>
+          <a:p>
+            <a:r>
+              <a:rPr lang="pt-BR" dirty="0"/>
+              <a:t>Normalização &amp; modelagem</a:t>
+            </a:r>
+            <a:endParaRPr lang="pt-BR" dirty="0"/>
+          </a:p>
+        </p:txBody>
+      </p:sp>
+      <p:sp>
+        <p:nvSpPr>
+          <p:cNvPr id="4" name="CaixaDeTexto 3"/>
+          <p:cNvSpPr txBox="1"/>
+          <p:nvPr/>
+        </p:nvSpPr>
+        <p:spPr>
+          <a:xfrm>
+            <a:off x="-1386543" y="2811993"/>
+            <a:ext cx="7344816" cy="1323439"/>
+          </a:xfrm>
+          <a:prstGeom prst="rect">
+            <a:avLst/>
+          </a:prstGeom>
+          <a:noFill/>
+        </p:spPr>
+        <p:txBody>
+          <a:bodyPr wrap="square" rtlCol="0">
+            <a:spAutoFit/>
+          </a:bodyPr>
+          <a:lstStyle/>
+          <a:p>
+            <a:pPr algn="ctr"/>
+            <a:r>
+              <a:rPr lang="pt-BR" sz="2000" dirty="0" smtClean="0">
+                <a:solidFill>
+                  <a:schemeClr val="tx1">
+                    <a:lumMod val="65000"/>
+                    <a:lumOff val="35000"/>
+                  </a:schemeClr>
+                </a:solidFill>
+              </a:rPr>
+              <a:t>1º Forma Normal:</a:t>
+            </a:r>
+            <a:r>
+              <a:rPr lang="pt-BR" sz="2000" dirty="0">
+                <a:solidFill>
+                  <a:schemeClr val="tx1">
+                    <a:lumMod val="65000"/>
+                    <a:lumOff val="35000"/>
+                  </a:schemeClr>
+                </a:solidFill>
+              </a:rPr>
+              <a:t/>
+            </a:r>
+            <a:br>
+              <a:rPr lang="pt-BR" sz="2000" dirty="0">
+                <a:solidFill>
+                  <a:schemeClr val="tx1">
+                    <a:lumMod val="65000"/>
+                    <a:lumOff val="35000"/>
+                  </a:schemeClr>
+                </a:solidFill>
+              </a:rPr>
+            </a:br>
+            <a:r>
+              <a:rPr lang="pt-BR" sz="2000" dirty="0">
+                <a:solidFill>
+                  <a:schemeClr val="tx1">
+                    <a:lumMod val="65000"/>
+                    <a:lumOff val="35000"/>
+                  </a:schemeClr>
+                </a:solidFill>
+              </a:rPr>
+              <a:t>   </a:t>
+            </a:r>
+            <a:r>
+              <a:rPr lang="pt-BR" sz="2000" dirty="0" smtClean="0">
+                <a:solidFill>
+                  <a:schemeClr val="tx1">
+                    <a:lumMod val="65000"/>
+                    <a:lumOff val="35000"/>
+                  </a:schemeClr>
+                </a:solidFill>
+              </a:rPr>
+              <a:t> Diz-se </a:t>
+            </a:r>
+            <a:r>
+              <a:rPr lang="pt-BR" sz="2000" dirty="0">
+                <a:solidFill>
+                  <a:schemeClr val="tx1">
+                    <a:lumMod val="65000"/>
+                    <a:lumOff val="35000"/>
+                  </a:schemeClr>
+                </a:solidFill>
+              </a:rPr>
+              <a:t>que uma tabela está na primeira </a:t>
+            </a:r>
+          </a:p>
+          <a:p>
+            <a:pPr algn="ctr"/>
+            <a:r>
+              <a:rPr lang="pt-BR" sz="2000" dirty="0">
+                <a:solidFill>
+                  <a:schemeClr val="tx1">
+                    <a:lumMod val="65000"/>
+                    <a:lumOff val="35000"/>
+                  </a:schemeClr>
+                </a:solidFill>
+              </a:rPr>
+              <a:t>forma normal, quando ela não contém </a:t>
+            </a:r>
+          </a:p>
+          <a:p>
+            <a:pPr algn="ctr"/>
+            <a:r>
+              <a:rPr lang="pt-BR" sz="2000" dirty="0">
+                <a:solidFill>
+                  <a:schemeClr val="tx1">
+                    <a:lumMod val="65000"/>
+                    <a:lumOff val="35000"/>
+                  </a:schemeClr>
+                </a:solidFill>
+              </a:rPr>
+              <a:t>tabelas aninhadas</a:t>
+            </a:r>
+          </a:p>
+        </p:txBody>
+      </p:sp>
+      <p:sp>
+        <p:nvSpPr>
+          <p:cNvPr id="5" name="CaixaDeTexto 4"/>
+          <p:cNvSpPr txBox="1"/>
+          <p:nvPr/>
+        </p:nvSpPr>
+        <p:spPr>
+          <a:xfrm>
+            <a:off x="2568614" y="4149080"/>
+            <a:ext cx="7331978" cy="1323439"/>
+          </a:xfrm>
+          <a:prstGeom prst="rect">
+            <a:avLst/>
+          </a:prstGeom>
+          <a:noFill/>
+        </p:spPr>
+        <p:txBody>
+          <a:bodyPr wrap="square" rtlCol="0">
+            <a:spAutoFit/>
+          </a:bodyPr>
+          <a:lstStyle/>
+          <a:p>
+            <a:pPr algn="ctr"/>
+            <a:r>
+              <a:rPr lang="pt-BR" sz="2000" dirty="0" smtClean="0">
+                <a:solidFill>
+                  <a:schemeClr val="tx1">
+                    <a:lumMod val="65000"/>
+                    <a:lumOff val="35000"/>
+                  </a:schemeClr>
+                </a:solidFill>
+              </a:rPr>
+              <a:t>2º Forma Normal:</a:t>
+            </a:r>
+          </a:p>
+          <a:p>
+            <a:pPr algn="ctr"/>
+            <a:r>
+              <a:rPr lang="pt-BR" sz="2000" dirty="0">
+                <a:solidFill>
+                  <a:schemeClr val="tx1">
+                    <a:lumMod val="65000"/>
+                    <a:lumOff val="35000"/>
+                  </a:schemeClr>
+                </a:solidFill>
+              </a:rPr>
+              <a:t>uma tabela encontra-se na segunda forma normal, </a:t>
+            </a:r>
+          </a:p>
+          <a:p>
+            <a:pPr algn="ctr"/>
+            <a:r>
+              <a:rPr lang="pt-BR" sz="2000" dirty="0">
+                <a:solidFill>
+                  <a:schemeClr val="tx1">
+                    <a:lumMod val="65000"/>
+                    <a:lumOff val="35000"/>
+                  </a:schemeClr>
+                </a:solidFill>
+              </a:rPr>
+              <a:t>quando, além de estar na 1FN, não contém </a:t>
+            </a:r>
+          </a:p>
+          <a:p>
+            <a:pPr algn="ctr"/>
+            <a:r>
+              <a:rPr lang="pt-BR" sz="2000" i="1" dirty="0">
+                <a:solidFill>
+                  <a:schemeClr val="tx1">
+                    <a:lumMod val="65000"/>
+                    <a:lumOff val="35000"/>
+                  </a:schemeClr>
+                </a:solidFill>
+              </a:rPr>
+              <a:t>dependências parciais</a:t>
+            </a:r>
+          </a:p>
+        </p:txBody>
+      </p:sp>
+      <p:sp>
+        <p:nvSpPr>
+          <p:cNvPr id="6" name="CaixaDeTexto 5"/>
+          <p:cNvSpPr txBox="1"/>
+          <p:nvPr/>
+        </p:nvSpPr>
+        <p:spPr>
+          <a:xfrm>
+            <a:off x="303078" y="5805264"/>
+            <a:ext cx="3965573" cy="738664"/>
+          </a:xfrm>
+          <a:prstGeom prst="rect">
+            <a:avLst/>
+          </a:prstGeom>
+          <a:noFill/>
+        </p:spPr>
+        <p:txBody>
+          <a:bodyPr wrap="none" rtlCol="0">
+            <a:spAutoFit/>
+          </a:bodyPr>
+          <a:lstStyle/>
+          <a:p>
+            <a:pPr algn="ctr"/>
+            <a:r>
+              <a:rPr lang="pt-BR" sz="1400" i="1" dirty="0">
+                <a:solidFill>
+                  <a:schemeClr val="tx1">
+                    <a:lumMod val="65000"/>
+                    <a:lumOff val="35000"/>
+                  </a:schemeClr>
+                </a:solidFill>
+              </a:rPr>
+              <a:t>uma dependência (funcional) parcial ocorre </a:t>
+            </a:r>
+          </a:p>
+          <a:p>
+            <a:pPr algn="ctr"/>
+            <a:r>
+              <a:rPr lang="pt-BR" sz="1400" i="1" dirty="0">
+                <a:solidFill>
+                  <a:schemeClr val="tx1">
+                    <a:lumMod val="65000"/>
+                    <a:lumOff val="35000"/>
+                  </a:schemeClr>
+                </a:solidFill>
+              </a:rPr>
+              <a:t>quando uma coluna depende apenas de parte de</a:t>
+            </a:r>
+          </a:p>
+          <a:p>
+            <a:pPr algn="ctr"/>
+            <a:r>
+              <a:rPr lang="pt-BR" sz="1400" i="1" dirty="0">
+                <a:solidFill>
+                  <a:schemeClr val="tx1">
+                    <a:lumMod val="65000"/>
+                    <a:lumOff val="35000"/>
+                  </a:schemeClr>
+                </a:solidFill>
+              </a:rPr>
+              <a:t>uma chave primária composta</a:t>
+            </a:r>
+          </a:p>
+        </p:txBody>
+      </p:sp>
+    </p:spTree>
+    <p:extLst>
+      <p:ext uri="{BB962C8B-B14F-4D97-AF65-F5344CB8AC3E}">
+        <p14:creationId xmlns:p14="http://schemas.microsoft.com/office/powerpoint/2010/main" val="2368212318"/>
+      </p:ext>
+    </p:extLst>
+  </p:cSld>
+  <p:clrMapOvr>
+    <a:masterClrMapping/>
+  </p:clrMapOvr>
+  <p:timing>
+    <p:tnLst>
+      <p:par>
+        <p:cTn id="1" dur="indefinite" restart="never" nodeType="tmRoot"/>
+      </p:par>
+    </p:tnLst>
+  </p:timing>
+</p:sld>
+</file>
+
+<file path=ppt/slides/slide7.xml><?xml version="1.0" encoding="utf-8"?>
+<p:sld xmlns:a="http://schemas.openxmlformats.org/drawingml/2006/main" xmlns:r="http://schemas.openxmlformats.org/officeDocument/2006/relationships" xmlns:p="http://schemas.openxmlformats.org/presentationml/2006/main">
+  <p:cSld>
+    <p:spTree>
+      <p:nvGrpSpPr>
+        <p:cNvPr id="1" name=""/>
+        <p:cNvGrpSpPr/>
+        <p:nvPr/>
+      </p:nvGrpSpPr>
+      <p:grpSpPr>
+        <a:xfrm>
+          <a:off x="0" y="0"/>
+          <a:ext cx="0" cy="0"/>
+          <a:chOff x="0" y="0"/>
+          <a:chExt cx="0" cy="0"/>
+        </a:xfrm>
+      </p:grpSpPr>
+      <p:sp>
+        <p:nvSpPr>
+          <p:cNvPr id="3" name="Espaço Reservado para Conteúdo 2"/>
+          <p:cNvSpPr>
+            <a:spLocks noGrp="1"/>
+          </p:cNvSpPr>
+          <p:nvPr>
+            <p:ph idx="1"/>
+          </p:nvPr>
+        </p:nvSpPr>
+        <p:spPr/>
+        <p:txBody>
+          <a:bodyPr/>
+          <a:lstStyle/>
+          <a:p>
+            <a:pPr marL="0" indent="0">
+              <a:buNone/>
+            </a:pPr>
+            <a:r>
+              <a:rPr lang="pt-BR" sz="2400" dirty="0" smtClean="0"/>
+              <a:t>Tabelao(</a:t>
+            </a:r>
+            <a:r>
+              <a:rPr lang="pt-BR" sz="2400" u="sng" dirty="0" smtClean="0"/>
+              <a:t>idTabelao</a:t>
+            </a:r>
+            <a:r>
+              <a:rPr lang="pt-BR" sz="2400" dirty="0" smtClean="0"/>
+              <a:t>, dominio, documento, nome, uf, cidade, cep, dataCadastro, ultimaAtt, ticket)</a:t>
+            </a:r>
+          </a:p>
+          <a:p>
+            <a:pPr marL="0" indent="0">
+              <a:buNone/>
+            </a:pPr>
+            <a:endParaRPr lang="pt-BR" sz="2400" dirty="0" smtClean="0"/>
+          </a:p>
+          <a:p>
+            <a:pPr marL="0" indent="0">
+              <a:buNone/>
+            </a:pPr>
+            <a:endParaRPr lang="pt-BR" sz="2400" dirty="0" smtClean="0"/>
+          </a:p>
+          <a:p>
+            <a:pPr marL="57150" indent="0">
+              <a:buNone/>
+            </a:pPr>
+            <a:endParaRPr lang="pt-BR" sz="2400" dirty="0" smtClean="0"/>
+          </a:p>
+          <a:p>
+            <a:endParaRPr lang="pt-BR" u="sng" dirty="0"/>
+          </a:p>
+        </p:txBody>
+      </p:sp>
+      <p:sp>
+        <p:nvSpPr>
+          <p:cNvPr id="2" name="Título 1"/>
+          <p:cNvSpPr>
+            <a:spLocks noGrp="1"/>
+          </p:cNvSpPr>
+          <p:nvPr>
+            <p:ph type="title"/>
+          </p:nvPr>
+        </p:nvSpPr>
+        <p:spPr/>
+        <p:txBody>
+          <a:bodyPr/>
+          <a:lstStyle/>
+          <a:p>
+            <a:r>
+              <a:rPr lang="pt-BR" dirty="0"/>
+              <a:t>Normalização &amp; modelagem</a:t>
+            </a:r>
+            <a:endParaRPr lang="pt-BR" dirty="0"/>
+          </a:p>
+        </p:txBody>
+      </p:sp>
+      <p:sp>
+        <p:nvSpPr>
+          <p:cNvPr id="5" name="CaixaDeTexto 4"/>
+          <p:cNvSpPr txBox="1"/>
+          <p:nvPr/>
+        </p:nvSpPr>
+        <p:spPr>
+          <a:xfrm>
+            <a:off x="827584" y="5157192"/>
+            <a:ext cx="6984776" cy="1323439"/>
+          </a:xfrm>
+          <a:prstGeom prst="rect">
+            <a:avLst/>
+          </a:prstGeom>
+          <a:noFill/>
+        </p:spPr>
+        <p:txBody>
+          <a:bodyPr wrap="square" rtlCol="0">
+            <a:spAutoFit/>
+          </a:bodyPr>
+          <a:lstStyle/>
+          <a:p>
+            <a:pPr algn="ctr"/>
+            <a:r>
+              <a:rPr lang="pt-BR" sz="2000" dirty="0" smtClean="0">
+                <a:solidFill>
+                  <a:schemeClr val="tx1">
+                    <a:lumMod val="65000"/>
+                    <a:lumOff val="35000"/>
+                  </a:schemeClr>
+                </a:solidFill>
+              </a:rPr>
+              <a:t>3º Forma Normal:</a:t>
+            </a:r>
+          </a:p>
+          <a:p>
+            <a:pPr algn="ctr"/>
+            <a:r>
+              <a:rPr lang="pt-BR" sz="2000" dirty="0">
+                <a:solidFill>
+                  <a:schemeClr val="tx1">
+                    <a:lumMod val="65000"/>
+                    <a:lumOff val="35000"/>
+                  </a:schemeClr>
+                </a:solidFill>
+              </a:rPr>
+              <a:t>uma tabela encontra-se na terceira forma</a:t>
+            </a:r>
+          </a:p>
+          <a:p>
+            <a:pPr algn="ctr"/>
+            <a:r>
+              <a:rPr lang="pt-BR" sz="2000" dirty="0">
+                <a:solidFill>
+                  <a:schemeClr val="tx1">
+                    <a:lumMod val="65000"/>
+                    <a:lumOff val="35000"/>
+                  </a:schemeClr>
+                </a:solidFill>
+              </a:rPr>
+              <a:t>normal, quando, além de estar na 2FN, </a:t>
+            </a:r>
+            <a:r>
+              <a:rPr lang="pt-BR" sz="2000" dirty="0" smtClean="0">
+                <a:solidFill>
+                  <a:schemeClr val="tx1">
+                    <a:lumMod val="65000"/>
+                    <a:lumOff val="35000"/>
+                  </a:schemeClr>
+                </a:solidFill>
+              </a:rPr>
+              <a:t>não</a:t>
+            </a:r>
+            <a:endParaRPr lang="pt-BR" sz="2000" dirty="0">
+              <a:solidFill>
+                <a:schemeClr val="tx1">
+                  <a:lumMod val="65000"/>
+                  <a:lumOff val="35000"/>
+                </a:schemeClr>
+              </a:solidFill>
+            </a:endParaRPr>
+          </a:p>
+          <a:p>
+            <a:pPr algn="ctr"/>
+            <a:r>
+              <a:rPr lang="pt-BR" sz="2000" dirty="0">
+                <a:solidFill>
+                  <a:schemeClr val="tx1">
+                    <a:lumMod val="65000"/>
+                    <a:lumOff val="35000"/>
+                  </a:schemeClr>
+                </a:solidFill>
+              </a:rPr>
+              <a:t>contém dependências transitivas</a:t>
+            </a:r>
+            <a:endParaRPr lang="pt-BR" sz="2000" i="1" dirty="0">
+              <a:solidFill>
+                <a:schemeClr val="tx1">
+                  <a:lumMod val="65000"/>
+                  <a:lumOff val="35000"/>
+                </a:schemeClr>
+              </a:solidFill>
+            </a:endParaRPr>
+          </a:p>
+        </p:txBody>
+      </p:sp>
+      <p:sp>
+        <p:nvSpPr>
+          <p:cNvPr id="8" name="CaixaDeTexto 7"/>
+          <p:cNvSpPr txBox="1"/>
+          <p:nvPr/>
+        </p:nvSpPr>
+        <p:spPr>
+          <a:xfrm>
+            <a:off x="179512" y="2636912"/>
+            <a:ext cx="8784976" cy="1200329"/>
+          </a:xfrm>
+          <a:prstGeom prst="rect">
+            <a:avLst/>
+          </a:prstGeom>
+          <a:noFill/>
+          <a:ln>
+            <a:noFill/>
+          </a:ln>
+        </p:spPr>
+        <p:txBody>
+          <a:bodyPr wrap="square" rtlCol="0">
+            <a:spAutoFit/>
+          </a:bodyPr>
+          <a:lstStyle/>
+          <a:p>
+            <a:r>
+              <a:rPr lang="pt-BR" dirty="0" smtClean="0">
+                <a:solidFill>
+                  <a:schemeClr val="tx1">
+                    <a:lumMod val="65000"/>
+                    <a:lumOff val="35000"/>
+                  </a:schemeClr>
+                </a:solidFill>
+              </a:rPr>
+              <a:t>Dependências Funcionais:</a:t>
+            </a:r>
+          </a:p>
+          <a:p>
+            <a:endParaRPr lang="pt-BR" dirty="0">
+              <a:solidFill>
+                <a:schemeClr val="tx1">
+                  <a:lumMod val="65000"/>
+                  <a:lumOff val="35000"/>
+                </a:schemeClr>
+              </a:solidFill>
+            </a:endParaRPr>
+          </a:p>
+          <a:p>
+            <a:r>
+              <a:rPr lang="pt-BR" dirty="0" smtClean="0">
+                <a:solidFill>
+                  <a:schemeClr val="tx1">
+                    <a:lumMod val="65000"/>
+                    <a:lumOff val="35000"/>
+                  </a:schemeClr>
+                </a:solidFill>
+              </a:rPr>
+              <a:t>idTabelao -&gt; dominio, documento, nome, uf, cidade, cep, dataCadastro, ultimaAtt, ticket</a:t>
+            </a:r>
+          </a:p>
+          <a:p>
+            <a:r>
+              <a:rPr lang="pt-BR" dirty="0" smtClean="0">
+                <a:solidFill>
+                  <a:schemeClr val="tx1">
+                    <a:lumMod val="65000"/>
+                    <a:lumOff val="35000"/>
+                  </a:schemeClr>
+                </a:solidFill>
+              </a:rPr>
+              <a:t>Documento -&gt; nome, uf, cidade, cep</a:t>
+            </a:r>
+            <a:endParaRPr lang="pt-BR" dirty="0">
+              <a:solidFill>
+                <a:schemeClr val="tx1">
+                  <a:lumMod val="65000"/>
+                  <a:lumOff val="35000"/>
+                </a:schemeClr>
+              </a:solidFill>
+            </a:endParaRPr>
+          </a:p>
+        </p:txBody>
+      </p:sp>
+    </p:spTree>
+    <p:extLst>
+      <p:ext uri="{BB962C8B-B14F-4D97-AF65-F5344CB8AC3E}">
+        <p14:creationId xmlns:p14="http://schemas.microsoft.com/office/powerpoint/2010/main" val="1671208011"/>
+      </p:ext>
+    </p:extLst>
+  </p:cSld>
+  <p:clrMapOvr>
+    <a:masterClrMapping/>
+  </p:clrMapOvr>
+  <p:timing>
+    <p:tnLst>
+      <p:par>
+        <p:cTn id="1" dur="indefinite" restart="never" nodeType="tmRoot"/>
+      </p:par>
+    </p:tnLst>
+  </p:timing>
+</p:sld>
+</file>
+
+<file path=ppt/slides/slide8.xml><?xml version="1.0" encoding="utf-8"?>
+<p:sld xmlns:a="http://schemas.openxmlformats.org/drawingml/2006/main" xmlns:r="http://schemas.openxmlformats.org/officeDocument/2006/relationships" xmlns:p="http://schemas.openxmlformats.org/presentationml/2006/main">
+  <p:cSld>
+    <p:spTree>
+      <p:nvGrpSpPr>
+        <p:cNvPr id="1" name=""/>
+        <p:cNvGrpSpPr/>
+        <p:nvPr/>
+      </p:nvGrpSpPr>
+      <p:grpSpPr>
+        <a:xfrm>
+          <a:off x="0" y="0"/>
+          <a:ext cx="0" cy="0"/>
+          <a:chOff x="0" y="0"/>
+          <a:chExt cx="0" cy="0"/>
+        </a:xfrm>
+      </p:grpSpPr>
+      <p:sp>
+        <p:nvSpPr>
+          <p:cNvPr id="2" name="Espaço Reservado para Conteúdo 1"/>
+          <p:cNvSpPr>
+            <a:spLocks noGrp="1"/>
+          </p:cNvSpPr>
+          <p:nvPr>
+            <p:ph idx="1"/>
+          </p:nvPr>
+        </p:nvSpPr>
+        <p:spPr>
+          <a:xfrm>
+            <a:off x="380999" y="1757896"/>
+            <a:ext cx="8407893" cy="4407408"/>
+          </a:xfrm>
+        </p:spPr>
+        <p:txBody>
+          <a:bodyPr/>
+          <a:lstStyle/>
+          <a:p>
+            <a:pPr marL="0" indent="0">
+              <a:buNone/>
+            </a:pPr>
+            <a:r>
+              <a:rPr lang="pt-BR" sz="2400" dirty="0"/>
+              <a:t>Instituicao(</a:t>
+            </a:r>
+            <a:r>
+              <a:rPr lang="pt-BR" sz="2400" u="sng" dirty="0" err="1"/>
+              <a:t>idInstituicao</a:t>
+            </a:r>
+            <a:r>
+              <a:rPr lang="pt-BR" sz="2400" dirty="0"/>
+              <a:t>, documento, </a:t>
+            </a:r>
+            <a:r>
+              <a:rPr lang="pt-BR" sz="2400" dirty="0" smtClean="0"/>
+              <a:t>cep, </a:t>
+            </a:r>
+            <a:r>
+              <a:rPr lang="pt-BR" sz="2400" dirty="0"/>
+              <a:t>uf, </a:t>
+            </a:r>
+            <a:r>
+              <a:rPr lang="pt-BR" sz="2400" dirty="0" smtClean="0"/>
+              <a:t>cidade, nome)</a:t>
+            </a:r>
+          </a:p>
+          <a:p>
+            <a:pPr marL="0" indent="0">
+              <a:buNone/>
+            </a:pPr>
+            <a:endParaRPr lang="pt-BR" sz="2400" dirty="0"/>
+          </a:p>
+          <a:p>
+            <a:pPr marL="0" indent="0">
+              <a:buNone/>
+            </a:pPr>
+            <a:r>
+              <a:rPr lang="pt-BR" sz="2400" dirty="0"/>
+              <a:t>Dominio(</a:t>
+            </a:r>
+            <a:r>
+              <a:rPr lang="pt-BR" sz="2400" u="sng" dirty="0" err="1"/>
+              <a:t>idDominio</a:t>
+            </a:r>
+            <a:r>
+              <a:rPr lang="pt-BR" sz="2400" dirty="0"/>
+              <a:t>, dominio, dataCadastro, ultimaAtt, ticket, </a:t>
+            </a:r>
+            <a:r>
+              <a:rPr lang="pt-BR" sz="2400" dirty="0" err="1"/>
+              <a:t>idInstituicao</a:t>
+            </a:r>
+            <a:r>
+              <a:rPr lang="pt-BR" sz="2400" dirty="0"/>
+              <a:t>)</a:t>
+            </a:r>
+          </a:p>
+          <a:p>
+            <a:pPr marL="457200" lvl="1" indent="0">
+              <a:buNone/>
+            </a:pPr>
+            <a:r>
+              <a:rPr lang="pt-BR" sz="2000" dirty="0" err="1"/>
+              <a:t>idInstituicao</a:t>
+            </a:r>
+            <a:r>
+              <a:rPr lang="pt-BR" sz="2000" dirty="0"/>
+              <a:t> referencia </a:t>
+            </a:r>
+            <a:r>
+              <a:rPr lang="pt-BR" sz="2000" dirty="0" err="1"/>
+              <a:t>Instuicao</a:t>
+            </a:r>
+            <a:endParaRPr lang="pt-BR" sz="2000" dirty="0"/>
+          </a:p>
+          <a:p>
+            <a:endParaRPr lang="pt-BR" dirty="0"/>
+          </a:p>
+        </p:txBody>
+      </p:sp>
+      <p:sp>
+        <p:nvSpPr>
+          <p:cNvPr id="3" name="Título 2"/>
+          <p:cNvSpPr>
+            <a:spLocks noGrp="1"/>
+          </p:cNvSpPr>
+          <p:nvPr>
+            <p:ph type="title"/>
+          </p:nvPr>
+        </p:nvSpPr>
+        <p:spPr/>
+        <p:txBody>
+          <a:bodyPr/>
+          <a:lstStyle/>
+          <a:p>
+            <a:r>
+              <a:rPr lang="pt-BR" dirty="0"/>
+              <a:t>Normalização &amp; modelagem</a:t>
+            </a:r>
+          </a:p>
+        </p:txBody>
+      </p:sp>
+    </p:spTree>
+    <p:extLst>
+      <p:ext uri="{BB962C8B-B14F-4D97-AF65-F5344CB8AC3E}">
+        <p14:creationId xmlns:p14="http://schemas.microsoft.com/office/powerpoint/2010/main" val="3374138182"/>
+      </p:ext>
+    </p:extLst>
+  </p:cSld>
+  <p:clrMapOvr>
+    <a:masterClrMapping/>
+  </p:clrMapOvr>
+  <p:timing>
+    <p:tnLst>
+      <p:par>
+        <p:cTn id="1" dur="indefinite" restart="never" nodeType="tmRoot"/>
+      </p:par>
+    </p:tnLst>
+  </p:timing>
+</p:sld>
+</file>
+
+<file path=ppt/slides/slide9.xml><?xml version="1.0" encoding="utf-8"?>
+<p:sld xmlns:a="http://schemas.openxmlformats.org/drawingml/2006/main" xmlns:r="http://schemas.openxmlformats.org/officeDocument/2006/relationships" xmlns:p="http://schemas.openxmlformats.org/presentationml/2006/main">
+  <p:cSld>
+    <p:spTree>
+      <p:nvGrpSpPr>
+        <p:cNvPr id="1" name=""/>
+        <p:cNvGrpSpPr/>
+        <p:nvPr/>
+      </p:nvGrpSpPr>
+      <p:grpSpPr>
+        <a:xfrm>
+          <a:off x="0" y="0"/>
+          <a:ext cx="0" cy="0"/>
+          <a:chOff x="0" y="0"/>
+          <a:chExt cx="0" cy="0"/>
+        </a:xfrm>
+      </p:grpSpPr>
+      <p:sp>
+        <p:nvSpPr>
+          <p:cNvPr id="2" name="Espaço Reservado para Conteúdo 1"/>
+          <p:cNvSpPr>
+            <a:spLocks noGrp="1"/>
+          </p:cNvSpPr>
+          <p:nvPr>
+            <p:ph idx="1"/>
+          </p:nvPr>
+        </p:nvSpPr>
+        <p:spPr>
+          <a:xfrm>
+            <a:off x="380999" y="1757896"/>
+            <a:ext cx="8407893" cy="4407408"/>
+          </a:xfrm>
+        </p:spPr>
+        <p:txBody>
+          <a:bodyPr/>
+          <a:lstStyle/>
+          <a:p>
+            <a:pPr marL="0" indent="0">
+              <a:buNone/>
+            </a:pPr>
+            <a:r>
+              <a:rPr lang="pt-BR" sz="2400" dirty="0"/>
+              <a:t>Instituicao(</a:t>
+            </a:r>
+            <a:r>
+              <a:rPr lang="pt-BR" sz="2400" u="sng" dirty="0" err="1"/>
+              <a:t>idInstituicao</a:t>
+            </a:r>
+            <a:r>
+              <a:rPr lang="pt-BR" sz="2400" dirty="0"/>
+              <a:t>, documento, </a:t>
+            </a:r>
+            <a:r>
+              <a:rPr lang="pt-BR" sz="2400" dirty="0" smtClean="0"/>
+              <a:t>cep, </a:t>
+            </a:r>
+            <a:r>
+              <a:rPr lang="pt-BR" sz="2400" dirty="0"/>
+              <a:t>uf, </a:t>
+            </a:r>
+            <a:r>
+              <a:rPr lang="pt-BR" sz="2400" dirty="0" smtClean="0"/>
+              <a:t>cidade, nome)</a:t>
+            </a:r>
+          </a:p>
+          <a:p>
+            <a:pPr marL="0" indent="0">
+              <a:buNone/>
+            </a:pPr>
+            <a:endParaRPr lang="pt-BR" sz="2400" dirty="0"/>
+          </a:p>
+          <a:p>
+            <a:pPr marL="0" indent="0">
+              <a:buNone/>
+            </a:pPr>
+            <a:r>
+              <a:rPr lang="pt-BR" sz="2400" dirty="0"/>
+              <a:t>Dominio(</a:t>
+            </a:r>
+            <a:r>
+              <a:rPr lang="pt-BR" sz="2400" u="sng" dirty="0" err="1"/>
+              <a:t>idDominio</a:t>
+            </a:r>
+            <a:r>
+              <a:rPr lang="pt-BR" sz="2400" dirty="0"/>
+              <a:t>, dominio, dataCadastro, ultimaAtt, ticket, </a:t>
+            </a:r>
+            <a:r>
+              <a:rPr lang="pt-BR" sz="2400" dirty="0" err="1"/>
+              <a:t>idInstituicao</a:t>
+            </a:r>
+            <a:r>
+              <a:rPr lang="pt-BR" sz="2400" dirty="0"/>
+              <a:t>)</a:t>
+            </a:r>
+          </a:p>
+          <a:p>
+            <a:pPr marL="457200" lvl="1" indent="0">
+              <a:buNone/>
+            </a:pPr>
+            <a:r>
+              <a:rPr lang="pt-BR" sz="2000" dirty="0" err="1"/>
+              <a:t>idInstituicao</a:t>
+            </a:r>
+            <a:r>
+              <a:rPr lang="pt-BR" sz="2000" dirty="0"/>
+              <a:t> referencia </a:t>
+            </a:r>
+            <a:r>
+              <a:rPr lang="pt-BR" sz="2000" dirty="0" err="1"/>
+              <a:t>Instuicao</a:t>
+            </a:r>
+            <a:endParaRPr lang="pt-BR" sz="2000" dirty="0"/>
+          </a:p>
+          <a:p>
+            <a:endParaRPr lang="pt-BR" dirty="0"/>
+          </a:p>
+        </p:txBody>
+      </p:sp>
+      <p:sp>
+        <p:nvSpPr>
+          <p:cNvPr id="3" name="Título 2"/>
+          <p:cNvSpPr>
+            <a:spLocks noGrp="1"/>
+          </p:cNvSpPr>
+          <p:nvPr>
+            <p:ph type="title"/>
+          </p:nvPr>
+        </p:nvSpPr>
+        <p:spPr/>
+        <p:txBody>
+          <a:bodyPr/>
+          <a:lstStyle/>
+          <a:p>
+            <a:r>
+              <a:rPr lang="pt-BR" dirty="0"/>
+              <a:t>Normalização &amp; modelagem</a:t>
+            </a:r>
+          </a:p>
+        </p:txBody>
+      </p:sp>
+      <p:sp>
+        <p:nvSpPr>
+          <p:cNvPr id="4" name="Retângulo 3"/>
+          <p:cNvSpPr/>
+          <p:nvPr/>
+        </p:nvSpPr>
+        <p:spPr>
+          <a:xfrm>
+            <a:off x="5940152" y="1700808"/>
+            <a:ext cx="2304000" cy="576064"/>
+          </a:xfrm>
+          <a:prstGeom prst="rect">
+            <a:avLst/>
+          </a:prstGeom>
+          <a:noFill/>
+          <a:ln>
+            <a:solidFill>
+              <a:srgbClr val="FF0000"/>
+            </a:solidFill>
+          </a:ln>
+        </p:spPr>
+        <p:style>
+          <a:lnRef idx="2">
+            <a:schemeClr val="accent1">
+              <a:shade val="50000"/>
+            </a:schemeClr>
+          </a:lnRef>
+          <a:fillRef idx="1">
+            <a:schemeClr val="accent1"/>
+          </a:fillRef>
+          <a:effectRef idx="0">
+            <a:schemeClr val="accent1"/>
+          </a:effectRef>
+          <a:fontRef idx="minor">
+            <a:schemeClr val="lt1"/>
+          </a:fontRef>
+        </p:style>
+        <p:txBody>
+          <a:bodyPr rtlCol="0" anchor="ctr"/>
+          <a:lstStyle/>
+          <a:p>
+            <a:pPr algn="ctr"/>
+            <a:endParaRPr lang="pt-BR"/>
+          </a:p>
+        </p:txBody>
+      </p:sp>
+    </p:spTree>
+    <p:extLst>
+      <p:ext uri="{BB962C8B-B14F-4D97-AF65-F5344CB8AC3E}">
+        <p14:creationId xmlns:p14="http://schemas.microsoft.com/office/powerpoint/2010/main" val="135239876"/>
+      </p:ext>
+    </p:extLst>
+  </p:cSld>
+  <p:clrMapOvr>
+    <a:masterClrMapping/>
+  </p:clrMapOvr>
+  <p:timing>
+    <p:tnLst>
+      <p:par>
+        <p:cTn id="1" dur="indefinite" restart="never" nodeType="tmRoot"/>
+      </p:par>
+    </p:tnLst>
+  </p:timing>
 </p:sld>
 </file>
 
 <file path=ppt/theme/theme1.xml><?xml version="1.0" encoding="utf-8"?>
-<a:theme xmlns:a="http://schemas.openxmlformats.org/drawingml/2006/main" name="Tema do Office">
+<a:theme xmlns:a="http://schemas.openxmlformats.org/drawingml/2006/main" name="Grade">
   <a:themeElements>
-    <a:clrScheme name="Escritório">
+    <a:clrScheme name="Grade">
       <a:dk1>
         <a:sysClr val="windowText" lastClr="000000"/>
       </a:dk1>
@@ -4083,81 +6211,47 @@
         <a:sysClr val="window" lastClr="FFFFFF"/>
       </a:lt1>
       <a:dk2>
-        <a:srgbClr val="1F497D"/>
+        <a:srgbClr val="534949"/>
       </a:dk2>
       <a:lt2>
-        <a:srgbClr val="EEECE1"/>
+        <a:srgbClr val="CCD1B9"/>
       </a:lt2>
       <a:accent1>
-        <a:srgbClr val="4F81BD"/>
+        <a:srgbClr val="C66951"/>
       </a:accent1>
       <a:accent2>
-        <a:srgbClr val="C0504D"/>
+        <a:srgbClr val="BF974D"/>
       </a:accent2>
       <a:accent3>
-        <a:srgbClr val="9BBB59"/>
+        <a:srgbClr val="928B70"/>
       </a:accent3>
       <a:accent4>
-        <a:srgbClr val="8064A2"/>
+        <a:srgbClr val="87706B"/>
       </a:accent4>
       <a:accent5>
-        <a:srgbClr val="4BACC6"/>
+        <a:srgbClr val="94734E"/>
       </a:accent5>
       <a:accent6>
-        <a:srgbClr val="F79646"/>
+        <a:srgbClr val="6F777D"/>
       </a:accent6>
       <a:hlink>
-        <a:srgbClr val="0000FF"/>
+        <a:srgbClr val="CC9900"/>
       </a:hlink>
       <a:folHlink>
-        <a:srgbClr val="800080"/>
+        <a:srgbClr val="C0C0C0"/>
       </a:folHlink>
     </a:clrScheme>
-    <a:fontScheme name="Escritório">
+    <a:fontScheme name="Grade">
       <a:majorFont>
-        <a:latin typeface="Calibri"/>
+        <a:latin typeface="Franklin Gothic Medium"/>
         <a:ea typeface=""/>
         <a:cs typeface=""/>
-        <a:font script="Jpan" typeface="ＭＳ Ｐゴシック"/>
-        <a:font script="Hang" typeface="맑은 고딕"/>
-        <a:font script="Hans" typeface="宋体"/>
-        <a:font script="Hant" typeface="新細明體"/>
-        <a:font script="Arab" typeface="Times New Roman"/>
-        <a:font script="Hebr" typeface="Times New Roman"/>
-        <a:font script="Thai" typeface="Angsana New"/>
-        <a:font script="Ethi" typeface="Nyala"/>
-        <a:font script="Beng" typeface="Vrinda"/>
-        <a:font script="Gujr" typeface="Shruti"/>
-        <a:font script="Khmr" typeface="MoolBoran"/>
-        <a:font script="Knda" typeface="Tunga"/>
-        <a:font script="Guru" typeface="Raavi"/>
-        <a:font script="Cans" typeface="Euphemia"/>
-        <a:font script="Cher" typeface="Plantagenet Cherokee"/>
-        <a:font script="Yiii" typeface="Microsoft Yi Baiti"/>
-        <a:font script="Tibt" typeface="Microsoft Himalaya"/>
-        <a:font script="Thaa" typeface="MV Boli"/>
-        <a:font script="Deva" typeface="Mangal"/>
-        <a:font script="Telu" typeface="Gautami"/>
-        <a:font script="Taml" typeface="Latha"/>
-        <a:font script="Syrc" typeface="Estrangelo Edessa"/>
-        <a:font script="Orya" typeface="Kalinga"/>
-        <a:font script="Mlym" typeface="Kartika"/>
-        <a:font script="Laoo" typeface="DokChampa"/>
-        <a:font script="Sinh" typeface="Iskoola Pota"/>
-        <a:font script="Mong" typeface="Mongolian Baiti"/>
-        <a:font script="Viet" typeface="Times New Roman"/>
-        <a:font script="Uigh" typeface="Microsoft Uighur"/>
-      </a:majorFont>
-      <a:minorFont>
-        <a:latin typeface="Calibri"/>
-        <a:ea typeface=""/>
-        <a:cs typeface=""/>
-        <a:font script="Jpan" typeface="ＭＳ Ｐゴシック"/>
-        <a:font script="Hang" typeface="맑은 고딕"/>
-        <a:font script="Hans" typeface="宋体"/>
-        <a:font script="Hant" typeface="新細明體"/>
-        <a:font script="Arab" typeface="Arial"/>
-        <a:font script="Hebr" typeface="Arial"/>
+        <a:font script="Jpan" typeface="HG創英角ｺﾞｼｯｸUB"/>
+        <a:font script="Hang" typeface="HY견고딕"/>
+        <a:font script="Hans" typeface="微软雅黑"/>
+        <a:font script="Hant" typeface="微軟正黑體"/>
+        <a:font script="Arab" typeface="Arial Bold"/>
+        <a:font script="Hebr" typeface="Arial Bold"/>
         <a:font script="Thai" typeface="Cordia New"/>
         <a:font script="Ethi" typeface="Nyala"/>
         <a:font script="Beng" typeface="Vrinda"/>
@@ -4179,79 +6273,91 @@
         <a:font script="Laoo" typeface="DokChampa"/>
         <a:font script="Sinh" typeface="Iskoola Pota"/>
         <a:font script="Mong" typeface="Mongolian Baiti"/>
-        <a:font script="Viet" typeface="Arial"/>
+        <a:font script="Viet" typeface="Arial Bold"/>
         <a:font script="Uigh" typeface="Microsoft Uighur"/>
+        <a:font script="Geor" typeface="Sylfaen"/>
+      </a:majorFont>
+      <a:minorFont>
+        <a:latin typeface="Franklin Gothic Medium"/>
+        <a:ea typeface=""/>
+        <a:cs typeface=""/>
+        <a:font script="Jpan" typeface="HG創英角ｺﾞｼｯｸUB"/>
+        <a:font script="Hang" typeface="HY견고딕"/>
+        <a:font script="Hans" typeface="微软雅黑"/>
+        <a:font script="Hant" typeface="微軟正黑體"/>
+        <a:font script="Arab" typeface="Arial Bold"/>
+        <a:font script="Hebr" typeface="Arial Bold"/>
+        <a:font script="Thai" typeface="Cordia New"/>
+        <a:font script="Ethi" typeface="Nyala"/>
+        <a:font script="Beng" typeface="Vrinda"/>
+        <a:font script="Gujr" typeface="Shruti"/>
+        <a:font script="Khmr" typeface="DaunPenh"/>
+        <a:font script="Knda" typeface="Tunga"/>
+        <a:font script="Guru" typeface="Raavi"/>
+        <a:font script="Cans" typeface="Euphemia"/>
+        <a:font script="Cher" typeface="Plantagenet Cherokee"/>
+        <a:font script="Yiii" typeface="Microsoft Yi Baiti"/>
+        <a:font script="Tibt" typeface="Microsoft Himalaya"/>
+        <a:font script="Thaa" typeface="MV Boli"/>
+        <a:font script="Deva" typeface="Mangal"/>
+        <a:font script="Telu" typeface="Gautami"/>
+        <a:font script="Taml" typeface="Latha"/>
+        <a:font script="Syrc" typeface="Estrangelo Edessa"/>
+        <a:font script="Orya" typeface="Kalinga"/>
+        <a:font script="Mlym" typeface="Kartika"/>
+        <a:font script="Laoo" typeface="DokChampa"/>
+        <a:font script="Sinh" typeface="Iskoola Pota"/>
+        <a:font script="Mong" typeface="Mongolian Baiti"/>
+        <a:font script="Viet" typeface="Arial Bold"/>
+        <a:font script="Uigh" typeface="Microsoft Uighur"/>
+        <a:font script="Geor" typeface="Sylfaen"/>
       </a:minorFont>
     </a:fontScheme>
-    <a:fmtScheme name="Escritório">
+    <a:fmtScheme name="Grade">
       <a:fillStyleLst>
         <a:solidFill>
           <a:schemeClr val="phClr"/>
         </a:solidFill>
+        <a:solidFill>
+          <a:schemeClr val="phClr">
+            <a:tint val="50000"/>
+          </a:schemeClr>
+        </a:solidFill>
         <a:gradFill rotWithShape="1">
           <a:gsLst>
             <a:gs pos="0">
+              <a:schemeClr val="phClr"/>
+            </a:gs>
+            <a:gs pos="90000">
               <a:schemeClr val="phClr">
-                <a:tint val="50000"/>
-                <a:satMod val="300000"/>
-              </a:schemeClr>
-            </a:gs>
-            <a:gs pos="35000">
-              <a:schemeClr val="phClr">
-                <a:tint val="37000"/>
-                <a:satMod val="300000"/>
+                <a:shade val="100000"/>
               </a:schemeClr>
             </a:gs>
             <a:gs pos="100000">
               <a:schemeClr val="phClr">
-                <a:tint val="15000"/>
-                <a:satMod val="350000"/>
+                <a:shade val="85000"/>
               </a:schemeClr>
             </a:gs>
           </a:gsLst>
-          <a:lin ang="16200000" scaled="1"/>
-        </a:gradFill>
-        <a:gradFill rotWithShape="1">
-          <a:gsLst>
-            <a:gs pos="0">
-              <a:schemeClr val="phClr">
-                <a:shade val="51000"/>
-                <a:satMod val="130000"/>
-              </a:schemeClr>
-            </a:gs>
-            <a:gs pos="80000">
-              <a:schemeClr val="phClr">
-                <a:shade val="93000"/>
-                <a:satMod val="130000"/>
-              </a:schemeClr>
-            </a:gs>
-            <a:gs pos="100000">
-              <a:schemeClr val="phClr">
-                <a:shade val="94000"/>
-                <a:satMod val="135000"/>
-              </a:schemeClr>
-            </a:gs>
-          </a:gsLst>
-          <a:lin ang="16200000" scaled="0"/>
+          <a:path path="circle">
+            <a:fillToRect l="100000" t="100000" r="100000" b="100000"/>
+          </a:path>
         </a:gradFill>
       </a:fillStyleLst>
       <a:lnStyleLst>
-        <a:ln w="9525" cap="flat" cmpd="sng" algn="ctr">
-          <a:solidFill>
-            <a:schemeClr val="phClr">
-              <a:shade val="95000"/>
-              <a:satMod val="105000"/>
-            </a:schemeClr>
-          </a:solidFill>
-          <a:prstDash val="solid"/>
-        </a:ln>
-        <a:ln w="25400" cap="flat" cmpd="sng" algn="ctr">
+        <a:ln w="10000" cap="flat" cmpd="sng" algn="ctr">
           <a:solidFill>
             <a:schemeClr val="phClr"/>
           </a:solidFill>
           <a:prstDash val="solid"/>
         </a:ln>
-        <a:ln w="38100" cap="flat" cmpd="sng" algn="ctr">
+        <a:ln w="19050" cap="flat" cmpd="sng" algn="ctr">
+          <a:solidFill>
+            <a:schemeClr val="phClr"/>
+          </a:solidFill>
+          <a:prstDash val="solid"/>
+        </a:ln>
+        <a:ln w="47625" cap="flat" cmpd="dbl" algn="ctr">
           <a:solidFill>
             <a:schemeClr val="phClr"/>
           </a:solidFill>
@@ -4260,28 +6366,22 @@
       </a:lnStyleLst>
       <a:effectStyleLst>
         <a:effectStyle>
+          <a:effectLst/>
+        </a:effectStyle>
+        <a:effectStyle>
           <a:effectLst>
-            <a:outerShdw blurRad="40000" dist="20000" dir="5400000" rotWithShape="0">
+            <a:outerShdw blurRad="31750" dist="25400" dir="5400000" rotWithShape="0">
               <a:srgbClr val="000000">
-                <a:alpha val="38000"/>
+                <a:alpha val="50000"/>
               </a:srgbClr>
             </a:outerShdw>
           </a:effectLst>
         </a:effectStyle>
         <a:effectStyle>
           <a:effectLst>
-            <a:outerShdw blurRad="40000" dist="23000" dir="5400000" rotWithShape="0">
+            <a:outerShdw blurRad="38100" dist="25400" dir="5400000" rotWithShape="0">
               <a:srgbClr val="000000">
-                <a:alpha val="35000"/>
-              </a:srgbClr>
-            </a:outerShdw>
-          </a:effectLst>
-        </a:effectStyle>
-        <a:effectStyle>
-          <a:effectLst>
-            <a:outerShdw blurRad="40000" dist="23000" dir="5400000" rotWithShape="0">
-              <a:srgbClr val="000000">
-                <a:alpha val="35000"/>
+                <a:alpha val="45000"/>
               </a:srgbClr>
             </a:outerShdw>
           </a:effectLst>
@@ -4289,12 +6389,15 @@
             <a:camera prst="orthographicFront">
               <a:rot lat="0" lon="0" rev="0"/>
             </a:camera>
-            <a:lightRig rig="threePt" dir="t">
-              <a:rot lat="0" lon="0" rev="1200000"/>
-            </a:lightRig>
+            <a:lightRig rig="brightRoom" dir="t"/>
           </a:scene3d>
-          <a:sp3d>
-            <a:bevelT w="63500" h="25400"/>
+          <a:sp3d extrusionH="12700" contourW="25400" prstMaterial="flat">
+            <a:bevelT w="63500" h="152400" prst="angle"/>
+            <a:contourClr>
+              <a:schemeClr val="phClr">
+                <a:shade val="30000"/>
+              </a:schemeClr>
+            </a:contourClr>
           </a:sp3d>
         </a:effectStyle>
       </a:effectStyleLst>
@@ -4302,51 +6405,27 @@
         <a:solidFill>
           <a:schemeClr val="phClr"/>
         </a:solidFill>
-        <a:gradFill rotWithShape="1">
-          <a:gsLst>
-            <a:gs pos="0">
+        <a:solidFill>
+          <a:schemeClr val="phClr">
+            <a:tint val="90000"/>
+            <a:shade val="93000"/>
+            <a:satMod val="150000"/>
+          </a:schemeClr>
+        </a:solidFill>
+        <a:blipFill rotWithShape="1">
+          <a:blip xmlns:r="http://schemas.openxmlformats.org/officeDocument/2006/relationships" r:embed="rId1">
+            <a:duotone>
               <a:schemeClr val="phClr">
-                <a:tint val="40000"/>
-                <a:satMod val="350000"/>
+                <a:tint val="95000"/>
               </a:schemeClr>
-            </a:gs>
-            <a:gs pos="40000">
               <a:schemeClr val="phClr">
-                <a:tint val="45000"/>
-                <a:shade val="99000"/>
-                <a:satMod val="350000"/>
+                <a:shade val="93000"/>
+                <a:satMod val="110000"/>
               </a:schemeClr>
-            </a:gs>
-            <a:gs pos="100000">
-              <a:schemeClr val="phClr">
-                <a:shade val="20000"/>
-                <a:satMod val="255000"/>
-              </a:schemeClr>
-            </a:gs>
-          </a:gsLst>
-          <a:path path="circle">
-            <a:fillToRect l="50000" t="-80000" r="50000" b="180000"/>
-          </a:path>
-        </a:gradFill>
-        <a:gradFill rotWithShape="1">
-          <a:gsLst>
-            <a:gs pos="0">
-              <a:schemeClr val="phClr">
-                <a:tint val="80000"/>
-                <a:satMod val="300000"/>
-              </a:schemeClr>
-            </a:gs>
-            <a:gs pos="100000">
-              <a:schemeClr val="phClr">
-                <a:shade val="30000"/>
-                <a:satMod val="200000"/>
-              </a:schemeClr>
-            </a:gs>
-          </a:gsLst>
-          <a:path path="circle">
-            <a:fillToRect l="50000" t="50000" r="50000" b="50000"/>
-          </a:path>
-        </a:gradFill>
+            </a:duotone>
+          </a:blip>
+          <a:tile tx="0" ty="0" sx="100000" sy="100000" flip="none" algn="tl"/>
+        </a:blipFill>
       </a:bgFillStyleLst>
     </a:fmtScheme>
   </a:themeElements>

--- a/apresentacao.pptx
+++ b/apresentacao.pptx
@@ -2,7 +2,7 @@
 <file path=ppt/presentation.xml><?xml version="1.0" encoding="utf-8"?>
 <p:presentation xmlns:a="http://schemas.openxmlformats.org/drawingml/2006/main" xmlns:r="http://schemas.openxmlformats.org/officeDocument/2006/relationships" xmlns:p="http://schemas.openxmlformats.org/presentationml/2006/main" saveSubsetFonts="1">
   <p:sldMasterIdLst>
-    <p:sldMasterId id="2147483684" r:id="rId1"/>
+    <p:sldMasterId id="2147483696" r:id="rId1"/>
   </p:sldMasterIdLst>
   <p:notesMasterIdLst>
     <p:notesMasterId r:id="rId14"/>
@@ -203,7 +203,7 @@
           <a:p>
             <a:fld id="{DDCD5DCB-A009-4148-877C-CDF72DE77229}" type="datetimeFigureOut">
               <a:rPr lang="pt-BR" smtClean="0"/>
-              <a:t>19/06/2016</a:t>
+              <a:t>27/06/2016</a:t>
             </a:fld>
             <a:endParaRPr lang="pt-BR"/>
           </a:p>
@@ -574,35 +574,37 @@
       </p:grpSpPr>
       <p:sp>
         <p:nvSpPr>
-          <p:cNvPr id="7" name="Rectangle 6"/>
+          <p:cNvPr id="23" name="Retângulo 22"/>
           <p:cNvSpPr/>
           <p:nvPr/>
         </p:nvSpPr>
         <p:spPr>
-          <a:xfrm>
-            <a:off x="7010400" y="152399"/>
-            <a:ext cx="1981200" cy="6556248"/>
+          <a:xfrm flipV="1">
+            <a:off x="5410182" y="3810000"/>
+            <a:ext cx="3733819" cy="91087"/>
           </a:xfrm>
           <a:prstGeom prst="rect">
             <a:avLst/>
           </a:prstGeom>
           <a:solidFill>
-            <a:schemeClr val="accent1"/>
+            <a:schemeClr val="accent2">
+              <a:alpha val="100000"/>
+            </a:schemeClr>
           </a:solidFill>
-          <a:ln>
+          <a:ln w="50800" cap="rnd" cmpd="thickThin" algn="ctr">
             <a:noFill/>
+            <a:prstDash val="solid"/>
           </a:ln>
+          <a:effectLst/>
         </p:spPr>
         <p:style>
-          <a:lnRef idx="2">
-            <a:schemeClr val="accent1">
-              <a:shade val="50000"/>
-            </a:schemeClr>
+          <a:lnRef idx="3">
+            <a:schemeClr val="lt1"/>
           </a:lnRef>
           <a:fillRef idx="1">
             <a:schemeClr val="accent1"/>
           </a:fillRef>
-          <a:effectRef idx="0">
+          <a:effectRef idx="1">
             <a:schemeClr val="accent1"/>
           </a:effectRef>
           <a:fontRef idx="minor">
@@ -610,45 +612,47 @@
           </a:fontRef>
         </p:style>
         <p:txBody>
-          <a:bodyPr rtlCol="0" anchor="ctr"/>
-          <a:lstStyle/>
-          <a:p>
-            <a:pPr algn="ctr"/>
-            <a:endParaRPr lang="en-US"/>
-          </a:p>
-        </p:txBody>
-      </p:sp>
-      <p:sp>
-        <p:nvSpPr>
-          <p:cNvPr id="8" name="Rectangle 7"/>
+          <a:bodyPr anchor="ctr"/>
+          <a:lstStyle/>
+          <a:p>
+            <a:pPr algn="ctr" eaLnBrk="1" latinLnBrk="0" hangingPunct="1"/>
+            <a:endParaRPr kumimoji="0" lang="en-US"/>
+          </a:p>
+        </p:txBody>
+      </p:sp>
+      <p:sp>
+        <p:nvSpPr>
+          <p:cNvPr id="24" name="Retângulo 23"/>
           <p:cNvSpPr/>
           <p:nvPr/>
         </p:nvSpPr>
         <p:spPr>
-          <a:xfrm>
-            <a:off x="152400" y="153923"/>
-            <a:ext cx="6705600" cy="6553200"/>
+          <a:xfrm flipV="1">
+            <a:off x="5410200" y="3897010"/>
+            <a:ext cx="3733801" cy="192024"/>
           </a:xfrm>
           <a:prstGeom prst="rect">
             <a:avLst/>
           </a:prstGeom>
           <a:solidFill>
-            <a:schemeClr val="tx2"/>
+            <a:schemeClr val="accent2">
+              <a:alpha val="50000"/>
+            </a:schemeClr>
           </a:solidFill>
-          <a:ln>
+          <a:ln w="50800" cap="rnd" cmpd="thickThin" algn="ctr">
             <a:noFill/>
+            <a:prstDash val="solid"/>
           </a:ln>
+          <a:effectLst/>
         </p:spPr>
         <p:style>
-          <a:lnRef idx="2">
-            <a:schemeClr val="accent1">
-              <a:shade val="50000"/>
-            </a:schemeClr>
+          <a:lnRef idx="3">
+            <a:schemeClr val="lt1"/>
           </a:lnRef>
           <a:fillRef idx="1">
             <a:schemeClr val="accent1"/>
           </a:fillRef>
-          <a:effectRef idx="0">
+          <a:effectRef idx="1">
             <a:schemeClr val="accent1"/>
           </a:effectRef>
           <a:fontRef idx="minor">
@@ -656,182 +660,612 @@
           </a:fontRef>
         </p:style>
         <p:txBody>
-          <a:bodyPr rtlCol="0" anchor="ctr"/>
-          <a:lstStyle/>
-          <a:p>
-            <a:pPr algn="ctr"/>
-            <a:endParaRPr lang="en-US"/>
-          </a:p>
-        </p:txBody>
-      </p:sp>
-      <p:sp>
-        <p:nvSpPr>
-          <p:cNvPr id="3" name="Subtitle 2"/>
-          <p:cNvSpPr>
-            <a:spLocks noGrp="1"/>
-          </p:cNvSpPr>
-          <p:nvPr>
-            <p:ph type="subTitle" idx="1"/>
-          </p:nvPr>
+          <a:bodyPr anchor="ctr"/>
+          <a:lstStyle/>
+          <a:p>
+            <a:pPr algn="ctr" eaLnBrk="1" latinLnBrk="0" hangingPunct="1"/>
+            <a:endParaRPr kumimoji="0" lang="en-US"/>
+          </a:p>
+        </p:txBody>
+      </p:sp>
+      <p:sp>
+        <p:nvSpPr>
+          <p:cNvPr id="25" name="Retângulo 24"/>
+          <p:cNvSpPr/>
+          <p:nvPr/>
+        </p:nvSpPr>
+        <p:spPr>
+          <a:xfrm flipV="1">
+            <a:off x="5410200" y="4115167"/>
+            <a:ext cx="3733801" cy="9144"/>
+          </a:xfrm>
+          <a:prstGeom prst="rect">
+            <a:avLst/>
+          </a:prstGeom>
+          <a:solidFill>
+            <a:schemeClr val="accent2">
+              <a:alpha val="65000"/>
+            </a:schemeClr>
+          </a:solidFill>
+          <a:ln w="50800" cap="rnd" cmpd="thickThin" algn="ctr">
+            <a:noFill/>
+            <a:prstDash val="solid"/>
+          </a:ln>
+          <a:effectLst/>
+        </p:spPr>
+        <p:style>
+          <a:lnRef idx="3">
+            <a:schemeClr val="lt1"/>
+          </a:lnRef>
+          <a:fillRef idx="1">
+            <a:schemeClr val="accent1"/>
+          </a:fillRef>
+          <a:effectRef idx="1">
+            <a:schemeClr val="accent1"/>
+          </a:effectRef>
+          <a:fontRef idx="minor">
+            <a:schemeClr val="lt1"/>
+          </a:fontRef>
+        </p:style>
+        <p:txBody>
+          <a:bodyPr anchor="ctr"/>
+          <a:lstStyle/>
+          <a:p>
+            <a:pPr algn="ctr" eaLnBrk="1" latinLnBrk="0" hangingPunct="1"/>
+            <a:endParaRPr kumimoji="0" lang="en-US"/>
+          </a:p>
+        </p:txBody>
+      </p:sp>
+      <p:sp>
+        <p:nvSpPr>
+          <p:cNvPr id="26" name="Retângulo 25"/>
+          <p:cNvSpPr/>
+          <p:nvPr/>
+        </p:nvSpPr>
+        <p:spPr>
+          <a:xfrm flipV="1">
+            <a:off x="5410200" y="4164403"/>
+            <a:ext cx="1965960" cy="18288"/>
+          </a:xfrm>
+          <a:prstGeom prst="rect">
+            <a:avLst/>
+          </a:prstGeom>
+          <a:solidFill>
+            <a:schemeClr val="accent2">
+              <a:alpha val="60000"/>
+            </a:schemeClr>
+          </a:solidFill>
+          <a:ln w="50800" cap="rnd" cmpd="thickThin" algn="ctr">
+            <a:noFill/>
+            <a:prstDash val="solid"/>
+          </a:ln>
+          <a:effectLst/>
+        </p:spPr>
+        <p:style>
+          <a:lnRef idx="3">
+            <a:schemeClr val="lt1"/>
+          </a:lnRef>
+          <a:fillRef idx="1">
+            <a:schemeClr val="accent1"/>
+          </a:fillRef>
+          <a:effectRef idx="1">
+            <a:schemeClr val="accent1"/>
+          </a:effectRef>
+          <a:fontRef idx="minor">
+            <a:schemeClr val="lt1"/>
+          </a:fontRef>
+        </p:style>
+        <p:txBody>
+          <a:bodyPr anchor="ctr"/>
+          <a:lstStyle/>
+          <a:p>
+            <a:pPr algn="ctr" eaLnBrk="1" latinLnBrk="0" hangingPunct="1"/>
+            <a:endParaRPr kumimoji="0" lang="en-US"/>
+          </a:p>
+        </p:txBody>
+      </p:sp>
+      <p:sp>
+        <p:nvSpPr>
+          <p:cNvPr id="27" name="Retângulo 26"/>
+          <p:cNvSpPr/>
+          <p:nvPr/>
+        </p:nvSpPr>
+        <p:spPr>
+          <a:xfrm flipV="1">
+            <a:off x="5410200" y="4199572"/>
+            <a:ext cx="1965960" cy="9144"/>
+          </a:xfrm>
+          <a:prstGeom prst="rect">
+            <a:avLst/>
+          </a:prstGeom>
+          <a:solidFill>
+            <a:schemeClr val="accent2">
+              <a:alpha val="65000"/>
+            </a:schemeClr>
+          </a:solidFill>
+          <a:ln w="50800" cap="rnd" cmpd="thickThin" algn="ctr">
+            <a:noFill/>
+            <a:prstDash val="solid"/>
+          </a:ln>
+          <a:effectLst/>
+        </p:spPr>
+        <p:style>
+          <a:lnRef idx="3">
+            <a:schemeClr val="lt1"/>
+          </a:lnRef>
+          <a:fillRef idx="1">
+            <a:schemeClr val="accent1"/>
+          </a:fillRef>
+          <a:effectRef idx="1">
+            <a:schemeClr val="accent1"/>
+          </a:effectRef>
+          <a:fontRef idx="minor">
+            <a:schemeClr val="lt1"/>
+          </a:fontRef>
+        </p:style>
+        <p:txBody>
+          <a:bodyPr anchor="ctr"/>
+          <a:lstStyle/>
+          <a:p>
+            <a:pPr algn="ctr" eaLnBrk="1" latinLnBrk="0" hangingPunct="1"/>
+            <a:endParaRPr kumimoji="0" lang="en-US"/>
+          </a:p>
+        </p:txBody>
+      </p:sp>
+      <p:sp useBgFill="1">
+        <p:nvSpPr>
+          <p:cNvPr id="30" name="Retângulo de cantos arredondados 29"/>
+          <p:cNvSpPr/>
+          <p:nvPr/>
+        </p:nvSpPr>
+        <p:spPr bwMode="white">
+          <a:xfrm>
+            <a:off x="5410200" y="3962400"/>
+            <a:ext cx="3063240" cy="27432"/>
+          </a:xfrm>
+          <a:prstGeom prst="roundRect">
+            <a:avLst>
+              <a:gd name="adj" fmla="val 16667"/>
+            </a:avLst>
+          </a:prstGeom>
+          <a:ln w="50800" cap="rnd" cmpd="thickThin" algn="ctr">
+            <a:noFill/>
+            <a:prstDash val="solid"/>
+          </a:ln>
+          <a:effectLst/>
+        </p:spPr>
+        <p:style>
+          <a:lnRef idx="3">
+            <a:schemeClr val="lt1"/>
+          </a:lnRef>
+          <a:fillRef idx="1">
+            <a:schemeClr val="accent1"/>
+          </a:fillRef>
+          <a:effectRef idx="1">
+            <a:schemeClr val="accent1"/>
+          </a:effectRef>
+          <a:fontRef idx="minor">
+            <a:schemeClr val="lt1"/>
+          </a:fontRef>
+        </p:style>
+        <p:txBody>
+          <a:bodyPr anchor="ctr"/>
+          <a:lstStyle/>
+          <a:p>
+            <a:pPr algn="ctr" eaLnBrk="1" latinLnBrk="0" hangingPunct="1"/>
+            <a:endParaRPr kumimoji="0" lang="en-US"/>
+          </a:p>
+        </p:txBody>
+      </p:sp>
+      <p:sp useBgFill="1">
+        <p:nvSpPr>
+          <p:cNvPr id="31" name="Retângulo de cantos arredondados 30"/>
+          <p:cNvSpPr/>
+          <p:nvPr/>
+        </p:nvSpPr>
+        <p:spPr bwMode="white">
+          <a:xfrm>
+            <a:off x="7376507" y="4060983"/>
+            <a:ext cx="1600200" cy="36576"/>
+          </a:xfrm>
+          <a:prstGeom prst="roundRect">
+            <a:avLst>
+              <a:gd name="adj" fmla="val 16667"/>
+            </a:avLst>
+          </a:prstGeom>
+          <a:ln w="50800" cap="rnd" cmpd="thickThin" algn="ctr">
+            <a:noFill/>
+            <a:prstDash val="solid"/>
+          </a:ln>
+          <a:effectLst/>
+        </p:spPr>
+        <p:style>
+          <a:lnRef idx="3">
+            <a:schemeClr val="lt1"/>
+          </a:lnRef>
+          <a:fillRef idx="1">
+            <a:schemeClr val="accent1"/>
+          </a:fillRef>
+          <a:effectRef idx="1">
+            <a:schemeClr val="accent1"/>
+          </a:effectRef>
+          <a:fontRef idx="minor">
+            <a:schemeClr val="lt1"/>
+          </a:fontRef>
+        </p:style>
+        <p:txBody>
+          <a:bodyPr anchor="ctr"/>
+          <a:lstStyle/>
+          <a:p>
+            <a:pPr algn="ctr" eaLnBrk="1" latinLnBrk="0" hangingPunct="1"/>
+            <a:endParaRPr kumimoji="0" lang="en-US"/>
+          </a:p>
+        </p:txBody>
+      </p:sp>
+      <p:sp>
+        <p:nvSpPr>
+          <p:cNvPr id="7" name="Retângulo 6"/>
+          <p:cNvSpPr/>
+          <p:nvPr/>
         </p:nvSpPr>
         <p:spPr>
           <a:xfrm>
-            <a:off x="7010400" y="2052960"/>
-            <a:ext cx="1981200" cy="1828800"/>
-          </a:xfrm>
-        </p:spPr>
-        <p:txBody>
-          <a:bodyPr anchor="ctr">
-            <a:normAutofit/>
-          </a:bodyPr>
+            <a:off x="1" y="3649662"/>
+            <a:ext cx="9144000" cy="244170"/>
+          </a:xfrm>
+          <a:prstGeom prst="rect">
+            <a:avLst/>
+          </a:prstGeom>
+          <a:solidFill>
+            <a:schemeClr val="accent2">
+              <a:alpha val="50000"/>
+            </a:schemeClr>
+          </a:solidFill>
+          <a:ln w="50800" cap="rnd" cmpd="thickThin" algn="ctr">
+            <a:noFill/>
+            <a:prstDash val="solid"/>
+          </a:ln>
+          <a:effectLst/>
+        </p:spPr>
+        <p:style>
+          <a:lnRef idx="3">
+            <a:schemeClr val="lt1"/>
+          </a:lnRef>
+          <a:fillRef idx="1">
+            <a:schemeClr val="accent1"/>
+          </a:fillRef>
+          <a:effectRef idx="1">
+            <a:schemeClr val="accent1"/>
+          </a:effectRef>
+          <a:fontRef idx="minor">
+            <a:schemeClr val="lt1"/>
+          </a:fontRef>
+        </p:style>
+        <p:txBody>
+          <a:bodyPr anchor="ctr"/>
+          <a:lstStyle/>
+          <a:p>
+            <a:pPr algn="ctr" eaLnBrk="1" latinLnBrk="0" hangingPunct="1"/>
+            <a:endParaRPr kumimoji="0" lang="en-US"/>
+          </a:p>
+        </p:txBody>
+      </p:sp>
+      <p:sp>
+        <p:nvSpPr>
+          <p:cNvPr id="10" name="Retângulo 9"/>
+          <p:cNvSpPr/>
+          <p:nvPr/>
+        </p:nvSpPr>
+        <p:spPr>
+          <a:xfrm>
+            <a:off x="0" y="3675527"/>
+            <a:ext cx="9144001" cy="140677"/>
+          </a:xfrm>
+          <a:prstGeom prst="rect">
+            <a:avLst/>
+          </a:prstGeom>
+          <a:solidFill>
+            <a:schemeClr val="accent2">
+              <a:alpha val="100000"/>
+            </a:schemeClr>
+          </a:solidFill>
+          <a:ln w="50800" cap="rnd" cmpd="thickThin" algn="ctr">
+            <a:noFill/>
+            <a:prstDash val="solid"/>
+          </a:ln>
+          <a:effectLst/>
+        </p:spPr>
+        <p:style>
+          <a:lnRef idx="3">
+            <a:schemeClr val="lt1"/>
+          </a:lnRef>
+          <a:fillRef idx="1">
+            <a:schemeClr val="accent1"/>
+          </a:fillRef>
+          <a:effectRef idx="1">
+            <a:schemeClr val="accent1"/>
+          </a:effectRef>
+          <a:fontRef idx="minor">
+            <a:schemeClr val="lt1"/>
+          </a:fontRef>
+        </p:style>
+        <p:txBody>
+          <a:bodyPr anchor="ctr"/>
+          <a:lstStyle/>
+          <a:p>
+            <a:pPr algn="ctr" eaLnBrk="1" latinLnBrk="0" hangingPunct="1"/>
+            <a:endParaRPr kumimoji="0" lang="en-US"/>
+          </a:p>
+        </p:txBody>
+      </p:sp>
+      <p:sp>
+        <p:nvSpPr>
+          <p:cNvPr id="11" name="Retângulo 10"/>
+          <p:cNvSpPr/>
+          <p:nvPr/>
+        </p:nvSpPr>
+        <p:spPr>
+          <a:xfrm flipV="1">
+            <a:off x="6414051" y="3643090"/>
+            <a:ext cx="2729950" cy="248432"/>
+          </a:xfrm>
+          <a:prstGeom prst="rect">
+            <a:avLst/>
+          </a:prstGeom>
+          <a:solidFill>
+            <a:schemeClr val="accent2">
+              <a:alpha val="100000"/>
+            </a:schemeClr>
+          </a:solidFill>
+          <a:ln w="50800" cap="rnd" cmpd="thickThin" algn="ctr">
+            <a:noFill/>
+            <a:prstDash val="solid"/>
+          </a:ln>
+          <a:effectLst/>
+        </p:spPr>
+        <p:style>
+          <a:lnRef idx="3">
+            <a:schemeClr val="lt1"/>
+          </a:lnRef>
+          <a:fillRef idx="1">
+            <a:schemeClr val="accent1"/>
+          </a:fillRef>
+          <a:effectRef idx="1">
+            <a:schemeClr val="accent1"/>
+          </a:effectRef>
+          <a:fontRef idx="minor">
+            <a:schemeClr val="lt1"/>
+          </a:fontRef>
+        </p:style>
+        <p:txBody>
+          <a:bodyPr anchor="ctr"/>
+          <a:lstStyle/>
+          <a:p>
+            <a:pPr algn="ctr" eaLnBrk="1" latinLnBrk="0" hangingPunct="1"/>
+            <a:endParaRPr kumimoji="0" lang="en-US"/>
+          </a:p>
+        </p:txBody>
+      </p:sp>
+      <p:sp>
+        <p:nvSpPr>
+          <p:cNvPr id="19" name="Retângulo 18"/>
+          <p:cNvSpPr/>
+          <p:nvPr/>
+        </p:nvSpPr>
+        <p:spPr>
+          <a:xfrm>
+            <a:off x="0" y="0"/>
+            <a:ext cx="9144000" cy="3701700"/>
+          </a:xfrm>
+          <a:prstGeom prst="rect">
+            <a:avLst/>
+          </a:prstGeom>
+          <a:solidFill>
+            <a:schemeClr val="tx2">
+              <a:alpha val="100000"/>
+            </a:schemeClr>
+          </a:solidFill>
+          <a:ln w="50800" cap="rnd" cmpd="thickThin" algn="ctr">
+            <a:noFill/>
+            <a:prstDash val="solid"/>
+          </a:ln>
+          <a:effectLst/>
+        </p:spPr>
+        <p:style>
+          <a:lnRef idx="3">
+            <a:schemeClr val="lt1"/>
+          </a:lnRef>
+          <a:fillRef idx="1">
+            <a:schemeClr val="accent1"/>
+          </a:fillRef>
+          <a:effectRef idx="1">
+            <a:schemeClr val="accent1"/>
+          </a:effectRef>
+          <a:fontRef idx="minor">
+            <a:schemeClr val="lt1"/>
+          </a:fontRef>
+        </p:style>
+        <p:txBody>
+          <a:bodyPr anchor="ctr"/>
+          <a:lstStyle/>
+          <a:p>
+            <a:pPr algn="ctr" eaLnBrk="1" latinLnBrk="0" hangingPunct="1"/>
+            <a:endParaRPr kumimoji="0" lang="en-US"/>
+          </a:p>
+        </p:txBody>
+      </p:sp>
+      <p:sp>
+        <p:nvSpPr>
+          <p:cNvPr id="8" name="Título 7"/>
+          <p:cNvSpPr>
+            <a:spLocks noGrp="1"/>
+          </p:cNvSpPr>
+          <p:nvPr>
+            <p:ph type="ctrTitle"/>
+          </p:nvPr>
+        </p:nvSpPr>
+        <p:spPr>
+          <a:xfrm>
+            <a:off x="457200" y="2401887"/>
+            <a:ext cx="8458200" cy="1470025"/>
+          </a:xfrm>
+        </p:spPr>
+        <p:txBody>
+          <a:bodyPr anchor="b"/>
           <a:lstStyle>
-            <a:lvl1pPr marL="0" indent="0" algn="l">
+            <a:lvl1pPr>
+              <a:defRPr sz="4400">
+                <a:solidFill>
+                  <a:schemeClr val="bg1"/>
+                </a:solidFill>
+              </a:defRPr>
+            </a:lvl1pPr>
+          </a:lstStyle>
+          <a:p>
+            <a:r>
+              <a:rPr kumimoji="0" lang="pt-BR" smtClean="0"/>
+              <a:t>Clique para editar o título mestre</a:t>
+            </a:r>
+            <a:endParaRPr kumimoji="0" lang="en-US"/>
+          </a:p>
+        </p:txBody>
+      </p:sp>
+      <p:sp>
+        <p:nvSpPr>
+          <p:cNvPr id="9" name="Subtítulo 8"/>
+          <p:cNvSpPr>
+            <a:spLocks noGrp="1"/>
+          </p:cNvSpPr>
+          <p:nvPr>
+            <p:ph type="subTitle" idx="1"/>
+          </p:nvPr>
+        </p:nvSpPr>
+        <p:spPr>
+          <a:xfrm>
+            <a:off x="457200" y="3899938"/>
+            <a:ext cx="4953000" cy="1752600"/>
+          </a:xfrm>
+        </p:spPr>
+        <p:txBody>
+          <a:bodyPr/>
+          <a:lstStyle>
+            <a:lvl1pPr marL="64008" indent="0" algn="l">
               <a:buNone/>
-              <a:defRPr sz="1900">
+              <a:defRPr sz="2400">
                 <a:solidFill>
-                  <a:srgbClr val="FFFFFF"/>
+                  <a:schemeClr val="tx2"/>
                 </a:solidFill>
               </a:defRPr>
             </a:lvl1pPr>
             <a:lvl2pPr marL="457200" indent="0" algn="ctr">
               <a:buNone/>
-              <a:defRPr>
-                <a:solidFill>
-                  <a:schemeClr val="tx1">
-                    <a:tint val="75000"/>
-                  </a:schemeClr>
-                </a:solidFill>
-              </a:defRPr>
             </a:lvl2pPr>
             <a:lvl3pPr marL="914400" indent="0" algn="ctr">
               <a:buNone/>
-              <a:defRPr>
-                <a:solidFill>
-                  <a:schemeClr val="tx1">
-                    <a:tint val="75000"/>
-                  </a:schemeClr>
-                </a:solidFill>
-              </a:defRPr>
             </a:lvl3pPr>
             <a:lvl4pPr marL="1371600" indent="0" algn="ctr">
               <a:buNone/>
-              <a:defRPr>
-                <a:solidFill>
-                  <a:schemeClr val="tx1">
-                    <a:tint val="75000"/>
-                  </a:schemeClr>
-                </a:solidFill>
-              </a:defRPr>
             </a:lvl4pPr>
             <a:lvl5pPr marL="1828800" indent="0" algn="ctr">
               <a:buNone/>
-              <a:defRPr>
-                <a:solidFill>
-                  <a:schemeClr val="tx1">
-                    <a:tint val="75000"/>
-                  </a:schemeClr>
-                </a:solidFill>
-              </a:defRPr>
             </a:lvl5pPr>
             <a:lvl6pPr marL="2286000" indent="0" algn="ctr">
               <a:buNone/>
-              <a:defRPr>
-                <a:solidFill>
-                  <a:schemeClr val="tx1">
-                    <a:tint val="75000"/>
-                  </a:schemeClr>
-                </a:solidFill>
-              </a:defRPr>
             </a:lvl6pPr>
             <a:lvl7pPr marL="2743200" indent="0" algn="ctr">
               <a:buNone/>
-              <a:defRPr>
-                <a:solidFill>
-                  <a:schemeClr val="tx1">
-                    <a:tint val="75000"/>
-                  </a:schemeClr>
-                </a:solidFill>
-              </a:defRPr>
             </a:lvl7pPr>
             <a:lvl8pPr marL="3200400" indent="0" algn="ctr">
               <a:buNone/>
-              <a:defRPr>
-                <a:solidFill>
-                  <a:schemeClr val="tx1">
-                    <a:tint val="75000"/>
-                  </a:schemeClr>
-                </a:solidFill>
-              </a:defRPr>
             </a:lvl8pPr>
             <a:lvl9pPr marL="3657600" indent="0" algn="ctr">
               <a:buNone/>
-              <a:defRPr>
-                <a:solidFill>
-                  <a:schemeClr val="tx1">
-                    <a:tint val="75000"/>
-                  </a:schemeClr>
-                </a:solidFill>
-              </a:defRPr>
             </a:lvl9pPr>
           </a:lstStyle>
           <a:p>
             <a:r>
+              <a:rPr kumimoji="0" lang="pt-BR" smtClean="0"/>
+              <a:t>Clique para editar o estilo do subtítulo mestre</a:t>
+            </a:r>
+            <a:endParaRPr kumimoji="0" lang="en-US"/>
+          </a:p>
+        </p:txBody>
+      </p:sp>
+      <p:sp>
+        <p:nvSpPr>
+          <p:cNvPr id="28" name="Espaço Reservado para Data 27"/>
+          <p:cNvSpPr>
+            <a:spLocks noGrp="1"/>
+          </p:cNvSpPr>
+          <p:nvPr>
+            <p:ph type="dt" sz="half" idx="10"/>
+          </p:nvPr>
+        </p:nvSpPr>
+        <p:spPr>
+          <a:xfrm>
+            <a:off x="6705600" y="4206240"/>
+            <a:ext cx="960120" cy="457200"/>
+          </a:xfrm>
+        </p:spPr>
+        <p:txBody>
+          <a:bodyPr/>
+          <a:lstStyle/>
+          <a:p>
+            <a:fld id="{2E700DB3-DBF0-4086-B675-117E7A9610B8}" type="datetimeFigureOut">
               <a:rPr lang="pt-BR" smtClean="0"/>
-              <a:t>Clique para editar o estilo do subtítulo mestre</a:t>
-            </a:r>
-            <a:endParaRPr lang="en-US" dirty="0"/>
-          </a:p>
-        </p:txBody>
-      </p:sp>
-      <p:sp>
-        <p:nvSpPr>
-          <p:cNvPr id="10" name="Date Placeholder 9"/>
-          <p:cNvSpPr>
-            <a:spLocks noGrp="1"/>
-          </p:cNvSpPr>
-          <p:nvPr>
-            <p:ph type="dt" sz="half" idx="10"/>
-          </p:nvPr>
-        </p:nvSpPr>
-        <p:spPr/>
+              <a:t>27/06/2016</a:t>
+            </a:fld>
+            <a:endParaRPr lang="pt-BR"/>
+          </a:p>
+        </p:txBody>
+      </p:sp>
+      <p:sp>
+        <p:nvSpPr>
+          <p:cNvPr id="17" name="Espaço Reservado para Rodapé 16"/>
+          <p:cNvSpPr>
+            <a:spLocks noGrp="1"/>
+          </p:cNvSpPr>
+          <p:nvPr>
+            <p:ph type="ftr" sz="quarter" idx="11"/>
+          </p:nvPr>
+        </p:nvSpPr>
+        <p:spPr>
+          <a:xfrm>
+            <a:off x="5410200" y="4205288"/>
+            <a:ext cx="1295400" cy="457200"/>
+          </a:xfrm>
+        </p:spPr>
+        <p:txBody>
+          <a:bodyPr/>
+          <a:lstStyle/>
+          <a:p>
+            <a:endParaRPr lang="pt-BR"/>
+          </a:p>
+        </p:txBody>
+      </p:sp>
+      <p:sp>
+        <p:nvSpPr>
+          <p:cNvPr id="29" name="Espaço Reservado para Número de Slide 28"/>
+          <p:cNvSpPr>
+            <a:spLocks noGrp="1"/>
+          </p:cNvSpPr>
+          <p:nvPr>
+            <p:ph type="sldNum" sz="quarter" idx="12"/>
+          </p:nvPr>
+        </p:nvSpPr>
+        <p:spPr>
+          <a:xfrm>
+            <a:off x="8320088" y="1136"/>
+            <a:ext cx="747712" cy="365760"/>
+          </a:xfrm>
+        </p:spPr>
         <p:txBody>
           <a:bodyPr/>
           <a:lstStyle>
-            <a:lvl1pPr>
-              <a:defRPr>
+            <a:lvl1pPr algn="r">
+              <a:defRPr sz="1800">
                 <a:solidFill>
-                  <a:schemeClr val="bg2"/>
-                </a:solidFill>
-              </a:defRPr>
-            </a:lvl1pPr>
-          </a:lstStyle>
-          <a:p>
-            <a:fld id="{2E700DB3-DBF0-4086-B675-117E7A9610B8}" type="datetimeFigureOut">
-              <a:rPr lang="pt-BR" smtClean="0"/>
-              <a:t>19/06/2016</a:t>
-            </a:fld>
-            <a:endParaRPr lang="pt-BR"/>
-          </a:p>
-        </p:txBody>
-      </p:sp>
-      <p:sp>
-        <p:nvSpPr>
-          <p:cNvPr id="11" name="Slide Number Placeholder 10"/>
-          <p:cNvSpPr>
-            <a:spLocks noGrp="1"/>
-          </p:cNvSpPr>
-          <p:nvPr>
-            <p:ph type="sldNum" sz="quarter" idx="11"/>
-          </p:nvPr>
-        </p:nvSpPr>
-        <p:spPr/>
-        <p:txBody>
-          <a:bodyPr/>
-          <a:lstStyle>
-            <a:lvl1pPr>
-              <a:defRPr>
-                <a:solidFill>
-                  <a:srgbClr val="FFFFFF"/>
+                  <a:schemeClr val="bg1"/>
                 </a:solidFill>
               </a:defRPr>
             </a:lvl1pPr>
@@ -842,65 +1276,6 @@
               <a:t>‹nº›</a:t>
             </a:fld>
             <a:endParaRPr lang="pt-BR"/>
-          </a:p>
-        </p:txBody>
-      </p:sp>
-      <p:sp>
-        <p:nvSpPr>
-          <p:cNvPr id="12" name="Footer Placeholder 11"/>
-          <p:cNvSpPr>
-            <a:spLocks noGrp="1"/>
-          </p:cNvSpPr>
-          <p:nvPr>
-            <p:ph type="ftr" sz="quarter" idx="12"/>
-          </p:nvPr>
-        </p:nvSpPr>
-        <p:spPr/>
-        <p:txBody>
-          <a:bodyPr/>
-          <a:lstStyle>
-            <a:lvl1pPr>
-              <a:defRPr>
-                <a:solidFill>
-                  <a:schemeClr val="bg2"/>
-                </a:solidFill>
-              </a:defRPr>
-            </a:lvl1pPr>
-          </a:lstStyle>
-          <a:p>
-            <a:endParaRPr lang="pt-BR"/>
-          </a:p>
-        </p:txBody>
-      </p:sp>
-      <p:sp>
-        <p:nvSpPr>
-          <p:cNvPr id="13" name="Title 12"/>
-          <p:cNvSpPr>
-            <a:spLocks noGrp="1"/>
-          </p:cNvSpPr>
-          <p:nvPr>
-            <p:ph type="title"/>
-          </p:nvPr>
-        </p:nvSpPr>
-        <p:spPr>
-          <a:xfrm>
-            <a:off x="457200" y="2052960"/>
-            <a:ext cx="6324600" cy="1828800"/>
-          </a:xfrm>
-        </p:spPr>
-        <p:txBody>
-          <a:bodyPr/>
-          <a:lstStyle>
-            <a:lvl1pPr algn="r">
-              <a:defRPr sz="4200" spc="150" baseline="0"/>
-            </a:lvl1pPr>
-          </a:lstStyle>
-          <a:p>
-            <a:r>
-              <a:rPr lang="pt-BR" smtClean="0"/>
-              <a:t>Clique para editar o título mestre</a:t>
-            </a:r>
-            <a:endParaRPr lang="en-US" dirty="0"/>
           </a:p>
         </p:txBody>
       </p:sp>
@@ -931,7 +1306,7 @@
       </p:grpSpPr>
       <p:sp>
         <p:nvSpPr>
-          <p:cNvPr id="2" name="Title 1"/>
+          <p:cNvPr id="2" name="Título 1"/>
           <p:cNvSpPr>
             <a:spLocks noGrp="1"/>
           </p:cNvSpPr>
@@ -945,16 +1320,16 @@
           <a:lstStyle/>
           <a:p>
             <a:r>
-              <a:rPr lang="pt-BR" smtClean="0"/>
+              <a:rPr kumimoji="0" lang="pt-BR" smtClean="0"/>
               <a:t>Clique para editar o título mestre</a:t>
             </a:r>
-            <a:endParaRPr lang="en-US"/>
-          </a:p>
-        </p:txBody>
-      </p:sp>
-      <p:sp>
-        <p:nvSpPr>
-          <p:cNvPr id="3" name="Vertical Text Placeholder 2"/>
+            <a:endParaRPr kumimoji="0" lang="en-US"/>
+          </a:p>
+        </p:txBody>
+      </p:sp>
+      <p:sp>
+        <p:nvSpPr>
+          <p:cNvPr id="3" name="Espaço Reservado para Texto Vertical 2"/>
           <p:cNvSpPr>
             <a:spLocks noGrp="1"/>
           </p:cNvSpPr>
@@ -967,46 +1342,46 @@
           <a:bodyPr vert="eaVert"/>
           <a:lstStyle/>
           <a:p>
-            <a:pPr lvl="0"/>
+            <a:pPr lvl="0" eaLnBrk="1" latinLnBrk="0" hangingPunct="1"/>
             <a:r>
               <a:rPr lang="pt-BR" smtClean="0"/>
               <a:t>Clique para editar o texto mestre</a:t>
             </a:r>
           </a:p>
           <a:p>
-            <a:pPr lvl="1"/>
+            <a:pPr lvl="1" eaLnBrk="1" latinLnBrk="0" hangingPunct="1"/>
             <a:r>
               <a:rPr lang="pt-BR" smtClean="0"/>
               <a:t>Segundo nível</a:t>
             </a:r>
           </a:p>
           <a:p>
-            <a:pPr lvl="2"/>
+            <a:pPr lvl="2" eaLnBrk="1" latinLnBrk="0" hangingPunct="1"/>
             <a:r>
               <a:rPr lang="pt-BR" smtClean="0"/>
               <a:t>Terceiro nível</a:t>
             </a:r>
           </a:p>
           <a:p>
-            <a:pPr lvl="3"/>
+            <a:pPr lvl="3" eaLnBrk="1" latinLnBrk="0" hangingPunct="1"/>
             <a:r>
               <a:rPr lang="pt-BR" smtClean="0"/>
               <a:t>Quarto nível</a:t>
             </a:r>
           </a:p>
           <a:p>
-            <a:pPr lvl="4"/>
+            <a:pPr lvl="4" eaLnBrk="1" latinLnBrk="0" hangingPunct="1"/>
             <a:r>
               <a:rPr lang="pt-BR" smtClean="0"/>
               <a:t>Quinto nível</a:t>
             </a:r>
-            <a:endParaRPr lang="en-US"/>
-          </a:p>
-        </p:txBody>
-      </p:sp>
-      <p:sp>
-        <p:nvSpPr>
-          <p:cNvPr id="4" name="Date Placeholder 3"/>
+            <a:endParaRPr kumimoji="0" lang="en-US"/>
+          </a:p>
+        </p:txBody>
+      </p:sp>
+      <p:sp>
+        <p:nvSpPr>
+          <p:cNvPr id="4" name="Espaço Reservado para Data 3"/>
           <p:cNvSpPr>
             <a:spLocks noGrp="1"/>
           </p:cNvSpPr>
@@ -1021,7 +1396,7 @@
           <a:p>
             <a:fld id="{2E700DB3-DBF0-4086-B675-117E7A9610B8}" type="datetimeFigureOut">
               <a:rPr lang="pt-BR" smtClean="0"/>
-              <a:t>19/06/2016</a:t>
+              <a:t>27/06/2016</a:t>
             </a:fld>
             <a:endParaRPr lang="pt-BR"/>
           </a:p>
@@ -1029,7 +1404,7 @@
       </p:sp>
       <p:sp>
         <p:nvSpPr>
-          <p:cNvPr id="5" name="Footer Placeholder 4"/>
+          <p:cNvPr id="5" name="Espaço Reservado para Rodapé 4"/>
           <p:cNvSpPr>
             <a:spLocks noGrp="1"/>
           </p:cNvSpPr>
@@ -1048,7 +1423,7 @@
       </p:sp>
       <p:sp>
         <p:nvSpPr>
-          <p:cNvPr id="6" name="Slide Number Placeholder 5"/>
+          <p:cNvPr id="6" name="Espaço Reservado para Número de Slide 5"/>
           <p:cNvSpPr>
             <a:spLocks noGrp="1"/>
           </p:cNvSpPr>
@@ -1078,7 +1453,7 @@
 </file>
 
 <file path=ppt/slideLayouts/slideLayout11.xml><?xml version="1.0" encoding="utf-8"?>
-<p:sldLayout xmlns:a="http://schemas.openxmlformats.org/drawingml/2006/main" xmlns:r="http://schemas.openxmlformats.org/officeDocument/2006/relationships" xmlns:p="http://schemas.openxmlformats.org/presentationml/2006/main" showMasterSp="0" type="vertTitleAndTx" preserve="1">
+<p:sldLayout xmlns:a="http://schemas.openxmlformats.org/drawingml/2006/main" xmlns:r="http://schemas.openxmlformats.org/officeDocument/2006/relationships" xmlns:p="http://schemas.openxmlformats.org/presentationml/2006/main" type="vertTitleAndTx" preserve="1">
   <p:cSld name="Título e texto verticais">
     <p:spTree>
       <p:nvGrpSpPr>
@@ -1096,184 +1471,92 @@
       </p:grpSpPr>
       <p:sp>
         <p:nvSpPr>
-          <p:cNvPr id="7" name="Rectangle 6"/>
-          <p:cNvSpPr/>
-          <p:nvPr/>
+          <p:cNvPr id="2" name="Título Vertical 1"/>
+          <p:cNvSpPr>
+            <a:spLocks noGrp="1"/>
+          </p:cNvSpPr>
+          <p:nvPr>
+            <p:ph type="title" orient="vert"/>
+          </p:nvPr>
         </p:nvSpPr>
         <p:spPr>
           <a:xfrm>
-            <a:off x="152400" y="147319"/>
-            <a:ext cx="6705600" cy="6556248"/>
-          </a:xfrm>
-          <a:prstGeom prst="rect">
-            <a:avLst/>
-          </a:prstGeom>
-          <a:solidFill>
-            <a:schemeClr val="bg2"/>
-          </a:solidFill>
-          <a:ln>
-            <a:noFill/>
-          </a:ln>
-        </p:spPr>
-        <p:style>
-          <a:lnRef idx="2">
-            <a:schemeClr val="accent1">
-              <a:shade val="50000"/>
-            </a:schemeClr>
-          </a:lnRef>
-          <a:fillRef idx="1">
-            <a:schemeClr val="accent1"/>
-          </a:fillRef>
-          <a:effectRef idx="0">
-            <a:schemeClr val="accent1"/>
-          </a:effectRef>
-          <a:fontRef idx="minor">
-            <a:schemeClr val="lt1"/>
-          </a:fontRef>
-        </p:style>
-        <p:txBody>
-          <a:bodyPr rtlCol="0" anchor="ctr"/>
-          <a:lstStyle/>
-          <a:p>
-            <a:pPr algn="ctr"/>
-            <a:endParaRPr lang="en-US"/>
-          </a:p>
-        </p:txBody>
-      </p:sp>
-      <p:sp>
-        <p:nvSpPr>
-          <p:cNvPr id="8" name="Rectangle 7"/>
-          <p:cNvSpPr/>
-          <p:nvPr/>
+            <a:off x="6781800" y="1143000"/>
+            <a:ext cx="1905000" cy="5486400"/>
+          </a:xfrm>
+        </p:spPr>
+        <p:txBody>
+          <a:bodyPr vert="eaVert"/>
+          <a:lstStyle/>
+          <a:p>
+            <a:r>
+              <a:rPr kumimoji="0" lang="pt-BR" smtClean="0"/>
+              <a:t>Clique para editar o título mestre</a:t>
+            </a:r>
+            <a:endParaRPr kumimoji="0" lang="en-US"/>
+          </a:p>
+        </p:txBody>
+      </p:sp>
+      <p:sp>
+        <p:nvSpPr>
+          <p:cNvPr id="3" name="Espaço Reservado para Texto Vertical 2"/>
+          <p:cNvSpPr>
+            <a:spLocks noGrp="1"/>
+          </p:cNvSpPr>
+          <p:nvPr>
+            <p:ph type="body" orient="vert" idx="1"/>
+          </p:nvPr>
         </p:nvSpPr>
         <p:spPr>
           <a:xfrm>
-            <a:off x="7010400" y="147319"/>
-            <a:ext cx="1956046" cy="6556248"/>
-          </a:xfrm>
-          <a:prstGeom prst="rect">
-            <a:avLst/>
-          </a:prstGeom>
-          <a:solidFill>
-            <a:schemeClr val="tx2"/>
-          </a:solidFill>
-          <a:ln>
-            <a:noFill/>
-          </a:ln>
-        </p:spPr>
-        <p:style>
-          <a:lnRef idx="2">
-            <a:schemeClr val="accent1">
-              <a:shade val="50000"/>
-            </a:schemeClr>
-          </a:lnRef>
-          <a:fillRef idx="1">
-            <a:schemeClr val="accent1"/>
-          </a:fillRef>
-          <a:effectRef idx="0">
-            <a:schemeClr val="accent1"/>
-          </a:effectRef>
-          <a:fontRef idx="minor">
-            <a:schemeClr val="lt1"/>
-          </a:fontRef>
-        </p:style>
-        <p:txBody>
-          <a:bodyPr rtlCol="0" anchor="ctr"/>
-          <a:lstStyle/>
-          <a:p>
-            <a:pPr algn="ctr"/>
-            <a:endParaRPr lang="en-US"/>
-          </a:p>
-        </p:txBody>
-      </p:sp>
-      <p:sp>
-        <p:nvSpPr>
-          <p:cNvPr id="2" name="Vertical Title 1"/>
-          <p:cNvSpPr>
-            <a:spLocks noGrp="1"/>
-          </p:cNvSpPr>
-          <p:nvPr>
-            <p:ph type="title" orient="vert"/>
-          </p:nvPr>
-        </p:nvSpPr>
-        <p:spPr>
-          <a:xfrm>
-            <a:off x="7162800" y="274638"/>
-            <a:ext cx="1676400" cy="5851525"/>
+            <a:off x="457200" y="1143000"/>
+            <a:ext cx="6248400" cy="5486400"/>
           </a:xfrm>
         </p:spPr>
         <p:txBody>
           <a:bodyPr vert="eaVert"/>
           <a:lstStyle/>
           <a:p>
-            <a:r>
-              <a:rPr lang="pt-BR" smtClean="0"/>
-              <a:t>Clique para editar o título mestre</a:t>
-            </a:r>
-            <a:endParaRPr lang="en-US" dirty="0"/>
-          </a:p>
-        </p:txBody>
-      </p:sp>
-      <p:sp>
-        <p:nvSpPr>
-          <p:cNvPr id="3" name="Vertical Text Placeholder 2"/>
-          <p:cNvSpPr>
-            <a:spLocks noGrp="1"/>
-          </p:cNvSpPr>
-          <p:nvPr>
-            <p:ph type="body" orient="vert" idx="1"/>
-          </p:nvPr>
-        </p:nvSpPr>
-        <p:spPr>
-          <a:xfrm>
-            <a:off x="457200" y="274638"/>
-            <a:ext cx="6019800" cy="5851525"/>
-          </a:xfrm>
-        </p:spPr>
-        <p:txBody>
-          <a:bodyPr vert="eaVert"/>
-          <a:lstStyle/>
-          <a:p>
-            <a:pPr lvl="0"/>
+            <a:pPr lvl="0" eaLnBrk="1" latinLnBrk="0" hangingPunct="1"/>
             <a:r>
               <a:rPr lang="pt-BR" smtClean="0"/>
               <a:t>Clique para editar o texto mestre</a:t>
             </a:r>
           </a:p>
           <a:p>
-            <a:pPr lvl="1"/>
+            <a:pPr lvl="1" eaLnBrk="1" latinLnBrk="0" hangingPunct="1"/>
             <a:r>
               <a:rPr lang="pt-BR" smtClean="0"/>
               <a:t>Segundo nível</a:t>
             </a:r>
           </a:p>
           <a:p>
-            <a:pPr lvl="2"/>
+            <a:pPr lvl="2" eaLnBrk="1" latinLnBrk="0" hangingPunct="1"/>
             <a:r>
               <a:rPr lang="pt-BR" smtClean="0"/>
               <a:t>Terceiro nível</a:t>
             </a:r>
           </a:p>
           <a:p>
-            <a:pPr lvl="3"/>
+            <a:pPr lvl="3" eaLnBrk="1" latinLnBrk="0" hangingPunct="1"/>
             <a:r>
               <a:rPr lang="pt-BR" smtClean="0"/>
               <a:t>Quarto nível</a:t>
             </a:r>
           </a:p>
           <a:p>
-            <a:pPr lvl="4"/>
+            <a:pPr lvl="4" eaLnBrk="1" latinLnBrk="0" hangingPunct="1"/>
             <a:r>
               <a:rPr lang="pt-BR" smtClean="0"/>
               <a:t>Quinto nível</a:t>
             </a:r>
-            <a:endParaRPr lang="en-US" dirty="0"/>
-          </a:p>
-        </p:txBody>
-      </p:sp>
-      <p:sp>
-        <p:nvSpPr>
-          <p:cNvPr id="4" name="Date Placeholder 3"/>
+            <a:endParaRPr kumimoji="0" lang="en-US"/>
+          </a:p>
+        </p:txBody>
+      </p:sp>
+      <p:sp>
+        <p:nvSpPr>
+          <p:cNvPr id="4" name="Espaço Reservado para Data 3"/>
           <p:cNvSpPr>
             <a:spLocks noGrp="1"/>
           </p:cNvSpPr>
@@ -1288,7 +1571,7 @@
           <a:p>
             <a:fld id="{2E700DB3-DBF0-4086-B675-117E7A9610B8}" type="datetimeFigureOut">
               <a:rPr lang="pt-BR" smtClean="0"/>
-              <a:t>19/06/2016</a:t>
+              <a:t>27/06/2016</a:t>
             </a:fld>
             <a:endParaRPr lang="pt-BR"/>
           </a:p>
@@ -1296,7 +1579,7 @@
       </p:sp>
       <p:sp>
         <p:nvSpPr>
-          <p:cNvPr id="5" name="Footer Placeholder 4"/>
+          <p:cNvPr id="5" name="Espaço Reservado para Rodapé 4"/>
           <p:cNvSpPr>
             <a:spLocks noGrp="1"/>
           </p:cNvSpPr>
@@ -1315,7 +1598,7 @@
       </p:sp>
       <p:sp>
         <p:nvSpPr>
-          <p:cNvPr id="6" name="Slide Number Placeholder 5"/>
+          <p:cNvPr id="6" name="Espaço Reservado para Número de Slide 5"/>
           <p:cNvSpPr>
             <a:spLocks noGrp="1"/>
           </p:cNvSpPr>
@@ -1326,15 +1609,7 @@
         <p:spPr/>
         <p:txBody>
           <a:bodyPr/>
-          <a:lstStyle>
-            <a:lvl1pPr>
-              <a:defRPr>
-                <a:solidFill>
-                  <a:schemeClr val="bg2"/>
-                </a:solidFill>
-              </a:defRPr>
-            </a:lvl1pPr>
-          </a:lstStyle>
+          <a:lstStyle/>
           <a:p>
             <a:fld id="{2119D8CF-8DEC-4D9F-84EE-ADF04DFF3391}" type="slidenum">
               <a:rPr lang="pt-BR" smtClean="0"/>
@@ -1371,7 +1646,30 @@
       </p:grpSpPr>
       <p:sp>
         <p:nvSpPr>
-          <p:cNvPr id="3" name="Content Placeholder 2"/>
+          <p:cNvPr id="2" name="Título 1"/>
+          <p:cNvSpPr>
+            <a:spLocks noGrp="1"/>
+          </p:cNvSpPr>
+          <p:nvPr>
+            <p:ph type="title"/>
+          </p:nvPr>
+        </p:nvSpPr>
+        <p:spPr/>
+        <p:txBody>
+          <a:bodyPr/>
+          <a:lstStyle/>
+          <a:p>
+            <a:r>
+              <a:rPr kumimoji="0" lang="pt-BR" smtClean="0"/>
+              <a:t>Clique para editar o título mestre</a:t>
+            </a:r>
+            <a:endParaRPr kumimoji="0" lang="en-US"/>
+          </a:p>
+        </p:txBody>
+      </p:sp>
+      <p:sp>
+        <p:nvSpPr>
+          <p:cNvPr id="3" name="Espaço Reservado para Conteúdo 2"/>
           <p:cNvSpPr>
             <a:spLocks noGrp="1"/>
           </p:cNvSpPr>
@@ -1384,46 +1682,46 @@
           <a:bodyPr/>
           <a:lstStyle/>
           <a:p>
-            <a:pPr lvl="0"/>
+            <a:pPr lvl="0" eaLnBrk="1" latinLnBrk="0" hangingPunct="1"/>
             <a:r>
               <a:rPr lang="pt-BR" smtClean="0"/>
               <a:t>Clique para editar o texto mestre</a:t>
             </a:r>
           </a:p>
           <a:p>
-            <a:pPr lvl="1"/>
+            <a:pPr lvl="1" eaLnBrk="1" latinLnBrk="0" hangingPunct="1"/>
             <a:r>
               <a:rPr lang="pt-BR" smtClean="0"/>
               <a:t>Segundo nível</a:t>
             </a:r>
           </a:p>
           <a:p>
-            <a:pPr lvl="2"/>
+            <a:pPr lvl="2" eaLnBrk="1" latinLnBrk="0" hangingPunct="1"/>
             <a:r>
               <a:rPr lang="pt-BR" smtClean="0"/>
               <a:t>Terceiro nível</a:t>
             </a:r>
           </a:p>
           <a:p>
-            <a:pPr lvl="3"/>
+            <a:pPr lvl="3" eaLnBrk="1" latinLnBrk="0" hangingPunct="1"/>
             <a:r>
               <a:rPr lang="pt-BR" smtClean="0"/>
               <a:t>Quarto nível</a:t>
             </a:r>
           </a:p>
           <a:p>
-            <a:pPr lvl="4"/>
+            <a:pPr lvl="4" eaLnBrk="1" latinLnBrk="0" hangingPunct="1"/>
             <a:r>
               <a:rPr lang="pt-BR" smtClean="0"/>
               <a:t>Quinto nível</a:t>
             </a:r>
-            <a:endParaRPr lang="en-US" dirty="0"/>
-          </a:p>
-        </p:txBody>
-      </p:sp>
-      <p:sp>
-        <p:nvSpPr>
-          <p:cNvPr id="4" name="Date Placeholder 3"/>
+            <a:endParaRPr kumimoji="0" lang="en-US"/>
+          </a:p>
+        </p:txBody>
+      </p:sp>
+      <p:sp>
+        <p:nvSpPr>
+          <p:cNvPr id="4" name="Espaço Reservado para Data 3"/>
           <p:cNvSpPr>
             <a:spLocks noGrp="1"/>
           </p:cNvSpPr>
@@ -1438,7 +1736,7 @@
           <a:p>
             <a:fld id="{2E700DB3-DBF0-4086-B675-117E7A9610B8}" type="datetimeFigureOut">
               <a:rPr lang="pt-BR" smtClean="0"/>
-              <a:t>19/06/2016</a:t>
+              <a:t>27/06/2016</a:t>
             </a:fld>
             <a:endParaRPr lang="pt-BR"/>
           </a:p>
@@ -1446,7 +1744,7 @@
       </p:sp>
       <p:sp>
         <p:nvSpPr>
-          <p:cNvPr id="5" name="Footer Placeholder 4"/>
+          <p:cNvPr id="5" name="Espaço Reservado para Rodapé 4"/>
           <p:cNvSpPr>
             <a:spLocks noGrp="1"/>
           </p:cNvSpPr>
@@ -1465,7 +1763,7 @@
       </p:sp>
       <p:sp>
         <p:nvSpPr>
-          <p:cNvPr id="6" name="Slide Number Placeholder 5"/>
+          <p:cNvPr id="6" name="Espaço Reservado para Número de Slide 5"/>
           <p:cNvSpPr>
             <a:spLocks noGrp="1"/>
           </p:cNvSpPr>
@@ -1483,29 +1781,6 @@
               <a:t>‹nº›</a:t>
             </a:fld>
             <a:endParaRPr lang="pt-BR"/>
-          </a:p>
-        </p:txBody>
-      </p:sp>
-      <p:sp>
-        <p:nvSpPr>
-          <p:cNvPr id="7" name="Title 6"/>
-          <p:cNvSpPr>
-            <a:spLocks noGrp="1"/>
-          </p:cNvSpPr>
-          <p:nvPr>
-            <p:ph type="title"/>
-          </p:nvPr>
-        </p:nvSpPr>
-        <p:spPr/>
-        <p:txBody>
-          <a:bodyPr/>
-          <a:lstStyle/>
-          <a:p>
-            <a:r>
-              <a:rPr lang="pt-BR" smtClean="0"/>
-              <a:t>Clique para editar o título mestre</a:t>
-            </a:r>
-            <a:endParaRPr lang="en-US"/>
           </a:p>
         </p:txBody>
       </p:sp>
@@ -1518,7 +1793,7 @@
 </file>
 
 <file path=ppt/slideLayouts/slideLayout3.xml><?xml version="1.0" encoding="utf-8"?>
-<p:sldLayout xmlns:a="http://schemas.openxmlformats.org/drawingml/2006/main" xmlns:r="http://schemas.openxmlformats.org/officeDocument/2006/relationships" xmlns:p="http://schemas.openxmlformats.org/presentationml/2006/main" showMasterSp="0" type="secHead" preserve="1">
+<p:sldLayout xmlns:a="http://schemas.openxmlformats.org/drawingml/2006/main" xmlns:r="http://schemas.openxmlformats.org/officeDocument/2006/relationships" xmlns:p="http://schemas.openxmlformats.org/presentationml/2006/main" type="secHead" preserve="1">
   <p:cSld name="Cabeçalho da Seção">
     <p:spTree>
       <p:nvGrpSpPr>
@@ -1536,124 +1811,86 @@
       </p:grpSpPr>
       <p:sp>
         <p:nvSpPr>
-          <p:cNvPr id="7" name="Rectangle 6"/>
-          <p:cNvSpPr/>
-          <p:nvPr/>
+          <p:cNvPr id="2" name="Título 1"/>
+          <p:cNvSpPr>
+            <a:spLocks noGrp="1"/>
+          </p:cNvSpPr>
+          <p:nvPr>
+            <p:ph type="title"/>
+          </p:nvPr>
         </p:nvSpPr>
         <p:spPr>
           <a:xfrm>
-            <a:off x="7010400" y="152399"/>
-            <a:ext cx="1981200" cy="6556248"/>
-          </a:xfrm>
-          <a:prstGeom prst="rect">
-            <a:avLst/>
-          </a:prstGeom>
-          <a:solidFill>
-            <a:schemeClr val="tx2"/>
-          </a:solidFill>
-          <a:ln>
-            <a:noFill/>
-          </a:ln>
-        </p:spPr>
-        <p:style>
-          <a:lnRef idx="2">
-            <a:schemeClr val="accent1">
-              <a:shade val="50000"/>
-            </a:schemeClr>
-          </a:lnRef>
-          <a:fillRef idx="1">
-            <a:schemeClr val="accent1"/>
-          </a:fillRef>
-          <a:effectRef idx="0">
-            <a:schemeClr val="accent1"/>
-          </a:effectRef>
-          <a:fontRef idx="minor">
-            <a:schemeClr val="lt1"/>
-          </a:fontRef>
-        </p:style>
-        <p:txBody>
-          <a:bodyPr rtlCol="0" anchor="ctr"/>
-          <a:lstStyle/>
-          <a:p>
-            <a:pPr algn="ctr"/>
-            <a:endParaRPr lang="en-US"/>
-          </a:p>
-        </p:txBody>
-      </p:sp>
-      <p:sp>
-        <p:nvSpPr>
-          <p:cNvPr id="8" name="Rectangle 7"/>
-          <p:cNvSpPr/>
-          <p:nvPr/>
+            <a:off x="722313" y="1981200"/>
+            <a:ext cx="7772400" cy="1362075"/>
+          </a:xfrm>
+        </p:spPr>
+        <p:txBody>
+          <a:bodyPr anchor="b">
+            <a:noAutofit/>
+          </a:bodyPr>
+          <a:lstStyle>
+            <a:lvl1pPr algn="l">
+              <a:buNone/>
+              <a:defRPr sz="4300" b="1" cap="none" baseline="0">
+                <a:ln w="12700">
+                  <a:solidFill>
+                    <a:schemeClr val="accent2">
+                      <a:shade val="90000"/>
+                      <a:satMod val="150000"/>
+                    </a:schemeClr>
+                  </a:solidFill>
+                </a:ln>
+                <a:solidFill>
+                  <a:srgbClr val="FFFFFF"/>
+                </a:solidFill>
+                <a:effectLst>
+                  <a:outerShdw blurRad="38100" dist="38100" dir="5400000" algn="tl" rotWithShape="0">
+                    <a:srgbClr val="000000">
+                      <a:alpha val="25000"/>
+                    </a:srgbClr>
+                  </a:outerShdw>
+                </a:effectLst>
+              </a:defRPr>
+            </a:lvl1pPr>
+          </a:lstStyle>
+          <a:p>
+            <a:r>
+              <a:rPr kumimoji="0" lang="pt-BR" smtClean="0"/>
+              <a:t>Clique para editar o título mestre</a:t>
+            </a:r>
+            <a:endParaRPr kumimoji="0" lang="en-US"/>
+          </a:p>
+        </p:txBody>
+      </p:sp>
+      <p:sp>
+        <p:nvSpPr>
+          <p:cNvPr id="3" name="Espaço Reservado para Texto 2"/>
+          <p:cNvSpPr>
+            <a:spLocks noGrp="1"/>
+          </p:cNvSpPr>
+          <p:nvPr>
+            <p:ph type="body" idx="1"/>
+          </p:nvPr>
         </p:nvSpPr>
         <p:spPr>
           <a:xfrm>
-            <a:off x="152400" y="153923"/>
-            <a:ext cx="6705600" cy="6553200"/>
-          </a:xfrm>
-          <a:prstGeom prst="rect">
-            <a:avLst/>
-          </a:prstGeom>
-          <a:solidFill>
-            <a:schemeClr val="accent1"/>
-          </a:solidFill>
-          <a:ln>
-            <a:noFill/>
-          </a:ln>
-        </p:spPr>
-        <p:style>
-          <a:lnRef idx="2">
-            <a:schemeClr val="accent1">
-              <a:shade val="50000"/>
-            </a:schemeClr>
-          </a:lnRef>
-          <a:fillRef idx="1">
-            <a:schemeClr val="accent1"/>
-          </a:fillRef>
-          <a:effectRef idx="0">
-            <a:schemeClr val="accent1"/>
-          </a:effectRef>
-          <a:fontRef idx="minor">
-            <a:schemeClr val="lt1"/>
-          </a:fontRef>
-        </p:style>
-        <p:txBody>
-          <a:bodyPr rtlCol="0" anchor="ctr"/>
-          <a:lstStyle/>
-          <a:p>
-            <a:pPr algn="ctr"/>
-            <a:endParaRPr lang="en-US"/>
-          </a:p>
-        </p:txBody>
-      </p:sp>
-      <p:sp>
-        <p:nvSpPr>
-          <p:cNvPr id="3" name="Text Placeholder 2"/>
-          <p:cNvSpPr>
-            <a:spLocks noGrp="1"/>
-          </p:cNvSpPr>
-          <p:nvPr>
-            <p:ph type="body" idx="1"/>
-          </p:nvPr>
-        </p:nvSpPr>
-        <p:spPr>
-          <a:xfrm>
-            <a:off x="7162799" y="2892277"/>
-            <a:ext cx="1600201" cy="1645920"/>
-          </a:xfrm>
-        </p:spPr>
-        <p:txBody>
-          <a:bodyPr anchor="ctr"/>
+            <a:off x="722313" y="3367088"/>
+            <a:ext cx="7772400" cy="1509712"/>
+          </a:xfrm>
+        </p:spPr>
+        <p:txBody>
+          <a:bodyPr anchor="t"/>
           <a:lstStyle>
-            <a:lvl1pPr marL="0" indent="0">
+            <a:lvl1pPr marL="45720" indent="0">
               <a:buNone/>
-              <a:defRPr sz="2000">
+              <a:defRPr sz="2100" b="0">
                 <a:solidFill>
-                  <a:schemeClr val="bg2"/>
+                  <a:schemeClr val="tx2"/>
                 </a:solidFill>
               </a:defRPr>
             </a:lvl1pPr>
-            <a:lvl2pPr marL="457200" indent="0">
+            <a:lvl2pPr>
               <a:buNone/>
               <a:defRPr sz="1800">
                 <a:solidFill>
@@ -1663,7 +1900,7 @@
                 </a:solidFill>
               </a:defRPr>
             </a:lvl2pPr>
-            <a:lvl3pPr marL="914400" indent="0">
+            <a:lvl3pPr>
               <a:buNone/>
               <a:defRPr sz="1600">
                 <a:solidFill>
@@ -1673,7 +1910,7 @@
                 </a:solidFill>
               </a:defRPr>
             </a:lvl3pPr>
-            <a:lvl4pPr marL="1371600" indent="0">
+            <a:lvl4pPr>
               <a:buNone/>
               <a:defRPr sz="1400">
                 <a:solidFill>
@@ -1683,7 +1920,7 @@
                 </a:solidFill>
               </a:defRPr>
             </a:lvl4pPr>
-            <a:lvl5pPr marL="1828800" indent="0">
+            <a:lvl5pPr>
               <a:buNone/>
               <a:defRPr sz="1400">
                 <a:solidFill>
@@ -1693,51 +1930,11 @@
                 </a:solidFill>
               </a:defRPr>
             </a:lvl5pPr>
-            <a:lvl6pPr marL="2286000" indent="0">
-              <a:buNone/>
-              <a:defRPr sz="1400">
-                <a:solidFill>
-                  <a:schemeClr val="tx1">
-                    <a:tint val="75000"/>
-                  </a:schemeClr>
-                </a:solidFill>
-              </a:defRPr>
-            </a:lvl6pPr>
-            <a:lvl7pPr marL="2743200" indent="0">
-              <a:buNone/>
-              <a:defRPr sz="1400">
-                <a:solidFill>
-                  <a:schemeClr val="tx1">
-                    <a:tint val="75000"/>
-                  </a:schemeClr>
-                </a:solidFill>
-              </a:defRPr>
-            </a:lvl7pPr>
-            <a:lvl8pPr marL="3200400" indent="0">
-              <a:buNone/>
-              <a:defRPr sz="1400">
-                <a:solidFill>
-                  <a:schemeClr val="tx1">
-                    <a:tint val="75000"/>
-                  </a:schemeClr>
-                </a:solidFill>
-              </a:defRPr>
-            </a:lvl8pPr>
-            <a:lvl9pPr marL="3657600" indent="0">
-              <a:buNone/>
-              <a:defRPr sz="1400">
-                <a:solidFill>
-                  <a:schemeClr val="tx1">
-                    <a:tint val="75000"/>
-                  </a:schemeClr>
-                </a:solidFill>
-              </a:defRPr>
-            </a:lvl9pPr>
           </a:lstStyle>
           <a:p>
-            <a:pPr lvl="0"/>
-            <a:r>
-              <a:rPr lang="pt-BR" smtClean="0"/>
+            <a:pPr lvl="0" eaLnBrk="1" latinLnBrk="0" hangingPunct="1"/>
+            <a:r>
+              <a:rPr kumimoji="0" lang="pt-BR" smtClean="0"/>
               <a:t>Clique para editar o texto mestre</a:t>
             </a:r>
           </a:p>
@@ -1745,7 +1942,7 @@
       </p:sp>
       <p:sp>
         <p:nvSpPr>
-          <p:cNvPr id="9" name="Date Placeholder 8"/>
+          <p:cNvPr id="4" name="Espaço Reservado para Data 3"/>
           <p:cNvSpPr>
             <a:spLocks noGrp="1"/>
           </p:cNvSpPr>
@@ -1756,19 +1953,11 @@
         <p:spPr/>
         <p:txBody>
           <a:bodyPr/>
-          <a:lstStyle>
-            <a:lvl1pPr>
-              <a:defRPr>
-                <a:solidFill>
-                  <a:srgbClr val="FFFFFF"/>
-                </a:solidFill>
-              </a:defRPr>
-            </a:lvl1pPr>
-          </a:lstStyle>
+          <a:lstStyle/>
           <a:p>
             <a:fld id="{2E700DB3-DBF0-4086-B675-117E7A9610B8}" type="datetimeFigureOut">
               <a:rPr lang="pt-BR" smtClean="0"/>
-              <a:t>19/06/2016</a:t>
+              <a:t>27/06/2016</a:t>
             </a:fld>
             <a:endParaRPr lang="pt-BR"/>
           </a:p>
@@ -1776,91 +1965,43 @@
       </p:sp>
       <p:sp>
         <p:nvSpPr>
-          <p:cNvPr id="10" name="Slide Number Placeholder 9"/>
-          <p:cNvSpPr>
-            <a:spLocks noGrp="1"/>
-          </p:cNvSpPr>
-          <p:nvPr>
-            <p:ph type="sldNum" sz="quarter" idx="11"/>
+          <p:cNvPr id="5" name="Espaço Reservado para Rodapé 4"/>
+          <p:cNvSpPr>
+            <a:spLocks noGrp="1"/>
+          </p:cNvSpPr>
+          <p:nvPr>
+            <p:ph type="ftr" sz="quarter" idx="11"/>
           </p:nvPr>
         </p:nvSpPr>
         <p:spPr/>
         <p:txBody>
           <a:bodyPr/>
-          <a:lstStyle>
-            <a:lvl1pPr>
-              <a:defRPr>
-                <a:solidFill>
-                  <a:schemeClr val="bg2"/>
-                </a:solidFill>
-              </a:defRPr>
-            </a:lvl1pPr>
-          </a:lstStyle>
+          <a:lstStyle/>
+          <a:p>
+            <a:endParaRPr lang="pt-BR"/>
+          </a:p>
+        </p:txBody>
+      </p:sp>
+      <p:sp>
+        <p:nvSpPr>
+          <p:cNvPr id="6" name="Espaço Reservado para Número de Slide 5"/>
+          <p:cNvSpPr>
+            <a:spLocks noGrp="1"/>
+          </p:cNvSpPr>
+          <p:nvPr>
+            <p:ph type="sldNum" sz="quarter" idx="12"/>
+          </p:nvPr>
+        </p:nvSpPr>
+        <p:spPr/>
+        <p:txBody>
+          <a:bodyPr/>
+          <a:lstStyle/>
           <a:p>
             <a:fld id="{2119D8CF-8DEC-4D9F-84EE-ADF04DFF3391}" type="slidenum">
               <a:rPr lang="pt-BR" smtClean="0"/>
               <a:t>‹nº›</a:t>
             </a:fld>
             <a:endParaRPr lang="pt-BR"/>
-          </a:p>
-        </p:txBody>
-      </p:sp>
-      <p:sp>
-        <p:nvSpPr>
-          <p:cNvPr id="11" name="Footer Placeholder 10"/>
-          <p:cNvSpPr>
-            <a:spLocks noGrp="1"/>
-          </p:cNvSpPr>
-          <p:nvPr>
-            <p:ph type="ftr" sz="quarter" idx="12"/>
-          </p:nvPr>
-        </p:nvSpPr>
-        <p:spPr/>
-        <p:txBody>
-          <a:bodyPr/>
-          <a:lstStyle>
-            <a:lvl1pPr>
-              <a:defRPr>
-                <a:solidFill>
-                  <a:srgbClr val="FFFFFF"/>
-                </a:solidFill>
-              </a:defRPr>
-            </a:lvl1pPr>
-          </a:lstStyle>
-          <a:p>
-            <a:endParaRPr lang="pt-BR"/>
-          </a:p>
-        </p:txBody>
-      </p:sp>
-      <p:sp>
-        <p:nvSpPr>
-          <p:cNvPr id="12" name="Title 11"/>
-          <p:cNvSpPr>
-            <a:spLocks noGrp="1"/>
-          </p:cNvSpPr>
-          <p:nvPr>
-            <p:ph type="title"/>
-          </p:nvPr>
-        </p:nvSpPr>
-        <p:spPr>
-          <a:xfrm>
-            <a:off x="381000" y="2892277"/>
-            <a:ext cx="6324600" cy="1645920"/>
-          </a:xfrm>
-        </p:spPr>
-        <p:txBody>
-          <a:bodyPr/>
-          <a:lstStyle>
-            <a:lvl1pPr algn="r">
-              <a:defRPr sz="4200" spc="150" baseline="0"/>
-            </a:lvl1pPr>
-          </a:lstStyle>
-          <a:p>
-            <a:r>
-              <a:rPr lang="pt-BR" smtClean="0"/>
-              <a:t>Clique para editar o título mestre</a:t>
-            </a:r>
-            <a:endParaRPr lang="en-US" dirty="0"/>
           </a:p>
         </p:txBody>
       </p:sp>
@@ -1891,7 +2032,30 @@
       </p:grpSpPr>
       <p:sp>
         <p:nvSpPr>
-          <p:cNvPr id="3" name="Content Placeholder 2"/>
+          <p:cNvPr id="2" name="Título 1"/>
+          <p:cNvSpPr>
+            <a:spLocks noGrp="1"/>
+          </p:cNvSpPr>
+          <p:nvPr>
+            <p:ph type="title"/>
+          </p:nvPr>
+        </p:nvSpPr>
+        <p:spPr/>
+        <p:txBody>
+          <a:bodyPr/>
+          <a:lstStyle/>
+          <a:p>
+            <a:r>
+              <a:rPr kumimoji="0" lang="pt-BR" smtClean="0"/>
+              <a:t>Clique para editar o título mestre</a:t>
+            </a:r>
+            <a:endParaRPr kumimoji="0" lang="en-US"/>
+          </a:p>
+        </p:txBody>
+      </p:sp>
+      <p:sp>
+        <p:nvSpPr>
+          <p:cNvPr id="3" name="Espaço Reservado para Conteúdo 2"/>
           <p:cNvSpPr>
             <a:spLocks noGrp="1"/>
           </p:cNvSpPr>
@@ -1901,21 +2065,21 @@
         </p:nvSpPr>
         <p:spPr>
           <a:xfrm>
-            <a:off x="457200" y="1719072"/>
-            <a:ext cx="4038600" cy="4407408"/>
+            <a:off x="457200" y="2249424"/>
+            <a:ext cx="4038600" cy="4525963"/>
           </a:xfrm>
         </p:spPr>
         <p:txBody>
           <a:bodyPr/>
           <a:lstStyle>
             <a:lvl1pPr>
-              <a:defRPr sz="2800"/>
+              <a:defRPr sz="2000"/>
             </a:lvl1pPr>
             <a:lvl2pPr>
-              <a:defRPr sz="2400"/>
+              <a:defRPr sz="1900"/>
             </a:lvl2pPr>
             <a:lvl3pPr>
-              <a:defRPr sz="2000"/>
+              <a:defRPr sz="1800"/>
             </a:lvl3pPr>
             <a:lvl4pPr>
               <a:defRPr sz="1800"/>
@@ -1923,60 +2087,48 @@
             <a:lvl5pPr>
               <a:defRPr sz="1800"/>
             </a:lvl5pPr>
-            <a:lvl6pPr>
-              <a:defRPr sz="1800"/>
-            </a:lvl6pPr>
-            <a:lvl7pPr>
-              <a:defRPr sz="1800"/>
-            </a:lvl7pPr>
-            <a:lvl8pPr>
-              <a:defRPr sz="1800"/>
-            </a:lvl8pPr>
-            <a:lvl9pPr>
-              <a:defRPr sz="1800"/>
-            </a:lvl9pPr>
           </a:lstStyle>
           <a:p>
-            <a:pPr lvl="0"/>
+            <a:pPr lvl="0" eaLnBrk="1" latinLnBrk="0" hangingPunct="1"/>
             <a:r>
               <a:rPr lang="pt-BR" smtClean="0"/>
               <a:t>Clique para editar o texto mestre</a:t>
             </a:r>
           </a:p>
           <a:p>
-            <a:pPr lvl="1"/>
+            <a:pPr lvl="1" eaLnBrk="1" latinLnBrk="0" hangingPunct="1"/>
             <a:r>
               <a:rPr lang="pt-BR" smtClean="0"/>
               <a:t>Segundo nível</a:t>
             </a:r>
           </a:p>
           <a:p>
-            <a:pPr lvl="2"/>
+            <a:pPr lvl="2" eaLnBrk="1" latinLnBrk="0" hangingPunct="1"/>
             <a:r>
               <a:rPr lang="pt-BR" smtClean="0"/>
               <a:t>Terceiro nível</a:t>
             </a:r>
           </a:p>
           <a:p>
-            <a:pPr lvl="3"/>
+            <a:pPr lvl="3" eaLnBrk="1" latinLnBrk="0" hangingPunct="1"/>
             <a:r>
               <a:rPr lang="pt-BR" smtClean="0"/>
               <a:t>Quarto nível</a:t>
             </a:r>
           </a:p>
           <a:p>
-            <a:pPr lvl="4"/>
+            <a:pPr lvl="4" eaLnBrk="1" latinLnBrk="0" hangingPunct="1"/>
             <a:r>
               <a:rPr lang="pt-BR" smtClean="0"/>
               <a:t>Quinto nível</a:t>
             </a:r>
-            <a:endParaRPr lang="en-US" dirty="0"/>
-          </a:p>
-        </p:txBody>
-      </p:sp>
-      <p:sp>
-        <p:nvSpPr>
-          <p:cNvPr id="4" name="Content Placeholder 3"/>
+            <a:endParaRPr kumimoji="0" lang="en-US"/>
+          </a:p>
+        </p:txBody>
+      </p:sp>
+      <p:sp>
+        <p:nvSpPr>
+          <p:cNvPr id="4" name="Espaço Reservado para Conteúdo 3"/>
           <p:cNvSpPr>
             <a:spLocks noGrp="1"/>
           </p:cNvSpPr>
@@ -1986,21 +2138,21 @@
         </p:nvSpPr>
         <p:spPr>
           <a:xfrm>
-            <a:off x="4648200" y="1719072"/>
-            <a:ext cx="4038600" cy="4407408"/>
+            <a:off x="4648200" y="2249424"/>
+            <a:ext cx="4038600" cy="4525963"/>
           </a:xfrm>
         </p:spPr>
         <p:txBody>
           <a:bodyPr/>
           <a:lstStyle>
             <a:lvl1pPr>
-              <a:defRPr sz="2800"/>
+              <a:defRPr sz="2000"/>
             </a:lvl1pPr>
             <a:lvl2pPr>
-              <a:defRPr sz="2400"/>
+              <a:defRPr sz="1900"/>
             </a:lvl2pPr>
             <a:lvl3pPr>
-              <a:defRPr sz="2000"/>
+              <a:defRPr sz="1800"/>
             </a:lvl3pPr>
             <a:lvl4pPr>
               <a:defRPr sz="1800"/>
@@ -2008,60 +2160,48 @@
             <a:lvl5pPr>
               <a:defRPr sz="1800"/>
             </a:lvl5pPr>
-            <a:lvl6pPr>
-              <a:defRPr sz="1800"/>
-            </a:lvl6pPr>
-            <a:lvl7pPr>
-              <a:defRPr sz="1800"/>
-            </a:lvl7pPr>
-            <a:lvl8pPr>
-              <a:defRPr sz="1800"/>
-            </a:lvl8pPr>
-            <a:lvl9pPr>
-              <a:defRPr sz="1800"/>
-            </a:lvl9pPr>
           </a:lstStyle>
           <a:p>
-            <a:pPr lvl="0"/>
+            <a:pPr lvl="0" eaLnBrk="1" latinLnBrk="0" hangingPunct="1"/>
             <a:r>
               <a:rPr lang="pt-BR" smtClean="0"/>
               <a:t>Clique para editar o texto mestre</a:t>
             </a:r>
           </a:p>
           <a:p>
-            <a:pPr lvl="1"/>
+            <a:pPr lvl="1" eaLnBrk="1" latinLnBrk="0" hangingPunct="1"/>
             <a:r>
               <a:rPr lang="pt-BR" smtClean="0"/>
               <a:t>Segundo nível</a:t>
             </a:r>
           </a:p>
           <a:p>
-            <a:pPr lvl="2"/>
+            <a:pPr lvl="2" eaLnBrk="1" latinLnBrk="0" hangingPunct="1"/>
             <a:r>
               <a:rPr lang="pt-BR" smtClean="0"/>
               <a:t>Terceiro nível</a:t>
             </a:r>
           </a:p>
           <a:p>
-            <a:pPr lvl="3"/>
+            <a:pPr lvl="3" eaLnBrk="1" latinLnBrk="0" hangingPunct="1"/>
             <a:r>
               <a:rPr lang="pt-BR" smtClean="0"/>
               <a:t>Quarto nível</a:t>
             </a:r>
           </a:p>
           <a:p>
-            <a:pPr lvl="4"/>
+            <a:pPr lvl="4" eaLnBrk="1" latinLnBrk="0" hangingPunct="1"/>
             <a:r>
               <a:rPr lang="pt-BR" smtClean="0"/>
               <a:t>Quinto nível</a:t>
             </a:r>
-            <a:endParaRPr lang="en-US" dirty="0"/>
-          </a:p>
-        </p:txBody>
-      </p:sp>
-      <p:sp>
-        <p:nvSpPr>
-          <p:cNvPr id="5" name="Date Placeholder 4"/>
+            <a:endParaRPr kumimoji="0" lang="en-US"/>
+          </a:p>
+        </p:txBody>
+      </p:sp>
+      <p:sp>
+        <p:nvSpPr>
+          <p:cNvPr id="5" name="Espaço Reservado para Data 4"/>
           <p:cNvSpPr>
             <a:spLocks noGrp="1"/>
           </p:cNvSpPr>
@@ -2076,7 +2216,7 @@
           <a:p>
             <a:fld id="{2E700DB3-DBF0-4086-B675-117E7A9610B8}" type="datetimeFigureOut">
               <a:rPr lang="pt-BR" smtClean="0"/>
-              <a:t>19/06/2016</a:t>
+              <a:t>27/06/2016</a:t>
             </a:fld>
             <a:endParaRPr lang="pt-BR"/>
           </a:p>
@@ -2084,7 +2224,7 @@
       </p:sp>
       <p:sp>
         <p:nvSpPr>
-          <p:cNvPr id="6" name="Footer Placeholder 5"/>
+          <p:cNvPr id="6" name="Espaço Reservado para Rodapé 5"/>
           <p:cNvSpPr>
             <a:spLocks noGrp="1"/>
           </p:cNvSpPr>
@@ -2103,7 +2243,7 @@
       </p:sp>
       <p:sp>
         <p:nvSpPr>
-          <p:cNvPr id="7" name="Slide Number Placeholder 6"/>
+          <p:cNvPr id="7" name="Espaço Reservado para Número de Slide 6"/>
           <p:cNvSpPr>
             <a:spLocks noGrp="1"/>
           </p:cNvSpPr>
@@ -2121,29 +2261,6 @@
               <a:t>‹nº›</a:t>
             </a:fld>
             <a:endParaRPr lang="pt-BR"/>
-          </a:p>
-        </p:txBody>
-      </p:sp>
-      <p:sp>
-        <p:nvSpPr>
-          <p:cNvPr id="8" name="Title 7"/>
-          <p:cNvSpPr>
-            <a:spLocks noGrp="1"/>
-          </p:cNvSpPr>
-          <p:nvPr>
-            <p:ph type="title"/>
-          </p:nvPr>
-        </p:nvSpPr>
-        <p:spPr/>
-        <p:txBody>
-          <a:bodyPr/>
-          <a:lstStyle/>
-          <a:p>
-            <a:r>
-              <a:rPr lang="pt-BR" smtClean="0"/>
-              <a:t>Clique para editar o título mestre</a:t>
-            </a:r>
-            <a:endParaRPr lang="en-US"/>
           </a:p>
         </p:txBody>
       </p:sp>
@@ -2174,68 +2291,167 @@
       </p:grpSpPr>
       <p:sp>
         <p:nvSpPr>
-          <p:cNvPr id="3" name="Text Placeholder 2"/>
-          <p:cNvSpPr>
-            <a:spLocks noGrp="1"/>
-          </p:cNvSpPr>
-          <p:nvPr>
-            <p:ph type="body" idx="1"/>
+          <p:cNvPr id="2" name="Título 1"/>
+          <p:cNvSpPr>
+            <a:spLocks noGrp="1"/>
+          </p:cNvSpPr>
+          <p:nvPr>
+            <p:ph type="title"/>
           </p:nvPr>
         </p:nvSpPr>
         <p:spPr>
           <a:xfrm>
-            <a:off x="457200" y="1722438"/>
-            <a:ext cx="4040188" cy="639762"/>
-          </a:xfrm>
-        </p:spPr>
-        <p:txBody>
-          <a:bodyPr anchor="b"/>
+            <a:off x="381000" y="1143000"/>
+            <a:ext cx="8382000" cy="1069848"/>
+          </a:xfrm>
+        </p:spPr>
+        <p:txBody>
+          <a:bodyPr anchor="ctr"/>
           <a:lstStyle>
-            <a:lvl1pPr marL="0" indent="0" algn="ctr">
+            <a:lvl1pPr>
+              <a:defRPr sz="4000" b="0" i="0" cap="none" baseline="0"/>
+            </a:lvl1pPr>
+          </a:lstStyle>
+          <a:p>
+            <a:r>
+              <a:rPr kumimoji="0" lang="pt-BR" smtClean="0"/>
+              <a:t>Clique para editar o título mestre</a:t>
+            </a:r>
+            <a:endParaRPr kumimoji="0" lang="en-US"/>
+          </a:p>
+        </p:txBody>
+      </p:sp>
+      <p:sp>
+        <p:nvSpPr>
+          <p:cNvPr id="3" name="Espaço Reservado para Texto 2"/>
+          <p:cNvSpPr>
+            <a:spLocks noGrp="1"/>
+          </p:cNvSpPr>
+          <p:nvPr>
+            <p:ph type="body" idx="1"/>
+          </p:nvPr>
+        </p:nvSpPr>
+        <p:spPr>
+          <a:xfrm>
+            <a:off x="381000" y="2244970"/>
+            <a:ext cx="4041648" cy="457200"/>
+          </a:xfrm>
+          <a:solidFill>
+            <a:schemeClr val="accent2">
+              <a:satMod val="150000"/>
+              <a:alpha val="25000"/>
+            </a:schemeClr>
+          </a:solidFill>
+          <a:ln w="12700">
+            <a:solidFill>
+              <a:schemeClr val="accent2"/>
+            </a:solidFill>
+          </a:ln>
+        </p:spPr>
+        <p:txBody>
+          <a:bodyPr anchor="ctr">
+            <a:noAutofit/>
+          </a:bodyPr>
+          <a:lstStyle>
+            <a:lvl1pPr marL="45720" indent="0">
               <a:buNone/>
-              <a:defRPr sz="2400" b="0">
+              <a:defRPr sz="1900" b="1">
                 <a:solidFill>
-                  <a:schemeClr val="tx2"/>
+                  <a:schemeClr val="tx1">
+                    <a:tint val="95000"/>
+                  </a:schemeClr>
                 </a:solidFill>
               </a:defRPr>
             </a:lvl1pPr>
-            <a:lvl2pPr marL="457200" indent="0">
+            <a:lvl2pPr>
               <a:buNone/>
               <a:defRPr sz="2000" b="1"/>
             </a:lvl2pPr>
-            <a:lvl3pPr marL="914400" indent="0">
+            <a:lvl3pPr>
               <a:buNone/>
               <a:defRPr sz="1800" b="1"/>
             </a:lvl3pPr>
-            <a:lvl4pPr marL="1371600" indent="0">
+            <a:lvl4pPr>
               <a:buNone/>
               <a:defRPr sz="1600" b="1"/>
             </a:lvl4pPr>
-            <a:lvl5pPr marL="1828800" indent="0">
+            <a:lvl5pPr>
               <a:buNone/>
               <a:defRPr sz="1600" b="1"/>
             </a:lvl5pPr>
-            <a:lvl6pPr marL="2286000" indent="0">
+          </a:lstStyle>
+          <a:p>
+            <a:pPr lvl="0" eaLnBrk="1" latinLnBrk="0" hangingPunct="1"/>
+            <a:r>
+              <a:rPr kumimoji="0" lang="pt-BR" smtClean="0"/>
+              <a:t>Clique para editar o texto mestre</a:t>
+            </a:r>
+          </a:p>
+        </p:txBody>
+      </p:sp>
+      <p:sp>
+        <p:nvSpPr>
+          <p:cNvPr id="4" name="Espaço Reservado para Texto 3"/>
+          <p:cNvSpPr>
+            <a:spLocks noGrp="1"/>
+          </p:cNvSpPr>
+          <p:nvPr>
+            <p:ph type="body" sz="half" idx="3"/>
+          </p:nvPr>
+        </p:nvSpPr>
+        <p:spPr>
+          <a:xfrm>
+            <a:off x="4721225" y="2244970"/>
+            <a:ext cx="4041775" cy="457200"/>
+          </a:xfrm>
+          <a:solidFill>
+            <a:schemeClr val="accent2">
+              <a:satMod val="150000"/>
+              <a:alpha val="25000"/>
+            </a:schemeClr>
+          </a:solidFill>
+          <a:ln w="12700">
+            <a:solidFill>
+              <a:schemeClr val="accent2"/>
+            </a:solidFill>
+          </a:ln>
+        </p:spPr>
+        <p:txBody>
+          <a:bodyPr anchor="ctr">
+            <a:noAutofit/>
+          </a:bodyPr>
+          <a:lstStyle>
+            <a:lvl1pPr marL="45720" indent="0">
+              <a:buNone/>
+              <a:defRPr sz="1900" b="1">
+                <a:solidFill>
+                  <a:schemeClr val="tx1">
+                    <a:tint val="95000"/>
+                  </a:schemeClr>
+                </a:solidFill>
+              </a:defRPr>
+            </a:lvl1pPr>
+            <a:lvl2pPr>
+              <a:buNone/>
+              <a:defRPr sz="2000" b="1"/>
+            </a:lvl2pPr>
+            <a:lvl3pPr>
+              <a:buNone/>
+              <a:defRPr sz="1800" b="1"/>
+            </a:lvl3pPr>
+            <a:lvl4pPr>
               <a:buNone/>
               <a:defRPr sz="1600" b="1"/>
-            </a:lvl6pPr>
-            <a:lvl7pPr marL="2743200" indent="0">
+            </a:lvl4pPr>
+            <a:lvl5pPr>
               <a:buNone/>
               <a:defRPr sz="1600" b="1"/>
-            </a:lvl7pPr>
-            <a:lvl8pPr marL="3200400" indent="0">
-              <a:buNone/>
-              <a:defRPr sz="1600" b="1"/>
-            </a:lvl8pPr>
-            <a:lvl9pPr marL="3657600" indent="0">
-              <a:buNone/>
-              <a:defRPr sz="1600" b="1"/>
-            </a:lvl9pPr>
+            </a:lvl5pPr>
           </a:lstStyle>
           <a:p>
-            <a:pPr lvl="0"/>
-            <a:r>
-              <a:rPr lang="pt-BR" smtClean="0"/>
+            <a:pPr lvl="0" eaLnBrk="1" latinLnBrk="0" hangingPunct="1"/>
+            <a:r>
+              <a:rPr kumimoji="0" lang="pt-BR" smtClean="0"/>
               <a:t>Clique para editar o texto mestre</a:t>
             </a:r>
           </a:p>
@@ -2243,25 +2459,25 @@
       </p:sp>
       <p:sp>
         <p:nvSpPr>
-          <p:cNvPr id="4" name="Content Placeholder 3"/>
-          <p:cNvSpPr>
-            <a:spLocks noGrp="1"/>
-          </p:cNvSpPr>
-          <p:nvPr>
-            <p:ph sz="half" idx="2"/>
+          <p:cNvPr id="5" name="Espaço Reservado para Conteúdo 4"/>
+          <p:cNvSpPr>
+            <a:spLocks noGrp="1"/>
+          </p:cNvSpPr>
+          <p:nvPr>
+            <p:ph sz="quarter" idx="2"/>
           </p:nvPr>
         </p:nvSpPr>
         <p:spPr>
           <a:xfrm>
-            <a:off x="457200" y="2438399"/>
-            <a:ext cx="4040188" cy="3687763"/>
+            <a:off x="381000" y="2708519"/>
+            <a:ext cx="4041648" cy="3886200"/>
           </a:xfrm>
         </p:spPr>
         <p:txBody>
           <a:bodyPr/>
           <a:lstStyle>
             <a:lvl1pPr>
-              <a:defRPr sz="2400"/>
+              <a:defRPr sz="2000"/>
             </a:lvl1pPr>
             <a:lvl2pPr>
               <a:defRPr sz="2000"/>
@@ -2275,147 +2491,66 @@
             <a:lvl5pPr>
               <a:defRPr sz="1600"/>
             </a:lvl5pPr>
-            <a:lvl6pPr>
-              <a:defRPr sz="1600"/>
-            </a:lvl6pPr>
-            <a:lvl7pPr>
-              <a:defRPr sz="1600"/>
-            </a:lvl7pPr>
-            <a:lvl8pPr>
-              <a:defRPr sz="1600"/>
-            </a:lvl8pPr>
-            <a:lvl9pPr>
-              <a:defRPr sz="1600"/>
-            </a:lvl9pPr>
           </a:lstStyle>
           <a:p>
-            <a:pPr lvl="0"/>
+            <a:pPr lvl="0" eaLnBrk="1" latinLnBrk="0" hangingPunct="1"/>
             <a:r>
               <a:rPr lang="pt-BR" smtClean="0"/>
               <a:t>Clique para editar o texto mestre</a:t>
             </a:r>
           </a:p>
           <a:p>
-            <a:pPr lvl="1"/>
+            <a:pPr lvl="1" eaLnBrk="1" latinLnBrk="0" hangingPunct="1"/>
             <a:r>
               <a:rPr lang="pt-BR" smtClean="0"/>
               <a:t>Segundo nível</a:t>
             </a:r>
           </a:p>
           <a:p>
-            <a:pPr lvl="2"/>
+            <a:pPr lvl="2" eaLnBrk="1" latinLnBrk="0" hangingPunct="1"/>
             <a:r>
               <a:rPr lang="pt-BR" smtClean="0"/>
               <a:t>Terceiro nível</a:t>
             </a:r>
           </a:p>
           <a:p>
-            <a:pPr lvl="3"/>
+            <a:pPr lvl="3" eaLnBrk="1" latinLnBrk="0" hangingPunct="1"/>
             <a:r>
               <a:rPr lang="pt-BR" smtClean="0"/>
               <a:t>Quarto nível</a:t>
             </a:r>
           </a:p>
           <a:p>
-            <a:pPr lvl="4"/>
+            <a:pPr lvl="4" eaLnBrk="1" latinLnBrk="0" hangingPunct="1"/>
             <a:r>
               <a:rPr lang="pt-BR" smtClean="0"/>
               <a:t>Quinto nível</a:t>
             </a:r>
-            <a:endParaRPr lang="en-US" dirty="0"/>
-          </a:p>
-        </p:txBody>
-      </p:sp>
-      <p:sp>
-        <p:nvSpPr>
-          <p:cNvPr id="5" name="Text Placeholder 4"/>
-          <p:cNvSpPr>
-            <a:spLocks noGrp="1"/>
-          </p:cNvSpPr>
-          <p:nvPr>
-            <p:ph type="body" sz="quarter" idx="3"/>
+            <a:endParaRPr kumimoji="0" lang="en-US"/>
+          </a:p>
+        </p:txBody>
+      </p:sp>
+      <p:sp>
+        <p:nvSpPr>
+          <p:cNvPr id="6" name="Espaço Reservado para Conteúdo 5"/>
+          <p:cNvSpPr>
+            <a:spLocks noGrp="1"/>
+          </p:cNvSpPr>
+          <p:nvPr>
+            <p:ph sz="quarter" idx="4"/>
           </p:nvPr>
         </p:nvSpPr>
         <p:spPr>
           <a:xfrm>
-            <a:off x="4645025" y="1722438"/>
-            <a:ext cx="4041775" cy="639762"/>
-          </a:xfrm>
-        </p:spPr>
-        <p:txBody>
-          <a:bodyPr anchor="b"/>
-          <a:lstStyle>
-            <a:lvl1pPr marL="0" indent="0" algn="ctr">
-              <a:buNone/>
-              <a:defRPr sz="2400" b="0">
-                <a:solidFill>
-                  <a:schemeClr val="tx2"/>
-                </a:solidFill>
-              </a:defRPr>
-            </a:lvl1pPr>
-            <a:lvl2pPr marL="457200" indent="0">
-              <a:buNone/>
-              <a:defRPr sz="2000" b="1"/>
-            </a:lvl2pPr>
-            <a:lvl3pPr marL="914400" indent="0">
-              <a:buNone/>
-              <a:defRPr sz="1800" b="1"/>
-            </a:lvl3pPr>
-            <a:lvl4pPr marL="1371600" indent="0">
-              <a:buNone/>
-              <a:defRPr sz="1600" b="1"/>
-            </a:lvl4pPr>
-            <a:lvl5pPr marL="1828800" indent="0">
-              <a:buNone/>
-              <a:defRPr sz="1600" b="1"/>
-            </a:lvl5pPr>
-            <a:lvl6pPr marL="2286000" indent="0">
-              <a:buNone/>
-              <a:defRPr sz="1600" b="1"/>
-            </a:lvl6pPr>
-            <a:lvl7pPr marL="2743200" indent="0">
-              <a:buNone/>
-              <a:defRPr sz="1600" b="1"/>
-            </a:lvl7pPr>
-            <a:lvl8pPr marL="3200400" indent="0">
-              <a:buNone/>
-              <a:defRPr sz="1600" b="1"/>
-            </a:lvl8pPr>
-            <a:lvl9pPr marL="3657600" indent="0">
-              <a:buNone/>
-              <a:defRPr sz="1600" b="1"/>
-            </a:lvl9pPr>
-          </a:lstStyle>
-          <a:p>
-            <a:pPr lvl="0"/>
-            <a:r>
-              <a:rPr lang="pt-BR" smtClean="0"/>
-              <a:t>Clique para editar o texto mestre</a:t>
-            </a:r>
-          </a:p>
-        </p:txBody>
-      </p:sp>
-      <p:sp>
-        <p:nvSpPr>
-          <p:cNvPr id="6" name="Content Placeholder 5"/>
-          <p:cNvSpPr>
-            <a:spLocks noGrp="1"/>
-          </p:cNvSpPr>
-          <p:nvPr>
-            <p:ph sz="quarter" idx="4"/>
-          </p:nvPr>
-        </p:nvSpPr>
-        <p:spPr>
-          <a:xfrm>
-            <a:off x="4645025" y="2438399"/>
-            <a:ext cx="4041775" cy="3687763"/>
+            <a:off x="4718304" y="2708519"/>
+            <a:ext cx="4041775" cy="3886200"/>
           </a:xfrm>
         </p:spPr>
         <p:txBody>
           <a:bodyPr/>
           <a:lstStyle>
             <a:lvl1pPr>
-              <a:defRPr sz="2400"/>
+              <a:defRPr sz="2000"/>
             </a:lvl1pPr>
             <a:lvl2pPr>
               <a:defRPr sz="2000"/>
@@ -2429,60 +2564,48 @@
             <a:lvl5pPr>
               <a:defRPr sz="1600"/>
             </a:lvl5pPr>
-            <a:lvl6pPr>
-              <a:defRPr sz="1600"/>
-            </a:lvl6pPr>
-            <a:lvl7pPr>
-              <a:defRPr sz="1600"/>
-            </a:lvl7pPr>
-            <a:lvl8pPr>
-              <a:defRPr sz="1600"/>
-            </a:lvl8pPr>
-            <a:lvl9pPr>
-              <a:defRPr sz="1600"/>
-            </a:lvl9pPr>
           </a:lstStyle>
           <a:p>
-            <a:pPr lvl="0"/>
+            <a:pPr lvl="0" eaLnBrk="1" latinLnBrk="0" hangingPunct="1"/>
             <a:r>
               <a:rPr lang="pt-BR" smtClean="0"/>
               <a:t>Clique para editar o texto mestre</a:t>
             </a:r>
           </a:p>
           <a:p>
-            <a:pPr lvl="1"/>
+            <a:pPr lvl="1" eaLnBrk="1" latinLnBrk="0" hangingPunct="1"/>
             <a:r>
               <a:rPr lang="pt-BR" smtClean="0"/>
               <a:t>Segundo nível</a:t>
             </a:r>
           </a:p>
           <a:p>
-            <a:pPr lvl="2"/>
+            <a:pPr lvl="2" eaLnBrk="1" latinLnBrk="0" hangingPunct="1"/>
             <a:r>
               <a:rPr lang="pt-BR" smtClean="0"/>
               <a:t>Terceiro nível</a:t>
             </a:r>
           </a:p>
           <a:p>
-            <a:pPr lvl="3"/>
+            <a:pPr lvl="3" eaLnBrk="1" latinLnBrk="0" hangingPunct="1"/>
             <a:r>
               <a:rPr lang="pt-BR" smtClean="0"/>
               <a:t>Quarto nível</a:t>
             </a:r>
           </a:p>
           <a:p>
-            <a:pPr lvl="4"/>
+            <a:pPr lvl="4" eaLnBrk="1" latinLnBrk="0" hangingPunct="1"/>
             <a:r>
               <a:rPr lang="pt-BR" smtClean="0"/>
               <a:t>Quinto nível</a:t>
             </a:r>
-            <a:endParaRPr lang="en-US" dirty="0"/>
-          </a:p>
-        </p:txBody>
-      </p:sp>
-      <p:sp>
-        <p:nvSpPr>
-          <p:cNvPr id="7" name="Date Placeholder 6"/>
+            <a:endParaRPr kumimoji="0" lang="en-US"/>
+          </a:p>
+        </p:txBody>
+      </p:sp>
+      <p:sp>
+        <p:nvSpPr>
+          <p:cNvPr id="26" name="Espaço Reservado para Data 25"/>
           <p:cNvSpPr>
             <a:spLocks noGrp="1"/>
           </p:cNvSpPr>
@@ -2492,12 +2615,12 @@
         </p:nvSpPr>
         <p:spPr/>
         <p:txBody>
-          <a:bodyPr/>
+          <a:bodyPr rtlCol="0"/>
           <a:lstStyle/>
           <a:p>
             <a:fld id="{2E700DB3-DBF0-4086-B675-117E7A9610B8}" type="datetimeFigureOut">
               <a:rPr lang="pt-BR" smtClean="0"/>
-              <a:t>19/06/2016</a:t>
+              <a:t>27/06/2016</a:t>
             </a:fld>
             <a:endParaRPr lang="pt-BR"/>
           </a:p>
@@ -2505,36 +2628,17 @@
       </p:sp>
       <p:sp>
         <p:nvSpPr>
-          <p:cNvPr id="8" name="Footer Placeholder 7"/>
-          <p:cNvSpPr>
-            <a:spLocks noGrp="1"/>
-          </p:cNvSpPr>
-          <p:nvPr>
-            <p:ph type="ftr" sz="quarter" idx="11"/>
+          <p:cNvPr id="27" name="Espaço Reservado para Número de Slide 26"/>
+          <p:cNvSpPr>
+            <a:spLocks noGrp="1"/>
+          </p:cNvSpPr>
+          <p:nvPr>
+            <p:ph type="sldNum" sz="quarter" idx="11"/>
           </p:nvPr>
         </p:nvSpPr>
         <p:spPr/>
         <p:txBody>
-          <a:bodyPr/>
-          <a:lstStyle/>
-          <a:p>
-            <a:endParaRPr lang="pt-BR"/>
-          </a:p>
-        </p:txBody>
-      </p:sp>
-      <p:sp>
-        <p:nvSpPr>
-          <p:cNvPr id="9" name="Slide Number Placeholder 8"/>
-          <p:cNvSpPr>
-            <a:spLocks noGrp="1"/>
-          </p:cNvSpPr>
-          <p:nvPr>
-            <p:ph type="sldNum" sz="quarter" idx="12"/>
-          </p:nvPr>
-        </p:nvSpPr>
-        <p:spPr/>
-        <p:txBody>
-          <a:bodyPr/>
+          <a:bodyPr rtlCol="0"/>
           <a:lstStyle/>
           <a:p>
             <a:fld id="{2119D8CF-8DEC-4D9F-84EE-ADF04DFF3391}" type="slidenum">
@@ -2547,24 +2651,20 @@
       </p:sp>
       <p:sp>
         <p:nvSpPr>
-          <p:cNvPr id="10" name="Title 9"/>
-          <p:cNvSpPr>
-            <a:spLocks noGrp="1"/>
-          </p:cNvSpPr>
-          <p:nvPr>
-            <p:ph type="title"/>
+          <p:cNvPr id="28" name="Espaço Reservado para Rodapé 27"/>
+          <p:cNvSpPr>
+            <a:spLocks noGrp="1"/>
+          </p:cNvSpPr>
+          <p:nvPr>
+            <p:ph type="ftr" sz="quarter" idx="12"/>
           </p:nvPr>
         </p:nvSpPr>
         <p:spPr/>
         <p:txBody>
-          <a:bodyPr/>
-          <a:lstStyle/>
-          <a:p>
-            <a:r>
-              <a:rPr lang="pt-BR" smtClean="0"/>
-              <a:t>Clique para editar o título mestre</a:t>
-            </a:r>
-            <a:endParaRPr lang="en-US"/>
+          <a:bodyPr rtlCol="0"/>
+          <a:lstStyle/>
+          <a:p>
+            <a:endParaRPr lang="pt-BR"/>
           </a:p>
         </p:txBody>
       </p:sp>
@@ -2595,7 +2695,43 @@
       </p:grpSpPr>
       <p:sp>
         <p:nvSpPr>
-          <p:cNvPr id="3" name="Date Placeholder 2"/>
+          <p:cNvPr id="2" name="Título 1"/>
+          <p:cNvSpPr>
+            <a:spLocks noGrp="1"/>
+          </p:cNvSpPr>
+          <p:nvPr>
+            <p:ph type="title"/>
+          </p:nvPr>
+        </p:nvSpPr>
+        <p:spPr>
+          <a:xfrm>
+            <a:off x="457200" y="1143000"/>
+            <a:ext cx="8229600" cy="1069848"/>
+          </a:xfrm>
+        </p:spPr>
+        <p:txBody>
+          <a:bodyPr anchor="ctr"/>
+          <a:lstStyle>
+            <a:lvl1pPr>
+              <a:defRPr sz="4000">
+                <a:solidFill>
+                  <a:schemeClr val="tx2"/>
+                </a:solidFill>
+              </a:defRPr>
+            </a:lvl1pPr>
+          </a:lstStyle>
+          <a:p>
+            <a:r>
+              <a:rPr kumimoji="0" lang="pt-BR" smtClean="0"/>
+              <a:t>Clique para editar o título mestre</a:t>
+            </a:r>
+            <a:endParaRPr kumimoji="0" lang="en-US"/>
+          </a:p>
+        </p:txBody>
+      </p:sp>
+      <p:sp>
+        <p:nvSpPr>
+          <p:cNvPr id="3" name="Espaço Reservado para Data 2"/>
           <p:cNvSpPr>
             <a:spLocks noGrp="1"/>
           </p:cNvSpPr>
@@ -2603,14 +2739,19 @@
             <p:ph type="dt" sz="half" idx="10"/>
           </p:nvPr>
         </p:nvSpPr>
-        <p:spPr/>
+        <p:spPr>
+          <a:xfrm>
+            <a:off x="6583680" y="612648"/>
+            <a:ext cx="957264" cy="457200"/>
+          </a:xfrm>
+        </p:spPr>
         <p:txBody>
           <a:bodyPr/>
           <a:lstStyle/>
           <a:p>
             <a:fld id="{2E700DB3-DBF0-4086-B675-117E7A9610B8}" type="datetimeFigureOut">
               <a:rPr lang="pt-BR" smtClean="0"/>
-              <a:t>19/06/2016</a:t>
+              <a:t>27/06/2016</a:t>
             </a:fld>
             <a:endParaRPr lang="pt-BR"/>
           </a:p>
@@ -2618,7 +2759,7 @@
       </p:sp>
       <p:sp>
         <p:nvSpPr>
-          <p:cNvPr id="4" name="Footer Placeholder 3"/>
+          <p:cNvPr id="4" name="Espaço Reservado para Rodapé 3"/>
           <p:cNvSpPr>
             <a:spLocks noGrp="1"/>
           </p:cNvSpPr>
@@ -2626,7 +2767,12 @@
             <p:ph type="ftr" sz="quarter" idx="11"/>
           </p:nvPr>
         </p:nvSpPr>
-        <p:spPr/>
+        <p:spPr>
+          <a:xfrm>
+            <a:off x="5257800" y="612648"/>
+            <a:ext cx="1325880" cy="457200"/>
+          </a:xfrm>
+        </p:spPr>
         <p:txBody>
           <a:bodyPr/>
           <a:lstStyle/>
@@ -2637,7 +2783,7 @@
       </p:sp>
       <p:sp>
         <p:nvSpPr>
-          <p:cNvPr id="5" name="Slide Number Placeholder 4"/>
+          <p:cNvPr id="5" name="Espaço Reservado para Número de Slide 4"/>
           <p:cNvSpPr>
             <a:spLocks noGrp="1"/>
           </p:cNvSpPr>
@@ -2645,7 +2791,12 @@
             <p:ph type="sldNum" sz="quarter" idx="12"/>
           </p:nvPr>
         </p:nvSpPr>
-        <p:spPr/>
+        <p:spPr>
+          <a:xfrm>
+            <a:off x="8174736" y="2272"/>
+            <a:ext cx="762000" cy="365760"/>
+          </a:xfrm>
+        </p:spPr>
         <p:txBody>
           <a:bodyPr/>
           <a:lstStyle/>
@@ -2655,29 +2806,6 @@
               <a:t>‹nº›</a:t>
             </a:fld>
             <a:endParaRPr lang="pt-BR"/>
-          </a:p>
-        </p:txBody>
-      </p:sp>
-      <p:sp>
-        <p:nvSpPr>
-          <p:cNvPr id="6" name="Title 5"/>
-          <p:cNvSpPr>
-            <a:spLocks noGrp="1"/>
-          </p:cNvSpPr>
-          <p:nvPr>
-            <p:ph type="title"/>
-          </p:nvPr>
-        </p:nvSpPr>
-        <p:spPr/>
-        <p:txBody>
-          <a:bodyPr/>
-          <a:lstStyle/>
-          <a:p>
-            <a:r>
-              <a:rPr lang="pt-BR" smtClean="0"/>
-              <a:t>Clique para editar o título mestre</a:t>
-            </a:r>
-            <a:endParaRPr lang="en-US"/>
           </a:p>
         </p:txBody>
       </p:sp>
@@ -2690,7 +2818,7 @@
 </file>
 
 <file path=ppt/slideLayouts/slideLayout7.xml><?xml version="1.0" encoding="utf-8"?>
-<p:sldLayout xmlns:a="http://schemas.openxmlformats.org/drawingml/2006/main" xmlns:r="http://schemas.openxmlformats.org/officeDocument/2006/relationships" xmlns:p="http://schemas.openxmlformats.org/presentationml/2006/main" showMasterSp="0" type="blank" preserve="1">
+<p:sldLayout xmlns:a="http://schemas.openxmlformats.org/drawingml/2006/main" xmlns:r="http://schemas.openxmlformats.org/officeDocument/2006/relationships" xmlns:p="http://schemas.openxmlformats.org/presentationml/2006/main" type="blank" preserve="1">
   <p:cSld name="Em branco">
     <p:spTree>
       <p:nvGrpSpPr>
@@ -2708,53 +2836,7 @@
       </p:grpSpPr>
       <p:sp>
         <p:nvSpPr>
-          <p:cNvPr id="5" name="Rectangle 4"/>
-          <p:cNvSpPr/>
-          <p:nvPr/>
-        </p:nvSpPr>
-        <p:spPr>
-          <a:xfrm>
-            <a:off x="152400" y="150919"/>
-            <a:ext cx="8831802" cy="6556248"/>
-          </a:xfrm>
-          <a:prstGeom prst="rect">
-            <a:avLst/>
-          </a:prstGeom>
-          <a:solidFill>
-            <a:schemeClr val="bg2"/>
-          </a:solidFill>
-          <a:ln>
-            <a:noFill/>
-          </a:ln>
-        </p:spPr>
-        <p:style>
-          <a:lnRef idx="2">
-            <a:schemeClr val="accent1">
-              <a:shade val="50000"/>
-            </a:schemeClr>
-          </a:lnRef>
-          <a:fillRef idx="1">
-            <a:schemeClr val="accent1"/>
-          </a:fillRef>
-          <a:effectRef idx="0">
-            <a:schemeClr val="accent1"/>
-          </a:effectRef>
-          <a:fontRef idx="minor">
-            <a:schemeClr val="lt1"/>
-          </a:fontRef>
-        </p:style>
-        <p:txBody>
-          <a:bodyPr rtlCol="0" anchor="ctr"/>
-          <a:lstStyle/>
-          <a:p>
-            <a:pPr algn="ctr"/>
-            <a:endParaRPr lang="en-US"/>
-          </a:p>
-        </p:txBody>
-      </p:sp>
-      <p:sp>
-        <p:nvSpPr>
-          <p:cNvPr id="2" name="Date Placeholder 1"/>
+          <p:cNvPr id="2" name="Espaço Reservado para Data 1"/>
           <p:cNvSpPr>
             <a:spLocks noGrp="1"/>
           </p:cNvSpPr>
@@ -2769,7 +2851,7 @@
           <a:p>
             <a:fld id="{2E700DB3-DBF0-4086-B675-117E7A9610B8}" type="datetimeFigureOut">
               <a:rPr lang="pt-BR" smtClean="0"/>
-              <a:t>19/06/2016</a:t>
+              <a:t>27/06/2016</a:t>
             </a:fld>
             <a:endParaRPr lang="pt-BR"/>
           </a:p>
@@ -2777,7 +2859,7 @@
       </p:sp>
       <p:sp>
         <p:nvSpPr>
-          <p:cNvPr id="3" name="Footer Placeholder 2"/>
+          <p:cNvPr id="3" name="Espaço Reservado para Rodapé 2"/>
           <p:cNvSpPr>
             <a:spLocks noGrp="1"/>
           </p:cNvSpPr>
@@ -2796,7 +2878,7 @@
       </p:sp>
       <p:sp>
         <p:nvSpPr>
-          <p:cNvPr id="4" name="Slide Number Placeholder 3"/>
+          <p:cNvPr id="4" name="Espaço Reservado para Número de Slide 3"/>
           <p:cNvSpPr>
             <a:spLocks noGrp="1"/>
           </p:cNvSpPr>
@@ -2826,13 +2908,8 @@
 </file>
 
 <file path=ppt/slideLayouts/slideLayout8.xml><?xml version="1.0" encoding="utf-8"?>
-<p:sldLayout xmlns:a="http://schemas.openxmlformats.org/drawingml/2006/main" xmlns:r="http://schemas.openxmlformats.org/officeDocument/2006/relationships" xmlns:p="http://schemas.openxmlformats.org/presentationml/2006/main" showMasterSp="0" type="objTx" preserve="1">
+<p:sldLayout xmlns:a="http://schemas.openxmlformats.org/drawingml/2006/main" xmlns:r="http://schemas.openxmlformats.org/officeDocument/2006/relationships" xmlns:p="http://schemas.openxmlformats.org/presentationml/2006/main" type="objTx" preserve="1">
   <p:cSld name="Conteúdo com Legenda">
-    <p:bg>
-      <p:bgRef idx="1001">
-        <a:schemeClr val="bg2"/>
-      </p:bgRef>
-    </p:bg>
     <p:spTree>
       <p:nvGrpSpPr>
         <p:cNvPr id="1" name=""/>
@@ -2849,153 +2926,100 @@
       </p:grpSpPr>
       <p:sp>
         <p:nvSpPr>
-          <p:cNvPr id="10" name="Rectangle 9"/>
-          <p:cNvSpPr/>
-          <p:nvPr/>
+          <p:cNvPr id="2" name="Título 1"/>
+          <p:cNvSpPr>
+            <a:spLocks noGrp="1"/>
+          </p:cNvSpPr>
+          <p:nvPr>
+            <p:ph type="title"/>
+          </p:nvPr>
         </p:nvSpPr>
         <p:spPr>
           <a:xfrm>
-            <a:off x="0" y="0"/>
-            <a:ext cx="9144000" cy="6858000"/>
-          </a:xfrm>
-          <a:prstGeom prst="rect">
-            <a:avLst/>
-          </a:prstGeom>
-          <a:solidFill>
-            <a:srgbClr val="FFFFFF"/>
-          </a:solidFill>
-          <a:ln>
-            <a:noFill/>
-          </a:ln>
-        </p:spPr>
-        <p:style>
-          <a:lnRef idx="2">
-            <a:schemeClr val="accent1">
-              <a:shade val="50000"/>
-            </a:schemeClr>
-          </a:lnRef>
-          <a:fillRef idx="1">
-            <a:schemeClr val="accent1"/>
-          </a:fillRef>
-          <a:effectRef idx="0">
-            <a:schemeClr val="accent1"/>
-          </a:effectRef>
-          <a:fontRef idx="minor">
-            <a:schemeClr val="lt1"/>
-          </a:fontRef>
-        </p:style>
-        <p:txBody>
-          <a:bodyPr rtlCol="0" anchor="ctr"/>
-          <a:lstStyle/>
-          <a:p>
-            <a:pPr algn="ctr"/>
-            <a:endParaRPr lang="en-US"/>
-          </a:p>
-        </p:txBody>
-      </p:sp>
-      <p:sp>
-        <p:nvSpPr>
-          <p:cNvPr id="8" name="Rectangle 7"/>
-          <p:cNvSpPr/>
-          <p:nvPr/>
+            <a:off x="5353496" y="1101970"/>
+            <a:ext cx="3383280" cy="877824"/>
+          </a:xfrm>
+        </p:spPr>
+        <p:txBody>
+          <a:bodyPr anchor="b"/>
+          <a:lstStyle>
+            <a:lvl1pPr algn="l">
+              <a:buNone/>
+              <a:defRPr sz="1800" b="1"/>
+            </a:lvl1pPr>
+          </a:lstStyle>
+          <a:p>
+            <a:r>
+              <a:rPr kumimoji="0" lang="pt-BR" smtClean="0"/>
+              <a:t>Clique para editar o título mestre</a:t>
+            </a:r>
+            <a:endParaRPr kumimoji="0" lang="en-US"/>
+          </a:p>
+        </p:txBody>
+      </p:sp>
+      <p:sp>
+        <p:nvSpPr>
+          <p:cNvPr id="3" name="Espaço Reservado para Texto 2"/>
+          <p:cNvSpPr>
+            <a:spLocks noGrp="1"/>
+          </p:cNvSpPr>
+          <p:nvPr>
+            <p:ph type="body" idx="2"/>
+          </p:nvPr>
         </p:nvSpPr>
         <p:spPr>
           <a:xfrm>
-            <a:off x="7010400" y="150876"/>
-            <a:ext cx="1981200" cy="6556248"/>
-          </a:xfrm>
-          <a:prstGeom prst="rect">
-            <a:avLst/>
-          </a:prstGeom>
-          <a:solidFill>
-            <a:schemeClr val="accent1"/>
-          </a:solidFill>
-          <a:ln>
-            <a:noFill/>
-          </a:ln>
-        </p:spPr>
-        <p:style>
-          <a:lnRef idx="2">
-            <a:schemeClr val="accent1">
-              <a:shade val="50000"/>
-            </a:schemeClr>
-          </a:lnRef>
-          <a:fillRef idx="1">
-            <a:schemeClr val="accent1"/>
-          </a:fillRef>
-          <a:effectRef idx="0">
-            <a:schemeClr val="accent1"/>
-          </a:effectRef>
-          <a:fontRef idx="minor">
-            <a:schemeClr val="lt1"/>
-          </a:fontRef>
-        </p:style>
-        <p:txBody>
-          <a:bodyPr rtlCol="0" anchor="ctr"/>
-          <a:lstStyle/>
-          <a:p>
-            <a:pPr algn="ctr"/>
-            <a:endParaRPr lang="en-US"/>
-          </a:p>
-        </p:txBody>
-      </p:sp>
-      <p:sp useBgFill="1">
-        <p:nvSpPr>
-          <p:cNvPr id="9" name="Rectangle 8"/>
-          <p:cNvSpPr/>
-          <p:nvPr/>
+            <a:off x="5353496" y="2010727"/>
+            <a:ext cx="3383280" cy="4617720"/>
+          </a:xfrm>
+        </p:spPr>
+        <p:txBody>
+          <a:bodyPr/>
+          <a:lstStyle>
+            <a:lvl1pPr marL="9144" indent="0">
+              <a:buNone/>
+              <a:defRPr sz="1400"/>
+            </a:lvl1pPr>
+            <a:lvl2pPr>
+              <a:buNone/>
+              <a:defRPr sz="1200"/>
+            </a:lvl2pPr>
+            <a:lvl3pPr>
+              <a:buNone/>
+              <a:defRPr sz="1000"/>
+            </a:lvl3pPr>
+            <a:lvl4pPr>
+              <a:buNone/>
+              <a:defRPr sz="900"/>
+            </a:lvl4pPr>
+            <a:lvl5pPr>
+              <a:buNone/>
+              <a:defRPr sz="900"/>
+            </a:lvl5pPr>
+          </a:lstStyle>
+          <a:p>
+            <a:pPr lvl="0" eaLnBrk="1" latinLnBrk="0" hangingPunct="1"/>
+            <a:r>
+              <a:rPr kumimoji="0" lang="pt-BR" smtClean="0"/>
+              <a:t>Clique para editar o texto mestre</a:t>
+            </a:r>
+          </a:p>
+        </p:txBody>
+      </p:sp>
+      <p:sp>
+        <p:nvSpPr>
+          <p:cNvPr id="4" name="Espaço Reservado para Conteúdo 3"/>
+          <p:cNvSpPr>
+            <a:spLocks noGrp="1"/>
+          </p:cNvSpPr>
+          <p:nvPr>
+            <p:ph sz="half" idx="1"/>
+          </p:nvPr>
         </p:nvSpPr>
         <p:spPr>
           <a:xfrm>
-            <a:off x="152400" y="152400"/>
-            <a:ext cx="6705600" cy="6553200"/>
-          </a:xfrm>
-          <a:prstGeom prst="rect">
-            <a:avLst/>
-          </a:prstGeom>
-          <a:ln>
-            <a:noFill/>
-          </a:ln>
-        </p:spPr>
-        <p:style>
-          <a:lnRef idx="2">
-            <a:schemeClr val="accent1">
-              <a:shade val="50000"/>
-            </a:schemeClr>
-          </a:lnRef>
-          <a:fillRef idx="1">
-            <a:schemeClr val="accent1"/>
-          </a:fillRef>
-          <a:effectRef idx="0">
-            <a:schemeClr val="accent1"/>
-          </a:effectRef>
-          <a:fontRef idx="minor">
-            <a:schemeClr val="lt1"/>
-          </a:fontRef>
-        </p:style>
-        <p:txBody>
-          <a:bodyPr rtlCol="0" anchor="ctr"/>
-          <a:lstStyle/>
-          <a:p>
-            <a:pPr algn="ctr"/>
-            <a:endParaRPr lang="en-US"/>
-          </a:p>
-        </p:txBody>
-      </p:sp>
-      <p:sp>
-        <p:nvSpPr>
-          <p:cNvPr id="3" name="Content Placeholder 2"/>
-          <p:cNvSpPr>
-            <a:spLocks noGrp="1"/>
-          </p:cNvSpPr>
-          <p:nvPr>
-            <p:ph idx="1"/>
-          </p:nvPr>
-        </p:nvSpPr>
-        <p:spPr>
-          <a:xfrm>
-            <a:off x="609600" y="304800"/>
-            <a:ext cx="5867400" cy="5853113"/>
+            <a:off x="152400" y="776287"/>
+            <a:ext cx="5102352" cy="5852160"/>
           </a:xfrm>
         </p:spPr>
         <p:txBody>
@@ -3016,129 +3040,48 @@
             <a:lvl5pPr>
               <a:defRPr sz="2000"/>
             </a:lvl5pPr>
-            <a:lvl6pPr>
-              <a:defRPr sz="2000"/>
-            </a:lvl6pPr>
-            <a:lvl7pPr>
-              <a:defRPr sz="2000"/>
-            </a:lvl7pPr>
-            <a:lvl8pPr>
-              <a:defRPr sz="2000"/>
-            </a:lvl8pPr>
-            <a:lvl9pPr>
-              <a:defRPr sz="2000"/>
-            </a:lvl9pPr>
           </a:lstStyle>
           <a:p>
-            <a:pPr lvl="0"/>
+            <a:pPr lvl="0" eaLnBrk="1" latinLnBrk="0" hangingPunct="1"/>
             <a:r>
               <a:rPr lang="pt-BR" smtClean="0"/>
               <a:t>Clique para editar o texto mestre</a:t>
             </a:r>
           </a:p>
           <a:p>
-            <a:pPr lvl="1"/>
+            <a:pPr lvl="1" eaLnBrk="1" latinLnBrk="0" hangingPunct="1"/>
             <a:r>
               <a:rPr lang="pt-BR" smtClean="0"/>
               <a:t>Segundo nível</a:t>
             </a:r>
           </a:p>
           <a:p>
-            <a:pPr lvl="2"/>
+            <a:pPr lvl="2" eaLnBrk="1" latinLnBrk="0" hangingPunct="1"/>
             <a:r>
               <a:rPr lang="pt-BR" smtClean="0"/>
               <a:t>Terceiro nível</a:t>
             </a:r>
           </a:p>
           <a:p>
-            <a:pPr lvl="3"/>
+            <a:pPr lvl="3" eaLnBrk="1" latinLnBrk="0" hangingPunct="1"/>
             <a:r>
               <a:rPr lang="pt-BR" smtClean="0"/>
               <a:t>Quarto nível</a:t>
             </a:r>
           </a:p>
           <a:p>
-            <a:pPr lvl="4"/>
+            <a:pPr lvl="4" eaLnBrk="1" latinLnBrk="0" hangingPunct="1"/>
             <a:r>
               <a:rPr lang="pt-BR" smtClean="0"/>
               <a:t>Quinto nível</a:t>
             </a:r>
-            <a:endParaRPr lang="en-US"/>
-          </a:p>
-        </p:txBody>
-      </p:sp>
-      <p:sp>
-        <p:nvSpPr>
-          <p:cNvPr id="4" name="Text Placeholder 3"/>
-          <p:cNvSpPr>
-            <a:spLocks noGrp="1"/>
-          </p:cNvSpPr>
-          <p:nvPr>
-            <p:ph type="body" sz="half" idx="2"/>
-          </p:nvPr>
-        </p:nvSpPr>
-        <p:spPr>
-          <a:xfrm>
-            <a:off x="7159752" y="2130552"/>
-            <a:ext cx="1673352" cy="2816352"/>
-          </a:xfrm>
-        </p:spPr>
-        <p:txBody>
-          <a:bodyPr tIns="0"/>
-          <a:lstStyle>
-            <a:lvl1pPr marL="0" indent="0">
-              <a:buNone/>
-              <a:defRPr sz="1400">
-                <a:solidFill>
-                  <a:srgbClr val="FFFFFF"/>
-                </a:solidFill>
-              </a:defRPr>
-            </a:lvl1pPr>
-            <a:lvl2pPr marL="457200" indent="0">
-              <a:buNone/>
-              <a:defRPr sz="1200"/>
-            </a:lvl2pPr>
-            <a:lvl3pPr marL="914400" indent="0">
-              <a:buNone/>
-              <a:defRPr sz="1000"/>
-            </a:lvl3pPr>
-            <a:lvl4pPr marL="1371600" indent="0">
-              <a:buNone/>
-              <a:defRPr sz="900"/>
-            </a:lvl4pPr>
-            <a:lvl5pPr marL="1828800" indent="0">
-              <a:buNone/>
-              <a:defRPr sz="900"/>
-            </a:lvl5pPr>
-            <a:lvl6pPr marL="2286000" indent="0">
-              <a:buNone/>
-              <a:defRPr sz="900"/>
-            </a:lvl6pPr>
-            <a:lvl7pPr marL="2743200" indent="0">
-              <a:buNone/>
-              <a:defRPr sz="900"/>
-            </a:lvl7pPr>
-            <a:lvl8pPr marL="3200400" indent="0">
-              <a:buNone/>
-              <a:defRPr sz="900"/>
-            </a:lvl8pPr>
-            <a:lvl9pPr marL="3657600" indent="0">
-              <a:buNone/>
-              <a:defRPr sz="900"/>
-            </a:lvl9pPr>
-          </a:lstStyle>
-          <a:p>
-            <a:pPr lvl="0"/>
-            <a:r>
-              <a:rPr lang="pt-BR" smtClean="0"/>
-              <a:t>Clique para editar o texto mestre</a:t>
-            </a:r>
-          </a:p>
-        </p:txBody>
-      </p:sp>
-      <p:sp>
-        <p:nvSpPr>
-          <p:cNvPr id="5" name="Date Placeholder 4"/>
+            <a:endParaRPr kumimoji="0" lang="en-US"/>
+          </a:p>
+        </p:txBody>
+      </p:sp>
+      <p:sp>
+        <p:nvSpPr>
+          <p:cNvPr id="5" name="Espaço Reservado para Data 4"/>
           <p:cNvSpPr>
             <a:spLocks noGrp="1"/>
           </p:cNvSpPr>
@@ -3153,7 +3096,7 @@
           <a:p>
             <a:fld id="{2E700DB3-DBF0-4086-B675-117E7A9610B8}" type="datetimeFigureOut">
               <a:rPr lang="pt-BR" smtClean="0"/>
-              <a:t>19/06/2016</a:t>
+              <a:t>27/06/2016</a:t>
             </a:fld>
             <a:endParaRPr lang="pt-BR"/>
           </a:p>
@@ -3161,7 +3104,7 @@
       </p:sp>
       <p:sp>
         <p:nvSpPr>
-          <p:cNvPr id="6" name="Footer Placeholder 5"/>
+          <p:cNvPr id="6" name="Espaço Reservado para Rodapé 5"/>
           <p:cNvSpPr>
             <a:spLocks noGrp="1"/>
           </p:cNvSpPr>
@@ -3180,7 +3123,7 @@
       </p:sp>
       <p:sp>
         <p:nvSpPr>
-          <p:cNvPr id="7" name="Slide Number Placeholder 6"/>
+          <p:cNvPr id="7" name="Espaço Reservado para Número de Slide 6"/>
           <p:cNvSpPr>
             <a:spLocks noGrp="1"/>
           </p:cNvSpPr>
@@ -3188,22 +3131,10 @@
             <p:ph type="sldNum" sz="quarter" idx="12"/>
           </p:nvPr>
         </p:nvSpPr>
-        <p:spPr>
-          <a:ln>
-            <a:noFill/>
-          </a:ln>
-        </p:spPr>
+        <p:spPr/>
         <p:txBody>
           <a:bodyPr/>
-          <a:lstStyle>
-            <a:lvl1pPr>
-              <a:defRPr>
-                <a:solidFill>
-                  <a:srgbClr val="FFFFFF"/>
-                </a:solidFill>
-              </a:defRPr>
-            </a:lvl1pPr>
-          </a:lstStyle>
+          <a:lstStyle/>
           <a:p>
             <a:fld id="{2119D8CF-8DEC-4D9F-84EE-ADF04DFF3391}" type="slidenum">
               <a:rPr lang="pt-BR" smtClean="0"/>
@@ -3213,54 +3144,17 @@
           </a:p>
         </p:txBody>
       </p:sp>
-      <p:sp>
-        <p:nvSpPr>
-          <p:cNvPr id="11" name="Title 10"/>
-          <p:cNvSpPr>
-            <a:spLocks noGrp="1"/>
-          </p:cNvSpPr>
-          <p:nvPr>
-            <p:ph type="title"/>
-          </p:nvPr>
-        </p:nvSpPr>
-        <p:spPr>
-          <a:xfrm>
-            <a:off x="7159752" y="457200"/>
-            <a:ext cx="1675660" cy="1673352"/>
-          </a:xfrm>
-        </p:spPr>
-        <p:txBody>
-          <a:bodyPr anchor="b"/>
-          <a:lstStyle>
-            <a:lvl1pPr algn="l">
-              <a:defRPr sz="2000" spc="150" baseline="0"/>
-            </a:lvl1pPr>
-          </a:lstStyle>
-          <a:p>
-            <a:r>
-              <a:rPr lang="pt-BR" smtClean="0"/>
-              <a:t>Clique para editar o título mestre</a:t>
-            </a:r>
-            <a:endParaRPr lang="en-US" dirty="0"/>
-          </a:p>
-        </p:txBody>
-      </p:sp>
     </p:spTree>
   </p:cSld>
   <p:clrMapOvr>
-    <a:overrideClrMapping bg1="lt1" tx1="dk1" bg2="lt2" tx2="dk2" accent1="accent1" accent2="accent2" accent3="accent3" accent4="accent4" accent5="accent5" accent6="accent6" hlink="hlink" folHlink="folHlink"/>
+    <a:masterClrMapping/>
   </p:clrMapOvr>
 </p:sldLayout>
 </file>
 
 <file path=ppt/slideLayouts/slideLayout9.xml><?xml version="1.0" encoding="utf-8"?>
-<p:sldLayout xmlns:a="http://schemas.openxmlformats.org/drawingml/2006/main" xmlns:r="http://schemas.openxmlformats.org/officeDocument/2006/relationships" xmlns:p="http://schemas.openxmlformats.org/presentationml/2006/main" showMasterSp="0" type="picTx" preserve="1">
+<p:sldLayout xmlns:a="http://schemas.openxmlformats.org/drawingml/2006/main" xmlns:r="http://schemas.openxmlformats.org/officeDocument/2006/relationships" xmlns:p="http://schemas.openxmlformats.org/presentationml/2006/main" type="picTx" preserve="1">
   <p:cSld name="Imagem com Legenda">
-    <p:bg>
-      <p:bgRef idx="1001">
-        <a:schemeClr val="bg2"/>
-      </p:bgRef>
-    </p:bg>
     <p:spTree>
       <p:nvGrpSpPr>
         <p:cNvPr id="1" name=""/>
@@ -3277,161 +3171,101 @@
       </p:grpSpPr>
       <p:sp>
         <p:nvSpPr>
-          <p:cNvPr id="8" name="Rectangle 7"/>
-          <p:cNvSpPr/>
-          <p:nvPr/>
+          <p:cNvPr id="2" name="Título 1"/>
+          <p:cNvSpPr>
+            <a:spLocks noGrp="1"/>
+          </p:cNvSpPr>
+          <p:nvPr>
+            <p:ph type="title"/>
+          </p:nvPr>
         </p:nvSpPr>
         <p:spPr>
           <a:xfrm>
-            <a:off x="0" y="0"/>
-            <a:ext cx="9144000" cy="6858000"/>
-          </a:xfrm>
-          <a:prstGeom prst="rect">
-            <a:avLst/>
-          </a:prstGeom>
-          <a:solidFill>
-            <a:srgbClr val="FFFFFF"/>
-          </a:solidFill>
-          <a:ln>
-            <a:noFill/>
-          </a:ln>
-        </p:spPr>
-        <p:style>
-          <a:lnRef idx="2">
-            <a:schemeClr val="accent1">
-              <a:shade val="50000"/>
-            </a:schemeClr>
-          </a:lnRef>
-          <a:fillRef idx="1">
-            <a:schemeClr val="accent1"/>
-          </a:fillRef>
-          <a:effectRef idx="0">
-            <a:schemeClr val="accent1"/>
-          </a:effectRef>
-          <a:fontRef idx="minor">
-            <a:schemeClr val="lt1"/>
-          </a:fontRef>
-        </p:style>
-        <p:txBody>
-          <a:bodyPr rtlCol="0" anchor="ctr"/>
-          <a:lstStyle/>
-          <a:p>
-            <a:pPr algn="ctr"/>
-            <a:endParaRPr lang="en-US"/>
-          </a:p>
-        </p:txBody>
-      </p:sp>
-      <p:sp useBgFill="1">
-        <p:nvSpPr>
-          <p:cNvPr id="9" name="Rectangle 8"/>
-          <p:cNvSpPr/>
-          <p:nvPr/>
+            <a:off x="5440434" y="1109160"/>
+            <a:ext cx="586803" cy="4681637"/>
+          </a:xfrm>
+        </p:spPr>
+        <p:txBody>
+          <a:bodyPr vert="vert270" lIns="45720" tIns="0" rIns="45720" anchor="t"/>
+          <a:lstStyle>
+            <a:lvl1pPr algn="ctr">
+              <a:buNone/>
+              <a:defRPr sz="2000" b="1"/>
+            </a:lvl1pPr>
+          </a:lstStyle>
+          <a:p>
+            <a:r>
+              <a:rPr kumimoji="0" lang="pt-BR" smtClean="0"/>
+              <a:t>Clique para editar o título mestre</a:t>
+            </a:r>
+            <a:endParaRPr kumimoji="0" lang="en-US"/>
+          </a:p>
+        </p:txBody>
+      </p:sp>
+      <p:sp>
+        <p:nvSpPr>
+          <p:cNvPr id="3" name="Espaço Reservado para Imagem 2"/>
+          <p:cNvSpPr>
+            <a:spLocks noGrp="1"/>
+          </p:cNvSpPr>
+          <p:nvPr>
+            <p:ph type="pic" idx="1"/>
+          </p:nvPr>
         </p:nvSpPr>
         <p:spPr>
           <a:xfrm>
-            <a:off x="7010400" y="150876"/>
-            <a:ext cx="1981200" cy="6556248"/>
-          </a:xfrm>
-          <a:prstGeom prst="rect">
-            <a:avLst/>
-          </a:prstGeom>
-          <a:ln>
-            <a:noFill/>
+            <a:off x="403671" y="1143000"/>
+            <a:ext cx="4572000" cy="4572000"/>
+          </a:xfrm>
+          <a:solidFill>
+            <a:srgbClr val="EAEAEA"/>
+          </a:solidFill>
+          <a:ln w="50800">
+            <a:solidFill>
+              <a:srgbClr val="FFFFFF"/>
+            </a:solidFill>
+            <a:miter lim="800000"/>
           </a:ln>
-        </p:spPr>
-        <p:style>
-          <a:lnRef idx="2">
-            <a:schemeClr val="accent1">
-              <a:shade val="50000"/>
-            </a:schemeClr>
-          </a:lnRef>
-          <a:fillRef idx="1">
-            <a:schemeClr val="accent1"/>
-          </a:fillRef>
-          <a:effectRef idx="0">
-            <a:schemeClr val="accent1"/>
-          </a:effectRef>
-          <a:fontRef idx="minor">
-            <a:schemeClr val="lt1"/>
-          </a:fontRef>
-        </p:style>
-        <p:txBody>
-          <a:bodyPr rtlCol="0" anchor="ctr"/>
-          <a:lstStyle/>
-          <a:p>
-            <a:pPr algn="ctr"/>
-            <a:endParaRPr lang="en-US"/>
-          </a:p>
-        </p:txBody>
-      </p:sp>
-      <p:sp>
-        <p:nvSpPr>
-          <p:cNvPr id="3" name="Picture Placeholder 2"/>
-          <p:cNvSpPr>
-            <a:spLocks noGrp="1"/>
-          </p:cNvSpPr>
-          <p:nvPr>
-            <p:ph type="pic" idx="1"/>
-          </p:nvPr>
-        </p:nvSpPr>
-        <p:spPr>
-          <a:xfrm>
-            <a:off x="152400" y="152400"/>
-            <a:ext cx="6705600" cy="6553200"/>
-          </a:xfrm>
-        </p:spPr>
-        <p:txBody>
-          <a:bodyPr anchor="ctr"/>
+          <a:effectLst>
+            <a:outerShdw blurRad="57150" dist="31750" dir="4800000" algn="tl" rotWithShape="0">
+              <a:srgbClr val="000000">
+                <a:alpha val="25000"/>
+              </a:srgbClr>
+            </a:outerShdw>
+          </a:effectLst>
+          <a:scene3d>
+            <a:camera prst="orthographicFront"/>
+            <a:lightRig rig="twoPt" dir="t">
+              <a:rot lat="0" lon="0" rev="7200000"/>
+            </a:lightRig>
+          </a:scene3d>
+          <a:sp3d contourW="2540">
+            <a:bevelT w="25400" h="19050"/>
+            <a:contourClr>
+              <a:srgbClr val="AEAEAE"/>
+            </a:contourClr>
+          </a:sp3d>
+        </p:spPr>
+        <p:txBody>
+          <a:bodyPr/>
           <a:lstStyle>
-            <a:lvl1pPr marL="0" indent="0" algn="ctr">
+            <a:lvl1pPr marL="0" indent="0">
               <a:buNone/>
               <a:defRPr sz="3200"/>
             </a:lvl1pPr>
-            <a:lvl2pPr marL="457200" indent="0">
-              <a:buNone/>
-              <a:defRPr sz="2800"/>
-            </a:lvl2pPr>
-            <a:lvl3pPr marL="914400" indent="0">
-              <a:buNone/>
-              <a:defRPr sz="2400"/>
-            </a:lvl3pPr>
-            <a:lvl4pPr marL="1371600" indent="0">
-              <a:buNone/>
-              <a:defRPr sz="2000"/>
-            </a:lvl4pPr>
-            <a:lvl5pPr marL="1828800" indent="0">
-              <a:buNone/>
-              <a:defRPr sz="2000"/>
-            </a:lvl5pPr>
-            <a:lvl6pPr marL="2286000" indent="0">
-              <a:buNone/>
-              <a:defRPr sz="2000"/>
-            </a:lvl6pPr>
-            <a:lvl7pPr marL="2743200" indent="0">
-              <a:buNone/>
-              <a:defRPr sz="2000"/>
-            </a:lvl7pPr>
-            <a:lvl8pPr marL="3200400" indent="0">
-              <a:buNone/>
-              <a:defRPr sz="2000"/>
-            </a:lvl8pPr>
-            <a:lvl9pPr marL="3657600" indent="0">
-              <a:buNone/>
-              <a:defRPr sz="2000"/>
-            </a:lvl9pPr>
           </a:lstStyle>
           <a:p>
             <a:r>
-              <a:rPr lang="pt-BR" smtClean="0"/>
+              <a:rPr kumimoji="0" lang="pt-BR" smtClean="0"/>
               <a:t>Clique no ícone para adicionar uma imagem</a:t>
             </a:r>
-            <a:endParaRPr lang="en-US" dirty="0"/>
-          </a:p>
-        </p:txBody>
-      </p:sp>
-      <p:sp>
-        <p:nvSpPr>
-          <p:cNvPr id="4" name="Text Placeholder 3"/>
+            <a:endParaRPr kumimoji="0" lang="en-US" dirty="0"/>
+          </a:p>
+        </p:txBody>
+      </p:sp>
+      <p:sp>
+        <p:nvSpPr>
+          <p:cNvPr id="4" name="Espaço Reservado para Texto 3"/>
           <p:cNvSpPr>
             <a:spLocks noGrp="1"/>
           </p:cNvSpPr>
@@ -3441,58 +3275,49 @@
         </p:nvSpPr>
         <p:spPr>
           <a:xfrm>
-            <a:off x="7162800" y="2133600"/>
-            <a:ext cx="1676400" cy="2971800"/>
-          </a:xfrm>
-        </p:spPr>
-        <p:txBody>
-          <a:bodyPr tIns="0"/>
+            <a:off x="6088443" y="3274308"/>
+            <a:ext cx="2590800" cy="2516489"/>
+          </a:xfrm>
+        </p:spPr>
+        <p:txBody>
+          <a:bodyPr lIns="0" tIns="0" rIns="45720" anchor="t"/>
           <a:lstStyle>
             <a:lvl1pPr marL="0" indent="0">
+              <a:lnSpc>
+                <a:spcPct val="100000"/>
+              </a:lnSpc>
+              <a:spcBef>
+                <a:spcPts val="0"/>
+              </a:spcBef>
+              <a:buFontTx/>
               <a:buNone/>
-              <a:defRPr sz="1400">
-                <a:solidFill>
-                  <a:schemeClr val="tx1"/>
-                </a:solidFill>
-              </a:defRPr>
+              <a:defRPr sz="1300"/>
             </a:lvl1pPr>
-            <a:lvl2pPr marL="457200" indent="0">
+            <a:lvl2pPr>
+              <a:buFontTx/>
               <a:buNone/>
               <a:defRPr sz="1200"/>
             </a:lvl2pPr>
-            <a:lvl3pPr marL="914400" indent="0">
+            <a:lvl3pPr>
+              <a:buFontTx/>
               <a:buNone/>
               <a:defRPr sz="1000"/>
             </a:lvl3pPr>
-            <a:lvl4pPr marL="1371600" indent="0">
+            <a:lvl4pPr>
+              <a:buFontTx/>
               <a:buNone/>
               <a:defRPr sz="900"/>
             </a:lvl4pPr>
-            <a:lvl5pPr marL="1828800" indent="0">
+            <a:lvl5pPr>
+              <a:buFontTx/>
               <a:buNone/>
               <a:defRPr sz="900"/>
             </a:lvl5pPr>
-            <a:lvl6pPr marL="2286000" indent="0">
-              <a:buNone/>
-              <a:defRPr sz="900"/>
-            </a:lvl6pPr>
-            <a:lvl7pPr marL="2743200" indent="0">
-              <a:buNone/>
-              <a:defRPr sz="900"/>
-            </a:lvl7pPr>
-            <a:lvl8pPr marL="3200400" indent="0">
-              <a:buNone/>
-              <a:defRPr sz="900"/>
-            </a:lvl8pPr>
-            <a:lvl9pPr marL="3657600" indent="0">
-              <a:buNone/>
-              <a:defRPr sz="900"/>
-            </a:lvl9pPr>
           </a:lstStyle>
           <a:p>
-            <a:pPr lvl="0"/>
-            <a:r>
-              <a:rPr lang="pt-BR" smtClean="0"/>
+            <a:pPr lvl="0" eaLnBrk="1" latinLnBrk="0" hangingPunct="1"/>
+            <a:r>
+              <a:rPr kumimoji="0" lang="pt-BR" smtClean="0"/>
               <a:t>Clique para editar o texto mestre</a:t>
             </a:r>
           </a:p>
@@ -3500,7 +3325,7 @@
       </p:sp>
       <p:sp>
         <p:nvSpPr>
-          <p:cNvPr id="5" name="Date Placeholder 4"/>
+          <p:cNvPr id="5" name="Espaço Reservado para Data 4"/>
           <p:cNvSpPr>
             <a:spLocks noGrp="1"/>
           </p:cNvSpPr>
@@ -3515,7 +3340,7 @@
           <a:p>
             <a:fld id="{2E700DB3-DBF0-4086-B675-117E7A9610B8}" type="datetimeFigureOut">
               <a:rPr lang="pt-BR" smtClean="0"/>
-              <a:t>19/06/2016</a:t>
+              <a:t>27/06/2016</a:t>
             </a:fld>
             <a:endParaRPr lang="pt-BR"/>
           </a:p>
@@ -3523,7 +3348,7 @@
       </p:sp>
       <p:sp>
         <p:nvSpPr>
-          <p:cNvPr id="6" name="Footer Placeholder 5"/>
+          <p:cNvPr id="6" name="Espaço Reservado para Rodapé 5"/>
           <p:cNvSpPr>
             <a:spLocks noGrp="1"/>
           </p:cNvSpPr>
@@ -3542,7 +3367,7 @@
       </p:sp>
       <p:sp>
         <p:nvSpPr>
-          <p:cNvPr id="7" name="Slide Number Placeholder 6"/>
+          <p:cNvPr id="7" name="Espaço Reservado para Número de Slide 6"/>
           <p:cNvSpPr>
             <a:spLocks noGrp="1"/>
           </p:cNvSpPr>
@@ -3563,46 +3388,10 @@
           </a:p>
         </p:txBody>
       </p:sp>
-      <p:sp>
-        <p:nvSpPr>
-          <p:cNvPr id="10" name="Title 9"/>
-          <p:cNvSpPr>
-            <a:spLocks noGrp="1"/>
-          </p:cNvSpPr>
-          <p:nvPr>
-            <p:ph type="title"/>
-          </p:nvPr>
-        </p:nvSpPr>
-        <p:spPr>
-          <a:xfrm>
-            <a:off x="7162800" y="460248"/>
-            <a:ext cx="1676400" cy="1673352"/>
-          </a:xfrm>
-        </p:spPr>
-        <p:txBody>
-          <a:bodyPr anchor="b"/>
-          <a:lstStyle>
-            <a:lvl1pPr algn="l">
-              <a:defRPr sz="2000" spc="150" baseline="0">
-                <a:solidFill>
-                  <a:schemeClr val="tx2"/>
-                </a:solidFill>
-              </a:defRPr>
-            </a:lvl1pPr>
-          </a:lstStyle>
-          <a:p>
-            <a:r>
-              <a:rPr lang="pt-BR" smtClean="0"/>
-              <a:t>Clique para editar o título mestre</a:t>
-            </a:r>
-            <a:endParaRPr lang="en-US" dirty="0"/>
-          </a:p>
-        </p:txBody>
-      </p:sp>
     </p:spTree>
   </p:cSld>
   <p:clrMapOvr>
-    <a:overrideClrMapping bg1="dk1" tx1="lt1" bg2="dk2" tx2="lt2" accent1="accent1" accent2="accent2" accent3="accent3" accent4="accent4" accent5="accent5" accent6="accent6" hlink="hlink" folHlink="folHlink"/>
+    <a:masterClrMapping/>
   </p:clrMapOvr>
 </p:sldLayout>
 </file>
@@ -3631,35 +3420,37 @@
       </p:grpSpPr>
       <p:sp>
         <p:nvSpPr>
-          <p:cNvPr id="9" name="Rectangle 8"/>
+          <p:cNvPr id="28" name="Retângulo 27"/>
           <p:cNvSpPr/>
           <p:nvPr/>
         </p:nvSpPr>
         <p:spPr>
           <a:xfrm>
-            <a:off x="152400" y="1634971"/>
-            <a:ext cx="8831802" cy="5045476"/>
+            <a:off x="1" y="366818"/>
+            <a:ext cx="9144000" cy="84407"/>
           </a:xfrm>
           <a:prstGeom prst="rect">
             <a:avLst/>
           </a:prstGeom>
           <a:solidFill>
-            <a:schemeClr val="bg2"/>
+            <a:schemeClr val="accent2">
+              <a:alpha val="50000"/>
+            </a:schemeClr>
           </a:solidFill>
-          <a:ln>
+          <a:ln w="50800" cap="rnd" cmpd="thickThin" algn="ctr">
             <a:noFill/>
+            <a:prstDash val="solid"/>
           </a:ln>
+          <a:effectLst/>
         </p:spPr>
         <p:style>
-          <a:lnRef idx="2">
-            <a:schemeClr val="accent1">
-              <a:shade val="50000"/>
-            </a:schemeClr>
+          <a:lnRef idx="3">
+            <a:schemeClr val="lt1"/>
           </a:lnRef>
           <a:fillRef idx="1">
             <a:schemeClr val="accent1"/>
           </a:fillRef>
-          <a:effectRef idx="0">
+          <a:effectRef idx="1">
             <a:schemeClr val="accent1"/>
           </a:effectRef>
           <a:fontRef idx="minor">
@@ -3667,45 +3458,47 @@
           </a:fontRef>
         </p:style>
         <p:txBody>
-          <a:bodyPr rtlCol="0" anchor="ctr"/>
-          <a:lstStyle/>
-          <a:p>
-            <a:pPr algn="ctr"/>
-            <a:endParaRPr lang="en-US"/>
-          </a:p>
-        </p:txBody>
-      </p:sp>
-      <p:sp>
-        <p:nvSpPr>
-          <p:cNvPr id="8" name="Rectangle 7"/>
+          <a:bodyPr anchor="ctr"/>
+          <a:lstStyle/>
+          <a:p>
+            <a:pPr algn="ctr" eaLnBrk="1" latinLnBrk="0" hangingPunct="1"/>
+            <a:endParaRPr kumimoji="0" lang="en-US"/>
+          </a:p>
+        </p:txBody>
+      </p:sp>
+      <p:sp>
+        <p:nvSpPr>
+          <p:cNvPr id="29" name="Retângulo 28"/>
           <p:cNvSpPr/>
           <p:nvPr/>
         </p:nvSpPr>
         <p:spPr>
           <a:xfrm>
-            <a:off x="152399" y="152400"/>
-            <a:ext cx="8814047" cy="1346447"/>
+            <a:off x="0" y="-1"/>
+            <a:ext cx="9144000" cy="310663"/>
           </a:xfrm>
           <a:prstGeom prst="rect">
             <a:avLst/>
           </a:prstGeom>
           <a:solidFill>
-            <a:schemeClr val="tx2"/>
+            <a:schemeClr val="tx2">
+              <a:alpha val="100000"/>
+            </a:schemeClr>
           </a:solidFill>
-          <a:ln>
+          <a:ln w="50800" cap="rnd" cmpd="thickThin" algn="ctr">
             <a:noFill/>
+            <a:prstDash val="solid"/>
           </a:ln>
+          <a:effectLst/>
         </p:spPr>
         <p:style>
-          <a:lnRef idx="2">
-            <a:schemeClr val="accent1">
-              <a:shade val="50000"/>
-            </a:schemeClr>
+          <a:lnRef idx="3">
+            <a:schemeClr val="lt1"/>
           </a:lnRef>
           <a:fillRef idx="1">
             <a:schemeClr val="accent1"/>
           </a:fillRef>
-          <a:effectRef idx="0">
+          <a:effectRef idx="1">
             <a:schemeClr val="accent1"/>
           </a:effectRef>
           <a:fontRef idx="minor">
@@ -3713,135 +3506,657 @@
           </a:fontRef>
         </p:style>
         <p:txBody>
-          <a:bodyPr rtlCol="0" anchor="ctr"/>
-          <a:lstStyle/>
-          <a:p>
-            <a:pPr algn="ctr"/>
-            <a:endParaRPr lang="en-US"/>
-          </a:p>
-        </p:txBody>
-      </p:sp>
-      <p:sp>
-        <p:nvSpPr>
-          <p:cNvPr id="2" name="Title Placeholder 1"/>
-          <p:cNvSpPr>
-            <a:spLocks noGrp="1"/>
-          </p:cNvSpPr>
-          <p:nvPr>
-            <p:ph type="title"/>
-          </p:nvPr>
+          <a:bodyPr anchor="ctr"/>
+          <a:lstStyle/>
+          <a:p>
+            <a:pPr algn="ctr" eaLnBrk="1" latinLnBrk="0" hangingPunct="1"/>
+            <a:endParaRPr kumimoji="0" lang="en-US"/>
+          </a:p>
+        </p:txBody>
+      </p:sp>
+      <p:sp>
+        <p:nvSpPr>
+          <p:cNvPr id="30" name="Retângulo 29"/>
+          <p:cNvSpPr/>
+          <p:nvPr/>
         </p:nvSpPr>
         <p:spPr>
           <a:xfrm>
-            <a:off x="381000" y="355847"/>
-            <a:ext cx="8381260" cy="1054394"/>
+            <a:off x="0" y="308276"/>
+            <a:ext cx="9144001" cy="91441"/>
           </a:xfrm>
           <a:prstGeom prst="rect">
             <a:avLst/>
           </a:prstGeom>
-        </p:spPr>
-        <p:txBody>
-          <a:bodyPr vert="horz" lIns="91440" tIns="45720" rIns="91440" bIns="45720" rtlCol="0" anchor="ctr">
-            <a:noAutofit/>
-          </a:bodyPr>
-          <a:lstStyle/>
-          <a:p>
-            <a:r>
-              <a:rPr lang="pt-BR" smtClean="0"/>
-              <a:t>Clique para editar o título mestre</a:t>
-            </a:r>
-            <a:endParaRPr lang="en-US" dirty="0"/>
-          </a:p>
-        </p:txBody>
-      </p:sp>
-      <p:sp>
-        <p:nvSpPr>
-          <p:cNvPr id="3" name="Text Placeholder 2"/>
-          <p:cNvSpPr>
-            <a:spLocks noGrp="1"/>
-          </p:cNvSpPr>
-          <p:nvPr>
-            <p:ph type="body" idx="1"/>
-          </p:nvPr>
+          <a:solidFill>
+            <a:schemeClr val="accent2">
+              <a:alpha val="100000"/>
+            </a:schemeClr>
+          </a:solidFill>
+          <a:ln w="50800" cap="rnd" cmpd="thickThin" algn="ctr">
+            <a:noFill/>
+            <a:prstDash val="solid"/>
+          </a:ln>
+          <a:effectLst/>
+        </p:spPr>
+        <p:style>
+          <a:lnRef idx="3">
+            <a:schemeClr val="lt1"/>
+          </a:lnRef>
+          <a:fillRef idx="1">
+            <a:schemeClr val="accent1"/>
+          </a:fillRef>
+          <a:effectRef idx="1">
+            <a:schemeClr val="accent1"/>
+          </a:effectRef>
+          <a:fontRef idx="minor">
+            <a:schemeClr val="lt1"/>
+          </a:fontRef>
+        </p:style>
+        <p:txBody>
+          <a:bodyPr anchor="ctr"/>
+          <a:lstStyle/>
+          <a:p>
+            <a:pPr algn="ctr" eaLnBrk="1" latinLnBrk="0" hangingPunct="1"/>
+            <a:endParaRPr kumimoji="0" lang="en-US"/>
+          </a:p>
+        </p:txBody>
+      </p:sp>
+      <p:sp>
+        <p:nvSpPr>
+          <p:cNvPr id="31" name="Retângulo 30"/>
+          <p:cNvSpPr/>
+          <p:nvPr/>
         </p:nvSpPr>
         <p:spPr>
-          <a:xfrm>
-            <a:off x="380999" y="1719071"/>
-            <a:ext cx="8407893" cy="4407408"/>
+          <a:xfrm flipV="1">
+            <a:off x="5410182" y="360246"/>
+            <a:ext cx="3733819" cy="91087"/>
           </a:xfrm>
           <a:prstGeom prst="rect">
             <a:avLst/>
           </a:prstGeom>
-        </p:spPr>
-        <p:txBody>
-          <a:bodyPr vert="horz" lIns="91440" tIns="45720" rIns="91440" bIns="45720" rtlCol="0">
-            <a:normAutofit/>
-          </a:bodyPr>
-          <a:lstStyle/>
-          <a:p>
-            <a:pPr lvl="0"/>
-            <a:r>
-              <a:rPr lang="pt-BR" smtClean="0"/>
-              <a:t>Clique para editar o texto mestre</a:t>
-            </a:r>
-          </a:p>
-          <a:p>
-            <a:pPr lvl="1"/>
-            <a:r>
-              <a:rPr lang="pt-BR" smtClean="0"/>
-              <a:t>Segundo nível</a:t>
-            </a:r>
-          </a:p>
-          <a:p>
-            <a:pPr lvl="2"/>
-            <a:r>
-              <a:rPr lang="pt-BR" smtClean="0"/>
-              <a:t>Terceiro nível</a:t>
-            </a:r>
-          </a:p>
-          <a:p>
-            <a:pPr lvl="3"/>
-            <a:r>
-              <a:rPr lang="pt-BR" smtClean="0"/>
-              <a:t>Quarto nível</a:t>
-            </a:r>
-          </a:p>
-          <a:p>
-            <a:pPr lvl="4"/>
-            <a:r>
-              <a:rPr lang="pt-BR" smtClean="0"/>
-              <a:t>Quinto nível</a:t>
-            </a:r>
-            <a:endParaRPr lang="en-US" dirty="0"/>
-          </a:p>
-        </p:txBody>
-      </p:sp>
-      <p:sp>
-        <p:nvSpPr>
-          <p:cNvPr id="4" name="Date Placeholder 3"/>
-          <p:cNvSpPr>
-            <a:spLocks noGrp="1"/>
-          </p:cNvSpPr>
-          <p:nvPr>
-            <p:ph type="dt" sz="half" idx="2"/>
-          </p:nvPr>
+          <a:solidFill>
+            <a:schemeClr val="accent2">
+              <a:alpha val="100000"/>
+            </a:schemeClr>
+          </a:solidFill>
+          <a:ln w="50800" cap="rnd" cmpd="thickThin" algn="ctr">
+            <a:noFill/>
+            <a:prstDash val="solid"/>
+          </a:ln>
+          <a:effectLst/>
+        </p:spPr>
+        <p:style>
+          <a:lnRef idx="3">
+            <a:schemeClr val="lt1"/>
+          </a:lnRef>
+          <a:fillRef idx="1">
+            <a:schemeClr val="accent1"/>
+          </a:fillRef>
+          <a:effectRef idx="1">
+            <a:schemeClr val="accent1"/>
+          </a:effectRef>
+          <a:fontRef idx="minor">
+            <a:schemeClr val="lt1"/>
+          </a:fontRef>
+        </p:style>
+        <p:txBody>
+          <a:bodyPr anchor="ctr"/>
+          <a:lstStyle/>
+          <a:p>
+            <a:pPr algn="ctr" eaLnBrk="1" latinLnBrk="0" hangingPunct="1"/>
+            <a:endParaRPr kumimoji="0" lang="en-US"/>
+          </a:p>
+        </p:txBody>
+      </p:sp>
+      <p:sp>
+        <p:nvSpPr>
+          <p:cNvPr id="32" name="Retângulo 31"/>
+          <p:cNvSpPr/>
+          <p:nvPr/>
         </p:nvSpPr>
         <p:spPr>
-          <a:xfrm>
-            <a:off x="370888" y="6356350"/>
-            <a:ext cx="2133600" cy="274320"/>
+          <a:xfrm flipV="1">
+            <a:off x="5410200" y="440112"/>
+            <a:ext cx="3733801" cy="180035"/>
           </a:xfrm>
           <a:prstGeom prst="rect">
             <a:avLst/>
           </a:prstGeom>
-        </p:spPr>
-        <p:txBody>
-          <a:bodyPr vert="horz" lIns="91440" tIns="45720" rIns="91440" bIns="45720" rtlCol="0" anchor="ctr"/>
+          <a:solidFill>
+            <a:schemeClr val="accent2">
+              <a:alpha val="50000"/>
+            </a:schemeClr>
+          </a:solidFill>
+          <a:ln w="50800" cap="rnd" cmpd="thickThin" algn="ctr">
+            <a:noFill/>
+            <a:prstDash val="solid"/>
+          </a:ln>
+          <a:effectLst/>
+        </p:spPr>
+        <p:style>
+          <a:lnRef idx="3">
+            <a:schemeClr val="lt1"/>
+          </a:lnRef>
+          <a:fillRef idx="1">
+            <a:schemeClr val="accent1"/>
+          </a:fillRef>
+          <a:effectRef idx="1">
+            <a:schemeClr val="accent1"/>
+          </a:effectRef>
+          <a:fontRef idx="minor">
+            <a:schemeClr val="lt1"/>
+          </a:fontRef>
+        </p:style>
+        <p:txBody>
+          <a:bodyPr anchor="ctr"/>
+          <a:lstStyle/>
+          <a:p>
+            <a:pPr algn="ctr" eaLnBrk="1" latinLnBrk="0" hangingPunct="1"/>
+            <a:endParaRPr kumimoji="0" lang="en-US"/>
+          </a:p>
+        </p:txBody>
+      </p:sp>
+      <p:sp useBgFill="1">
+        <p:nvSpPr>
+          <p:cNvPr id="33" name="Retângulo de cantos arredondados 32"/>
+          <p:cNvSpPr/>
+          <p:nvPr/>
+        </p:nvSpPr>
+        <p:spPr bwMode="white">
+          <a:xfrm>
+            <a:off x="5407339" y="497504"/>
+            <a:ext cx="3063240" cy="27432"/>
+          </a:xfrm>
+          <a:prstGeom prst="roundRect">
+            <a:avLst>
+              <a:gd name="adj" fmla="val 16667"/>
+            </a:avLst>
+          </a:prstGeom>
+          <a:ln w="50800" cap="rnd" cmpd="thickThin" algn="ctr">
+            <a:noFill/>
+            <a:prstDash val="solid"/>
+          </a:ln>
+          <a:effectLst/>
+        </p:spPr>
+        <p:style>
+          <a:lnRef idx="3">
+            <a:schemeClr val="lt1"/>
+          </a:lnRef>
+          <a:fillRef idx="1">
+            <a:schemeClr val="accent1"/>
+          </a:fillRef>
+          <a:effectRef idx="1">
+            <a:schemeClr val="accent1"/>
+          </a:effectRef>
+          <a:fontRef idx="minor">
+            <a:schemeClr val="lt1"/>
+          </a:fontRef>
+        </p:style>
+        <p:txBody>
+          <a:bodyPr anchor="ctr"/>
+          <a:lstStyle/>
+          <a:p>
+            <a:pPr algn="ctr" eaLnBrk="1" latinLnBrk="0" hangingPunct="1"/>
+            <a:endParaRPr kumimoji="0" lang="en-US"/>
+          </a:p>
+        </p:txBody>
+      </p:sp>
+      <p:sp useBgFill="1">
+        <p:nvSpPr>
+          <p:cNvPr id="34" name="Retângulo de cantos arredondados 33"/>
+          <p:cNvSpPr/>
+          <p:nvPr/>
+        </p:nvSpPr>
+        <p:spPr bwMode="white">
+          <a:xfrm>
+            <a:off x="7373646" y="588943"/>
+            <a:ext cx="1600200" cy="36576"/>
+          </a:xfrm>
+          <a:prstGeom prst="roundRect">
+            <a:avLst>
+              <a:gd name="adj" fmla="val 16667"/>
+            </a:avLst>
+          </a:prstGeom>
+          <a:ln w="50800" cap="rnd" cmpd="thickThin" algn="ctr">
+            <a:noFill/>
+            <a:prstDash val="solid"/>
+          </a:ln>
+          <a:effectLst/>
+        </p:spPr>
+        <p:style>
+          <a:lnRef idx="3">
+            <a:schemeClr val="lt1"/>
+          </a:lnRef>
+          <a:fillRef idx="1">
+            <a:schemeClr val="accent1"/>
+          </a:fillRef>
+          <a:effectRef idx="1">
+            <a:schemeClr val="accent1"/>
+          </a:effectRef>
+          <a:fontRef idx="minor">
+            <a:schemeClr val="lt1"/>
+          </a:fontRef>
+        </p:style>
+        <p:txBody>
+          <a:bodyPr anchor="ctr"/>
+          <a:lstStyle/>
+          <a:p>
+            <a:pPr algn="ctr" eaLnBrk="1" latinLnBrk="0" hangingPunct="1"/>
+            <a:endParaRPr kumimoji="0" lang="en-US"/>
+          </a:p>
+        </p:txBody>
+      </p:sp>
+      <p:sp>
+        <p:nvSpPr>
+          <p:cNvPr id="35" name="Retângulo 34"/>
+          <p:cNvSpPr/>
+          <p:nvPr/>
+        </p:nvSpPr>
+        <p:spPr bwMode="invGray">
+          <a:xfrm>
+            <a:off x="9084966" y="-2001"/>
+            <a:ext cx="57626" cy="621792"/>
+          </a:xfrm>
+          <a:prstGeom prst="rect">
+            <a:avLst/>
+          </a:prstGeom>
+          <a:solidFill>
+            <a:srgbClr val="FFFFFF">
+              <a:alpha val="65098"/>
+            </a:srgbClr>
+          </a:solidFill>
+          <a:ln w="50800" cap="rnd" cmpd="thickThin" algn="ctr">
+            <a:noFill/>
+            <a:prstDash val="solid"/>
+          </a:ln>
+          <a:effectLst/>
+        </p:spPr>
+        <p:style>
+          <a:lnRef idx="3">
+            <a:schemeClr val="lt1"/>
+          </a:lnRef>
+          <a:fillRef idx="1">
+            <a:schemeClr val="accent1"/>
+          </a:fillRef>
+          <a:effectRef idx="1">
+            <a:schemeClr val="accent1"/>
+          </a:effectRef>
+          <a:fontRef idx="minor">
+            <a:schemeClr val="lt1"/>
+          </a:fontRef>
+        </p:style>
+        <p:txBody>
+          <a:bodyPr anchor="ctr"/>
+          <a:lstStyle/>
+          <a:p>
+            <a:pPr algn="ctr" eaLnBrk="1" latinLnBrk="0" hangingPunct="1"/>
+            <a:endParaRPr kumimoji="0" lang="en-US" dirty="0"/>
+          </a:p>
+        </p:txBody>
+      </p:sp>
+      <p:sp>
+        <p:nvSpPr>
+          <p:cNvPr id="36" name="Retângulo 35"/>
+          <p:cNvSpPr/>
+          <p:nvPr/>
+        </p:nvSpPr>
+        <p:spPr bwMode="invGray">
+          <a:xfrm>
+            <a:off x="9044481" y="-2001"/>
+            <a:ext cx="27432" cy="621792"/>
+          </a:xfrm>
+          <a:prstGeom prst="rect">
+            <a:avLst/>
+          </a:prstGeom>
+          <a:solidFill>
+            <a:srgbClr val="FFFFFF">
+              <a:alpha val="65098"/>
+            </a:srgbClr>
+          </a:solidFill>
+          <a:ln w="50800" cap="rnd" cmpd="thickThin" algn="ctr">
+            <a:noFill/>
+            <a:prstDash val="solid"/>
+          </a:ln>
+          <a:effectLst/>
+        </p:spPr>
+        <p:style>
+          <a:lnRef idx="3">
+            <a:schemeClr val="lt1"/>
+          </a:lnRef>
+          <a:fillRef idx="1">
+            <a:schemeClr val="accent1"/>
+          </a:fillRef>
+          <a:effectRef idx="1">
+            <a:schemeClr val="accent1"/>
+          </a:effectRef>
+          <a:fontRef idx="minor">
+            <a:schemeClr val="lt1"/>
+          </a:fontRef>
+        </p:style>
+        <p:txBody>
+          <a:bodyPr anchor="ctr"/>
+          <a:lstStyle/>
+          <a:p>
+            <a:pPr algn="ctr" eaLnBrk="1" latinLnBrk="0" hangingPunct="1"/>
+            <a:endParaRPr kumimoji="0" lang="en-US" dirty="0"/>
+          </a:p>
+        </p:txBody>
+      </p:sp>
+      <p:sp>
+        <p:nvSpPr>
+          <p:cNvPr id="37" name="Retângulo 36"/>
+          <p:cNvSpPr/>
+          <p:nvPr/>
+        </p:nvSpPr>
+        <p:spPr bwMode="invGray">
+          <a:xfrm>
+            <a:off x="9025428" y="-2001"/>
+            <a:ext cx="9144" cy="621792"/>
+          </a:xfrm>
+          <a:prstGeom prst="rect">
+            <a:avLst/>
+          </a:prstGeom>
+          <a:solidFill>
+            <a:srgbClr val="FFFFFF">
+              <a:alpha val="60000"/>
+            </a:srgbClr>
+          </a:solidFill>
+          <a:ln w="50800" cap="rnd" cmpd="thickThin" algn="ctr">
+            <a:noFill/>
+            <a:prstDash val="solid"/>
+          </a:ln>
+          <a:effectLst/>
+        </p:spPr>
+        <p:style>
+          <a:lnRef idx="3">
+            <a:schemeClr val="lt1"/>
+          </a:lnRef>
+          <a:fillRef idx="1">
+            <a:schemeClr val="accent1"/>
+          </a:fillRef>
+          <a:effectRef idx="1">
+            <a:schemeClr val="accent1"/>
+          </a:effectRef>
+          <a:fontRef idx="minor">
+            <a:schemeClr val="lt1"/>
+          </a:fontRef>
+        </p:style>
+        <p:txBody>
+          <a:bodyPr anchor="ctr"/>
+          <a:lstStyle/>
+          <a:p>
+            <a:pPr algn="ctr" eaLnBrk="1" latinLnBrk="0" hangingPunct="1"/>
+            <a:endParaRPr kumimoji="0" lang="en-US"/>
+          </a:p>
+        </p:txBody>
+      </p:sp>
+      <p:sp>
+        <p:nvSpPr>
+          <p:cNvPr id="38" name="Retângulo 37"/>
+          <p:cNvSpPr/>
+          <p:nvPr/>
+        </p:nvSpPr>
+        <p:spPr bwMode="invGray">
+          <a:xfrm>
+            <a:off x="8975423" y="-2001"/>
+            <a:ext cx="27432" cy="621792"/>
+          </a:xfrm>
+          <a:prstGeom prst="rect">
+            <a:avLst/>
+          </a:prstGeom>
+          <a:solidFill>
+            <a:srgbClr val="FFFFFF">
+              <a:alpha val="40000"/>
+            </a:srgbClr>
+          </a:solidFill>
+          <a:ln w="50800" cap="rnd" cmpd="thickThin" algn="ctr">
+            <a:noFill/>
+            <a:prstDash val="solid"/>
+          </a:ln>
+          <a:effectLst/>
+        </p:spPr>
+        <p:style>
+          <a:lnRef idx="3">
+            <a:schemeClr val="lt1"/>
+          </a:lnRef>
+          <a:fillRef idx="1">
+            <a:schemeClr val="accent1"/>
+          </a:fillRef>
+          <a:effectRef idx="1">
+            <a:schemeClr val="accent1"/>
+          </a:effectRef>
+          <a:fontRef idx="minor">
+            <a:schemeClr val="lt1"/>
+          </a:fontRef>
+        </p:style>
+        <p:txBody>
+          <a:bodyPr anchor="ctr"/>
+          <a:lstStyle/>
+          <a:p>
+            <a:pPr algn="ctr" eaLnBrk="1" latinLnBrk="0" hangingPunct="1"/>
+            <a:endParaRPr kumimoji="0" lang="en-US"/>
+          </a:p>
+        </p:txBody>
+      </p:sp>
+      <p:sp>
+        <p:nvSpPr>
+          <p:cNvPr id="39" name="Retângulo 38"/>
+          <p:cNvSpPr/>
+          <p:nvPr/>
+        </p:nvSpPr>
+        <p:spPr bwMode="invGray">
+          <a:xfrm>
+            <a:off x="8915677" y="380"/>
+            <a:ext cx="54864" cy="585216"/>
+          </a:xfrm>
+          <a:prstGeom prst="rect">
+            <a:avLst/>
+          </a:prstGeom>
+          <a:solidFill>
+            <a:srgbClr val="FFFFFF">
+              <a:alpha val="20000"/>
+            </a:srgbClr>
+          </a:solidFill>
+          <a:ln w="50800" cap="rnd" cmpd="thickThin" algn="ctr">
+            <a:noFill/>
+            <a:prstDash val="solid"/>
+          </a:ln>
+          <a:effectLst/>
+        </p:spPr>
+        <p:style>
+          <a:lnRef idx="3">
+            <a:schemeClr val="lt1"/>
+          </a:lnRef>
+          <a:fillRef idx="1">
+            <a:schemeClr val="accent1"/>
+          </a:fillRef>
+          <a:effectRef idx="1">
+            <a:schemeClr val="accent1"/>
+          </a:effectRef>
+          <a:fontRef idx="minor">
+            <a:schemeClr val="lt1"/>
+          </a:fontRef>
+        </p:style>
+        <p:txBody>
+          <a:bodyPr anchor="ctr"/>
+          <a:lstStyle/>
+          <a:p>
+            <a:pPr algn="ctr" eaLnBrk="1" latinLnBrk="0" hangingPunct="1"/>
+            <a:endParaRPr kumimoji="0" lang="en-US"/>
+          </a:p>
+        </p:txBody>
+      </p:sp>
+      <p:sp>
+        <p:nvSpPr>
+          <p:cNvPr id="40" name="Retângulo 39"/>
+          <p:cNvSpPr/>
+          <p:nvPr/>
+        </p:nvSpPr>
+        <p:spPr bwMode="invGray">
+          <a:xfrm>
+            <a:off x="8873475" y="380"/>
+            <a:ext cx="9144" cy="585216"/>
+          </a:xfrm>
+          <a:prstGeom prst="rect">
+            <a:avLst/>
+          </a:prstGeom>
+          <a:solidFill>
+            <a:srgbClr val="FFFFFF">
+              <a:alpha val="30196"/>
+            </a:srgbClr>
+          </a:solidFill>
+          <a:ln w="50800" cap="rnd" cmpd="thickThin" algn="ctr">
+            <a:noFill/>
+            <a:prstDash val="solid"/>
+          </a:ln>
+          <a:effectLst/>
+        </p:spPr>
+        <p:style>
+          <a:lnRef idx="3">
+            <a:schemeClr val="lt1"/>
+          </a:lnRef>
+          <a:fillRef idx="1">
+            <a:schemeClr val="accent1"/>
+          </a:fillRef>
+          <a:effectRef idx="1">
+            <a:schemeClr val="accent1"/>
+          </a:effectRef>
+          <a:fontRef idx="minor">
+            <a:schemeClr val="lt1"/>
+          </a:fontRef>
+        </p:style>
+        <p:txBody>
+          <a:bodyPr anchor="ctr"/>
+          <a:lstStyle/>
+          <a:p>
+            <a:pPr algn="ctr" eaLnBrk="1" latinLnBrk="0" hangingPunct="1"/>
+            <a:endParaRPr kumimoji="0" lang="en-US" dirty="0"/>
+          </a:p>
+        </p:txBody>
+      </p:sp>
+      <p:sp>
+        <p:nvSpPr>
+          <p:cNvPr id="22" name="Espaço Reservado para Título 21"/>
+          <p:cNvSpPr>
+            <a:spLocks noGrp="1"/>
+          </p:cNvSpPr>
+          <p:nvPr>
+            <p:ph type="title"/>
+          </p:nvPr>
+        </p:nvSpPr>
+        <p:spPr>
+          <a:xfrm>
+            <a:off x="457200" y="1143000"/>
+            <a:ext cx="8229600" cy="1066800"/>
+          </a:xfrm>
+          <a:prstGeom prst="rect">
+            <a:avLst/>
+          </a:prstGeom>
+        </p:spPr>
+        <p:txBody>
+          <a:bodyPr vert="horz" anchor="ctr">
+            <a:normAutofit/>
+          </a:bodyPr>
+          <a:lstStyle/>
+          <a:p>
+            <a:r>
+              <a:rPr kumimoji="0" lang="pt-BR" smtClean="0"/>
+              <a:t>Clique para editar o título mestre</a:t>
+            </a:r>
+            <a:endParaRPr kumimoji="0" lang="en-US"/>
+          </a:p>
+        </p:txBody>
+      </p:sp>
+      <p:sp>
+        <p:nvSpPr>
+          <p:cNvPr id="13" name="Espaço Reservado para Texto 12"/>
+          <p:cNvSpPr>
+            <a:spLocks noGrp="1"/>
+          </p:cNvSpPr>
+          <p:nvPr>
+            <p:ph type="body" idx="1"/>
+          </p:nvPr>
+        </p:nvSpPr>
+        <p:spPr>
+          <a:xfrm>
+            <a:off x="457200" y="2249424"/>
+            <a:ext cx="8229600" cy="4325112"/>
+          </a:xfrm>
+          <a:prstGeom prst="rect">
+            <a:avLst/>
+          </a:prstGeom>
+        </p:spPr>
+        <p:txBody>
+          <a:bodyPr vert="horz">
+            <a:normAutofit/>
+          </a:bodyPr>
+          <a:lstStyle/>
+          <a:p>
+            <a:pPr lvl="0" eaLnBrk="1" latinLnBrk="0" hangingPunct="1"/>
+            <a:r>
+              <a:rPr kumimoji="0" lang="pt-BR" smtClean="0"/>
+              <a:t>Clique para editar o texto mestre</a:t>
+            </a:r>
+          </a:p>
+          <a:p>
+            <a:pPr lvl="1" eaLnBrk="1" latinLnBrk="0" hangingPunct="1"/>
+            <a:r>
+              <a:rPr kumimoji="0" lang="pt-BR" smtClean="0"/>
+              <a:t>Segundo nível</a:t>
+            </a:r>
+          </a:p>
+          <a:p>
+            <a:pPr lvl="2" eaLnBrk="1" latinLnBrk="0" hangingPunct="1"/>
+            <a:r>
+              <a:rPr kumimoji="0" lang="pt-BR" smtClean="0"/>
+              <a:t>Terceiro nível</a:t>
+            </a:r>
+          </a:p>
+          <a:p>
+            <a:pPr lvl="3" eaLnBrk="1" latinLnBrk="0" hangingPunct="1"/>
+            <a:r>
+              <a:rPr kumimoji="0" lang="pt-BR" smtClean="0"/>
+              <a:t>Quarto nível</a:t>
+            </a:r>
+          </a:p>
+          <a:p>
+            <a:pPr lvl="4" eaLnBrk="1" latinLnBrk="0" hangingPunct="1"/>
+            <a:r>
+              <a:rPr kumimoji="0" lang="pt-BR" smtClean="0"/>
+              <a:t>Quinto nível</a:t>
+            </a:r>
+            <a:endParaRPr kumimoji="0" lang="en-US"/>
+          </a:p>
+        </p:txBody>
+      </p:sp>
+      <p:sp>
+        <p:nvSpPr>
+          <p:cNvPr id="14" name="Espaço Reservado para Data 13"/>
+          <p:cNvSpPr>
+            <a:spLocks noGrp="1"/>
+          </p:cNvSpPr>
+          <p:nvPr>
+            <p:ph type="dt" sz="half" idx="2"/>
+          </p:nvPr>
+        </p:nvSpPr>
+        <p:spPr>
+          <a:xfrm>
+            <a:off x="6586536" y="612648"/>
+            <a:ext cx="957264" cy="457200"/>
+          </a:xfrm>
+          <a:prstGeom prst="rect">
+            <a:avLst/>
+          </a:prstGeom>
+        </p:spPr>
+        <p:txBody>
+          <a:bodyPr vert="horz"/>
           <a:lstStyle>
-            <a:lvl1pPr algn="l">
-              <a:defRPr sz="1100">
+            <a:lvl1pPr algn="l" eaLnBrk="1" latinLnBrk="0" hangingPunct="1">
+              <a:defRPr kumimoji="0" sz="800">
                 <a:solidFill>
-                  <a:schemeClr val="tx2"/>
+                  <a:schemeClr val="accent2"/>
                 </a:solidFill>
               </a:defRPr>
             </a:lvl1pPr>
@@ -3849,7 +4164,7 @@
           <a:p>
             <a:fld id="{2E700DB3-DBF0-4086-B675-117E7A9610B8}" type="datetimeFigureOut">
               <a:rPr lang="pt-BR" smtClean="0"/>
-              <a:t>19/06/2016</a:t>
+              <a:t>27/06/2016</a:t>
             </a:fld>
             <a:endParaRPr lang="pt-BR"/>
           </a:p>
@@ -3857,7 +4172,7 @@
       </p:sp>
       <p:sp>
         <p:nvSpPr>
-          <p:cNvPr id="5" name="Footer Placeholder 4"/>
+          <p:cNvPr id="3" name="Espaço Reservado para Rodapé 2"/>
           <p:cNvSpPr>
             <a:spLocks noGrp="1"/>
           </p:cNvSpPr>
@@ -3867,20 +4182,20 @@
         </p:nvSpPr>
         <p:spPr>
           <a:xfrm>
-            <a:off x="3048000" y="6356350"/>
-            <a:ext cx="3352800" cy="274320"/>
+            <a:off x="5257800" y="612648"/>
+            <a:ext cx="1325880" cy="457200"/>
           </a:xfrm>
           <a:prstGeom prst="rect">
             <a:avLst/>
           </a:prstGeom>
         </p:spPr>
         <p:txBody>
-          <a:bodyPr vert="horz" lIns="91440" tIns="45720" rIns="91440" bIns="45720" rtlCol="0" anchor="ctr"/>
+          <a:bodyPr vert="horz"/>
           <a:lstStyle>
-            <a:lvl1pPr algn="ctr">
-              <a:defRPr sz="1100">
+            <a:lvl1pPr algn="r" eaLnBrk="1" latinLnBrk="0" hangingPunct="1">
+              <a:defRPr kumimoji="0" sz="800">
                 <a:solidFill>
-                  <a:schemeClr val="tx2"/>
+                  <a:schemeClr val="accent2"/>
                 </a:solidFill>
               </a:defRPr>
             </a:lvl1pPr>
@@ -3892,7 +4207,7 @@
       </p:sp>
       <p:sp>
         <p:nvSpPr>
-          <p:cNvPr id="6" name="Slide Number Placeholder 5"/>
+          <p:cNvPr id="23" name="Espaço Reservado para Número de Slide 22"/>
           <p:cNvSpPr>
             <a:spLocks noGrp="1"/>
           </p:cNvSpPr>
@@ -3902,23 +4217,20 @@
         </p:nvSpPr>
         <p:spPr>
           <a:xfrm>
-            <a:off x="8234680" y="6355080"/>
-            <a:ext cx="582966" cy="274320"/>
+            <a:off x="8174736" y="2272"/>
+            <a:ext cx="762000" cy="365760"/>
           </a:xfrm>
           <a:prstGeom prst="rect">
             <a:avLst/>
           </a:prstGeom>
-          <a:ln w="19050">
-            <a:noFill/>
-          </a:ln>
-        </p:spPr>
-        <p:txBody>
-          <a:bodyPr vert="horz" lIns="91440" tIns="45720" rIns="91440" bIns="45720" rtlCol="0" anchor="ctr"/>
+        </p:spPr>
+        <p:txBody>
+          <a:bodyPr vert="horz" anchor="b"/>
           <a:lstStyle>
-            <a:lvl1pPr algn="ctr">
-              <a:defRPr sz="1100">
+            <a:lvl1pPr algn="r" eaLnBrk="1" latinLnBrk="0" hangingPunct="1">
+              <a:defRPr kumimoji="0" sz="1800">
                 <a:solidFill>
-                  <a:schemeClr val="tx2"/>
+                  <a:srgbClr val="FFFFFF"/>
                 </a:solidFill>
               </a:defRPr>
             </a:lvl1pPr>
@@ -3936,33 +4248,29 @@
   </p:cSld>
   <p:clrMap bg1="lt1" tx1="dk1" bg2="lt2" tx2="dk2" accent1="accent1" accent2="accent2" accent3="accent3" accent4="accent4" accent5="accent5" accent6="accent6" hlink="hlink" folHlink="folHlink"/>
   <p:sldLayoutIdLst>
-    <p:sldLayoutId id="2147483685" r:id="rId1"/>
-    <p:sldLayoutId id="2147483686" r:id="rId2"/>
-    <p:sldLayoutId id="2147483687" r:id="rId3"/>
-    <p:sldLayoutId id="2147483688" r:id="rId4"/>
-    <p:sldLayoutId id="2147483689" r:id="rId5"/>
-    <p:sldLayoutId id="2147483690" r:id="rId6"/>
-    <p:sldLayoutId id="2147483691" r:id="rId7"/>
-    <p:sldLayoutId id="2147483692" r:id="rId8"/>
-    <p:sldLayoutId id="2147483693" r:id="rId9"/>
-    <p:sldLayoutId id="2147483694" r:id="rId10"/>
-    <p:sldLayoutId id="2147483695" r:id="rId11"/>
+    <p:sldLayoutId id="2147483697" r:id="rId1"/>
+    <p:sldLayoutId id="2147483698" r:id="rId2"/>
+    <p:sldLayoutId id="2147483699" r:id="rId3"/>
+    <p:sldLayoutId id="2147483700" r:id="rId4"/>
+    <p:sldLayoutId id="2147483701" r:id="rId5"/>
+    <p:sldLayoutId id="2147483702" r:id="rId6"/>
+    <p:sldLayoutId id="2147483703" r:id="rId7"/>
+    <p:sldLayoutId id="2147483704" r:id="rId8"/>
+    <p:sldLayoutId id="2147483705" r:id="rId9"/>
+    <p:sldLayoutId id="2147483706" r:id="rId10"/>
+    <p:sldLayoutId id="2147483707" r:id="rId11"/>
   </p:sldLayoutIdLst>
   <p:txStyles>
     <p:titleStyle>
-      <a:lvl1pPr algn="ctr" defTabSz="914400" rtl="0" eaLnBrk="1" latinLnBrk="0" hangingPunct="1">
+      <a:lvl1pPr algn="l" rtl="0" eaLnBrk="1" latinLnBrk="0" hangingPunct="1">
         <a:spcBef>
           <a:spcPct val="0"/>
         </a:spcBef>
         <a:buNone/>
-        <a:defRPr sz="3200" kern="1200" cap="all" spc="200" baseline="0">
-          <a:ln>
-            <a:noFill/>
-          </a:ln>
+        <a:defRPr kumimoji="0" sz="4000" kern="1200">
           <a:solidFill>
-            <a:schemeClr val="bg1"/>
+            <a:schemeClr val="tx2"/>
           </a:solidFill>
-          <a:effectLst/>
           <a:latin typeface="+mj-lt"/>
           <a:ea typeface="+mj-ea"/>
           <a:cs typeface="+mj-cs"/>
@@ -3970,162 +4278,162 @@
       </a:lvl1pPr>
     </p:titleStyle>
     <p:bodyStyle>
-      <a:lvl1pPr marL="274320" indent="-228600" algn="l" defTabSz="914400" rtl="0" eaLnBrk="1" latinLnBrk="0" hangingPunct="1">
+      <a:lvl1pPr marL="365760" indent="-256032" algn="l" rtl="0" eaLnBrk="1" latinLnBrk="0" hangingPunct="1">
         <a:spcBef>
-          <a:spcPct val="20000"/>
+          <a:spcPts val="300"/>
         </a:spcBef>
         <a:buClr>
-          <a:schemeClr val="accent1"/>
+          <a:schemeClr val="accent3"/>
         </a:buClr>
-        <a:buFont typeface="Wingdings 2" pitchFamily="18" charset="2"/>
-        <a:buChar char=""/>
-        <a:defRPr sz="2000" kern="1200" spc="150" baseline="0">
+        <a:buFont typeface="Georgia"/>
+        <a:buChar char="•"/>
+        <a:defRPr kumimoji="0" sz="2800" kern="1200">
           <a:solidFill>
-            <a:schemeClr val="tx2"/>
+            <a:schemeClr val="tx1"/>
           </a:solidFill>
           <a:latin typeface="+mn-lt"/>
           <a:ea typeface="+mn-ea"/>
           <a:cs typeface="+mn-cs"/>
         </a:defRPr>
       </a:lvl1pPr>
-      <a:lvl2pPr marL="548640" indent="-182880" algn="l" defTabSz="914400" rtl="0" eaLnBrk="1" latinLnBrk="0" hangingPunct="1">
+      <a:lvl2pPr marL="658368" indent="-246888" algn="l" rtl="0" eaLnBrk="1" latinLnBrk="0" hangingPunct="1">
         <a:spcBef>
-          <a:spcPct val="20000"/>
+          <a:spcPts val="300"/>
         </a:spcBef>
         <a:buClr>
           <a:schemeClr val="accent2"/>
         </a:buClr>
-        <a:buFont typeface="Wingdings" pitchFamily="2" charset="2"/>
-        <a:buChar char="§"/>
-        <a:defRPr sz="1800" kern="1200" spc="100" baseline="0">
+        <a:buFont typeface="Georgia"/>
+        <a:buChar char="▫"/>
+        <a:defRPr kumimoji="0" sz="2600" kern="1200">
           <a:solidFill>
-            <a:schemeClr val="tx2"/>
+            <a:schemeClr val="accent2"/>
           </a:solidFill>
           <a:latin typeface="+mn-lt"/>
           <a:ea typeface="+mn-ea"/>
           <a:cs typeface="+mn-cs"/>
         </a:defRPr>
       </a:lvl2pPr>
-      <a:lvl3pPr marL="822960" indent="-182880" algn="l" defTabSz="914400" rtl="0" eaLnBrk="1" latinLnBrk="0" hangingPunct="1">
+      <a:lvl3pPr marL="923544" indent="-219456" algn="l" rtl="0" eaLnBrk="1" latinLnBrk="0" hangingPunct="1">
         <a:spcBef>
-          <a:spcPct val="20000"/>
+          <a:spcPts val="300"/>
         </a:spcBef>
         <a:buClr>
-          <a:schemeClr val="accent3"/>
+          <a:schemeClr val="accent1"/>
         </a:buClr>
-        <a:buFont typeface="Wingdings" pitchFamily="2" charset="2"/>
-        <a:buChar char="§"/>
-        <a:defRPr sz="1600" kern="1200" spc="100" baseline="0">
+        <a:buFont typeface="Wingdings 2"/>
+        <a:buChar char=""/>
+        <a:defRPr kumimoji="0" sz="2400" kern="1200">
           <a:solidFill>
-            <a:schemeClr val="tx2"/>
+            <a:schemeClr val="accent1"/>
           </a:solidFill>
           <a:latin typeface="+mn-lt"/>
           <a:ea typeface="+mn-ea"/>
           <a:cs typeface="+mn-cs"/>
         </a:defRPr>
       </a:lvl3pPr>
-      <a:lvl4pPr marL="1097280" indent="-182880" algn="l" defTabSz="914400" rtl="0" eaLnBrk="1" latinLnBrk="0" hangingPunct="1">
+      <a:lvl4pPr marL="1179576" indent="-201168" algn="l" rtl="0" eaLnBrk="1" latinLnBrk="0" hangingPunct="1">
         <a:spcBef>
-          <a:spcPct val="20000"/>
+          <a:spcPts val="300"/>
         </a:spcBef>
         <a:buClr>
-          <a:schemeClr val="accent4"/>
+          <a:schemeClr val="accent1"/>
         </a:buClr>
-        <a:buFont typeface="Wingdings" pitchFamily="2" charset="2"/>
-        <a:buChar char="§"/>
-        <a:defRPr sz="1400" kern="1200">
+        <a:buFont typeface="Wingdings 2"/>
+        <a:buChar char=""/>
+        <a:defRPr kumimoji="0" sz="2200" kern="1200">
           <a:solidFill>
-            <a:schemeClr val="tx2"/>
+            <a:schemeClr val="accent1"/>
           </a:solidFill>
           <a:latin typeface="+mn-lt"/>
           <a:ea typeface="+mn-ea"/>
           <a:cs typeface="+mn-cs"/>
         </a:defRPr>
       </a:lvl4pPr>
-      <a:lvl5pPr marL="1280160" indent="-182880" algn="l" defTabSz="914400" rtl="0" eaLnBrk="1" latinLnBrk="0" hangingPunct="1">
+      <a:lvl5pPr marL="1389888" indent="-182880" algn="l" rtl="0" eaLnBrk="1" latinLnBrk="0" hangingPunct="1">
         <a:spcBef>
-          <a:spcPct val="20000"/>
+          <a:spcPts val="300"/>
         </a:spcBef>
         <a:buClr>
-          <a:schemeClr val="accent6"/>
+          <a:schemeClr val="accent3"/>
         </a:buClr>
-        <a:buFont typeface="Wingdings" pitchFamily="2" charset="2"/>
-        <a:buChar char="§"/>
-        <a:defRPr sz="1300" kern="1200" spc="100" baseline="0">
+        <a:buFont typeface="Georgia"/>
+        <a:buChar char="▫"/>
+        <a:defRPr kumimoji="0" sz="2000" kern="1200">
           <a:solidFill>
-            <a:schemeClr val="tx2"/>
+            <a:schemeClr val="accent3"/>
           </a:solidFill>
           <a:latin typeface="+mn-lt"/>
           <a:ea typeface="+mn-ea"/>
           <a:cs typeface="+mn-cs"/>
         </a:defRPr>
       </a:lvl5pPr>
-      <a:lvl6pPr marL="1554480" indent="-182880" algn="l" defTabSz="914400" rtl="0" eaLnBrk="1" latinLnBrk="0" hangingPunct="1">
+      <a:lvl6pPr marL="1609344" indent="-182880" algn="l" rtl="0" eaLnBrk="1" latinLnBrk="0" hangingPunct="1">
         <a:spcBef>
-          <a:spcPct val="20000"/>
+          <a:spcPts val="300"/>
         </a:spcBef>
         <a:buClr>
-          <a:schemeClr val="accent1"/>
+          <a:schemeClr val="accent3"/>
         </a:buClr>
-        <a:buFont typeface="Wingdings" pitchFamily="2" charset="2"/>
-        <a:buChar char="§"/>
-        <a:defRPr sz="1200" kern="1200">
+        <a:buFont typeface="Georgia"/>
+        <a:buChar char="▫"/>
+        <a:defRPr kumimoji="0" sz="1800" kern="1200">
           <a:solidFill>
-            <a:schemeClr val="tx2"/>
+            <a:schemeClr val="accent3"/>
           </a:solidFill>
           <a:latin typeface="+mn-lt"/>
           <a:ea typeface="+mn-ea"/>
           <a:cs typeface="+mn-cs"/>
         </a:defRPr>
       </a:lvl6pPr>
-      <a:lvl7pPr marL="1828800" indent="-182880" algn="l" defTabSz="914400" rtl="0" eaLnBrk="1" latinLnBrk="0" hangingPunct="1">
+      <a:lvl7pPr marL="1828800" indent="-182880" algn="l" rtl="0" eaLnBrk="1" latinLnBrk="0" hangingPunct="1">
         <a:spcBef>
-          <a:spcPct val="20000"/>
+          <a:spcPts val="300"/>
         </a:spcBef>
         <a:buClr>
-          <a:schemeClr val="accent2"/>
+          <a:schemeClr val="accent3"/>
         </a:buClr>
-        <a:buFont typeface="Wingdings" pitchFamily="2" charset="2"/>
-        <a:buChar char="§"/>
-        <a:defRPr sz="1200" kern="1200">
+        <a:buFont typeface="Georgia"/>
+        <a:buChar char="▫"/>
+        <a:defRPr kumimoji="0" sz="1600" kern="1200">
           <a:solidFill>
-            <a:schemeClr val="tx2"/>
+            <a:schemeClr val="accent3"/>
           </a:solidFill>
           <a:latin typeface="+mn-lt"/>
           <a:ea typeface="+mn-ea"/>
           <a:cs typeface="+mn-cs"/>
         </a:defRPr>
       </a:lvl7pPr>
-      <a:lvl8pPr marL="2103120" indent="-182880" algn="l" defTabSz="914400" rtl="0" eaLnBrk="1" latinLnBrk="0" hangingPunct="1">
+      <a:lvl8pPr marL="2029968" indent="-182880" algn="l" rtl="0" eaLnBrk="1" latinLnBrk="0" hangingPunct="1">
         <a:spcBef>
-          <a:spcPct val="20000"/>
+          <a:spcPts val="300"/>
         </a:spcBef>
         <a:buClr>
           <a:schemeClr val="accent3"/>
         </a:buClr>
-        <a:buFont typeface="Wingdings" pitchFamily="2" charset="2"/>
-        <a:buChar char="§"/>
-        <a:defRPr sz="1200" kern="1200">
+        <a:buFont typeface="Georgia"/>
+        <a:buChar char="◦"/>
+        <a:defRPr kumimoji="0" sz="1500" kern="1200">
           <a:solidFill>
-            <a:schemeClr val="tx2"/>
+            <a:schemeClr val="accent3"/>
           </a:solidFill>
           <a:latin typeface="+mn-lt"/>
           <a:ea typeface="+mn-ea"/>
           <a:cs typeface="+mn-cs"/>
         </a:defRPr>
       </a:lvl8pPr>
-      <a:lvl9pPr marL="2377440" indent="-182880" algn="l" defTabSz="914400" rtl="0" eaLnBrk="1" latinLnBrk="0" hangingPunct="1">
+      <a:lvl9pPr marL="2240280" indent="-182880" algn="l" rtl="0" eaLnBrk="1" latinLnBrk="0" hangingPunct="1">
         <a:spcBef>
-          <a:spcPct val="20000"/>
+          <a:spcPts val="300"/>
         </a:spcBef>
         <a:buClr>
-          <a:schemeClr val="accent5"/>
+          <a:schemeClr val="accent3"/>
         </a:buClr>
-        <a:buFont typeface="Wingdings" pitchFamily="2" charset="2"/>
-        <a:buChar char="§"/>
-        <a:defRPr sz="1200" kern="1200">
+        <a:buFont typeface="Georgia"/>
+        <a:buChar char="◦"/>
+        <a:defRPr kumimoji="0" sz="1400" kern="1200" baseline="0">
           <a:solidFill>
-            <a:schemeClr val="tx2"/>
+            <a:schemeClr val="accent3"/>
           </a:solidFill>
           <a:latin typeface="+mn-lt"/>
           <a:ea typeface="+mn-ea"/>
@@ -4134,11 +4442,8 @@
       </a:lvl9pPr>
     </p:bodyStyle>
     <p:otherStyle>
-      <a:defPPr>
-        <a:defRPr lang="en-US"/>
-      </a:defPPr>
-      <a:lvl1pPr marL="0" algn="l" defTabSz="914400" rtl="0" eaLnBrk="1" latinLnBrk="0" hangingPunct="1">
-        <a:defRPr sz="1800" kern="1200">
+      <a:lvl1pPr marL="0" algn="l" rtl="0" eaLnBrk="1" latinLnBrk="0" hangingPunct="1">
+        <a:defRPr kumimoji="0" kern="1200">
           <a:solidFill>
             <a:schemeClr val="tx1"/>
           </a:solidFill>
@@ -4147,8 +4452,8 @@
           <a:cs typeface="+mn-cs"/>
         </a:defRPr>
       </a:lvl1pPr>
-      <a:lvl2pPr marL="457200" algn="l" defTabSz="914400" rtl="0" eaLnBrk="1" latinLnBrk="0" hangingPunct="1">
-        <a:defRPr sz="1800" kern="1200">
+      <a:lvl2pPr marL="457200" algn="l" rtl="0" eaLnBrk="1" latinLnBrk="0" hangingPunct="1">
+        <a:defRPr kumimoji="0" kern="1200">
           <a:solidFill>
             <a:schemeClr val="tx1"/>
           </a:solidFill>
@@ -4157,8 +4462,8 @@
           <a:cs typeface="+mn-cs"/>
         </a:defRPr>
       </a:lvl2pPr>
-      <a:lvl3pPr marL="914400" algn="l" defTabSz="914400" rtl="0" eaLnBrk="1" latinLnBrk="0" hangingPunct="1">
-        <a:defRPr sz="1800" kern="1200">
+      <a:lvl3pPr marL="914400" algn="l" rtl="0" eaLnBrk="1" latinLnBrk="0" hangingPunct="1">
+        <a:defRPr kumimoji="0" kern="1200">
           <a:solidFill>
             <a:schemeClr val="tx1"/>
           </a:solidFill>
@@ -4167,8 +4472,8 @@
           <a:cs typeface="+mn-cs"/>
         </a:defRPr>
       </a:lvl3pPr>
-      <a:lvl4pPr marL="1371600" algn="l" defTabSz="914400" rtl="0" eaLnBrk="1" latinLnBrk="0" hangingPunct="1">
-        <a:defRPr sz="1800" kern="1200">
+      <a:lvl4pPr marL="1371600" algn="l" rtl="0" eaLnBrk="1" latinLnBrk="0" hangingPunct="1">
+        <a:defRPr kumimoji="0" kern="1200">
           <a:solidFill>
             <a:schemeClr val="tx1"/>
           </a:solidFill>
@@ -4177,8 +4482,8 @@
           <a:cs typeface="+mn-cs"/>
         </a:defRPr>
       </a:lvl4pPr>
-      <a:lvl5pPr marL="1828800" algn="l" defTabSz="914400" rtl="0" eaLnBrk="1" latinLnBrk="0" hangingPunct="1">
-        <a:defRPr sz="1800" kern="1200">
+      <a:lvl5pPr marL="1828800" algn="l" rtl="0" eaLnBrk="1" latinLnBrk="0" hangingPunct="1">
+        <a:defRPr kumimoji="0" kern="1200">
           <a:solidFill>
             <a:schemeClr val="tx1"/>
           </a:solidFill>
@@ -4187,8 +4492,8 @@
           <a:cs typeface="+mn-cs"/>
         </a:defRPr>
       </a:lvl5pPr>
-      <a:lvl6pPr marL="2286000" algn="l" defTabSz="914400" rtl="0" eaLnBrk="1" latinLnBrk="0" hangingPunct="1">
-        <a:defRPr sz="1800" kern="1200">
+      <a:lvl6pPr marL="2286000" algn="l" rtl="0" eaLnBrk="1" latinLnBrk="0" hangingPunct="1">
+        <a:defRPr kumimoji="0" kern="1200">
           <a:solidFill>
             <a:schemeClr val="tx1"/>
           </a:solidFill>
@@ -4197,8 +4502,8 @@
           <a:cs typeface="+mn-cs"/>
         </a:defRPr>
       </a:lvl6pPr>
-      <a:lvl7pPr marL="2743200" algn="l" defTabSz="914400" rtl="0" eaLnBrk="1" latinLnBrk="0" hangingPunct="1">
-        <a:defRPr sz="1800" kern="1200">
+      <a:lvl7pPr marL="2743200" algn="l" rtl="0" eaLnBrk="1" latinLnBrk="0" hangingPunct="1">
+        <a:defRPr kumimoji="0" kern="1200">
           <a:solidFill>
             <a:schemeClr val="tx1"/>
           </a:solidFill>
@@ -4207,8 +4512,8 @@
           <a:cs typeface="+mn-cs"/>
         </a:defRPr>
       </a:lvl7pPr>
-      <a:lvl8pPr marL="3200400" algn="l" defTabSz="914400" rtl="0" eaLnBrk="1" latinLnBrk="0" hangingPunct="1">
-        <a:defRPr sz="1800" kern="1200">
+      <a:lvl8pPr marL="3200400" algn="l" rtl="0" eaLnBrk="1" latinLnBrk="0" hangingPunct="1">
+        <a:defRPr kumimoji="0" kern="1200">
           <a:solidFill>
             <a:schemeClr val="tx1"/>
           </a:solidFill>
@@ -4217,8 +4522,8 @@
           <a:cs typeface="+mn-cs"/>
         </a:defRPr>
       </a:lvl8pPr>
-      <a:lvl9pPr marL="3657600" algn="l" defTabSz="914400" rtl="0" eaLnBrk="1" latinLnBrk="0" hangingPunct="1">
-        <a:defRPr sz="1800" kern="1200">
+      <a:lvl9pPr marL="3657600" algn="l" rtl="0" eaLnBrk="1" latinLnBrk="0" hangingPunct="1">
+        <a:defRPr kumimoji="0" kern="1200">
           <a:solidFill>
             <a:schemeClr val="tx1"/>
           </a:solidFill>
@@ -4256,7 +4561,7 @@
             <a:spLocks noGrp="1"/>
           </p:cNvSpPr>
           <p:nvPr>
-            <p:ph type="title"/>
+            <p:ph type="ctrTitle"/>
           </p:nvPr>
         </p:nvSpPr>
         <p:spPr/>
@@ -4268,6 +4573,51 @@
             <a:r>
               <a:rPr lang="pt-BR" dirty="0" smtClean="0"/>
               <a:t>DOMINIOS gov.br</a:t>
+            </a:r>
+            <a:endParaRPr lang="pt-BR" dirty="0"/>
+          </a:p>
+        </p:txBody>
+      </p:sp>
+      <p:sp>
+        <p:nvSpPr>
+          <p:cNvPr id="3" name="CaixaDeTexto 2"/>
+          <p:cNvSpPr txBox="1"/>
+          <p:nvPr/>
+        </p:nvSpPr>
+        <p:spPr>
+          <a:xfrm>
+            <a:off x="827584" y="5517232"/>
+            <a:ext cx="1653017" cy="646331"/>
+          </a:xfrm>
+          <a:prstGeom prst="rect">
+            <a:avLst/>
+          </a:prstGeom>
+          <a:noFill/>
+        </p:spPr>
+        <p:txBody>
+          <a:bodyPr wrap="none" rtlCol="0">
+            <a:spAutoFit/>
+          </a:bodyPr>
+          <a:lstStyle/>
+          <a:p>
+            <a:r>
+              <a:rPr lang="pt-BR" dirty="0" smtClean="0"/>
+              <a:t>Alan </a:t>
+            </a:r>
+            <a:r>
+              <a:rPr lang="pt-BR" dirty="0" err="1" smtClean="0"/>
+              <a:t>Naidon</a:t>
+            </a:r>
+            <a:endParaRPr lang="pt-BR" dirty="0" smtClean="0"/>
+          </a:p>
+          <a:p>
+            <a:r>
+              <a:rPr lang="pt-BR" dirty="0" err="1" smtClean="0"/>
+              <a:t>Luis</a:t>
+            </a:r>
+            <a:r>
+              <a:rPr lang="pt-BR" dirty="0" smtClean="0"/>
+              <a:t> Henrique</a:t>
             </a:r>
             <a:endParaRPr lang="pt-BR" dirty="0"/>
           </a:p>
@@ -4312,6 +4662,36 @@
       </p:grpSpPr>
       <p:sp>
         <p:nvSpPr>
+          <p:cNvPr id="2" name="Título 1"/>
+          <p:cNvSpPr>
+            <a:spLocks noGrp="1"/>
+          </p:cNvSpPr>
+          <p:nvPr>
+            <p:ph type="title"/>
+          </p:nvPr>
+        </p:nvSpPr>
+        <p:spPr/>
+        <p:txBody>
+          <a:bodyPr/>
+          <a:lstStyle/>
+          <a:p>
+            <a:r>
+              <a:rPr lang="pt-BR" dirty="0"/>
+              <a:t>Normalização </a:t>
+            </a:r>
+            <a:r>
+              <a:rPr lang="pt-BR" dirty="0" smtClean="0"/>
+              <a:t>e </a:t>
+            </a:r>
+            <a:r>
+              <a:rPr lang="pt-BR" dirty="0"/>
+              <a:t>modelagem</a:t>
+            </a:r>
+          </a:p>
+        </p:txBody>
+      </p:sp>
+      <p:sp>
+        <p:nvSpPr>
           <p:cNvPr id="3" name="Espaço Reservado para Conteúdo 2"/>
           <p:cNvSpPr>
             <a:spLocks noGrp="1"/>
@@ -4420,29 +4800,6 @@
               <a:buNone/>
             </a:pPr>
             <a:endParaRPr lang="pt-BR" u="sng" dirty="0"/>
-          </a:p>
-        </p:txBody>
-      </p:sp>
-      <p:sp>
-        <p:nvSpPr>
-          <p:cNvPr id="2" name="Título 1"/>
-          <p:cNvSpPr>
-            <a:spLocks noGrp="1"/>
-          </p:cNvSpPr>
-          <p:nvPr>
-            <p:ph type="title"/>
-          </p:nvPr>
-        </p:nvSpPr>
-        <p:spPr/>
-        <p:txBody>
-          <a:bodyPr/>
-          <a:lstStyle/>
-          <a:p>
-            <a:r>
-              <a:rPr lang="pt-BR" dirty="0"/>
-              <a:t>Normalização &amp; modelagem</a:t>
-            </a:r>
-            <a:endParaRPr lang="pt-BR" dirty="0"/>
           </a:p>
         </p:txBody>
       </p:sp>
@@ -4485,6 +4842,36 @@
       </p:grpSpPr>
       <p:sp>
         <p:nvSpPr>
+          <p:cNvPr id="2" name="Título 1"/>
+          <p:cNvSpPr>
+            <a:spLocks noGrp="1"/>
+          </p:cNvSpPr>
+          <p:nvPr>
+            <p:ph type="title"/>
+          </p:nvPr>
+        </p:nvSpPr>
+        <p:spPr/>
+        <p:txBody>
+          <a:bodyPr/>
+          <a:lstStyle/>
+          <a:p>
+            <a:r>
+              <a:rPr lang="pt-BR" dirty="0"/>
+              <a:t>Normalização </a:t>
+            </a:r>
+            <a:r>
+              <a:rPr lang="pt-BR" dirty="0" smtClean="0"/>
+              <a:t>e </a:t>
+            </a:r>
+            <a:r>
+              <a:rPr lang="pt-BR" dirty="0"/>
+              <a:t>modelagem</a:t>
+            </a:r>
+          </a:p>
+        </p:txBody>
+      </p:sp>
+      <p:sp>
+        <p:nvSpPr>
           <p:cNvPr id="3" name="Espaço Reservado para Conteúdo 2"/>
           <p:cNvSpPr>
             <a:spLocks noGrp="1"/>
@@ -4499,29 +4886,6 @@
           <a:lstStyle/>
           <a:p>
             <a:endParaRPr lang="pt-BR"/>
-          </a:p>
-        </p:txBody>
-      </p:sp>
-      <p:sp>
-        <p:nvSpPr>
-          <p:cNvPr id="2" name="Título 1"/>
-          <p:cNvSpPr>
-            <a:spLocks noGrp="1"/>
-          </p:cNvSpPr>
-          <p:nvPr>
-            <p:ph type="title"/>
-          </p:nvPr>
-        </p:nvSpPr>
-        <p:spPr/>
-        <p:txBody>
-          <a:bodyPr/>
-          <a:lstStyle/>
-          <a:p>
-            <a:r>
-              <a:rPr lang="pt-BR" dirty="0"/>
-              <a:t>Normalização &amp; modelagem</a:t>
-            </a:r>
-            <a:endParaRPr lang="pt-BR" dirty="0"/>
           </a:p>
         </p:txBody>
       </p:sp>
@@ -4548,8 +4912,8 @@
         </p:blipFill>
         <p:spPr bwMode="auto">
           <a:xfrm>
-            <a:off x="251520" y="1628800"/>
-            <a:ext cx="8493225" cy="5095935"/>
+            <a:off x="251520" y="2132857"/>
+            <a:ext cx="8493225" cy="4536503"/>
           </a:xfrm>
           <a:prstGeom prst="rect">
             <a:avLst/>
@@ -4605,6 +4969,37 @@
       </p:grpSpPr>
       <p:sp>
         <p:nvSpPr>
+          <p:cNvPr id="3" name="Título 2"/>
+          <p:cNvSpPr>
+            <a:spLocks noGrp="1"/>
+          </p:cNvSpPr>
+          <p:nvPr>
+            <p:ph type="title"/>
+          </p:nvPr>
+        </p:nvSpPr>
+        <p:spPr/>
+        <p:txBody>
+          <a:bodyPr/>
+          <a:lstStyle/>
+          <a:p>
+            <a:r>
+              <a:rPr lang="pt-BR" dirty="0" smtClean="0"/>
+              <a:t>carga dos dados </a:t>
+            </a:r>
+            <a:r>
+              <a:rPr lang="pt-BR" dirty="0" smtClean="0"/>
+              <a:t>e </a:t>
+            </a:r>
+            <a:r>
+              <a:rPr lang="pt-BR" dirty="0" smtClean="0"/>
+              <a:t>Consultas </a:t>
+            </a:r>
+            <a:endParaRPr lang="pt-BR" dirty="0"/>
+          </a:p>
+        </p:txBody>
+      </p:sp>
+      <p:sp>
+        <p:nvSpPr>
           <p:cNvPr id="2" name="Espaço Reservado para Conteúdo 1"/>
           <p:cNvSpPr>
             <a:spLocks noGrp="1"/>
@@ -4635,29 +5030,6 @@
             <a:r>
               <a:rPr lang="pt-BR" dirty="0" smtClean="0"/>
               <a:t>Script das Consultas;</a:t>
-            </a:r>
-            <a:endParaRPr lang="pt-BR" dirty="0"/>
-          </a:p>
-        </p:txBody>
-      </p:sp>
-      <p:sp>
-        <p:nvSpPr>
-          <p:cNvPr id="3" name="Título 2"/>
-          <p:cNvSpPr>
-            <a:spLocks noGrp="1"/>
-          </p:cNvSpPr>
-          <p:nvPr>
-            <p:ph type="title"/>
-          </p:nvPr>
-        </p:nvSpPr>
-        <p:spPr/>
-        <p:txBody>
-          <a:bodyPr/>
-          <a:lstStyle/>
-          <a:p>
-            <a:r>
-              <a:rPr lang="pt-BR" dirty="0" smtClean="0"/>
-              <a:t>carga dos dados &amp; Consultas </a:t>
             </a:r>
             <a:endParaRPr lang="pt-BR" dirty="0"/>
           </a:p>
@@ -4702,6 +5074,29 @@
       </p:grpSpPr>
       <p:sp>
         <p:nvSpPr>
+          <p:cNvPr id="3" name="Título 2"/>
+          <p:cNvSpPr>
+            <a:spLocks noGrp="1"/>
+          </p:cNvSpPr>
+          <p:nvPr>
+            <p:ph type="title"/>
+          </p:nvPr>
+        </p:nvSpPr>
+        <p:spPr/>
+        <p:txBody>
+          <a:bodyPr/>
+          <a:lstStyle/>
+          <a:p>
+            <a:r>
+              <a:rPr lang="pt-BR" dirty="0" smtClean="0"/>
+              <a:t>sumário</a:t>
+            </a:r>
+            <a:endParaRPr lang="pt-BR" dirty="0"/>
+          </a:p>
+        </p:txBody>
+      </p:sp>
+      <p:sp>
+        <p:nvSpPr>
           <p:cNvPr id="2" name="Espaço Reservado para Conteúdo 1"/>
           <p:cNvSpPr>
             <a:spLocks noGrp="1"/>
@@ -4746,29 +5141,6 @@
               <a:t>Etapa 5: Consultas sobre o esquema normalizado;</a:t>
             </a:r>
             <a:endParaRPr lang="pt-BR" sz="2500" dirty="0"/>
-          </a:p>
-        </p:txBody>
-      </p:sp>
-      <p:sp>
-        <p:nvSpPr>
-          <p:cNvPr id="3" name="Título 2"/>
-          <p:cNvSpPr>
-            <a:spLocks noGrp="1"/>
-          </p:cNvSpPr>
-          <p:nvPr>
-            <p:ph type="title"/>
-          </p:nvPr>
-        </p:nvSpPr>
-        <p:spPr/>
-        <p:txBody>
-          <a:bodyPr/>
-          <a:lstStyle/>
-          <a:p>
-            <a:r>
-              <a:rPr lang="pt-BR" dirty="0" smtClean="0"/>
-              <a:t>sumário</a:t>
-            </a:r>
-            <a:endParaRPr lang="pt-BR" dirty="0"/>
           </a:p>
         </p:txBody>
       </p:sp>
@@ -4824,6 +5196,7 @@
           <a:bodyPr/>
           <a:lstStyle/>
           <a:p>
+            <a:pPr algn="ctr"/>
             <a:r>
               <a:rPr lang="pt-BR" dirty="0" smtClean="0"/>
               <a:t>Criação do banco desnormalizado</a:t>
@@ -4853,7 +5226,7 @@
         </p:blipFill>
         <p:spPr>
           <a:xfrm>
-            <a:off x="2957859" y="1700808"/>
+            <a:off x="2267744" y="2098438"/>
             <a:ext cx="2910285" cy="4743564"/>
           </a:xfrm>
           <a:prstGeom prst="rect">
@@ -4869,7 +5242,7 @@
         </p:nvSpPr>
         <p:spPr>
           <a:xfrm>
-            <a:off x="6084168" y="1690717"/>
+            <a:off x="5652120" y="2630309"/>
             <a:ext cx="2664296" cy="954107"/>
           </a:xfrm>
           <a:prstGeom prst="rect">
@@ -4950,9 +5323,18 @@
           <a:bodyPr/>
           <a:lstStyle/>
           <a:p>
+            <a:pPr algn="ctr"/>
             <a:r>
               <a:rPr lang="pt-BR" dirty="0" smtClean="0"/>
-              <a:t>Normalização &amp; modelagem</a:t>
+              <a:t>Normalização </a:t>
+            </a:r>
+            <a:r>
+              <a:rPr lang="pt-BR" dirty="0" smtClean="0"/>
+              <a:t>e </a:t>
+            </a:r>
+            <a:r>
+              <a:rPr lang="pt-BR" dirty="0" smtClean="0"/>
+              <a:t>modelagem</a:t>
             </a:r>
             <a:endParaRPr lang="pt-BR" dirty="0"/>
           </a:p>
@@ -5057,6 +5439,37 @@
       </p:grpSpPr>
       <p:sp>
         <p:nvSpPr>
+          <p:cNvPr id="2" name="Título 1"/>
+          <p:cNvSpPr>
+            <a:spLocks noGrp="1"/>
+          </p:cNvSpPr>
+          <p:nvPr>
+            <p:ph type="title"/>
+          </p:nvPr>
+        </p:nvSpPr>
+        <p:spPr/>
+        <p:txBody>
+          <a:bodyPr/>
+          <a:lstStyle/>
+          <a:p>
+            <a:pPr algn="ctr"/>
+            <a:r>
+              <a:rPr lang="pt-BR" dirty="0"/>
+              <a:t>Normalização </a:t>
+            </a:r>
+            <a:r>
+              <a:rPr lang="pt-BR" dirty="0" smtClean="0"/>
+              <a:t>e </a:t>
+            </a:r>
+            <a:r>
+              <a:rPr lang="pt-BR" dirty="0"/>
+              <a:t>modelagem</a:t>
+            </a:r>
+          </a:p>
+        </p:txBody>
+      </p:sp>
+      <p:sp>
+        <p:nvSpPr>
           <p:cNvPr id="3" name="Espaço Reservado para Conteúdo 2"/>
           <p:cNvSpPr>
             <a:spLocks noGrp="1"/>
@@ -5106,29 +5519,6 @@
           </a:p>
           <a:p>
             <a:endParaRPr lang="pt-BR" u="sng" dirty="0"/>
-          </a:p>
-        </p:txBody>
-      </p:sp>
-      <p:sp>
-        <p:nvSpPr>
-          <p:cNvPr id="2" name="Título 1"/>
-          <p:cNvSpPr>
-            <a:spLocks noGrp="1"/>
-          </p:cNvSpPr>
-          <p:nvPr>
-            <p:ph type="title"/>
-          </p:nvPr>
-        </p:nvSpPr>
-        <p:spPr/>
-        <p:txBody>
-          <a:bodyPr/>
-          <a:lstStyle/>
-          <a:p>
-            <a:r>
-              <a:rPr lang="pt-BR" dirty="0"/>
-              <a:t>Normalização &amp; modelagem</a:t>
-            </a:r>
-            <a:endParaRPr lang="pt-BR" dirty="0"/>
           </a:p>
         </p:txBody>
       </p:sp>
@@ -5171,6 +5561,37 @@
       </p:grpSpPr>
       <p:sp>
         <p:nvSpPr>
+          <p:cNvPr id="2" name="Título 1"/>
+          <p:cNvSpPr>
+            <a:spLocks noGrp="1"/>
+          </p:cNvSpPr>
+          <p:nvPr>
+            <p:ph type="title"/>
+          </p:nvPr>
+        </p:nvSpPr>
+        <p:spPr/>
+        <p:txBody>
+          <a:bodyPr/>
+          <a:lstStyle/>
+          <a:p>
+            <a:pPr algn="ctr"/>
+            <a:r>
+              <a:rPr lang="pt-BR" dirty="0"/>
+              <a:t>Normalização </a:t>
+            </a:r>
+            <a:r>
+              <a:rPr lang="pt-BR" dirty="0" smtClean="0"/>
+              <a:t>e </a:t>
+            </a:r>
+            <a:r>
+              <a:rPr lang="pt-BR" dirty="0"/>
+              <a:t>modelagem</a:t>
+            </a:r>
+          </a:p>
+        </p:txBody>
+      </p:sp>
+      <p:sp>
+        <p:nvSpPr>
           <p:cNvPr id="3" name="Espaço Reservado para Conteúdo 2"/>
           <p:cNvSpPr>
             <a:spLocks noGrp="1"/>
@@ -5225,36 +5646,13 @@
       </p:sp>
       <p:sp>
         <p:nvSpPr>
-          <p:cNvPr id="2" name="Título 1"/>
-          <p:cNvSpPr>
-            <a:spLocks noGrp="1"/>
-          </p:cNvSpPr>
-          <p:nvPr>
-            <p:ph type="title"/>
-          </p:nvPr>
-        </p:nvSpPr>
-        <p:spPr/>
-        <p:txBody>
-          <a:bodyPr/>
-          <a:lstStyle/>
-          <a:p>
-            <a:r>
-              <a:rPr lang="pt-BR" dirty="0"/>
-              <a:t>Normalização &amp; modelagem</a:t>
-            </a:r>
-            <a:endParaRPr lang="pt-BR" dirty="0"/>
-          </a:p>
-        </p:txBody>
-      </p:sp>
-      <p:sp>
-        <p:nvSpPr>
           <p:cNvPr id="4" name="CaixaDeTexto 3"/>
           <p:cNvSpPr txBox="1"/>
           <p:nvPr/>
         </p:nvSpPr>
         <p:spPr>
           <a:xfrm>
-            <a:off x="-1386543" y="2811993"/>
+            <a:off x="-1386543" y="3284984"/>
             <a:ext cx="7344816" cy="1323439"/>
           </a:xfrm>
           <a:prstGeom prst="rect">
@@ -5548,6 +5946,37 @@
       </p:grpSpPr>
       <p:sp>
         <p:nvSpPr>
+          <p:cNvPr id="2" name="Título 1"/>
+          <p:cNvSpPr>
+            <a:spLocks noGrp="1"/>
+          </p:cNvSpPr>
+          <p:nvPr>
+            <p:ph type="title"/>
+          </p:nvPr>
+        </p:nvSpPr>
+        <p:spPr/>
+        <p:txBody>
+          <a:bodyPr/>
+          <a:lstStyle/>
+          <a:p>
+            <a:pPr algn="ctr"/>
+            <a:r>
+              <a:rPr lang="pt-BR" dirty="0"/>
+              <a:t>Normalização </a:t>
+            </a:r>
+            <a:r>
+              <a:rPr lang="pt-BR" dirty="0" smtClean="0"/>
+              <a:t>e </a:t>
+            </a:r>
+            <a:r>
+              <a:rPr lang="pt-BR" dirty="0"/>
+              <a:t>modelagem</a:t>
+            </a:r>
+          </a:p>
+        </p:txBody>
+      </p:sp>
+      <p:sp>
+        <p:nvSpPr>
           <p:cNvPr id="3" name="Espaço Reservado para Conteúdo 2"/>
           <p:cNvSpPr>
             <a:spLocks noGrp="1"/>
@@ -5597,29 +6026,6 @@
           </a:p>
           <a:p>
             <a:endParaRPr lang="pt-BR" u="sng" dirty="0"/>
-          </a:p>
-        </p:txBody>
-      </p:sp>
-      <p:sp>
-        <p:nvSpPr>
-          <p:cNvPr id="2" name="Título 1"/>
-          <p:cNvSpPr>
-            <a:spLocks noGrp="1"/>
-          </p:cNvSpPr>
-          <p:nvPr>
-            <p:ph type="title"/>
-          </p:nvPr>
-        </p:nvSpPr>
-        <p:spPr/>
-        <p:txBody>
-          <a:bodyPr/>
-          <a:lstStyle/>
-          <a:p>
-            <a:r>
-              <a:rPr lang="pt-BR" dirty="0"/>
-              <a:t>Normalização &amp; modelagem</a:t>
-            </a:r>
-            <a:endParaRPr lang="pt-BR" dirty="0"/>
           </a:p>
         </p:txBody>
       </p:sp>
@@ -5716,16 +6122,19 @@
                   </a:schemeClr>
                 </a:solidFill>
               </a:rPr>
-              <a:t>contém dependências transitivas</a:t>
-            </a:r>
-            <a:endParaRPr lang="pt-BR" sz="2000" i="1" dirty="0">
-              <a:solidFill>
-                <a:schemeClr val="tx1">
-                  <a:lumMod val="65000"/>
-                  <a:lumOff val="35000"/>
-                </a:schemeClr>
-              </a:solidFill>
-            </a:endParaRPr>
+              <a:t>contém </a:t>
+            </a:r>
+            <a:r>
+              <a:rPr lang="pt-BR" sz="2000" b="1" i="1" dirty="0">
+                <a:solidFill>
+                  <a:schemeClr val="tx1">
+                    <a:lumMod val="65000"/>
+                    <a:lumOff val="35000"/>
+                  </a:schemeClr>
+                </a:solidFill>
+              </a:rPr>
+              <a:t>dependências transitivas</a:t>
+            </a:r>
           </a:p>
         </p:txBody>
       </p:sp>
@@ -5737,8 +6146,8 @@
         </p:nvSpPr>
         <p:spPr>
           <a:xfrm>
-            <a:off x="179512" y="2636912"/>
-            <a:ext cx="8784976" cy="1200329"/>
+            <a:off x="251520" y="3212976"/>
+            <a:ext cx="8784976" cy="1477328"/>
           </a:xfrm>
           <a:prstGeom prst="rect">
             <a:avLst/>
@@ -5763,8 +6172,27 @@
                   </a:schemeClr>
                 </a:solidFill>
               </a:rPr>
-              <a:t>Dependências Funcionais:</a:t>
-            </a:r>
+              <a:t>Dependências </a:t>
+            </a:r>
+            <a:r>
+              <a:rPr lang="pt-BR" dirty="0" smtClean="0">
+                <a:solidFill>
+                  <a:schemeClr val="tx1">
+                    <a:lumMod val="65000"/>
+                    <a:lumOff val="35000"/>
+                  </a:schemeClr>
+                </a:solidFill>
+              </a:rPr>
+              <a:t>Funcionais Transitivas:</a:t>
+            </a:r>
+            <a:endParaRPr lang="pt-BR" dirty="0" smtClean="0">
+              <a:solidFill>
+                <a:schemeClr val="tx1">
+                  <a:lumMod val="65000"/>
+                  <a:lumOff val="35000"/>
+                </a:schemeClr>
+              </a:solidFill>
+            </a:endParaRPr>
           </a:p>
           <a:p>
             <a:endParaRPr lang="pt-BR" dirty="0">
@@ -5799,7 +6227,18 @@
                   </a:schemeClr>
                 </a:solidFill>
               </a:rPr>
-              <a:t>Documento -&gt; nome, uf, cidade, cep</a:t>
+              <a:t>Documento -&gt; nome, uf, </a:t>
+            </a:r>
+            <a:r>
+              <a:rPr lang="pt-BR" dirty="0" smtClean="0">
+                <a:solidFill>
+                  <a:schemeClr val="tx1">
+                    <a:lumMod val="65000"/>
+                    <a:lumOff val="35000"/>
+                  </a:schemeClr>
+                </a:solidFill>
+              </a:rPr>
+              <a:t>cidade, cep</a:t>
             </a:r>
             <a:endParaRPr lang="pt-BR" dirty="0">
               <a:solidFill>
@@ -5851,6 +6290,36 @@
       </p:grpSpPr>
       <p:sp>
         <p:nvSpPr>
+          <p:cNvPr id="3" name="Título 2"/>
+          <p:cNvSpPr>
+            <a:spLocks noGrp="1"/>
+          </p:cNvSpPr>
+          <p:nvPr>
+            <p:ph type="title"/>
+          </p:nvPr>
+        </p:nvSpPr>
+        <p:spPr/>
+        <p:txBody>
+          <a:bodyPr/>
+          <a:lstStyle/>
+          <a:p>
+            <a:r>
+              <a:rPr lang="pt-BR" dirty="0"/>
+              <a:t>Normalização </a:t>
+            </a:r>
+            <a:r>
+              <a:rPr lang="pt-BR" dirty="0" smtClean="0"/>
+              <a:t>e </a:t>
+            </a:r>
+            <a:r>
+              <a:rPr lang="pt-BR" dirty="0"/>
+              <a:t>modelagem</a:t>
+            </a:r>
+          </a:p>
+        </p:txBody>
+      </p:sp>
+      <p:sp>
+        <p:nvSpPr>
           <p:cNvPr id="2" name="Espaço Reservado para Conteúdo 1"/>
           <p:cNvSpPr>
             <a:spLocks noGrp="1"/>
@@ -5861,7 +6330,7 @@
         </p:nvSpPr>
         <p:spPr>
           <a:xfrm>
-            <a:off x="380999" y="1757896"/>
+            <a:off x="395536" y="2261952"/>
             <a:ext cx="8407893" cy="4407408"/>
           </a:xfrm>
         </p:spPr>
@@ -5948,28 +6417,6 @@
           </a:p>
           <a:p>
             <a:endParaRPr lang="pt-BR" dirty="0"/>
-          </a:p>
-        </p:txBody>
-      </p:sp>
-      <p:sp>
-        <p:nvSpPr>
-          <p:cNvPr id="3" name="Título 2"/>
-          <p:cNvSpPr>
-            <a:spLocks noGrp="1"/>
-          </p:cNvSpPr>
-          <p:nvPr>
-            <p:ph type="title"/>
-          </p:nvPr>
-        </p:nvSpPr>
-        <p:spPr/>
-        <p:txBody>
-          <a:bodyPr/>
-          <a:lstStyle/>
-          <a:p>
-            <a:r>
-              <a:rPr lang="pt-BR" dirty="0"/>
-              <a:t>Normalização &amp; modelagem</a:t>
-            </a:r>
           </a:p>
         </p:txBody>
       </p:sp>
@@ -6012,6 +6459,36 @@
       </p:grpSpPr>
       <p:sp>
         <p:nvSpPr>
+          <p:cNvPr id="3" name="Título 2"/>
+          <p:cNvSpPr>
+            <a:spLocks noGrp="1"/>
+          </p:cNvSpPr>
+          <p:nvPr>
+            <p:ph type="title"/>
+          </p:nvPr>
+        </p:nvSpPr>
+        <p:spPr/>
+        <p:txBody>
+          <a:bodyPr/>
+          <a:lstStyle/>
+          <a:p>
+            <a:r>
+              <a:rPr lang="pt-BR" dirty="0"/>
+              <a:t>Normalização </a:t>
+            </a:r>
+            <a:r>
+              <a:rPr lang="pt-BR" dirty="0" smtClean="0"/>
+              <a:t>e </a:t>
+            </a:r>
+            <a:r>
+              <a:rPr lang="pt-BR" dirty="0"/>
+              <a:t>modelagem</a:t>
+            </a:r>
+          </a:p>
+        </p:txBody>
+      </p:sp>
+      <p:sp>
+        <p:nvSpPr>
           <p:cNvPr id="2" name="Espaço Reservado para Conteúdo 1"/>
           <p:cNvSpPr>
             <a:spLocks noGrp="1"/>
@@ -6022,7 +6499,7 @@
         </p:nvSpPr>
         <p:spPr>
           <a:xfrm>
-            <a:off x="380999" y="1757896"/>
+            <a:off x="395536" y="2261952"/>
             <a:ext cx="8407893" cy="4407408"/>
           </a:xfrm>
         </p:spPr>
@@ -6114,35 +6591,13 @@
       </p:sp>
       <p:sp>
         <p:nvSpPr>
-          <p:cNvPr id="3" name="Título 2"/>
-          <p:cNvSpPr>
-            <a:spLocks noGrp="1"/>
-          </p:cNvSpPr>
-          <p:nvPr>
-            <p:ph type="title"/>
-          </p:nvPr>
-        </p:nvSpPr>
-        <p:spPr/>
-        <p:txBody>
-          <a:bodyPr/>
-          <a:lstStyle/>
-          <a:p>
-            <a:r>
-              <a:rPr lang="pt-BR" dirty="0"/>
-              <a:t>Normalização &amp; modelagem</a:t>
-            </a:r>
-          </a:p>
-        </p:txBody>
-      </p:sp>
-      <p:sp>
-        <p:nvSpPr>
           <p:cNvPr id="4" name="Retângulo 3"/>
           <p:cNvSpPr/>
           <p:nvPr/>
         </p:nvSpPr>
         <p:spPr>
           <a:xfrm>
-            <a:off x="5940152" y="1700808"/>
+            <a:off x="5436096" y="2272448"/>
             <a:ext cx="2304000" cy="576064"/>
           </a:xfrm>
           <a:prstGeom prst="rect">
@@ -6201,9 +6656,9 @@
 </file>
 
 <file path=ppt/theme/theme1.xml><?xml version="1.0" encoding="utf-8"?>
-<a:theme xmlns:a="http://schemas.openxmlformats.org/drawingml/2006/main" name="Grade">
+<a:theme xmlns:a="http://schemas.openxmlformats.org/drawingml/2006/main" name="Urbano">
   <a:themeElements>
-    <a:clrScheme name="Grade">
+    <a:clrScheme name="Urbano">
       <a:dk1>
         <a:sysClr val="windowText" lastClr="000000"/>
       </a:dk1>
@@ -6211,47 +6666,47 @@
         <a:sysClr val="window" lastClr="FFFFFF"/>
       </a:lt1>
       <a:dk2>
-        <a:srgbClr val="534949"/>
+        <a:srgbClr val="424456"/>
       </a:dk2>
       <a:lt2>
-        <a:srgbClr val="CCD1B9"/>
+        <a:srgbClr val="DEDEDE"/>
       </a:lt2>
       <a:accent1>
-        <a:srgbClr val="C66951"/>
+        <a:srgbClr val="53548A"/>
       </a:accent1>
       <a:accent2>
-        <a:srgbClr val="BF974D"/>
+        <a:srgbClr val="438086"/>
       </a:accent2>
       <a:accent3>
-        <a:srgbClr val="928B70"/>
+        <a:srgbClr val="A04DA3"/>
       </a:accent3>
       <a:accent4>
-        <a:srgbClr val="87706B"/>
+        <a:srgbClr val="C4652D"/>
       </a:accent4>
       <a:accent5>
-        <a:srgbClr val="94734E"/>
+        <a:srgbClr val="8B5D3D"/>
       </a:accent5>
       <a:accent6>
-        <a:srgbClr val="6F777D"/>
+        <a:srgbClr val="5C92B5"/>
       </a:accent6>
       <a:hlink>
-        <a:srgbClr val="CC9900"/>
+        <a:srgbClr val="67AFBD"/>
       </a:hlink>
       <a:folHlink>
-        <a:srgbClr val="C0C0C0"/>
+        <a:srgbClr val="C2A874"/>
       </a:folHlink>
     </a:clrScheme>
-    <a:fontScheme name="Grade">
+    <a:fontScheme name="Urbano">
       <a:majorFont>
-        <a:latin typeface="Franklin Gothic Medium"/>
+        <a:latin typeface="Trebuchet MS"/>
         <a:ea typeface=""/>
         <a:cs typeface=""/>
-        <a:font script="Jpan" typeface="HG創英角ｺﾞｼｯｸUB"/>
-        <a:font script="Hang" typeface="HY견고딕"/>
-        <a:font script="Hans" typeface="微软雅黑"/>
+        <a:font script="Jpan" typeface="HGｺﾞｼｯｸM"/>
+        <a:font script="Hang" typeface="맑은 고딕"/>
+        <a:font script="Hans" typeface="方正姚体"/>
         <a:font script="Hant" typeface="微軟正黑體"/>
-        <a:font script="Arab" typeface="Arial Bold"/>
-        <a:font script="Hebr" typeface="Arial Bold"/>
+        <a:font script="Arab" typeface="Tahoma"/>
+        <a:font script="Hebr" typeface="Arial"/>
         <a:font script="Thai" typeface="Cordia New"/>
         <a:font script="Ethi" typeface="Nyala"/>
         <a:font script="Beng" typeface="Vrinda"/>
@@ -6273,25 +6728,25 @@
         <a:font script="Laoo" typeface="DokChampa"/>
         <a:font script="Sinh" typeface="Iskoola Pota"/>
         <a:font script="Mong" typeface="Mongolian Baiti"/>
-        <a:font script="Viet" typeface="Arial Bold"/>
+        <a:font script="Viet" typeface="Tahoma"/>
         <a:font script="Uigh" typeface="Microsoft Uighur"/>
         <a:font script="Geor" typeface="Sylfaen"/>
       </a:majorFont>
       <a:minorFont>
-        <a:latin typeface="Franklin Gothic Medium"/>
+        <a:latin typeface="Georgia"/>
         <a:ea typeface=""/>
         <a:cs typeface=""/>
-        <a:font script="Jpan" typeface="HG創英角ｺﾞｼｯｸUB"/>
-        <a:font script="Hang" typeface="HY견고딕"/>
-        <a:font script="Hans" typeface="微软雅黑"/>
-        <a:font script="Hant" typeface="微軟正黑體"/>
-        <a:font script="Arab" typeface="Arial Bold"/>
-        <a:font script="Hebr" typeface="Arial Bold"/>
-        <a:font script="Thai" typeface="Cordia New"/>
+        <a:font script="Jpan" typeface="HG明朝B"/>
+        <a:font script="Hang" typeface="맑은 고딕"/>
+        <a:font script="Hans" typeface="宋体"/>
+        <a:font script="Hant" typeface="新細明體"/>
+        <a:font script="Arab" typeface="Arial"/>
+        <a:font script="Hebr" typeface="Times New Roman"/>
+        <a:font script="Thai" typeface="Angsana New"/>
         <a:font script="Ethi" typeface="Nyala"/>
         <a:font script="Beng" typeface="Vrinda"/>
         <a:font script="Gujr" typeface="Shruti"/>
-        <a:font script="Khmr" typeface="DaunPenh"/>
+        <a:font script="Khmr" typeface="MoolBoran"/>
         <a:font script="Knda" typeface="Tunga"/>
         <a:font script="Guru" typeface="Raavi"/>
         <a:font script="Cans" typeface="Euphemia"/>
@@ -6308,29 +6763,53 @@
         <a:font script="Laoo" typeface="DokChampa"/>
         <a:font script="Sinh" typeface="Iskoola Pota"/>
         <a:font script="Mong" typeface="Mongolian Baiti"/>
-        <a:font script="Viet" typeface="Arial Bold"/>
+        <a:font script="Viet" typeface="Times New Roman"/>
         <a:font script="Uigh" typeface="Microsoft Uighur"/>
         <a:font script="Geor" typeface="Sylfaen"/>
       </a:minorFont>
     </a:fontScheme>
-    <a:fmtScheme name="Grade">
+    <a:fmtScheme name="Urbano">
       <a:fillStyleLst>
         <a:solidFill>
           <a:schemeClr val="phClr"/>
         </a:solidFill>
-        <a:solidFill>
-          <a:schemeClr val="phClr">
-            <a:tint val="50000"/>
-          </a:schemeClr>
-        </a:solidFill>
         <a:gradFill rotWithShape="1">
           <a:gsLst>
             <a:gs pos="0">
-              <a:schemeClr val="phClr"/>
+              <a:schemeClr val="phClr">
+                <a:tint val="1000"/>
+                <a:satMod val="255000"/>
+              </a:schemeClr>
             </a:gs>
-            <a:gs pos="90000">
+            <a:gs pos="55000">
               <a:schemeClr val="phClr">
-                <a:shade val="100000"/>
+                <a:tint val="12000"/>
+                <a:satMod val="255000"/>
+              </a:schemeClr>
+            </a:gs>
+            <a:gs pos="100000">
+              <a:schemeClr val="phClr">
+                <a:tint val="45000"/>
+                <a:satMod val="250000"/>
+              </a:schemeClr>
+            </a:gs>
+          </a:gsLst>
+          <a:path path="circle">
+            <a:fillToRect l="-40000" t="-90000" r="140000" b="190000"/>
+          </a:path>
+        </a:gradFill>
+        <a:gradFill rotWithShape="1">
+          <a:gsLst>
+            <a:gs pos="0">
+              <a:schemeClr val="phClr">
+                <a:tint val="43000"/>
+                <a:satMod val="165000"/>
+              </a:schemeClr>
+            </a:gs>
+            <a:gs pos="55000">
+              <a:schemeClr val="phClr">
+                <a:tint val="83000"/>
+                <a:satMod val="155000"/>
               </a:schemeClr>
             </a:gs>
             <a:gs pos="100000">
@@ -6340,12 +6819,12 @@
             </a:gs>
           </a:gsLst>
           <a:path path="circle">
-            <a:fillToRect l="100000" t="100000" r="100000" b="100000"/>
+            <a:fillToRect l="-40000" t="-90000" r="140000" b="190000"/>
           </a:path>
         </a:gradFill>
       </a:fillStyleLst>
       <a:lnStyleLst>
-        <a:ln w="10000" cap="flat" cmpd="sng" algn="ctr">
+        <a:ln w="9525" cap="flat" cmpd="sng" algn="ctr">
           <a:solidFill>
             <a:schemeClr val="phClr"/>
           </a:solidFill>
@@ -6357,7 +6836,7 @@
           </a:solidFill>
           <a:prstDash val="solid"/>
         </a:ln>
-        <a:ln w="47625" cap="flat" cmpd="dbl" algn="ctr">
+        <a:ln w="31750" cap="flat" cmpd="sng" algn="ctr">
           <a:solidFill>
             <a:schemeClr val="phClr"/>
           </a:solidFill>
@@ -6366,36 +6845,44 @@
       </a:lnStyleLst>
       <a:effectStyleLst>
         <a:effectStyle>
-          <a:effectLst/>
-        </a:effectStyle>
-        <a:effectStyle>
           <a:effectLst>
-            <a:outerShdw blurRad="31750" dist="25400" dir="5400000" rotWithShape="0">
+            <a:outerShdw blurRad="51500" dist="25400" dir="5400000" rotWithShape="0">
               <a:srgbClr val="000000">
-                <a:alpha val="50000"/>
+                <a:alpha val="40000"/>
               </a:srgbClr>
             </a:outerShdw>
           </a:effectLst>
         </a:effectStyle>
         <a:effectStyle>
           <a:effectLst>
-            <a:outerShdw blurRad="38100" dist="25400" dir="5400000" rotWithShape="0">
+            <a:outerShdw blurRad="50800" dist="25400" dir="5400000" rotWithShape="0">
+              <a:srgbClr val="000000">
+                <a:alpha val="45000"/>
+              </a:srgbClr>
+            </a:outerShdw>
+          </a:effectLst>
+        </a:effectStyle>
+        <a:effectStyle>
+          <a:effectLst>
+            <a:outerShdw blurRad="50800" dist="25400" dir="5400000" rotWithShape="0">
               <a:srgbClr val="000000">
                 <a:alpha val="45000"/>
               </a:srgbClr>
             </a:outerShdw>
           </a:effectLst>
           <a:scene3d>
-            <a:camera prst="orthographicFront">
+            <a:camera prst="orthographicFront" fov="0">
               <a:rot lat="0" lon="0" rev="0"/>
             </a:camera>
-            <a:lightRig rig="brightRoom" dir="t"/>
+            <a:lightRig rig="flat" dir="t">
+              <a:rot lat="0" lon="0" rev="20040000"/>
+            </a:lightRig>
           </a:scene3d>
-          <a:sp3d extrusionH="12700" contourW="25400" prstMaterial="flat">
-            <a:bevelT w="63500" h="152400" prst="angle"/>
+          <a:sp3d contourW="12700" prstMaterial="dkEdge">
+            <a:bevelT w="25400" h="38100" prst="convex"/>
             <a:contourClr>
               <a:schemeClr val="phClr">
-                <a:shade val="30000"/>
+                <a:satMod val="115000"/>
               </a:schemeClr>
             </a:contourClr>
           </a:sp3d>
@@ -6405,26 +6892,42 @@
         <a:solidFill>
           <a:schemeClr val="phClr"/>
         </a:solidFill>
-        <a:solidFill>
-          <a:schemeClr val="phClr">
-            <a:tint val="90000"/>
-            <a:shade val="93000"/>
-            <a:satMod val="150000"/>
-          </a:schemeClr>
-        </a:solidFill>
-        <a:blipFill rotWithShape="1">
+        <a:gradFill rotWithShape="1">
+          <a:gsLst>
+            <a:gs pos="100000">
+              <a:schemeClr val="phClr">
+                <a:tint val="80000"/>
+                <a:satMod val="250000"/>
+              </a:schemeClr>
+            </a:gs>
+            <a:gs pos="60000">
+              <a:schemeClr val="phClr">
+                <a:shade val="38000"/>
+                <a:satMod val="175000"/>
+              </a:schemeClr>
+            </a:gs>
+            <a:gs pos="0">
+              <a:schemeClr val="phClr">
+                <a:shade val="30000"/>
+                <a:satMod val="175000"/>
+              </a:schemeClr>
+            </a:gs>
+          </a:gsLst>
+          <a:lin ang="5400000" scaled="0"/>
+        </a:gradFill>
+        <a:blipFill>
           <a:blip xmlns:r="http://schemas.openxmlformats.org/officeDocument/2006/relationships" r:embed="rId1">
             <a:duotone>
               <a:schemeClr val="phClr">
-                <a:tint val="95000"/>
+                <a:shade val="48000"/>
               </a:schemeClr>
               <a:schemeClr val="phClr">
-                <a:shade val="93000"/>
-                <a:satMod val="110000"/>
+                <a:tint val="96000"/>
+                <a:satMod val="150000"/>
               </a:schemeClr>
             </a:duotone>
           </a:blip>
-          <a:tile tx="0" ty="0" sx="100000" sy="100000" flip="none" algn="tl"/>
+          <a:tile tx="0" ty="0" sx="80000" sy="80000" flip="none" algn="tl"/>
         </a:blipFill>
       </a:bgFillStyleLst>
     </a:fmtScheme>
